--- a/figures/pics for NMR lectures.pptx
+++ b/figures/pics for NMR lectures.pptx
@@ -310,7 +310,7 @@
           <a:p>
             <a:fld id="{D98A8B21-A5DE-4FDD-84FC-FB32FCF8106F}" type="datetimeFigureOut">
               <a:rPr lang="en-GB" smtClean="0"/>
-              <a:t>03/08/2017</a:t>
+              <a:t>04/08/2017</a:t>
             </a:fld>
             <a:endParaRPr lang="en-GB"/>
           </a:p>
@@ -877,7 +877,7 @@
           <a:p>
             <a:fld id="{D31532C7-002A-42CF-8CCE-521F7F2F004A}" type="datetimeFigureOut">
               <a:rPr lang="en-GB" smtClean="0"/>
-              <a:t>03/08/2017</a:t>
+              <a:t>04/08/2017</a:t>
             </a:fld>
             <a:endParaRPr lang="en-GB"/>
           </a:p>
@@ -1047,7 +1047,7 @@
           <a:p>
             <a:fld id="{D31532C7-002A-42CF-8CCE-521F7F2F004A}" type="datetimeFigureOut">
               <a:rPr lang="en-GB" smtClean="0"/>
-              <a:t>03/08/2017</a:t>
+              <a:t>04/08/2017</a:t>
             </a:fld>
             <a:endParaRPr lang="en-GB"/>
           </a:p>
@@ -1227,7 +1227,7 @@
           <a:p>
             <a:fld id="{D31532C7-002A-42CF-8CCE-521F7F2F004A}" type="datetimeFigureOut">
               <a:rPr lang="en-GB" smtClean="0"/>
-              <a:t>03/08/2017</a:t>
+              <a:t>04/08/2017</a:t>
             </a:fld>
             <a:endParaRPr lang="en-GB"/>
           </a:p>
@@ -1397,7 +1397,7 @@
           <a:p>
             <a:fld id="{D31532C7-002A-42CF-8CCE-521F7F2F004A}" type="datetimeFigureOut">
               <a:rPr lang="en-GB" smtClean="0"/>
-              <a:t>03/08/2017</a:t>
+              <a:t>04/08/2017</a:t>
             </a:fld>
             <a:endParaRPr lang="en-GB"/>
           </a:p>
@@ -1643,7 +1643,7 @@
           <a:p>
             <a:fld id="{D31532C7-002A-42CF-8CCE-521F7F2F004A}" type="datetimeFigureOut">
               <a:rPr lang="en-GB" smtClean="0"/>
-              <a:t>03/08/2017</a:t>
+              <a:t>04/08/2017</a:t>
             </a:fld>
             <a:endParaRPr lang="en-GB"/>
           </a:p>
@@ -1875,7 +1875,7 @@
           <a:p>
             <a:fld id="{D31532C7-002A-42CF-8CCE-521F7F2F004A}" type="datetimeFigureOut">
               <a:rPr lang="en-GB" smtClean="0"/>
-              <a:t>03/08/2017</a:t>
+              <a:t>04/08/2017</a:t>
             </a:fld>
             <a:endParaRPr lang="en-GB"/>
           </a:p>
@@ -2242,7 +2242,7 @@
           <a:p>
             <a:fld id="{D31532C7-002A-42CF-8CCE-521F7F2F004A}" type="datetimeFigureOut">
               <a:rPr lang="en-GB" smtClean="0"/>
-              <a:t>03/08/2017</a:t>
+              <a:t>04/08/2017</a:t>
             </a:fld>
             <a:endParaRPr lang="en-GB"/>
           </a:p>
@@ -2360,7 +2360,7 @@
           <a:p>
             <a:fld id="{D31532C7-002A-42CF-8CCE-521F7F2F004A}" type="datetimeFigureOut">
               <a:rPr lang="en-GB" smtClean="0"/>
-              <a:t>03/08/2017</a:t>
+              <a:t>04/08/2017</a:t>
             </a:fld>
             <a:endParaRPr lang="en-GB"/>
           </a:p>
@@ -2455,7 +2455,7 @@
           <a:p>
             <a:fld id="{D31532C7-002A-42CF-8CCE-521F7F2F004A}" type="datetimeFigureOut">
               <a:rPr lang="en-GB" smtClean="0"/>
-              <a:t>03/08/2017</a:t>
+              <a:t>04/08/2017</a:t>
             </a:fld>
             <a:endParaRPr lang="en-GB"/>
           </a:p>
@@ -2732,7 +2732,7 @@
           <a:p>
             <a:fld id="{D31532C7-002A-42CF-8CCE-521F7F2F004A}" type="datetimeFigureOut">
               <a:rPr lang="en-GB" smtClean="0"/>
-              <a:t>03/08/2017</a:t>
+              <a:t>04/08/2017</a:t>
             </a:fld>
             <a:endParaRPr lang="en-GB"/>
           </a:p>
@@ -2985,7 +2985,7 @@
           <a:p>
             <a:fld id="{D31532C7-002A-42CF-8CCE-521F7F2F004A}" type="datetimeFigureOut">
               <a:rPr lang="en-GB" smtClean="0"/>
-              <a:t>03/08/2017</a:t>
+              <a:t>04/08/2017</a:t>
             </a:fld>
             <a:endParaRPr lang="en-GB"/>
           </a:p>
@@ -3198,7 +3198,7 @@
           <a:p>
             <a:fld id="{D31532C7-002A-42CF-8CCE-521F7F2F004A}" type="datetimeFigureOut">
               <a:rPr lang="en-GB" smtClean="0"/>
-              <a:t>03/08/2017</a:t>
+              <a:t>04/08/2017</a:t>
             </a:fld>
             <a:endParaRPr lang="en-GB"/>
           </a:p>
@@ -39421,30 +39421,227 @@
           <a:chExt cx="0" cy="0"/>
         </a:xfrm>
       </p:grpSpPr>
-      <p:pic>
-        <p:nvPicPr>
-          <p:cNvPr id="4" name="Picture 3"/>
-          <p:cNvPicPr>
-            <a:picLocks noChangeAspect="1"/>
-          </p:cNvPicPr>
+      <p:grpSp>
+        <p:nvGrpSpPr>
+          <p:cNvPr id="21" name="Group 20"/>
+          <p:cNvGrpSpPr/>
           <p:nvPr/>
-        </p:nvPicPr>
-        <p:blipFill>
-          <a:blip r:embed="rId2"/>
-          <a:stretch>
-            <a:fillRect/>
-          </a:stretch>
-        </p:blipFill>
-        <p:spPr>
+        </p:nvGrpSpPr>
+        <p:grpSpPr>
           <a:xfrm>
-            <a:off x="2339543" y="765431"/>
-            <a:ext cx="7062748" cy="5411532"/>
+            <a:off x="1304063" y="1379793"/>
+            <a:ext cx="8794851" cy="4820238"/>
+            <a:chOff x="804000" y="765431"/>
+            <a:chExt cx="8794851" cy="4820238"/>
           </a:xfrm>
-          <a:prstGeom prst="rect">
-            <a:avLst/>
-          </a:prstGeom>
-        </p:spPr>
-      </p:pic>
+        </p:grpSpPr>
+        <p:pic>
+          <p:nvPicPr>
+            <p:cNvPr id="4" name="Picture 3"/>
+            <p:cNvPicPr>
+              <a:picLocks noChangeAspect="1"/>
+            </p:cNvPicPr>
+            <p:nvPr/>
+          </p:nvPicPr>
+          <p:blipFill>
+            <a:blip r:embed="rId2"/>
+            <a:stretch>
+              <a:fillRect/>
+            </a:stretch>
+          </p:blipFill>
+          <p:spPr>
+            <a:xfrm>
+              <a:off x="2339543" y="765431"/>
+              <a:ext cx="5702470" cy="4369277"/>
+            </a:xfrm>
+            <a:prstGeom prst="rect">
+              <a:avLst/>
+            </a:prstGeom>
+          </p:spPr>
+        </p:pic>
+        <p:pic>
+          <p:nvPicPr>
+            <p:cNvPr id="6" name="Picture 5"/>
+            <p:cNvPicPr>
+              <a:picLocks noChangeAspect="1"/>
+            </p:cNvPicPr>
+            <p:nvPr/>
+          </p:nvPicPr>
+          <p:blipFill>
+            <a:blip r:embed="rId3"/>
+            <a:stretch>
+              <a:fillRect/>
+            </a:stretch>
+          </p:blipFill>
+          <p:spPr>
+            <a:xfrm>
+              <a:off x="804000" y="1178282"/>
+              <a:ext cx="1981634" cy="787594"/>
+            </a:xfrm>
+            <a:prstGeom prst="rect">
+              <a:avLst/>
+            </a:prstGeom>
+          </p:spPr>
+        </p:pic>
+        <p:pic>
+          <p:nvPicPr>
+            <p:cNvPr id="7" name="Picture 6"/>
+            <p:cNvPicPr>
+              <a:picLocks noChangeAspect="1"/>
+            </p:cNvPicPr>
+            <p:nvPr/>
+          </p:nvPicPr>
+          <p:blipFill>
+            <a:blip r:embed="rId4"/>
+            <a:stretch>
+              <a:fillRect/>
+            </a:stretch>
+          </p:blipFill>
+          <p:spPr>
+            <a:xfrm>
+              <a:off x="7820461" y="1553025"/>
+              <a:ext cx="1778390" cy="825703"/>
+            </a:xfrm>
+            <a:prstGeom prst="rect">
+              <a:avLst/>
+            </a:prstGeom>
+          </p:spPr>
+        </p:pic>
+        <p:pic>
+          <p:nvPicPr>
+            <p:cNvPr id="8" name="Picture 7"/>
+            <p:cNvPicPr>
+              <a:picLocks noChangeAspect="1"/>
+            </p:cNvPicPr>
+            <p:nvPr/>
+          </p:nvPicPr>
+          <p:blipFill>
+            <a:blip r:embed="rId5"/>
+            <a:stretch>
+              <a:fillRect/>
+            </a:stretch>
+          </p:blipFill>
+          <p:spPr>
+            <a:xfrm>
+              <a:off x="3007186" y="4683747"/>
+              <a:ext cx="3099479" cy="901922"/>
+            </a:xfrm>
+            <a:prstGeom prst="rect">
+              <a:avLst/>
+            </a:prstGeom>
+          </p:spPr>
+        </p:pic>
+        <p:cxnSp>
+          <p:nvCxnSpPr>
+            <p:cNvPr id="10" name="Straight Arrow Connector 9"/>
+            <p:cNvCxnSpPr/>
+            <p:nvPr/>
+          </p:nvCxnSpPr>
+          <p:spPr>
+            <a:xfrm flipV="1">
+              <a:off x="3770142" y="3995946"/>
+              <a:ext cx="1630533" cy="730800"/>
+            </a:xfrm>
+            <a:prstGeom prst="straightConnector1">
+              <a:avLst/>
+            </a:prstGeom>
+            <a:ln w="38100">
+              <a:solidFill>
+                <a:srgbClr val="FF0000"/>
+              </a:solidFill>
+              <a:tailEnd type="triangle"/>
+            </a:ln>
+          </p:spPr>
+          <p:style>
+            <a:lnRef idx="3">
+              <a:schemeClr val="accent2"/>
+            </a:lnRef>
+            <a:fillRef idx="0">
+              <a:schemeClr val="accent2"/>
+            </a:fillRef>
+            <a:effectRef idx="2">
+              <a:schemeClr val="accent2"/>
+            </a:effectRef>
+            <a:fontRef idx="minor">
+              <a:schemeClr val="tx1"/>
+            </a:fontRef>
+          </p:style>
+        </p:cxnSp>
+        <p:cxnSp>
+          <p:nvCxnSpPr>
+            <p:cNvPr id="11" name="Straight Arrow Connector 10"/>
+            <p:cNvCxnSpPr/>
+            <p:nvPr/>
+          </p:nvCxnSpPr>
+          <p:spPr>
+            <a:xfrm>
+              <a:off x="2785634" y="1757363"/>
+              <a:ext cx="826824" cy="14287"/>
+            </a:xfrm>
+            <a:prstGeom prst="straightConnector1">
+              <a:avLst/>
+            </a:prstGeom>
+            <a:ln w="38100">
+              <a:solidFill>
+                <a:srgbClr val="FF0000"/>
+              </a:solidFill>
+              <a:tailEnd type="triangle"/>
+            </a:ln>
+          </p:spPr>
+          <p:style>
+            <a:lnRef idx="3">
+              <a:schemeClr val="accent2"/>
+            </a:lnRef>
+            <a:fillRef idx="0">
+              <a:schemeClr val="accent2"/>
+            </a:fillRef>
+            <a:effectRef idx="2">
+              <a:schemeClr val="accent2"/>
+            </a:effectRef>
+            <a:fontRef idx="minor">
+              <a:schemeClr val="tx1"/>
+            </a:fontRef>
+          </p:style>
+        </p:cxnSp>
+        <p:cxnSp>
+          <p:nvCxnSpPr>
+            <p:cNvPr id="14" name="Straight Arrow Connector 13"/>
+            <p:cNvCxnSpPr>
+              <a:stCxn id="7" idx="1"/>
+            </p:cNvCxnSpPr>
+            <p:nvPr/>
+          </p:nvCxnSpPr>
+          <p:spPr>
+            <a:xfrm flipH="1" flipV="1">
+              <a:off x="7215189" y="1965876"/>
+              <a:ext cx="605272" cy="1"/>
+            </a:xfrm>
+            <a:prstGeom prst="straightConnector1">
+              <a:avLst/>
+            </a:prstGeom>
+            <a:ln w="38100">
+              <a:solidFill>
+                <a:srgbClr val="FF0000"/>
+              </a:solidFill>
+              <a:tailEnd type="triangle"/>
+            </a:ln>
+          </p:spPr>
+          <p:style>
+            <a:lnRef idx="3">
+              <a:schemeClr val="accent2"/>
+            </a:lnRef>
+            <a:fillRef idx="0">
+              <a:schemeClr val="accent2"/>
+            </a:fillRef>
+            <a:effectRef idx="2">
+              <a:schemeClr val="accent2"/>
+            </a:effectRef>
+            <a:fontRef idx="minor">
+              <a:schemeClr val="tx1"/>
+            </a:fontRef>
+          </p:style>
+        </p:cxnSp>
+      </p:grpSp>
     </p:spTree>
     <p:extLst>
       <p:ext uri="{BB962C8B-B14F-4D97-AF65-F5344CB8AC3E}">

--- a/figures/pics for NMR lectures.pptx
+++ b/figures/pics for NMR lectures.pptx
@@ -29706,6 +29706,13 @@
   <p:clrMapOvr>
     <a:masterClrMapping/>
   </p:clrMapOvr>
+  <p:timing>
+    <p:tnLst>
+      <p:par>
+        <p:cTn id="1" dur="indefinite" restart="never" nodeType="tmRoot"/>
+      </p:par>
+    </p:tnLst>
+  </p:timing>
 </p:sld>
 </file>
 
@@ -30379,6 +30386,13 @@
   <p:clrMapOvr>
     <a:masterClrMapping/>
   </p:clrMapOvr>
+  <p:timing>
+    <p:tnLst>
+      <p:par>
+        <p:cTn id="1" dur="indefinite" restart="never" nodeType="tmRoot"/>
+      </p:par>
+    </p:tnLst>
+  </p:timing>
 </p:sld>
 </file>
 
@@ -30748,6 +30762,13 @@
   <p:clrMapOvr>
     <a:masterClrMapping/>
   </p:clrMapOvr>
+  <p:timing>
+    <p:tnLst>
+      <p:par>
+        <p:cTn id="1" dur="indefinite" restart="never" nodeType="tmRoot"/>
+      </p:par>
+    </p:tnLst>
+  </p:timing>
 </p:sld>
 </file>
 
@@ -30819,6 +30840,13 @@
   <p:clrMapOvr>
     <a:masterClrMapping/>
   </p:clrMapOvr>
+  <p:timing>
+    <p:tnLst>
+      <p:par>
+        <p:cTn id="1" dur="indefinite" restart="never" nodeType="tmRoot"/>
+      </p:par>
+    </p:tnLst>
+  </p:timing>
 </p:sld>
 </file>
 
@@ -32202,6 +32230,13 @@
   <p:clrMapOvr>
     <a:masterClrMapping/>
   </p:clrMapOvr>
+  <p:timing>
+    <p:tnLst>
+      <p:par>
+        <p:cTn id="1" dur="indefinite" restart="never" nodeType="tmRoot"/>
+      </p:par>
+    </p:tnLst>
+  </p:timing>
 </p:sld>
 </file>
 
@@ -32485,395 +32520,39 @@
           </a:p>
         </p:txBody>
       </p:sp>
-      <p:sp>
-        <p:nvSpPr>
-          <p:cNvPr id="8" name="Rectangle 7"/>
-          <p:cNvSpPr/>
-          <p:nvPr/>
-        </p:nvSpPr>
-        <p:spPr>
-          <a:xfrm>
-            <a:off x="-838200" y="-3124200"/>
-            <a:ext cx="11019412" cy="10820400"/>
-          </a:xfrm>
-          <a:prstGeom prst="rect">
-            <a:avLst/>
-          </a:prstGeom>
-          <a:solidFill>
-            <a:schemeClr val="bg1"/>
-          </a:solidFill>
-          <a:ln>
-            <a:noFill/>
-          </a:ln>
-        </p:spPr>
-        <p:style>
-          <a:lnRef idx="2">
-            <a:schemeClr val="accent1">
-              <a:shade val="50000"/>
-            </a:schemeClr>
-          </a:lnRef>
-          <a:fillRef idx="1">
-            <a:schemeClr val="accent1"/>
-          </a:fillRef>
-          <a:effectRef idx="0">
-            <a:schemeClr val="accent1"/>
-          </a:effectRef>
-          <a:fontRef idx="minor">
-            <a:schemeClr val="lt1"/>
-          </a:fontRef>
-        </p:style>
-        <p:txBody>
-          <a:bodyPr rtlCol="0" anchor="ctr"/>
-          <a:lstStyle/>
-          <a:p>
-            <a:pPr algn="ctr"/>
-            <a:endParaRPr lang="en-GB"/>
-          </a:p>
-        </p:txBody>
-      </p:sp>
       <p:grpSp>
         <p:nvGrpSpPr>
-          <p:cNvPr id="14" name="Group 13"/>
+          <p:cNvPr id="4" name="Group 3"/>
           <p:cNvGrpSpPr/>
           <p:nvPr/>
         </p:nvGrpSpPr>
         <p:grpSpPr>
           <a:xfrm>
-            <a:off x="-304800" y="4186872"/>
-            <a:ext cx="10486012" cy="3356928"/>
-            <a:chOff x="162938" y="455136"/>
-            <a:chExt cx="10486012" cy="3356928"/>
+            <a:off x="-1524000" y="-3124200"/>
+            <a:ext cx="11705212" cy="10820400"/>
+            <a:chOff x="-1524000" y="-3124200"/>
+            <a:chExt cx="11705212" cy="10820400"/>
           </a:xfrm>
         </p:grpSpPr>
-        <p:cxnSp>
-          <p:nvCxnSpPr>
-            <p:cNvPr id="31" name="Straight Arrow Connector 30"/>
-            <p:cNvCxnSpPr/>
-            <p:nvPr/>
-          </p:nvCxnSpPr>
-          <p:spPr>
-            <a:xfrm flipV="1">
-              <a:off x="1153538" y="522001"/>
-              <a:ext cx="0" cy="1719536"/>
-            </a:xfrm>
-            <a:prstGeom prst="straightConnector1">
-              <a:avLst/>
-            </a:prstGeom>
-            <a:ln>
-              <a:tailEnd type="arrow"/>
-            </a:ln>
-          </p:spPr>
-          <p:style>
-            <a:lnRef idx="1">
-              <a:schemeClr val="dk1"/>
-            </a:lnRef>
-            <a:fillRef idx="0">
-              <a:schemeClr val="dk1"/>
-            </a:fillRef>
-            <a:effectRef idx="0">
-              <a:schemeClr val="dk1"/>
-            </a:effectRef>
-            <a:fontRef idx="minor">
-              <a:schemeClr val="tx1"/>
-            </a:fontRef>
-          </p:style>
-        </p:cxnSp>
-        <p:cxnSp>
-          <p:nvCxnSpPr>
-            <p:cNvPr id="32" name="Straight Arrow Connector 31"/>
-            <p:cNvCxnSpPr/>
-            <p:nvPr/>
-          </p:nvCxnSpPr>
-          <p:spPr>
-            <a:xfrm>
-              <a:off x="1153538" y="2238529"/>
-              <a:ext cx="1828800" cy="3008"/>
-            </a:xfrm>
-            <a:prstGeom prst="straightConnector1">
-              <a:avLst/>
-            </a:prstGeom>
-            <a:ln>
-              <a:tailEnd type="arrow"/>
-            </a:ln>
-          </p:spPr>
-          <p:style>
-            <a:lnRef idx="1">
-              <a:schemeClr val="dk1"/>
-            </a:lnRef>
-            <a:fillRef idx="0">
-              <a:schemeClr val="dk1"/>
-            </a:fillRef>
-            <a:effectRef idx="0">
-              <a:schemeClr val="dk1"/>
-            </a:effectRef>
-            <a:fontRef idx="minor">
-              <a:schemeClr val="tx1"/>
-            </a:fontRef>
-          </p:style>
-        </p:cxnSp>
-        <p:cxnSp>
-          <p:nvCxnSpPr>
-            <p:cNvPr id="33" name="Straight Arrow Connector 32"/>
-            <p:cNvCxnSpPr/>
-            <p:nvPr/>
-          </p:nvCxnSpPr>
-          <p:spPr>
-            <a:xfrm flipH="1">
-              <a:off x="162938" y="2229800"/>
-              <a:ext cx="990600" cy="749300"/>
-            </a:xfrm>
-            <a:prstGeom prst="straightConnector1">
-              <a:avLst/>
-            </a:prstGeom>
-            <a:ln>
-              <a:tailEnd type="arrow"/>
-            </a:ln>
-          </p:spPr>
-          <p:style>
-            <a:lnRef idx="1">
-              <a:schemeClr val="dk1"/>
-            </a:lnRef>
-            <a:fillRef idx="0">
-              <a:schemeClr val="dk1"/>
-            </a:fillRef>
-            <a:effectRef idx="0">
-              <a:schemeClr val="dk1"/>
-            </a:effectRef>
-            <a:fontRef idx="minor">
-              <a:schemeClr val="tx1"/>
-            </a:fontRef>
-          </p:style>
-        </p:cxnSp>
         <p:sp>
           <p:nvSpPr>
-            <p:cNvPr id="34" name="TextBox 33"/>
-            <p:cNvSpPr txBox="1"/>
+            <p:cNvPr id="8" name="Rectangle 7"/>
+            <p:cNvSpPr/>
             <p:nvPr/>
           </p:nvSpPr>
           <p:spPr>
             <a:xfrm>
-              <a:off x="214280" y="2818117"/>
-              <a:ext cx="449162" cy="461665"/>
+              <a:off x="-838200" y="-3124200"/>
+              <a:ext cx="11019412" cy="10820400"/>
             </a:xfrm>
             <a:prstGeom prst="rect">
               <a:avLst/>
             </a:prstGeom>
-            <a:noFill/>
-          </p:spPr>
-          <p:txBody>
-            <a:bodyPr wrap="none" rtlCol="0">
-              <a:spAutoFit/>
-            </a:bodyPr>
-            <a:lstStyle/>
-            <a:p>
-              <a:r>
-                <a:rPr lang="en-GB" sz="2400" dirty="0" smtClean="0">
-                  <a:latin typeface="Helvetica" pitchFamily="34" charset="0"/>
-                  <a:cs typeface="Arial" panose="020B0604020202020204" pitchFamily="34" charset="0"/>
-                </a:rPr>
-                <a:t>X'</a:t>
-              </a:r>
-              <a:endParaRPr lang="en-GB" sz="2400" dirty="0">
-                <a:latin typeface="Helvetica" pitchFamily="34" charset="0"/>
-                <a:cs typeface="Arial" panose="020B0604020202020204" pitchFamily="34" charset="0"/>
-              </a:endParaRPr>
-            </a:p>
-          </p:txBody>
-        </p:sp>
-        <p:sp>
-          <p:nvSpPr>
-            <p:cNvPr id="35" name="TextBox 34"/>
-            <p:cNvSpPr txBox="1"/>
-            <p:nvPr/>
-          </p:nvSpPr>
-          <p:spPr>
-            <a:xfrm>
-              <a:off x="2675038" y="1836100"/>
-              <a:ext cx="449162" cy="461665"/>
-            </a:xfrm>
-            <a:prstGeom prst="rect">
-              <a:avLst/>
-            </a:prstGeom>
-            <a:noFill/>
-          </p:spPr>
-          <p:txBody>
-            <a:bodyPr wrap="none" rtlCol="0">
-              <a:spAutoFit/>
-            </a:bodyPr>
-            <a:lstStyle/>
-            <a:p>
-              <a:r>
-                <a:rPr lang="en-GB" sz="2400" dirty="0" smtClean="0">
-                  <a:latin typeface="Helvetica" pitchFamily="34" charset="0"/>
-                  <a:cs typeface="Arial" panose="020B0604020202020204" pitchFamily="34" charset="0"/>
-                </a:rPr>
-                <a:t>Y'</a:t>
-              </a:r>
-              <a:endParaRPr lang="en-GB" sz="2400" dirty="0">
-                <a:latin typeface="Helvetica" pitchFamily="34" charset="0"/>
-                <a:cs typeface="Arial" panose="020B0604020202020204" pitchFamily="34" charset="0"/>
-              </a:endParaRPr>
-            </a:p>
-          </p:txBody>
-        </p:sp>
-        <p:sp>
-          <p:nvSpPr>
-            <p:cNvPr id="36" name="TextBox 35"/>
-            <p:cNvSpPr txBox="1"/>
-            <p:nvPr/>
-          </p:nvSpPr>
-          <p:spPr>
-            <a:xfrm>
-              <a:off x="1261896" y="455136"/>
-              <a:ext cx="431528" cy="461665"/>
-            </a:xfrm>
-            <a:prstGeom prst="rect">
-              <a:avLst/>
-            </a:prstGeom>
-            <a:noFill/>
-          </p:spPr>
-          <p:txBody>
-            <a:bodyPr wrap="none" rtlCol="0">
-              <a:spAutoFit/>
-            </a:bodyPr>
-            <a:lstStyle/>
-            <a:p>
-              <a:r>
-                <a:rPr lang="en-GB" sz="2400" dirty="0" smtClean="0">
-                  <a:latin typeface="Helvetica" pitchFamily="34" charset="0"/>
-                  <a:cs typeface="Arial" panose="020B0604020202020204" pitchFamily="34" charset="0"/>
-                </a:rPr>
-                <a:t>Z'</a:t>
-              </a:r>
-              <a:endParaRPr lang="en-GB" sz="2400" dirty="0">
-                <a:latin typeface="Helvetica" pitchFamily="34" charset="0"/>
-                <a:cs typeface="Arial" panose="020B0604020202020204" pitchFamily="34" charset="0"/>
-              </a:endParaRPr>
-            </a:p>
-          </p:txBody>
-        </p:sp>
-        <p:sp>
-          <p:nvSpPr>
-            <p:cNvPr id="37" name="TextBox 36"/>
-            <p:cNvSpPr txBox="1"/>
-            <p:nvPr/>
-          </p:nvSpPr>
-          <p:spPr>
-            <a:xfrm>
-              <a:off x="200919" y="1974671"/>
-              <a:ext cx="681597" cy="461665"/>
-            </a:xfrm>
-            <a:prstGeom prst="rect">
-              <a:avLst/>
-            </a:prstGeom>
-            <a:noFill/>
-          </p:spPr>
-          <p:txBody>
-            <a:bodyPr wrap="none" rtlCol="0">
-              <a:spAutoFit/>
-            </a:bodyPr>
-            <a:lstStyle/>
-            <a:p>
-              <a:r>
-                <a:rPr lang="en-GB" sz="2400" b="1" i="1" dirty="0" smtClean="0">
-                  <a:latin typeface="Symbol" panose="05050102010706020507" pitchFamily="18" charset="2"/>
-                </a:rPr>
-                <a:t>q=p</a:t>
-              </a:r>
-              <a:endParaRPr lang="en-GB" sz="2400" b="1" i="1" baseline="-25000" dirty="0">
-                <a:latin typeface="Helvetica" pitchFamily="34" charset="0"/>
-              </a:endParaRPr>
-            </a:p>
-          </p:txBody>
-        </p:sp>
-        <p:cxnSp>
-          <p:nvCxnSpPr>
-            <p:cNvPr id="38" name="Straight Arrow Connector 37"/>
-            <p:cNvCxnSpPr/>
-            <p:nvPr/>
-          </p:nvCxnSpPr>
-          <p:spPr>
-            <a:xfrm>
-              <a:off x="1158741" y="2255361"/>
-              <a:ext cx="9777" cy="1478439"/>
-            </a:xfrm>
-            <a:prstGeom prst="straightConnector1">
-              <a:avLst/>
-            </a:prstGeom>
+            <a:solidFill>
+              <a:schemeClr val="bg1"/>
+            </a:solidFill>
             <a:ln>
-              <a:tailEnd type="arrow"/>
-            </a:ln>
-          </p:spPr>
-          <p:style>
-            <a:lnRef idx="3">
-              <a:schemeClr val="dk1"/>
-            </a:lnRef>
-            <a:fillRef idx="0">
-              <a:schemeClr val="dk1"/>
-            </a:fillRef>
-            <a:effectRef idx="2">
-              <a:schemeClr val="dk1"/>
-            </a:effectRef>
-            <a:fontRef idx="minor">
-              <a:schemeClr val="tx1"/>
-            </a:fontRef>
-          </p:style>
-        </p:cxnSp>
-        <p:sp>
-          <p:nvSpPr>
-            <p:cNvPr id="39" name="Freeform 38"/>
-            <p:cNvSpPr/>
-            <p:nvPr/>
-          </p:nvSpPr>
-          <p:spPr>
-            <a:xfrm>
-              <a:off x="891888" y="1874361"/>
-              <a:ext cx="238278" cy="685800"/>
-            </a:xfrm>
-            <a:custGeom>
-              <a:avLst/>
-              <a:gdLst>
-                <a:gd name="connsiteX0" fmla="*/ 238278 w 238278"/>
-                <a:gd name="connsiteY0" fmla="*/ 0 h 685800"/>
-                <a:gd name="connsiteX1" fmla="*/ 153 w 238278"/>
-                <a:gd name="connsiteY1" fmla="*/ 342900 h 685800"/>
-                <a:gd name="connsiteX2" fmla="*/ 209703 w 238278"/>
-                <a:gd name="connsiteY2" fmla="*/ 685800 h 685800"/>
-              </a:gdLst>
-              <a:ahLst/>
-              <a:cxnLst>
-                <a:cxn ang="0">
-                  <a:pos x="connsiteX0" y="connsiteY0"/>
-                </a:cxn>
-                <a:cxn ang="0">
-                  <a:pos x="connsiteX1" y="connsiteY1"/>
-                </a:cxn>
-                <a:cxn ang="0">
-                  <a:pos x="connsiteX2" y="connsiteY2"/>
-                </a:cxn>
-              </a:cxnLst>
-              <a:rect l="l" t="t" r="r" b="b"/>
-              <a:pathLst>
-                <a:path w="238278" h="685800">
-                  <a:moveTo>
-                    <a:pt x="238278" y="0"/>
-                  </a:moveTo>
-                  <a:cubicBezTo>
-                    <a:pt x="121597" y="114300"/>
-                    <a:pt x="4916" y="228600"/>
-                    <a:pt x="153" y="342900"/>
-                  </a:cubicBezTo>
-                  <a:cubicBezTo>
-                    <a:pt x="-4610" y="457200"/>
-                    <a:pt x="102546" y="571500"/>
-                    <a:pt x="209703" y="685800"/>
-                  </a:cubicBezTo>
-                </a:path>
-              </a:pathLst>
-            </a:custGeom>
-            <a:noFill/>
-            <a:ln>
-              <a:tailEnd type="triangle"/>
+              <a:noFill/>
             </a:ln>
           </p:spPr>
           <p:style>
@@ -32901,115 +32580,1312 @@
             </a:p>
           </p:txBody>
         </p:sp>
-        <p:cxnSp>
-          <p:nvCxnSpPr>
-            <p:cNvPr id="40" name="Straight Arrow Connector 39"/>
-            <p:cNvCxnSpPr/>
-            <p:nvPr/>
-          </p:nvCxnSpPr>
-          <p:spPr>
-            <a:xfrm flipH="1" flipV="1">
-              <a:off x="3657600" y="522001"/>
-              <a:ext cx="14980" cy="3287999"/>
-            </a:xfrm>
-            <a:prstGeom prst="straightConnector1">
-              <a:avLst/>
-            </a:prstGeom>
-            <a:ln>
-              <a:tailEnd type="arrow"/>
-            </a:ln>
+        <p:grpSp>
+          <p:nvGrpSpPr>
+            <p:cNvPr id="14" name="Group 13"/>
+            <p:cNvGrpSpPr/>
+            <p:nvPr/>
+          </p:nvGrpSpPr>
+          <p:grpSpPr>
+            <a:xfrm>
+              <a:off x="-304800" y="4186872"/>
+              <a:ext cx="10486012" cy="3356928"/>
+              <a:chOff x="162938" y="455136"/>
+              <a:chExt cx="10486012" cy="3356928"/>
+            </a:xfrm>
+          </p:grpSpPr>
+          <p:cxnSp>
+            <p:nvCxnSpPr>
+              <p:cNvPr id="31" name="Straight Arrow Connector 30"/>
+              <p:cNvCxnSpPr/>
+              <p:nvPr/>
+            </p:nvCxnSpPr>
+            <p:spPr>
+              <a:xfrm flipV="1">
+                <a:off x="1153538" y="522001"/>
+                <a:ext cx="0" cy="1719536"/>
+              </a:xfrm>
+              <a:prstGeom prst="straightConnector1">
+                <a:avLst/>
+              </a:prstGeom>
+              <a:ln>
+                <a:tailEnd type="arrow"/>
+              </a:ln>
+            </p:spPr>
+            <p:style>
+              <a:lnRef idx="1">
+                <a:schemeClr val="dk1"/>
+              </a:lnRef>
+              <a:fillRef idx="0">
+                <a:schemeClr val="dk1"/>
+              </a:fillRef>
+              <a:effectRef idx="0">
+                <a:schemeClr val="dk1"/>
+              </a:effectRef>
+              <a:fontRef idx="minor">
+                <a:schemeClr val="tx1"/>
+              </a:fontRef>
+            </p:style>
+          </p:cxnSp>
+          <p:cxnSp>
+            <p:nvCxnSpPr>
+              <p:cNvPr id="32" name="Straight Arrow Connector 31"/>
+              <p:cNvCxnSpPr/>
+              <p:nvPr/>
+            </p:nvCxnSpPr>
+            <p:spPr>
+              <a:xfrm>
+                <a:off x="1153538" y="2238529"/>
+                <a:ext cx="1828800" cy="3008"/>
+              </a:xfrm>
+              <a:prstGeom prst="straightConnector1">
+                <a:avLst/>
+              </a:prstGeom>
+              <a:ln>
+                <a:tailEnd type="arrow"/>
+              </a:ln>
+            </p:spPr>
+            <p:style>
+              <a:lnRef idx="1">
+                <a:schemeClr val="dk1"/>
+              </a:lnRef>
+              <a:fillRef idx="0">
+                <a:schemeClr val="dk1"/>
+              </a:fillRef>
+              <a:effectRef idx="0">
+                <a:schemeClr val="dk1"/>
+              </a:effectRef>
+              <a:fontRef idx="minor">
+                <a:schemeClr val="tx1"/>
+              </a:fontRef>
+            </p:style>
+          </p:cxnSp>
+          <p:cxnSp>
+            <p:nvCxnSpPr>
+              <p:cNvPr id="33" name="Straight Arrow Connector 32"/>
+              <p:cNvCxnSpPr/>
+              <p:nvPr/>
+            </p:nvCxnSpPr>
+            <p:spPr>
+              <a:xfrm flipH="1">
+                <a:off x="162938" y="2229800"/>
+                <a:ext cx="990600" cy="749300"/>
+              </a:xfrm>
+              <a:prstGeom prst="straightConnector1">
+                <a:avLst/>
+              </a:prstGeom>
+              <a:ln>
+                <a:tailEnd type="arrow"/>
+              </a:ln>
+            </p:spPr>
+            <p:style>
+              <a:lnRef idx="1">
+                <a:schemeClr val="dk1"/>
+              </a:lnRef>
+              <a:fillRef idx="0">
+                <a:schemeClr val="dk1"/>
+              </a:fillRef>
+              <a:effectRef idx="0">
+                <a:schemeClr val="dk1"/>
+              </a:effectRef>
+              <a:fontRef idx="minor">
+                <a:schemeClr val="tx1"/>
+              </a:fontRef>
+            </p:style>
+          </p:cxnSp>
+          <p:sp>
+            <p:nvSpPr>
+              <p:cNvPr id="34" name="TextBox 33"/>
+              <p:cNvSpPr txBox="1"/>
+              <p:nvPr/>
+            </p:nvSpPr>
+            <p:spPr>
+              <a:xfrm>
+                <a:off x="214280" y="2818117"/>
+                <a:ext cx="449162" cy="461665"/>
+              </a:xfrm>
+              <a:prstGeom prst="rect">
+                <a:avLst/>
+              </a:prstGeom>
+              <a:noFill/>
+            </p:spPr>
+            <p:txBody>
+              <a:bodyPr wrap="none" rtlCol="0">
+                <a:spAutoFit/>
+              </a:bodyPr>
+              <a:lstStyle/>
+              <a:p>
+                <a:r>
+                  <a:rPr lang="en-GB" sz="2400" dirty="0" smtClean="0">
+                    <a:latin typeface="Helvetica" pitchFamily="34" charset="0"/>
+                    <a:cs typeface="Arial" panose="020B0604020202020204" pitchFamily="34" charset="0"/>
+                  </a:rPr>
+                  <a:t>X'</a:t>
+                </a:r>
+                <a:endParaRPr lang="en-GB" sz="2400" dirty="0">
+                  <a:latin typeface="Helvetica" pitchFamily="34" charset="0"/>
+                  <a:cs typeface="Arial" panose="020B0604020202020204" pitchFamily="34" charset="0"/>
+                </a:endParaRPr>
+              </a:p>
+            </p:txBody>
+          </p:sp>
+          <p:sp>
+            <p:nvSpPr>
+              <p:cNvPr id="35" name="TextBox 34"/>
+              <p:cNvSpPr txBox="1"/>
+              <p:nvPr/>
+            </p:nvSpPr>
+            <p:spPr>
+              <a:xfrm>
+                <a:off x="2675038" y="1836100"/>
+                <a:ext cx="449162" cy="461665"/>
+              </a:xfrm>
+              <a:prstGeom prst="rect">
+                <a:avLst/>
+              </a:prstGeom>
+              <a:noFill/>
+            </p:spPr>
+            <p:txBody>
+              <a:bodyPr wrap="none" rtlCol="0">
+                <a:spAutoFit/>
+              </a:bodyPr>
+              <a:lstStyle/>
+              <a:p>
+                <a:r>
+                  <a:rPr lang="en-GB" sz="2400" dirty="0" smtClean="0">
+                    <a:latin typeface="Helvetica" pitchFamily="34" charset="0"/>
+                    <a:cs typeface="Arial" panose="020B0604020202020204" pitchFamily="34" charset="0"/>
+                  </a:rPr>
+                  <a:t>Y'</a:t>
+                </a:r>
+                <a:endParaRPr lang="en-GB" sz="2400" dirty="0">
+                  <a:latin typeface="Helvetica" pitchFamily="34" charset="0"/>
+                  <a:cs typeface="Arial" panose="020B0604020202020204" pitchFamily="34" charset="0"/>
+                </a:endParaRPr>
+              </a:p>
+            </p:txBody>
+          </p:sp>
+          <p:sp>
+            <p:nvSpPr>
+              <p:cNvPr id="36" name="TextBox 35"/>
+              <p:cNvSpPr txBox="1"/>
+              <p:nvPr/>
+            </p:nvSpPr>
+            <p:spPr>
+              <a:xfrm>
+                <a:off x="1261896" y="455136"/>
+                <a:ext cx="431528" cy="461665"/>
+              </a:xfrm>
+              <a:prstGeom prst="rect">
+                <a:avLst/>
+              </a:prstGeom>
+              <a:noFill/>
+            </p:spPr>
+            <p:txBody>
+              <a:bodyPr wrap="none" rtlCol="0">
+                <a:spAutoFit/>
+              </a:bodyPr>
+              <a:lstStyle/>
+              <a:p>
+                <a:r>
+                  <a:rPr lang="en-GB" sz="2400" dirty="0" smtClean="0">
+                    <a:latin typeface="Helvetica" pitchFamily="34" charset="0"/>
+                    <a:cs typeface="Arial" panose="020B0604020202020204" pitchFamily="34" charset="0"/>
+                  </a:rPr>
+                  <a:t>Z'</a:t>
+                </a:r>
+                <a:endParaRPr lang="en-GB" sz="2400" dirty="0">
+                  <a:latin typeface="Helvetica" pitchFamily="34" charset="0"/>
+                  <a:cs typeface="Arial" panose="020B0604020202020204" pitchFamily="34" charset="0"/>
+                </a:endParaRPr>
+              </a:p>
+            </p:txBody>
+          </p:sp>
+          <p:sp>
+            <p:nvSpPr>
+              <p:cNvPr id="37" name="TextBox 36"/>
+              <p:cNvSpPr txBox="1"/>
+              <p:nvPr/>
+            </p:nvSpPr>
+            <p:spPr>
+              <a:xfrm>
+                <a:off x="200919" y="1974671"/>
+                <a:ext cx="681597" cy="461665"/>
+              </a:xfrm>
+              <a:prstGeom prst="rect">
+                <a:avLst/>
+              </a:prstGeom>
+              <a:noFill/>
+            </p:spPr>
+            <p:txBody>
+              <a:bodyPr wrap="none" rtlCol="0">
+                <a:spAutoFit/>
+              </a:bodyPr>
+              <a:lstStyle/>
+              <a:p>
+                <a:r>
+                  <a:rPr lang="en-GB" sz="2400" b="1" i="1" dirty="0" smtClean="0">
+                    <a:latin typeface="Symbol" panose="05050102010706020507" pitchFamily="18" charset="2"/>
+                  </a:rPr>
+                  <a:t>q=p</a:t>
+                </a:r>
+                <a:endParaRPr lang="en-GB" sz="2400" b="1" i="1" baseline="-25000" dirty="0">
+                  <a:latin typeface="Helvetica" pitchFamily="34" charset="0"/>
+                </a:endParaRPr>
+              </a:p>
+            </p:txBody>
+          </p:sp>
+          <p:cxnSp>
+            <p:nvCxnSpPr>
+              <p:cNvPr id="38" name="Straight Arrow Connector 37"/>
+              <p:cNvCxnSpPr/>
+              <p:nvPr/>
+            </p:nvCxnSpPr>
+            <p:spPr>
+              <a:xfrm>
+                <a:off x="1158741" y="2255361"/>
+                <a:ext cx="9777" cy="1478439"/>
+              </a:xfrm>
+              <a:prstGeom prst="straightConnector1">
+                <a:avLst/>
+              </a:prstGeom>
+              <a:ln>
+                <a:tailEnd type="arrow"/>
+              </a:ln>
+            </p:spPr>
+            <p:style>
+              <a:lnRef idx="3">
+                <a:schemeClr val="dk1"/>
+              </a:lnRef>
+              <a:fillRef idx="0">
+                <a:schemeClr val="dk1"/>
+              </a:fillRef>
+              <a:effectRef idx="2">
+                <a:schemeClr val="dk1"/>
+              </a:effectRef>
+              <a:fontRef idx="minor">
+                <a:schemeClr val="tx1"/>
+              </a:fontRef>
+            </p:style>
+          </p:cxnSp>
+          <p:sp>
+            <p:nvSpPr>
+              <p:cNvPr id="39" name="Freeform 38"/>
+              <p:cNvSpPr/>
+              <p:nvPr/>
+            </p:nvSpPr>
+            <p:spPr>
+              <a:xfrm>
+                <a:off x="891888" y="1874361"/>
+                <a:ext cx="238278" cy="685800"/>
+              </a:xfrm>
+              <a:custGeom>
+                <a:avLst/>
+                <a:gdLst>
+                  <a:gd name="connsiteX0" fmla="*/ 238278 w 238278"/>
+                  <a:gd name="connsiteY0" fmla="*/ 0 h 685800"/>
+                  <a:gd name="connsiteX1" fmla="*/ 153 w 238278"/>
+                  <a:gd name="connsiteY1" fmla="*/ 342900 h 685800"/>
+                  <a:gd name="connsiteX2" fmla="*/ 209703 w 238278"/>
+                  <a:gd name="connsiteY2" fmla="*/ 685800 h 685800"/>
+                </a:gdLst>
+                <a:ahLst/>
+                <a:cxnLst>
+                  <a:cxn ang="0">
+                    <a:pos x="connsiteX0" y="connsiteY0"/>
+                  </a:cxn>
+                  <a:cxn ang="0">
+                    <a:pos x="connsiteX1" y="connsiteY1"/>
+                  </a:cxn>
+                  <a:cxn ang="0">
+                    <a:pos x="connsiteX2" y="connsiteY2"/>
+                  </a:cxn>
+                </a:cxnLst>
+                <a:rect l="l" t="t" r="r" b="b"/>
+                <a:pathLst>
+                  <a:path w="238278" h="685800">
+                    <a:moveTo>
+                      <a:pt x="238278" y="0"/>
+                    </a:moveTo>
+                    <a:cubicBezTo>
+                      <a:pt x="121597" y="114300"/>
+                      <a:pt x="4916" y="228600"/>
+                      <a:pt x="153" y="342900"/>
+                    </a:cubicBezTo>
+                    <a:cubicBezTo>
+                      <a:pt x="-4610" y="457200"/>
+                      <a:pt x="102546" y="571500"/>
+                      <a:pt x="209703" y="685800"/>
+                    </a:cubicBezTo>
+                  </a:path>
+                </a:pathLst>
+              </a:custGeom>
+              <a:noFill/>
+              <a:ln>
+                <a:tailEnd type="triangle"/>
+              </a:ln>
+            </p:spPr>
+            <p:style>
+              <a:lnRef idx="2">
+                <a:schemeClr val="accent1">
+                  <a:shade val="50000"/>
+                </a:schemeClr>
+              </a:lnRef>
+              <a:fillRef idx="1">
+                <a:schemeClr val="accent1"/>
+              </a:fillRef>
+              <a:effectRef idx="0">
+                <a:schemeClr val="accent1"/>
+              </a:effectRef>
+              <a:fontRef idx="minor">
+                <a:schemeClr val="lt1"/>
+              </a:fontRef>
+            </p:style>
+            <p:txBody>
+              <a:bodyPr rtlCol="0" anchor="ctr"/>
+              <a:lstStyle/>
+              <a:p>
+                <a:pPr algn="ctr"/>
+                <a:endParaRPr lang="en-GB"/>
+              </a:p>
+            </p:txBody>
+          </p:sp>
+          <p:cxnSp>
+            <p:nvCxnSpPr>
+              <p:cNvPr id="40" name="Straight Arrow Connector 39"/>
+              <p:cNvCxnSpPr/>
+              <p:nvPr/>
+            </p:nvCxnSpPr>
+            <p:spPr>
+              <a:xfrm flipH="1" flipV="1">
+                <a:off x="3657600" y="522001"/>
+                <a:ext cx="14980" cy="3287999"/>
+              </a:xfrm>
+              <a:prstGeom prst="straightConnector1">
+                <a:avLst/>
+              </a:prstGeom>
+              <a:ln>
+                <a:tailEnd type="arrow"/>
+              </a:ln>
+            </p:spPr>
+            <p:style>
+              <a:lnRef idx="1">
+                <a:schemeClr val="dk1"/>
+              </a:lnRef>
+              <a:fillRef idx="0">
+                <a:schemeClr val="dk1"/>
+              </a:fillRef>
+              <a:effectRef idx="0">
+                <a:schemeClr val="dk1"/>
+              </a:effectRef>
+              <a:fontRef idx="minor">
+                <a:schemeClr val="tx1"/>
+              </a:fontRef>
+            </p:style>
+          </p:cxnSp>
+          <p:cxnSp>
+            <p:nvCxnSpPr>
+              <p:cNvPr id="41" name="Straight Arrow Connector 40"/>
+              <p:cNvCxnSpPr/>
+              <p:nvPr/>
+            </p:nvCxnSpPr>
+            <p:spPr>
+              <a:xfrm>
+                <a:off x="3657600" y="2238529"/>
+                <a:ext cx="1828800" cy="3008"/>
+              </a:xfrm>
+              <a:prstGeom prst="straightConnector1">
+                <a:avLst/>
+              </a:prstGeom>
+              <a:ln>
+                <a:tailEnd type="arrow"/>
+              </a:ln>
+            </p:spPr>
+            <p:style>
+              <a:lnRef idx="1">
+                <a:schemeClr val="dk1"/>
+              </a:lnRef>
+              <a:fillRef idx="0">
+                <a:schemeClr val="dk1"/>
+              </a:fillRef>
+              <a:effectRef idx="0">
+                <a:schemeClr val="dk1"/>
+              </a:effectRef>
+              <a:fontRef idx="minor">
+                <a:schemeClr val="tx1"/>
+              </a:fontRef>
+            </p:style>
+          </p:cxnSp>
+          <p:cxnSp>
+            <p:nvCxnSpPr>
+              <p:cNvPr id="42" name="Straight Arrow Connector 41"/>
+              <p:cNvCxnSpPr/>
+              <p:nvPr/>
+            </p:nvCxnSpPr>
+            <p:spPr>
+              <a:xfrm flipH="1">
+                <a:off x="2667000" y="2229800"/>
+                <a:ext cx="990600" cy="749300"/>
+              </a:xfrm>
+              <a:prstGeom prst="straightConnector1">
+                <a:avLst/>
+              </a:prstGeom>
+              <a:ln>
+                <a:tailEnd type="arrow"/>
+              </a:ln>
+            </p:spPr>
+            <p:style>
+              <a:lnRef idx="1">
+                <a:schemeClr val="dk1"/>
+              </a:lnRef>
+              <a:fillRef idx="0">
+                <a:schemeClr val="dk1"/>
+              </a:fillRef>
+              <a:effectRef idx="0">
+                <a:schemeClr val="dk1"/>
+              </a:effectRef>
+              <a:fontRef idx="minor">
+                <a:schemeClr val="tx1"/>
+              </a:fontRef>
+            </p:style>
+          </p:cxnSp>
+          <p:sp>
+            <p:nvSpPr>
+              <p:cNvPr id="43" name="TextBox 42"/>
+              <p:cNvSpPr txBox="1"/>
+              <p:nvPr/>
+            </p:nvSpPr>
+            <p:spPr>
+              <a:xfrm>
+                <a:off x="2718342" y="2818117"/>
+                <a:ext cx="449162" cy="461665"/>
+              </a:xfrm>
+              <a:prstGeom prst="rect">
+                <a:avLst/>
+              </a:prstGeom>
+              <a:noFill/>
+            </p:spPr>
+            <p:txBody>
+              <a:bodyPr wrap="none" rtlCol="0">
+                <a:spAutoFit/>
+              </a:bodyPr>
+              <a:lstStyle/>
+              <a:p>
+                <a:r>
+                  <a:rPr lang="en-GB" sz="2400" dirty="0" smtClean="0">
+                    <a:latin typeface="Helvetica" pitchFamily="34" charset="0"/>
+                    <a:cs typeface="Arial" panose="020B0604020202020204" pitchFamily="34" charset="0"/>
+                  </a:rPr>
+                  <a:t>X'</a:t>
+                </a:r>
+                <a:endParaRPr lang="en-GB" sz="2400" dirty="0">
+                  <a:latin typeface="Helvetica" pitchFamily="34" charset="0"/>
+                  <a:cs typeface="Arial" panose="020B0604020202020204" pitchFamily="34" charset="0"/>
+                </a:endParaRPr>
+              </a:p>
+            </p:txBody>
+          </p:sp>
+          <p:sp>
+            <p:nvSpPr>
+              <p:cNvPr id="44" name="TextBox 43"/>
+              <p:cNvSpPr txBox="1"/>
+              <p:nvPr/>
+            </p:nvSpPr>
+            <p:spPr>
+              <a:xfrm>
+                <a:off x="5179100" y="1836100"/>
+                <a:ext cx="449162" cy="461665"/>
+              </a:xfrm>
+              <a:prstGeom prst="rect">
+                <a:avLst/>
+              </a:prstGeom>
+              <a:noFill/>
+            </p:spPr>
+            <p:txBody>
+              <a:bodyPr wrap="none" rtlCol="0">
+                <a:spAutoFit/>
+              </a:bodyPr>
+              <a:lstStyle/>
+              <a:p>
+                <a:r>
+                  <a:rPr lang="en-GB" sz="2400" dirty="0" smtClean="0">
+                    <a:latin typeface="Helvetica" pitchFamily="34" charset="0"/>
+                    <a:cs typeface="Arial" panose="020B0604020202020204" pitchFamily="34" charset="0"/>
+                  </a:rPr>
+                  <a:t>Y'</a:t>
+                </a:r>
+                <a:endParaRPr lang="en-GB" sz="2400" dirty="0">
+                  <a:latin typeface="Helvetica" pitchFamily="34" charset="0"/>
+                  <a:cs typeface="Arial" panose="020B0604020202020204" pitchFamily="34" charset="0"/>
+                </a:endParaRPr>
+              </a:p>
+            </p:txBody>
+          </p:sp>
+          <p:sp>
+            <p:nvSpPr>
+              <p:cNvPr id="45" name="TextBox 44"/>
+              <p:cNvSpPr txBox="1"/>
+              <p:nvPr/>
+            </p:nvSpPr>
+            <p:spPr>
+              <a:xfrm>
+                <a:off x="3765958" y="455136"/>
+                <a:ext cx="431528" cy="461665"/>
+              </a:xfrm>
+              <a:prstGeom prst="rect">
+                <a:avLst/>
+              </a:prstGeom>
+              <a:noFill/>
+            </p:spPr>
+            <p:txBody>
+              <a:bodyPr wrap="none" rtlCol="0">
+                <a:spAutoFit/>
+              </a:bodyPr>
+              <a:lstStyle/>
+              <a:p>
+                <a:r>
+                  <a:rPr lang="en-GB" sz="2400" dirty="0" smtClean="0">
+                    <a:latin typeface="Helvetica" pitchFamily="34" charset="0"/>
+                    <a:cs typeface="Arial" panose="020B0604020202020204" pitchFamily="34" charset="0"/>
+                  </a:rPr>
+                  <a:t>Z'</a:t>
+                </a:r>
+                <a:endParaRPr lang="en-GB" sz="2400" dirty="0">
+                  <a:latin typeface="Helvetica" pitchFamily="34" charset="0"/>
+                  <a:cs typeface="Arial" panose="020B0604020202020204" pitchFamily="34" charset="0"/>
+                </a:endParaRPr>
+              </a:p>
+            </p:txBody>
+          </p:sp>
+          <p:cxnSp>
+            <p:nvCxnSpPr>
+              <p:cNvPr id="46" name="Straight Arrow Connector 45"/>
+              <p:cNvCxnSpPr/>
+              <p:nvPr/>
+            </p:nvCxnSpPr>
+            <p:spPr>
+              <a:xfrm>
+                <a:off x="3662803" y="2255361"/>
+                <a:ext cx="9777" cy="723739"/>
+              </a:xfrm>
+              <a:prstGeom prst="straightConnector1">
+                <a:avLst/>
+              </a:prstGeom>
+              <a:ln>
+                <a:tailEnd type="arrow"/>
+              </a:ln>
+            </p:spPr>
+            <p:style>
+              <a:lnRef idx="3">
+                <a:schemeClr val="dk1"/>
+              </a:lnRef>
+              <a:fillRef idx="0">
+                <a:schemeClr val="dk1"/>
+              </a:fillRef>
+              <a:effectRef idx="2">
+                <a:schemeClr val="dk1"/>
+              </a:effectRef>
+              <a:fontRef idx="minor">
+                <a:schemeClr val="tx1"/>
+              </a:fontRef>
+            </p:style>
+          </p:cxnSp>
+          <p:cxnSp>
+            <p:nvCxnSpPr>
+              <p:cNvPr id="47" name="Straight Arrow Connector 46"/>
+              <p:cNvCxnSpPr/>
+              <p:nvPr/>
+            </p:nvCxnSpPr>
+            <p:spPr>
+              <a:xfrm flipH="1" flipV="1">
+                <a:off x="6205978" y="524065"/>
+                <a:ext cx="14980" cy="3287999"/>
+              </a:xfrm>
+              <a:prstGeom prst="straightConnector1">
+                <a:avLst/>
+              </a:prstGeom>
+              <a:ln>
+                <a:tailEnd type="arrow"/>
+              </a:ln>
+            </p:spPr>
+            <p:style>
+              <a:lnRef idx="1">
+                <a:schemeClr val="dk1"/>
+              </a:lnRef>
+              <a:fillRef idx="0">
+                <a:schemeClr val="dk1"/>
+              </a:fillRef>
+              <a:effectRef idx="0">
+                <a:schemeClr val="dk1"/>
+              </a:effectRef>
+              <a:fontRef idx="minor">
+                <a:schemeClr val="tx1"/>
+              </a:fontRef>
+            </p:style>
+          </p:cxnSp>
+          <p:cxnSp>
+            <p:nvCxnSpPr>
+              <p:cNvPr id="48" name="Straight Arrow Connector 47"/>
+              <p:cNvCxnSpPr/>
+              <p:nvPr/>
+            </p:nvCxnSpPr>
+            <p:spPr>
+              <a:xfrm>
+                <a:off x="6205978" y="2240593"/>
+                <a:ext cx="1828800" cy="3008"/>
+              </a:xfrm>
+              <a:prstGeom prst="straightConnector1">
+                <a:avLst/>
+              </a:prstGeom>
+              <a:ln>
+                <a:tailEnd type="arrow"/>
+              </a:ln>
+            </p:spPr>
+            <p:style>
+              <a:lnRef idx="1">
+                <a:schemeClr val="dk1"/>
+              </a:lnRef>
+              <a:fillRef idx="0">
+                <a:schemeClr val="dk1"/>
+              </a:fillRef>
+              <a:effectRef idx="0">
+                <a:schemeClr val="dk1"/>
+              </a:effectRef>
+              <a:fontRef idx="minor">
+                <a:schemeClr val="tx1"/>
+              </a:fontRef>
+            </p:style>
+          </p:cxnSp>
+          <p:cxnSp>
+            <p:nvCxnSpPr>
+              <p:cNvPr id="49" name="Straight Arrow Connector 48"/>
+              <p:cNvCxnSpPr/>
+              <p:nvPr/>
+            </p:nvCxnSpPr>
+            <p:spPr>
+              <a:xfrm flipH="1">
+                <a:off x="5215378" y="2231864"/>
+                <a:ext cx="990600" cy="749300"/>
+              </a:xfrm>
+              <a:prstGeom prst="straightConnector1">
+                <a:avLst/>
+              </a:prstGeom>
+              <a:ln>
+                <a:tailEnd type="arrow"/>
+              </a:ln>
+            </p:spPr>
+            <p:style>
+              <a:lnRef idx="1">
+                <a:schemeClr val="dk1"/>
+              </a:lnRef>
+              <a:fillRef idx="0">
+                <a:schemeClr val="dk1"/>
+              </a:fillRef>
+              <a:effectRef idx="0">
+                <a:schemeClr val="dk1"/>
+              </a:effectRef>
+              <a:fontRef idx="minor">
+                <a:schemeClr val="tx1"/>
+              </a:fontRef>
+            </p:style>
+          </p:cxnSp>
+          <p:sp>
+            <p:nvSpPr>
+              <p:cNvPr id="50" name="TextBox 49"/>
+              <p:cNvSpPr txBox="1"/>
+              <p:nvPr/>
+            </p:nvSpPr>
+            <p:spPr>
+              <a:xfrm>
+                <a:off x="5266720" y="2820181"/>
+                <a:ext cx="449162" cy="461665"/>
+              </a:xfrm>
+              <a:prstGeom prst="rect">
+                <a:avLst/>
+              </a:prstGeom>
+              <a:noFill/>
+            </p:spPr>
+            <p:txBody>
+              <a:bodyPr wrap="none" rtlCol="0">
+                <a:spAutoFit/>
+              </a:bodyPr>
+              <a:lstStyle/>
+              <a:p>
+                <a:r>
+                  <a:rPr lang="en-GB" sz="2400" dirty="0" smtClean="0">
+                    <a:latin typeface="Helvetica" pitchFamily="34" charset="0"/>
+                    <a:cs typeface="Arial" panose="020B0604020202020204" pitchFamily="34" charset="0"/>
+                  </a:rPr>
+                  <a:t>X'</a:t>
+                </a:r>
+                <a:endParaRPr lang="en-GB" sz="2400" dirty="0">
+                  <a:latin typeface="Helvetica" pitchFamily="34" charset="0"/>
+                  <a:cs typeface="Arial" panose="020B0604020202020204" pitchFamily="34" charset="0"/>
+                </a:endParaRPr>
+              </a:p>
+            </p:txBody>
+          </p:sp>
+          <p:sp>
+            <p:nvSpPr>
+              <p:cNvPr id="51" name="TextBox 50"/>
+              <p:cNvSpPr txBox="1"/>
+              <p:nvPr/>
+            </p:nvSpPr>
+            <p:spPr>
+              <a:xfrm>
+                <a:off x="7727478" y="1838164"/>
+                <a:ext cx="449162" cy="461665"/>
+              </a:xfrm>
+              <a:prstGeom prst="rect">
+                <a:avLst/>
+              </a:prstGeom>
+              <a:noFill/>
+            </p:spPr>
+            <p:txBody>
+              <a:bodyPr wrap="none" rtlCol="0">
+                <a:spAutoFit/>
+              </a:bodyPr>
+              <a:lstStyle/>
+              <a:p>
+                <a:r>
+                  <a:rPr lang="en-GB" sz="2400" dirty="0" smtClean="0">
+                    <a:latin typeface="Helvetica" pitchFamily="34" charset="0"/>
+                    <a:cs typeface="Arial" panose="020B0604020202020204" pitchFamily="34" charset="0"/>
+                  </a:rPr>
+                  <a:t>Y'</a:t>
+                </a:r>
+                <a:endParaRPr lang="en-GB" sz="2400" dirty="0">
+                  <a:latin typeface="Helvetica" pitchFamily="34" charset="0"/>
+                  <a:cs typeface="Arial" panose="020B0604020202020204" pitchFamily="34" charset="0"/>
+                </a:endParaRPr>
+              </a:p>
+            </p:txBody>
+          </p:sp>
+          <p:sp>
+            <p:nvSpPr>
+              <p:cNvPr id="52" name="TextBox 51"/>
+              <p:cNvSpPr txBox="1"/>
+              <p:nvPr/>
+            </p:nvSpPr>
+            <p:spPr>
+              <a:xfrm>
+                <a:off x="6314336" y="457200"/>
+                <a:ext cx="431528" cy="461665"/>
+              </a:xfrm>
+              <a:prstGeom prst="rect">
+                <a:avLst/>
+              </a:prstGeom>
+              <a:noFill/>
+            </p:spPr>
+            <p:txBody>
+              <a:bodyPr wrap="none" rtlCol="0">
+                <a:spAutoFit/>
+              </a:bodyPr>
+              <a:lstStyle/>
+              <a:p>
+                <a:r>
+                  <a:rPr lang="en-GB" sz="2400" dirty="0" smtClean="0">
+                    <a:latin typeface="Helvetica" pitchFamily="34" charset="0"/>
+                    <a:cs typeface="Arial" panose="020B0604020202020204" pitchFamily="34" charset="0"/>
+                  </a:rPr>
+                  <a:t>Z'</a:t>
+                </a:r>
+                <a:endParaRPr lang="en-GB" sz="2400" dirty="0">
+                  <a:latin typeface="Helvetica" pitchFamily="34" charset="0"/>
+                  <a:cs typeface="Arial" panose="020B0604020202020204" pitchFamily="34" charset="0"/>
+                </a:endParaRPr>
+              </a:p>
+            </p:txBody>
+          </p:sp>
+          <p:cxnSp>
+            <p:nvCxnSpPr>
+              <p:cNvPr id="53" name="Straight Arrow Connector 52"/>
+              <p:cNvCxnSpPr/>
+              <p:nvPr/>
+            </p:nvCxnSpPr>
+            <p:spPr>
+              <a:xfrm flipH="1" flipV="1">
+                <a:off x="6205978" y="1836100"/>
+                <a:ext cx="5203" cy="421325"/>
+              </a:xfrm>
+              <a:prstGeom prst="straightConnector1">
+                <a:avLst/>
+              </a:prstGeom>
+              <a:ln>
+                <a:tailEnd type="arrow"/>
+              </a:ln>
+            </p:spPr>
+            <p:style>
+              <a:lnRef idx="3">
+                <a:schemeClr val="dk1"/>
+              </a:lnRef>
+              <a:fillRef idx="0">
+                <a:schemeClr val="dk1"/>
+              </a:fillRef>
+              <a:effectRef idx="2">
+                <a:schemeClr val="dk1"/>
+              </a:effectRef>
+              <a:fontRef idx="minor">
+                <a:schemeClr val="tx1"/>
+              </a:fontRef>
+            </p:style>
+          </p:cxnSp>
+          <p:cxnSp>
+            <p:nvCxnSpPr>
+              <p:cNvPr id="54" name="Straight Arrow Connector 53"/>
+              <p:cNvCxnSpPr/>
+              <p:nvPr/>
+            </p:nvCxnSpPr>
+            <p:spPr>
+              <a:xfrm flipH="1" flipV="1">
+                <a:off x="8678288" y="524065"/>
+                <a:ext cx="14980" cy="3287999"/>
+              </a:xfrm>
+              <a:prstGeom prst="straightConnector1">
+                <a:avLst/>
+              </a:prstGeom>
+              <a:ln>
+                <a:tailEnd type="arrow"/>
+              </a:ln>
+            </p:spPr>
+            <p:style>
+              <a:lnRef idx="1">
+                <a:schemeClr val="dk1"/>
+              </a:lnRef>
+              <a:fillRef idx="0">
+                <a:schemeClr val="dk1"/>
+              </a:fillRef>
+              <a:effectRef idx="0">
+                <a:schemeClr val="dk1"/>
+              </a:effectRef>
+              <a:fontRef idx="minor">
+                <a:schemeClr val="tx1"/>
+              </a:fontRef>
+            </p:style>
+          </p:cxnSp>
+          <p:cxnSp>
+            <p:nvCxnSpPr>
+              <p:cNvPr id="55" name="Straight Arrow Connector 54"/>
+              <p:cNvCxnSpPr/>
+              <p:nvPr/>
+            </p:nvCxnSpPr>
+            <p:spPr>
+              <a:xfrm>
+                <a:off x="8678288" y="2240593"/>
+                <a:ext cx="1828800" cy="3008"/>
+              </a:xfrm>
+              <a:prstGeom prst="straightConnector1">
+                <a:avLst/>
+              </a:prstGeom>
+              <a:ln>
+                <a:tailEnd type="arrow"/>
+              </a:ln>
+            </p:spPr>
+            <p:style>
+              <a:lnRef idx="1">
+                <a:schemeClr val="dk1"/>
+              </a:lnRef>
+              <a:fillRef idx="0">
+                <a:schemeClr val="dk1"/>
+              </a:fillRef>
+              <a:effectRef idx="0">
+                <a:schemeClr val="dk1"/>
+              </a:effectRef>
+              <a:fontRef idx="minor">
+                <a:schemeClr val="tx1"/>
+              </a:fontRef>
+            </p:style>
+          </p:cxnSp>
+          <p:cxnSp>
+            <p:nvCxnSpPr>
+              <p:cNvPr id="56" name="Straight Arrow Connector 55"/>
+              <p:cNvCxnSpPr/>
+              <p:nvPr/>
+            </p:nvCxnSpPr>
+            <p:spPr>
+              <a:xfrm flipH="1">
+                <a:off x="7687688" y="2231864"/>
+                <a:ext cx="990600" cy="749300"/>
+              </a:xfrm>
+              <a:prstGeom prst="straightConnector1">
+                <a:avLst/>
+              </a:prstGeom>
+              <a:ln>
+                <a:tailEnd type="arrow"/>
+              </a:ln>
+            </p:spPr>
+            <p:style>
+              <a:lnRef idx="1">
+                <a:schemeClr val="dk1"/>
+              </a:lnRef>
+              <a:fillRef idx="0">
+                <a:schemeClr val="dk1"/>
+              </a:fillRef>
+              <a:effectRef idx="0">
+                <a:schemeClr val="dk1"/>
+              </a:effectRef>
+              <a:fontRef idx="minor">
+                <a:schemeClr val="tx1"/>
+              </a:fontRef>
+            </p:style>
+          </p:cxnSp>
+          <p:sp>
+            <p:nvSpPr>
+              <p:cNvPr id="57" name="TextBox 56"/>
+              <p:cNvSpPr txBox="1"/>
+              <p:nvPr/>
+            </p:nvSpPr>
+            <p:spPr>
+              <a:xfrm>
+                <a:off x="7739030" y="2820181"/>
+                <a:ext cx="449162" cy="461665"/>
+              </a:xfrm>
+              <a:prstGeom prst="rect">
+                <a:avLst/>
+              </a:prstGeom>
+              <a:noFill/>
+            </p:spPr>
+            <p:txBody>
+              <a:bodyPr wrap="none" rtlCol="0">
+                <a:spAutoFit/>
+              </a:bodyPr>
+              <a:lstStyle/>
+              <a:p>
+                <a:r>
+                  <a:rPr lang="en-GB" sz="2400" dirty="0" smtClean="0">
+                    <a:latin typeface="Helvetica" pitchFamily="34" charset="0"/>
+                    <a:cs typeface="Arial" panose="020B0604020202020204" pitchFamily="34" charset="0"/>
+                  </a:rPr>
+                  <a:t>X'</a:t>
+                </a:r>
+                <a:endParaRPr lang="en-GB" sz="2400" dirty="0">
+                  <a:latin typeface="Helvetica" pitchFamily="34" charset="0"/>
+                  <a:cs typeface="Arial" panose="020B0604020202020204" pitchFamily="34" charset="0"/>
+                </a:endParaRPr>
+              </a:p>
+            </p:txBody>
+          </p:sp>
+          <p:sp>
+            <p:nvSpPr>
+              <p:cNvPr id="58" name="TextBox 57"/>
+              <p:cNvSpPr txBox="1"/>
+              <p:nvPr/>
+            </p:nvSpPr>
+            <p:spPr>
+              <a:xfrm>
+                <a:off x="10199788" y="1838164"/>
+                <a:ext cx="449162" cy="461665"/>
+              </a:xfrm>
+              <a:prstGeom prst="rect">
+                <a:avLst/>
+              </a:prstGeom>
+              <a:noFill/>
+            </p:spPr>
+            <p:txBody>
+              <a:bodyPr wrap="none" rtlCol="0">
+                <a:spAutoFit/>
+              </a:bodyPr>
+              <a:lstStyle/>
+              <a:p>
+                <a:r>
+                  <a:rPr lang="en-GB" sz="2400" dirty="0" smtClean="0">
+                    <a:latin typeface="Helvetica" pitchFamily="34" charset="0"/>
+                    <a:cs typeface="Arial" panose="020B0604020202020204" pitchFamily="34" charset="0"/>
+                  </a:rPr>
+                  <a:t>Y'</a:t>
+                </a:r>
+                <a:endParaRPr lang="en-GB" sz="2400" dirty="0">
+                  <a:latin typeface="Helvetica" pitchFamily="34" charset="0"/>
+                  <a:cs typeface="Arial" panose="020B0604020202020204" pitchFamily="34" charset="0"/>
+                </a:endParaRPr>
+              </a:p>
+            </p:txBody>
+          </p:sp>
+          <p:sp>
+            <p:nvSpPr>
+              <p:cNvPr id="59" name="TextBox 58"/>
+              <p:cNvSpPr txBox="1"/>
+              <p:nvPr/>
+            </p:nvSpPr>
+            <p:spPr>
+              <a:xfrm>
+                <a:off x="8786646" y="457200"/>
+                <a:ext cx="431528" cy="461665"/>
+              </a:xfrm>
+              <a:prstGeom prst="rect">
+                <a:avLst/>
+              </a:prstGeom>
+              <a:noFill/>
+            </p:spPr>
+            <p:txBody>
+              <a:bodyPr wrap="none" rtlCol="0">
+                <a:spAutoFit/>
+              </a:bodyPr>
+              <a:lstStyle/>
+              <a:p>
+                <a:r>
+                  <a:rPr lang="en-GB" sz="2400" dirty="0" smtClean="0">
+                    <a:latin typeface="Helvetica" pitchFamily="34" charset="0"/>
+                    <a:cs typeface="Arial" panose="020B0604020202020204" pitchFamily="34" charset="0"/>
+                  </a:rPr>
+                  <a:t>Z'</a:t>
+                </a:r>
+                <a:endParaRPr lang="en-GB" sz="2400" dirty="0">
+                  <a:latin typeface="Helvetica" pitchFamily="34" charset="0"/>
+                  <a:cs typeface="Arial" panose="020B0604020202020204" pitchFamily="34" charset="0"/>
+                </a:endParaRPr>
+              </a:p>
+            </p:txBody>
+          </p:sp>
+          <p:cxnSp>
+            <p:nvCxnSpPr>
+              <p:cNvPr id="60" name="Straight Arrow Connector 59"/>
+              <p:cNvCxnSpPr/>
+              <p:nvPr/>
+            </p:nvCxnSpPr>
+            <p:spPr>
+              <a:xfrm flipH="1" flipV="1">
+                <a:off x="8678288" y="1066800"/>
+                <a:ext cx="5203" cy="1190625"/>
+              </a:xfrm>
+              <a:prstGeom prst="straightConnector1">
+                <a:avLst/>
+              </a:prstGeom>
+              <a:ln>
+                <a:tailEnd type="arrow"/>
+              </a:ln>
+            </p:spPr>
+            <p:style>
+              <a:lnRef idx="3">
+                <a:schemeClr val="dk1"/>
+              </a:lnRef>
+              <a:fillRef idx="0">
+                <a:schemeClr val="dk1"/>
+              </a:fillRef>
+              <a:effectRef idx="2">
+                <a:schemeClr val="dk1"/>
+              </a:effectRef>
+              <a:fontRef idx="minor">
+                <a:schemeClr val="tx1"/>
+              </a:fontRef>
+            </p:style>
+          </p:cxnSp>
+        </p:grpSp>
+        <p:pic>
+          <p:nvPicPr>
+            <p:cNvPr id="15" name="Picture 2" descr="D:\home\Lectures\figures\Mz_buildup.png"/>
+            <p:cNvPicPr>
+              <a:picLocks noChangeAspect="1" noChangeArrowheads="1"/>
+            </p:cNvPicPr>
+            <p:nvPr/>
+          </p:nvPicPr>
+          <p:blipFill>
+            <a:blip r:embed="rId2">
+              <a:extLst>
+                <a:ext uri="{28A0092B-C50C-407E-A947-70E740481C1C}">
+                  <a14:useLocalDpi xmlns:a14="http://schemas.microsoft.com/office/drawing/2010/main" val="0"/>
+                </a:ext>
+              </a:extLst>
+            </a:blip>
+            <a:srcRect/>
+            <a:stretch>
+              <a:fillRect/>
+            </a:stretch>
+          </p:blipFill>
+          <p:spPr bwMode="auto">
+            <a:xfrm>
+              <a:off x="-304800" y="-2971800"/>
+              <a:ext cx="9445625" cy="6474897"/>
+            </a:xfrm>
+            <a:prstGeom prst="rect">
+              <a:avLst/>
+            </a:prstGeom>
+            <a:noFill/>
+            <a:extLst>
+              <a:ext uri="{909E8E84-426E-40DD-AFC4-6F175D3DCCD1}">
+                <a14:hiddenFill xmlns:a14="http://schemas.microsoft.com/office/drawing/2010/main">
+                  <a:solidFill>
+                    <a:srgbClr val="FFFFFF"/>
+                  </a:solidFill>
+                </a14:hiddenFill>
+              </a:ext>
+            </a:extLst>
+          </p:spPr>
+        </p:pic>
+        <p:sp>
+          <p:nvSpPr>
+            <p:cNvPr id="16" name="Oval 15"/>
+            <p:cNvSpPr/>
+            <p:nvPr/>
+          </p:nvSpPr>
+          <p:spPr>
+            <a:xfrm>
+              <a:off x="543289" y="2667000"/>
+              <a:ext cx="371111" cy="381000"/>
+            </a:xfrm>
+            <a:prstGeom prst="ellipse">
+              <a:avLst/>
+            </a:prstGeom>
+            <a:noFill/>
           </p:spPr>
           <p:style>
-            <a:lnRef idx="1">
-              <a:schemeClr val="dk1"/>
+            <a:lnRef idx="2">
+              <a:schemeClr val="accent1">
+                <a:shade val="50000"/>
+              </a:schemeClr>
             </a:lnRef>
-            <a:fillRef idx="0">
-              <a:schemeClr val="dk1"/>
+            <a:fillRef idx="1">
+              <a:schemeClr val="accent1"/>
             </a:fillRef>
             <a:effectRef idx="0">
-              <a:schemeClr val="dk1"/>
+              <a:schemeClr val="accent1"/>
             </a:effectRef>
             <a:fontRef idx="minor">
-              <a:schemeClr val="tx1"/>
+              <a:schemeClr val="lt1"/>
             </a:fontRef>
           </p:style>
-        </p:cxnSp>
-        <p:cxnSp>
-          <p:nvCxnSpPr>
-            <p:cNvPr id="41" name="Straight Arrow Connector 40"/>
-            <p:cNvCxnSpPr/>
-            <p:nvPr/>
-          </p:nvCxnSpPr>
+          <p:txBody>
+            <a:bodyPr rtlCol="0" anchor="ctr"/>
+            <a:lstStyle/>
+            <a:p>
+              <a:pPr algn="ctr"/>
+              <a:endParaRPr lang="en-GB"/>
+            </a:p>
+          </p:txBody>
+        </p:sp>
+        <p:sp>
+          <p:nvSpPr>
+            <p:cNvPr id="17" name="Oval 16"/>
+            <p:cNvSpPr/>
+            <p:nvPr/>
+          </p:nvSpPr>
           <p:spPr>
             <a:xfrm>
-              <a:off x="3657600" y="2238529"/>
-              <a:ext cx="1828800" cy="3008"/>
-            </a:xfrm>
-            <a:prstGeom prst="straightConnector1">
-              <a:avLst/>
-            </a:prstGeom>
-            <a:ln>
-              <a:tailEnd type="arrow"/>
-            </a:ln>
+              <a:off x="1076689" y="990600"/>
+              <a:ext cx="371111" cy="381000"/>
+            </a:xfrm>
+            <a:prstGeom prst="ellipse">
+              <a:avLst/>
+            </a:prstGeom>
+            <a:noFill/>
           </p:spPr>
           <p:style>
-            <a:lnRef idx="1">
-              <a:schemeClr val="dk1"/>
+            <a:lnRef idx="2">
+              <a:schemeClr val="accent1">
+                <a:shade val="50000"/>
+              </a:schemeClr>
             </a:lnRef>
-            <a:fillRef idx="0">
-              <a:schemeClr val="dk1"/>
+            <a:fillRef idx="1">
+              <a:schemeClr val="accent1"/>
             </a:fillRef>
             <a:effectRef idx="0">
-              <a:schemeClr val="dk1"/>
+              <a:schemeClr val="accent1"/>
             </a:effectRef>
             <a:fontRef idx="minor">
-              <a:schemeClr val="tx1"/>
+              <a:schemeClr val="lt1"/>
             </a:fontRef>
           </p:style>
-        </p:cxnSp>
-        <p:cxnSp>
-          <p:nvCxnSpPr>
-            <p:cNvPr id="42" name="Straight Arrow Connector 41"/>
-            <p:cNvCxnSpPr/>
-            <p:nvPr/>
-          </p:nvCxnSpPr>
-          <p:spPr>
-            <a:xfrm flipH="1">
-              <a:off x="2667000" y="2229800"/>
-              <a:ext cx="990600" cy="749300"/>
-            </a:xfrm>
-            <a:prstGeom prst="straightConnector1">
-              <a:avLst/>
-            </a:prstGeom>
-            <a:ln>
-              <a:tailEnd type="arrow"/>
-            </a:ln>
+          <p:txBody>
+            <a:bodyPr rtlCol="0" anchor="ctr"/>
+            <a:lstStyle/>
+            <a:p>
+              <a:pPr algn="ctr"/>
+              <a:endParaRPr lang="en-GB"/>
+            </a:p>
+          </p:txBody>
+        </p:sp>
+        <p:sp>
+          <p:nvSpPr>
+            <p:cNvPr id="18" name="Oval 17"/>
+            <p:cNvSpPr/>
+            <p:nvPr/>
+          </p:nvSpPr>
+          <p:spPr>
+            <a:xfrm>
+              <a:off x="2295889" y="-990600"/>
+              <a:ext cx="371111" cy="381000"/>
+            </a:xfrm>
+            <a:prstGeom prst="ellipse">
+              <a:avLst/>
+            </a:prstGeom>
+            <a:noFill/>
           </p:spPr>
           <p:style>
-            <a:lnRef idx="1">
-              <a:schemeClr val="dk1"/>
+            <a:lnRef idx="2">
+              <a:schemeClr val="accent1">
+                <a:shade val="50000"/>
+              </a:schemeClr>
             </a:lnRef>
-            <a:fillRef idx="0">
-              <a:schemeClr val="dk1"/>
+            <a:fillRef idx="1">
+              <a:schemeClr val="accent1"/>
             </a:fillRef>
             <a:effectRef idx="0">
-              <a:schemeClr val="dk1"/>
+              <a:schemeClr val="accent1"/>
             </a:effectRef>
             <a:fontRef idx="minor">
-              <a:schemeClr val="tx1"/>
+              <a:schemeClr val="lt1"/>
             </a:fontRef>
           </p:style>
-        </p:cxnSp>
+          <p:txBody>
+            <a:bodyPr rtlCol="0" anchor="ctr"/>
+            <a:lstStyle/>
+            <a:p>
+              <a:pPr algn="ctr"/>
+              <a:endParaRPr lang="en-GB"/>
+            </a:p>
+          </p:txBody>
+        </p:sp>
         <p:sp>
           <p:nvSpPr>
-            <p:cNvPr id="43" name="TextBox 42"/>
+            <p:cNvPr id="19" name="Oval 18"/>
+            <p:cNvSpPr/>
+            <p:nvPr/>
+          </p:nvSpPr>
+          <p:spPr>
+            <a:xfrm>
+              <a:off x="5648689" y="-2558142"/>
+              <a:ext cx="371111" cy="381000"/>
+            </a:xfrm>
+            <a:prstGeom prst="ellipse">
+              <a:avLst/>
+            </a:prstGeom>
+            <a:noFill/>
+          </p:spPr>
+          <p:style>
+            <a:lnRef idx="2">
+              <a:schemeClr val="accent1">
+                <a:shade val="50000"/>
+              </a:schemeClr>
+            </a:lnRef>
+            <a:fillRef idx="1">
+              <a:schemeClr val="accent1"/>
+            </a:fillRef>
+            <a:effectRef idx="0">
+              <a:schemeClr val="accent1"/>
+            </a:effectRef>
+            <a:fontRef idx="minor">
+              <a:schemeClr val="lt1"/>
+            </a:fontRef>
+          </p:style>
+          <p:txBody>
+            <a:bodyPr rtlCol="0" anchor="ctr"/>
+            <a:lstStyle/>
+            <a:p>
+              <a:pPr algn="ctr"/>
+              <a:endParaRPr lang="en-GB"/>
+            </a:p>
+          </p:txBody>
+        </p:sp>
+        <p:sp>
+          <p:nvSpPr>
+            <p:cNvPr id="20" name="TextBox 19"/>
             <p:cNvSpPr txBox="1"/>
             <p:nvPr/>
           </p:nvSpPr>
           <p:spPr>
             <a:xfrm>
-              <a:off x="2718342" y="2818117"/>
-              <a:ext cx="449162" cy="461665"/>
+              <a:off x="925286" y="2026503"/>
+              <a:ext cx="628698" cy="830997"/>
             </a:xfrm>
             <a:prstGeom prst="rect">
               <a:avLst/>
@@ -33023,13 +33899,390 @@
             <a:lstStyle/>
             <a:p>
               <a:r>
-                <a:rPr lang="en-GB" sz="2400" dirty="0" smtClean="0">
+                <a:rPr lang="en-GB" sz="4800" b="1" dirty="0">
+                  <a:latin typeface="Arial" panose="020B0604020202020204" pitchFamily="34" charset="0"/>
+                  <a:cs typeface="Arial" panose="020B0604020202020204" pitchFamily="34" charset="0"/>
+                </a:rPr>
+                <a:t>A</a:t>
+              </a:r>
+            </a:p>
+          </p:txBody>
+        </p:sp>
+        <p:sp>
+          <p:nvSpPr>
+            <p:cNvPr id="21" name="TextBox 20"/>
+            <p:cNvSpPr txBox="1"/>
+            <p:nvPr/>
+          </p:nvSpPr>
+          <p:spPr>
+            <a:xfrm>
+              <a:off x="-381000" y="4045803"/>
+              <a:ext cx="628698" cy="830997"/>
+            </a:xfrm>
+            <a:prstGeom prst="rect">
+              <a:avLst/>
+            </a:prstGeom>
+            <a:noFill/>
+          </p:spPr>
+          <p:txBody>
+            <a:bodyPr wrap="none" rtlCol="0">
+              <a:spAutoFit/>
+            </a:bodyPr>
+            <a:lstStyle/>
+            <a:p>
+              <a:r>
+                <a:rPr lang="en-GB" sz="4800" b="1" dirty="0">
+                  <a:latin typeface="Arial" panose="020B0604020202020204" pitchFamily="34" charset="0"/>
+                  <a:cs typeface="Arial" panose="020B0604020202020204" pitchFamily="34" charset="0"/>
+                </a:rPr>
+                <a:t>A</a:t>
+              </a:r>
+            </a:p>
+          </p:txBody>
+        </p:sp>
+        <p:sp>
+          <p:nvSpPr>
+            <p:cNvPr id="22" name="TextBox 21"/>
+            <p:cNvSpPr txBox="1"/>
+            <p:nvPr/>
+          </p:nvSpPr>
+          <p:spPr>
+            <a:xfrm>
+              <a:off x="2571702" y="4045803"/>
+              <a:ext cx="628698" cy="830997"/>
+            </a:xfrm>
+            <a:prstGeom prst="rect">
+              <a:avLst/>
+            </a:prstGeom>
+            <a:noFill/>
+          </p:spPr>
+          <p:txBody>
+            <a:bodyPr wrap="none" rtlCol="0">
+              <a:spAutoFit/>
+            </a:bodyPr>
+            <a:lstStyle/>
+            <a:p>
+              <a:r>
+                <a:rPr lang="en-GB" sz="4800" b="1" dirty="0" smtClean="0">
+                  <a:latin typeface="Arial" panose="020B0604020202020204" pitchFamily="34" charset="0"/>
+                  <a:cs typeface="Arial" panose="020B0604020202020204" pitchFamily="34" charset="0"/>
+                </a:rPr>
+                <a:t>B</a:t>
+              </a:r>
+              <a:endParaRPr lang="en-GB" sz="4800" b="1" dirty="0">
+                <a:latin typeface="Arial" panose="020B0604020202020204" pitchFamily="34" charset="0"/>
+                <a:cs typeface="Arial" panose="020B0604020202020204" pitchFamily="34" charset="0"/>
+              </a:endParaRPr>
+            </a:p>
+          </p:txBody>
+        </p:sp>
+        <p:sp>
+          <p:nvSpPr>
+            <p:cNvPr id="23" name="TextBox 22"/>
+            <p:cNvSpPr txBox="1"/>
+            <p:nvPr/>
+          </p:nvSpPr>
+          <p:spPr>
+            <a:xfrm>
+              <a:off x="1524000" y="457200"/>
+              <a:ext cx="628698" cy="830997"/>
+            </a:xfrm>
+            <a:prstGeom prst="rect">
+              <a:avLst/>
+            </a:prstGeom>
+            <a:noFill/>
+          </p:spPr>
+          <p:txBody>
+            <a:bodyPr wrap="none" rtlCol="0">
+              <a:spAutoFit/>
+            </a:bodyPr>
+            <a:lstStyle/>
+            <a:p>
+              <a:r>
+                <a:rPr lang="en-GB" sz="4800" b="1" dirty="0" smtClean="0">
+                  <a:latin typeface="Arial" panose="020B0604020202020204" pitchFamily="34" charset="0"/>
+                  <a:cs typeface="Arial" panose="020B0604020202020204" pitchFamily="34" charset="0"/>
+                </a:rPr>
+                <a:t>B</a:t>
+              </a:r>
+              <a:endParaRPr lang="en-GB" sz="4800" b="1" dirty="0">
+                <a:latin typeface="Arial" panose="020B0604020202020204" pitchFamily="34" charset="0"/>
+                <a:cs typeface="Arial" panose="020B0604020202020204" pitchFamily="34" charset="0"/>
+              </a:endParaRPr>
+            </a:p>
+          </p:txBody>
+        </p:sp>
+        <p:sp>
+          <p:nvSpPr>
+            <p:cNvPr id="24" name="TextBox 23"/>
+            <p:cNvSpPr txBox="1"/>
+            <p:nvPr/>
+          </p:nvSpPr>
+          <p:spPr>
+            <a:xfrm>
+              <a:off x="1905000" y="-1669197"/>
+              <a:ext cx="628698" cy="830997"/>
+            </a:xfrm>
+            <a:prstGeom prst="rect">
+              <a:avLst/>
+            </a:prstGeom>
+            <a:noFill/>
+          </p:spPr>
+          <p:txBody>
+            <a:bodyPr wrap="none" rtlCol="0">
+              <a:spAutoFit/>
+            </a:bodyPr>
+            <a:lstStyle/>
+            <a:p>
+              <a:r>
+                <a:rPr lang="en-GB" sz="4800" b="1" dirty="0" smtClean="0">
+                  <a:latin typeface="Arial" panose="020B0604020202020204" pitchFamily="34" charset="0"/>
+                  <a:cs typeface="Arial" panose="020B0604020202020204" pitchFamily="34" charset="0"/>
+                </a:rPr>
+                <a:t>C</a:t>
+              </a:r>
+              <a:endParaRPr lang="en-GB" sz="4800" b="1" dirty="0">
+                <a:latin typeface="Arial" panose="020B0604020202020204" pitchFamily="34" charset="0"/>
+                <a:cs typeface="Arial" panose="020B0604020202020204" pitchFamily="34" charset="0"/>
+              </a:endParaRPr>
+            </a:p>
+          </p:txBody>
+        </p:sp>
+        <p:sp>
+          <p:nvSpPr>
+            <p:cNvPr id="25" name="TextBox 24"/>
+            <p:cNvSpPr txBox="1"/>
+            <p:nvPr/>
+          </p:nvSpPr>
+          <p:spPr>
+            <a:xfrm>
+              <a:off x="5162502" y="4038600"/>
+              <a:ext cx="628698" cy="830997"/>
+            </a:xfrm>
+            <a:prstGeom prst="rect">
+              <a:avLst/>
+            </a:prstGeom>
+            <a:noFill/>
+          </p:spPr>
+          <p:txBody>
+            <a:bodyPr wrap="none" rtlCol="0">
+              <a:spAutoFit/>
+            </a:bodyPr>
+            <a:lstStyle/>
+            <a:p>
+              <a:r>
+                <a:rPr lang="en-GB" sz="4800" b="1" dirty="0" smtClean="0">
+                  <a:latin typeface="Arial" panose="020B0604020202020204" pitchFamily="34" charset="0"/>
+                  <a:cs typeface="Arial" panose="020B0604020202020204" pitchFamily="34" charset="0"/>
+                </a:rPr>
+                <a:t>C</a:t>
+              </a:r>
+              <a:endParaRPr lang="en-GB" sz="4800" b="1" dirty="0">
+                <a:latin typeface="Arial" panose="020B0604020202020204" pitchFamily="34" charset="0"/>
+                <a:cs typeface="Arial" panose="020B0604020202020204" pitchFamily="34" charset="0"/>
+              </a:endParaRPr>
+            </a:p>
+          </p:txBody>
+        </p:sp>
+        <p:sp>
+          <p:nvSpPr>
+            <p:cNvPr id="26" name="TextBox 25"/>
+            <p:cNvSpPr txBox="1"/>
+            <p:nvPr/>
+          </p:nvSpPr>
+          <p:spPr>
+            <a:xfrm>
+              <a:off x="5772102" y="-2362200"/>
+              <a:ext cx="628698" cy="830997"/>
+            </a:xfrm>
+            <a:prstGeom prst="rect">
+              <a:avLst/>
+            </a:prstGeom>
+            <a:noFill/>
+          </p:spPr>
+          <p:txBody>
+            <a:bodyPr wrap="none" rtlCol="0">
+              <a:spAutoFit/>
+            </a:bodyPr>
+            <a:lstStyle/>
+            <a:p>
+              <a:r>
+                <a:rPr lang="en-GB" sz="4800" b="1" dirty="0" smtClean="0">
+                  <a:latin typeface="Arial" panose="020B0604020202020204" pitchFamily="34" charset="0"/>
+                  <a:cs typeface="Arial" panose="020B0604020202020204" pitchFamily="34" charset="0"/>
+                </a:rPr>
+                <a:t>D</a:t>
+              </a:r>
+              <a:endParaRPr lang="en-GB" sz="4800" b="1" dirty="0">
+                <a:latin typeface="Arial" panose="020B0604020202020204" pitchFamily="34" charset="0"/>
+                <a:cs typeface="Arial" panose="020B0604020202020204" pitchFamily="34" charset="0"/>
+              </a:endParaRPr>
+            </a:p>
+          </p:txBody>
+        </p:sp>
+        <p:sp>
+          <p:nvSpPr>
+            <p:cNvPr id="27" name="TextBox 26"/>
+            <p:cNvSpPr txBox="1"/>
+            <p:nvPr/>
+          </p:nvSpPr>
+          <p:spPr>
+            <a:xfrm>
+              <a:off x="7600902" y="4038600"/>
+              <a:ext cx="628698" cy="830997"/>
+            </a:xfrm>
+            <a:prstGeom prst="rect">
+              <a:avLst/>
+            </a:prstGeom>
+            <a:noFill/>
+          </p:spPr>
+          <p:txBody>
+            <a:bodyPr wrap="none" rtlCol="0">
+              <a:spAutoFit/>
+            </a:bodyPr>
+            <a:lstStyle/>
+            <a:p>
+              <a:r>
+                <a:rPr lang="en-GB" sz="4800" b="1" dirty="0" smtClean="0">
+                  <a:latin typeface="Arial" panose="020B0604020202020204" pitchFamily="34" charset="0"/>
+                  <a:cs typeface="Arial" panose="020B0604020202020204" pitchFamily="34" charset="0"/>
+                </a:rPr>
+                <a:t>D</a:t>
+              </a:r>
+              <a:endParaRPr lang="en-GB" sz="4800" b="1" dirty="0">
+                <a:latin typeface="Arial" panose="020B0604020202020204" pitchFamily="34" charset="0"/>
+                <a:cs typeface="Arial" panose="020B0604020202020204" pitchFamily="34" charset="0"/>
+              </a:endParaRPr>
+            </a:p>
+          </p:txBody>
+        </p:sp>
+        <p:sp>
+          <p:nvSpPr>
+            <p:cNvPr id="28" name="TextBox 27"/>
+            <p:cNvSpPr txBox="1"/>
+            <p:nvPr/>
+          </p:nvSpPr>
+          <p:spPr>
+            <a:xfrm>
+              <a:off x="4047045" y="-1400265"/>
+              <a:ext cx="4439036" cy="1200329"/>
+            </a:xfrm>
+            <a:prstGeom prst="rect">
+              <a:avLst/>
+            </a:prstGeom>
+            <a:noFill/>
+          </p:spPr>
+          <p:txBody>
+            <a:bodyPr wrap="none" rtlCol="0">
+              <a:spAutoFit/>
+            </a:bodyPr>
+            <a:lstStyle/>
+            <a:p>
+              <a:r>
+                <a:rPr lang="en-GB" sz="3600" i="1" dirty="0" err="1" smtClean="0">
+                  <a:latin typeface="Helvetica" pitchFamily="34" charset="0"/>
+                </a:rPr>
+                <a:t>M</a:t>
+              </a:r>
+              <a:r>
+                <a:rPr lang="en-GB" sz="3600" i="1" baseline="-25000" dirty="0" err="1" smtClean="0">
+                  <a:latin typeface="Helvetica" pitchFamily="34" charset="0"/>
+                </a:rPr>
+                <a:t>z</a:t>
+              </a:r>
+              <a:r>
+                <a:rPr lang="en-GB" sz="3600" i="1" dirty="0" smtClean="0">
+                  <a:latin typeface="Helvetica" pitchFamily="34" charset="0"/>
+                </a:rPr>
+                <a:t>=M</a:t>
+              </a:r>
+              <a:r>
+                <a:rPr lang="en-GB" sz="3600" i="1" baseline="-25000" dirty="0" smtClean="0">
+                  <a:latin typeface="Helvetica" pitchFamily="34" charset="0"/>
+                </a:rPr>
+                <a:t>0</a:t>
+              </a:r>
+              <a:r>
+                <a:rPr lang="en-GB" sz="3600" i="1" dirty="0" smtClean="0">
+                  <a:latin typeface="Helvetica" pitchFamily="34" charset="0"/>
+                </a:rPr>
+                <a:t>(1-2exp(-t/T</a:t>
+              </a:r>
+              <a:r>
+                <a:rPr lang="en-GB" sz="3600" i="1" baseline="-25000" dirty="0" smtClean="0">
+                  <a:latin typeface="Helvetica" pitchFamily="34" charset="0"/>
+                </a:rPr>
+                <a:t>1</a:t>
+              </a:r>
+              <a:r>
+                <a:rPr lang="en-GB" sz="3600" i="1" dirty="0" smtClean="0">
+                  <a:latin typeface="Helvetica" pitchFamily="34" charset="0"/>
+                </a:rPr>
+                <a:t>))</a:t>
+              </a:r>
+            </a:p>
+            <a:p>
+              <a:r>
+                <a:rPr lang="en-GB" sz="3600" i="1" dirty="0" smtClean="0">
+                  <a:latin typeface="Helvetica" pitchFamily="34" charset="0"/>
+                </a:rPr>
+                <a:t>T</a:t>
+              </a:r>
+              <a:r>
+                <a:rPr lang="en-GB" sz="3600" i="1" baseline="-25000" dirty="0" smtClean="0">
+                  <a:latin typeface="Helvetica" pitchFamily="34" charset="0"/>
+                </a:rPr>
+                <a:t>1</a:t>
+              </a:r>
+              <a:r>
+                <a:rPr lang="en-GB" sz="3600" dirty="0" smtClean="0">
+                  <a:latin typeface="Helvetica" pitchFamily="34" charset="0"/>
+                </a:rPr>
+                <a:t>= 1 s</a:t>
+              </a:r>
+              <a:endParaRPr lang="en-GB" sz="3600" dirty="0">
+                <a:latin typeface="Helvetica" pitchFamily="34" charset="0"/>
+              </a:endParaRPr>
+            </a:p>
+          </p:txBody>
+        </p:sp>
+        <p:sp>
+          <p:nvSpPr>
+            <p:cNvPr id="29" name="TextBox 28"/>
+            <p:cNvSpPr txBox="1"/>
+            <p:nvPr/>
+          </p:nvSpPr>
+          <p:spPr>
+            <a:xfrm>
+              <a:off x="3912674" y="3178314"/>
+              <a:ext cx="1497526" cy="707886"/>
+            </a:xfrm>
+            <a:prstGeom prst="rect">
+              <a:avLst/>
+            </a:prstGeom>
+            <a:noFill/>
+          </p:spPr>
+          <p:txBody>
+            <a:bodyPr wrap="none" rtlCol="0">
+              <a:spAutoFit/>
+            </a:bodyPr>
+            <a:lstStyle/>
+            <a:p>
+              <a:r>
+                <a:rPr lang="en-GB" sz="4000" b="1" i="1" dirty="0" smtClean="0">
                   <a:latin typeface="Helvetica" pitchFamily="34" charset="0"/>
                   <a:cs typeface="Arial" panose="020B0604020202020204" pitchFamily="34" charset="0"/>
                 </a:rPr>
-                <a:t>X'</a:t>
-              </a:r>
-              <a:endParaRPr lang="en-GB" sz="2400" dirty="0">
+                <a:t>t</a:t>
+              </a:r>
+              <a:r>
+                <a:rPr lang="en-GB" sz="4000" b="1" dirty="0" smtClean="0">
+                  <a:latin typeface="Helvetica" pitchFamily="34" charset="0"/>
+                  <a:cs typeface="Arial" panose="020B0604020202020204" pitchFamily="34" charset="0"/>
+                </a:rPr>
+                <a:t>, sec</a:t>
+              </a:r>
+              <a:endParaRPr lang="en-GB" sz="4000" b="1" dirty="0">
                 <a:latin typeface="Helvetica" pitchFamily="34" charset="0"/>
                 <a:cs typeface="Arial" panose="020B0604020202020204" pitchFamily="34" charset="0"/>
               </a:endParaRPr>
@@ -33038,19 +34291,25 @@
         </p:sp>
         <p:sp>
           <p:nvSpPr>
-            <p:cNvPr id="44" name="TextBox 43"/>
+            <p:cNvPr id="30" name="TextBox 29"/>
             <p:cNvSpPr txBox="1"/>
             <p:nvPr/>
           </p:nvSpPr>
           <p:spPr>
             <a:xfrm>
-              <a:off x="5179100" y="1836100"/>
-              <a:ext cx="449162" cy="461665"/>
+              <a:off x="-1524000" y="-250686"/>
+              <a:ext cx="1952779" cy="707886"/>
             </a:xfrm>
             <a:prstGeom prst="rect">
               <a:avLst/>
             </a:prstGeom>
             <a:noFill/>
+            <a:scene3d>
+              <a:camera prst="orthographicFront">
+                <a:rot lat="0" lon="0" rev="5400000"/>
+              </a:camera>
+              <a:lightRig rig="threePt" dir="t"/>
+            </a:scene3d>
           </p:spPr>
           <p:txBody>
             <a:bodyPr wrap="none" rtlCol="0">
@@ -33059,13 +34318,48 @@
             <a:lstStyle/>
             <a:p>
               <a:r>
-                <a:rPr lang="en-GB" sz="2400" dirty="0" smtClean="0">
+                <a:rPr lang="en-GB" sz="4000" b="1" i="1" dirty="0" err="1" smtClean="0">
                   <a:latin typeface="Helvetica" pitchFamily="34" charset="0"/>
                   <a:cs typeface="Arial" panose="020B0604020202020204" pitchFamily="34" charset="0"/>
                 </a:rPr>
-                <a:t>Y'</a:t>
-              </a:r>
-              <a:endParaRPr lang="en-GB" sz="2400" dirty="0">
+                <a:t>M</a:t>
+              </a:r>
+              <a:r>
+                <a:rPr lang="en-GB" sz="4000" b="1" i="1" baseline="-25000" dirty="0" err="1" smtClean="0">
+                  <a:latin typeface="Helvetica" pitchFamily="34" charset="0"/>
+                  <a:cs typeface="Arial" panose="020B0604020202020204" pitchFamily="34" charset="0"/>
+                </a:rPr>
+                <a:t>z</a:t>
+              </a:r>
+              <a:r>
+                <a:rPr lang="en-GB" sz="4000" b="1" i="1" dirty="0" smtClean="0">
+                  <a:latin typeface="Helvetica" pitchFamily="34" charset="0"/>
+                  <a:cs typeface="Arial" panose="020B0604020202020204" pitchFamily="34" charset="0"/>
+                </a:rPr>
+                <a:t>,</a:t>
+              </a:r>
+              <a:r>
+                <a:rPr lang="en-GB" sz="4000" b="1" dirty="0" smtClean="0">
+                  <a:latin typeface="Helvetica" pitchFamily="34" charset="0"/>
+                  <a:cs typeface="Arial" panose="020B0604020202020204" pitchFamily="34" charset="0"/>
+                </a:rPr>
+                <a:t> </a:t>
+              </a:r>
+              <a:r>
+                <a:rPr lang="en-GB" sz="4000" b="1" dirty="0" err="1" smtClean="0">
+                  <a:latin typeface="Helvetica" pitchFamily="34" charset="0"/>
+                  <a:cs typeface="Arial" panose="020B0604020202020204" pitchFamily="34" charset="0"/>
+                </a:rPr>
+                <a:t>a.u</a:t>
+              </a:r>
+              <a:r>
+                <a:rPr lang="en-GB" sz="4000" b="1" dirty="0" smtClean="0">
+                  <a:latin typeface="Helvetica" pitchFamily="34" charset="0"/>
+                  <a:cs typeface="Arial" panose="020B0604020202020204" pitchFamily="34" charset="0"/>
+                </a:rPr>
+                <a:t>.</a:t>
+              </a:r>
+              <a:endParaRPr lang="en-GB" sz="4000" b="1" dirty="0">
                 <a:latin typeface="Helvetica" pitchFamily="34" charset="0"/>
                 <a:cs typeface="Arial" panose="020B0604020202020204" pitchFamily="34" charset="0"/>
               </a:endParaRPr>
@@ -33074,14 +34368,14 @@
         </p:sp>
         <p:sp>
           <p:nvSpPr>
-            <p:cNvPr id="45" name="TextBox 44"/>
+            <p:cNvPr id="10" name="TextBox 9"/>
             <p:cNvSpPr txBox="1"/>
             <p:nvPr/>
           </p:nvSpPr>
           <p:spPr>
             <a:xfrm>
-              <a:off x="3765958" y="455136"/>
-              <a:ext cx="431528" cy="461665"/>
+              <a:off x="762000" y="6858000"/>
+              <a:ext cx="526106" cy="584775"/>
             </a:xfrm>
             <a:prstGeom prst="rect">
               <a:avLst/>
@@ -33095,181 +34389,13 @@
             <a:lstStyle/>
             <a:p>
               <a:r>
-                <a:rPr lang="en-GB" sz="2400" dirty="0" smtClean="0">
+                <a:rPr lang="en-GB" sz="3200" b="1" i="1" dirty="0" smtClean="0">
                   <a:latin typeface="Helvetica" pitchFamily="34" charset="0"/>
                   <a:cs typeface="Arial" panose="020B0604020202020204" pitchFamily="34" charset="0"/>
                 </a:rPr>
-                <a:t>Z'</a:t>
-              </a:r>
-              <a:endParaRPr lang="en-GB" sz="2400" dirty="0">
-                <a:latin typeface="Helvetica" pitchFamily="34" charset="0"/>
-                <a:cs typeface="Arial" panose="020B0604020202020204" pitchFamily="34" charset="0"/>
-              </a:endParaRPr>
-            </a:p>
-          </p:txBody>
-        </p:sp>
-        <p:cxnSp>
-          <p:nvCxnSpPr>
-            <p:cNvPr id="46" name="Straight Arrow Connector 45"/>
-            <p:cNvCxnSpPr/>
-            <p:nvPr/>
-          </p:nvCxnSpPr>
-          <p:spPr>
-            <a:xfrm>
-              <a:off x="3662803" y="2255361"/>
-              <a:ext cx="9777" cy="723739"/>
-            </a:xfrm>
-            <a:prstGeom prst="straightConnector1">
-              <a:avLst/>
-            </a:prstGeom>
-            <a:ln>
-              <a:tailEnd type="arrow"/>
-            </a:ln>
-          </p:spPr>
-          <p:style>
-            <a:lnRef idx="3">
-              <a:schemeClr val="dk1"/>
-            </a:lnRef>
-            <a:fillRef idx="0">
-              <a:schemeClr val="dk1"/>
-            </a:fillRef>
-            <a:effectRef idx="2">
-              <a:schemeClr val="dk1"/>
-            </a:effectRef>
-            <a:fontRef idx="minor">
-              <a:schemeClr val="tx1"/>
-            </a:fontRef>
-          </p:style>
-        </p:cxnSp>
-        <p:cxnSp>
-          <p:nvCxnSpPr>
-            <p:cNvPr id="47" name="Straight Arrow Connector 46"/>
-            <p:cNvCxnSpPr/>
-            <p:nvPr/>
-          </p:nvCxnSpPr>
-          <p:spPr>
-            <a:xfrm flipH="1" flipV="1">
-              <a:off x="6205978" y="524065"/>
-              <a:ext cx="14980" cy="3287999"/>
-            </a:xfrm>
-            <a:prstGeom prst="straightConnector1">
-              <a:avLst/>
-            </a:prstGeom>
-            <a:ln>
-              <a:tailEnd type="arrow"/>
-            </a:ln>
-          </p:spPr>
-          <p:style>
-            <a:lnRef idx="1">
-              <a:schemeClr val="dk1"/>
-            </a:lnRef>
-            <a:fillRef idx="0">
-              <a:schemeClr val="dk1"/>
-            </a:fillRef>
-            <a:effectRef idx="0">
-              <a:schemeClr val="dk1"/>
-            </a:effectRef>
-            <a:fontRef idx="minor">
-              <a:schemeClr val="tx1"/>
-            </a:fontRef>
-          </p:style>
-        </p:cxnSp>
-        <p:cxnSp>
-          <p:nvCxnSpPr>
-            <p:cNvPr id="48" name="Straight Arrow Connector 47"/>
-            <p:cNvCxnSpPr/>
-            <p:nvPr/>
-          </p:nvCxnSpPr>
-          <p:spPr>
-            <a:xfrm>
-              <a:off x="6205978" y="2240593"/>
-              <a:ext cx="1828800" cy="3008"/>
-            </a:xfrm>
-            <a:prstGeom prst="straightConnector1">
-              <a:avLst/>
-            </a:prstGeom>
-            <a:ln>
-              <a:tailEnd type="arrow"/>
-            </a:ln>
-          </p:spPr>
-          <p:style>
-            <a:lnRef idx="1">
-              <a:schemeClr val="dk1"/>
-            </a:lnRef>
-            <a:fillRef idx="0">
-              <a:schemeClr val="dk1"/>
-            </a:fillRef>
-            <a:effectRef idx="0">
-              <a:schemeClr val="dk1"/>
-            </a:effectRef>
-            <a:fontRef idx="minor">
-              <a:schemeClr val="tx1"/>
-            </a:fontRef>
-          </p:style>
-        </p:cxnSp>
-        <p:cxnSp>
-          <p:nvCxnSpPr>
-            <p:cNvPr id="49" name="Straight Arrow Connector 48"/>
-            <p:cNvCxnSpPr/>
-            <p:nvPr/>
-          </p:nvCxnSpPr>
-          <p:spPr>
-            <a:xfrm flipH="1">
-              <a:off x="5215378" y="2231864"/>
-              <a:ext cx="990600" cy="749300"/>
-            </a:xfrm>
-            <a:prstGeom prst="straightConnector1">
-              <a:avLst/>
-            </a:prstGeom>
-            <a:ln>
-              <a:tailEnd type="arrow"/>
-            </a:ln>
-          </p:spPr>
-          <p:style>
-            <a:lnRef idx="1">
-              <a:schemeClr val="dk1"/>
-            </a:lnRef>
-            <a:fillRef idx="0">
-              <a:schemeClr val="dk1"/>
-            </a:fillRef>
-            <a:effectRef idx="0">
-              <a:schemeClr val="dk1"/>
-            </a:effectRef>
-            <a:fontRef idx="minor">
-              <a:schemeClr val="tx1"/>
-            </a:fontRef>
-          </p:style>
-        </p:cxnSp>
-        <p:sp>
-          <p:nvSpPr>
-            <p:cNvPr id="50" name="TextBox 49"/>
-            <p:cNvSpPr txBox="1"/>
-            <p:nvPr/>
-          </p:nvSpPr>
-          <p:spPr>
-            <a:xfrm>
-              <a:off x="5266720" y="2820181"/>
-              <a:ext cx="449162" cy="461665"/>
-            </a:xfrm>
-            <a:prstGeom prst="rect">
-              <a:avLst/>
-            </a:prstGeom>
-            <a:noFill/>
-          </p:spPr>
-          <p:txBody>
-            <a:bodyPr wrap="none" rtlCol="0">
-              <a:spAutoFit/>
-            </a:bodyPr>
-            <a:lstStyle/>
-            <a:p>
-              <a:r>
-                <a:rPr lang="en-GB" sz="2400" dirty="0" smtClean="0">
-                  <a:latin typeface="Helvetica" pitchFamily="34" charset="0"/>
-                  <a:cs typeface="Arial" panose="020B0604020202020204" pitchFamily="34" charset="0"/>
-                </a:rPr>
-                <a:t>X'</a:t>
-              </a:r>
-              <a:endParaRPr lang="en-GB" sz="2400" dirty="0">
+                <a:t>M</a:t>
+              </a:r>
+              <a:endParaRPr lang="en-GB" sz="2400" b="1" i="1" dirty="0">
                 <a:latin typeface="Helvetica" pitchFamily="34" charset="0"/>
                 <a:cs typeface="Arial" panose="020B0604020202020204" pitchFamily="34" charset="0"/>
               </a:endParaRPr>
@@ -33278,14 +34404,14 @@
         </p:sp>
         <p:sp>
           <p:nvSpPr>
-            <p:cNvPr id="51" name="TextBox 50"/>
+            <p:cNvPr id="11" name="TextBox 10"/>
             <p:cNvSpPr txBox="1"/>
             <p:nvPr/>
           </p:nvSpPr>
           <p:spPr>
             <a:xfrm>
-              <a:off x="7727478" y="1838164"/>
-              <a:ext cx="449162" cy="461665"/>
+              <a:off x="3283894" y="6172200"/>
+              <a:ext cx="526106" cy="584775"/>
             </a:xfrm>
             <a:prstGeom prst="rect">
               <a:avLst/>
@@ -33299,13 +34425,13 @@
             <a:lstStyle/>
             <a:p>
               <a:r>
-                <a:rPr lang="en-GB" sz="2400" dirty="0" smtClean="0">
+                <a:rPr lang="en-GB" sz="3200" b="1" i="1" dirty="0" smtClean="0">
                   <a:latin typeface="Helvetica" pitchFamily="34" charset="0"/>
                   <a:cs typeface="Arial" panose="020B0604020202020204" pitchFamily="34" charset="0"/>
                 </a:rPr>
-                <a:t>Y'</a:t>
-              </a:r>
-              <a:endParaRPr lang="en-GB" sz="2400" dirty="0">
+                <a:t>M</a:t>
+              </a:r>
+              <a:endParaRPr lang="en-GB" sz="2400" b="1" i="1" dirty="0">
                 <a:latin typeface="Helvetica" pitchFamily="34" charset="0"/>
                 <a:cs typeface="Arial" panose="020B0604020202020204" pitchFamily="34" charset="0"/>
               </a:endParaRPr>
@@ -33314,14 +34440,14 @@
         </p:sp>
         <p:sp>
           <p:nvSpPr>
-            <p:cNvPr id="52" name="TextBox 51"/>
+            <p:cNvPr id="12" name="TextBox 11"/>
             <p:cNvSpPr txBox="1"/>
             <p:nvPr/>
           </p:nvSpPr>
           <p:spPr>
             <a:xfrm>
-              <a:off x="6314336" y="457200"/>
-              <a:ext cx="431528" cy="461665"/>
+              <a:off x="5874694" y="5181600"/>
+              <a:ext cx="526106" cy="584775"/>
             </a:xfrm>
             <a:prstGeom prst="rect">
               <a:avLst/>
@@ -33335,181 +34461,13 @@
             <a:lstStyle/>
             <a:p>
               <a:r>
-                <a:rPr lang="en-GB" sz="2400" dirty="0" smtClean="0">
+                <a:rPr lang="en-GB" sz="3200" b="1" i="1" dirty="0" smtClean="0">
                   <a:latin typeface="Helvetica" pitchFamily="34" charset="0"/>
                   <a:cs typeface="Arial" panose="020B0604020202020204" pitchFamily="34" charset="0"/>
                 </a:rPr>
-                <a:t>Z'</a:t>
-              </a:r>
-              <a:endParaRPr lang="en-GB" sz="2400" dirty="0">
-                <a:latin typeface="Helvetica" pitchFamily="34" charset="0"/>
-                <a:cs typeface="Arial" panose="020B0604020202020204" pitchFamily="34" charset="0"/>
-              </a:endParaRPr>
-            </a:p>
-          </p:txBody>
-        </p:sp>
-        <p:cxnSp>
-          <p:nvCxnSpPr>
-            <p:cNvPr id="53" name="Straight Arrow Connector 52"/>
-            <p:cNvCxnSpPr/>
-            <p:nvPr/>
-          </p:nvCxnSpPr>
-          <p:spPr>
-            <a:xfrm flipH="1" flipV="1">
-              <a:off x="6205978" y="1836100"/>
-              <a:ext cx="5203" cy="421325"/>
-            </a:xfrm>
-            <a:prstGeom prst="straightConnector1">
-              <a:avLst/>
-            </a:prstGeom>
-            <a:ln>
-              <a:tailEnd type="arrow"/>
-            </a:ln>
-          </p:spPr>
-          <p:style>
-            <a:lnRef idx="3">
-              <a:schemeClr val="dk1"/>
-            </a:lnRef>
-            <a:fillRef idx="0">
-              <a:schemeClr val="dk1"/>
-            </a:fillRef>
-            <a:effectRef idx="2">
-              <a:schemeClr val="dk1"/>
-            </a:effectRef>
-            <a:fontRef idx="minor">
-              <a:schemeClr val="tx1"/>
-            </a:fontRef>
-          </p:style>
-        </p:cxnSp>
-        <p:cxnSp>
-          <p:nvCxnSpPr>
-            <p:cNvPr id="54" name="Straight Arrow Connector 53"/>
-            <p:cNvCxnSpPr/>
-            <p:nvPr/>
-          </p:nvCxnSpPr>
-          <p:spPr>
-            <a:xfrm flipH="1" flipV="1">
-              <a:off x="8678288" y="524065"/>
-              <a:ext cx="14980" cy="3287999"/>
-            </a:xfrm>
-            <a:prstGeom prst="straightConnector1">
-              <a:avLst/>
-            </a:prstGeom>
-            <a:ln>
-              <a:tailEnd type="arrow"/>
-            </a:ln>
-          </p:spPr>
-          <p:style>
-            <a:lnRef idx="1">
-              <a:schemeClr val="dk1"/>
-            </a:lnRef>
-            <a:fillRef idx="0">
-              <a:schemeClr val="dk1"/>
-            </a:fillRef>
-            <a:effectRef idx="0">
-              <a:schemeClr val="dk1"/>
-            </a:effectRef>
-            <a:fontRef idx="minor">
-              <a:schemeClr val="tx1"/>
-            </a:fontRef>
-          </p:style>
-        </p:cxnSp>
-        <p:cxnSp>
-          <p:nvCxnSpPr>
-            <p:cNvPr id="55" name="Straight Arrow Connector 54"/>
-            <p:cNvCxnSpPr/>
-            <p:nvPr/>
-          </p:nvCxnSpPr>
-          <p:spPr>
-            <a:xfrm>
-              <a:off x="8678288" y="2240593"/>
-              <a:ext cx="1828800" cy="3008"/>
-            </a:xfrm>
-            <a:prstGeom prst="straightConnector1">
-              <a:avLst/>
-            </a:prstGeom>
-            <a:ln>
-              <a:tailEnd type="arrow"/>
-            </a:ln>
-          </p:spPr>
-          <p:style>
-            <a:lnRef idx="1">
-              <a:schemeClr val="dk1"/>
-            </a:lnRef>
-            <a:fillRef idx="0">
-              <a:schemeClr val="dk1"/>
-            </a:fillRef>
-            <a:effectRef idx="0">
-              <a:schemeClr val="dk1"/>
-            </a:effectRef>
-            <a:fontRef idx="minor">
-              <a:schemeClr val="tx1"/>
-            </a:fontRef>
-          </p:style>
-        </p:cxnSp>
-        <p:cxnSp>
-          <p:nvCxnSpPr>
-            <p:cNvPr id="56" name="Straight Arrow Connector 55"/>
-            <p:cNvCxnSpPr/>
-            <p:nvPr/>
-          </p:nvCxnSpPr>
-          <p:spPr>
-            <a:xfrm flipH="1">
-              <a:off x="7687688" y="2231864"/>
-              <a:ext cx="990600" cy="749300"/>
-            </a:xfrm>
-            <a:prstGeom prst="straightConnector1">
-              <a:avLst/>
-            </a:prstGeom>
-            <a:ln>
-              <a:tailEnd type="arrow"/>
-            </a:ln>
-          </p:spPr>
-          <p:style>
-            <a:lnRef idx="1">
-              <a:schemeClr val="dk1"/>
-            </a:lnRef>
-            <a:fillRef idx="0">
-              <a:schemeClr val="dk1"/>
-            </a:fillRef>
-            <a:effectRef idx="0">
-              <a:schemeClr val="dk1"/>
-            </a:effectRef>
-            <a:fontRef idx="minor">
-              <a:schemeClr val="tx1"/>
-            </a:fontRef>
-          </p:style>
-        </p:cxnSp>
-        <p:sp>
-          <p:nvSpPr>
-            <p:cNvPr id="57" name="TextBox 56"/>
-            <p:cNvSpPr txBox="1"/>
-            <p:nvPr/>
-          </p:nvSpPr>
-          <p:spPr>
-            <a:xfrm>
-              <a:off x="7739030" y="2820181"/>
-              <a:ext cx="449162" cy="461665"/>
-            </a:xfrm>
-            <a:prstGeom prst="rect">
-              <a:avLst/>
-            </a:prstGeom>
-            <a:noFill/>
-          </p:spPr>
-          <p:txBody>
-            <a:bodyPr wrap="none" rtlCol="0">
-              <a:spAutoFit/>
-            </a:bodyPr>
-            <a:lstStyle/>
-            <a:p>
-              <a:r>
-                <a:rPr lang="en-GB" sz="2400" dirty="0" smtClean="0">
-                  <a:latin typeface="Helvetica" pitchFamily="34" charset="0"/>
-                  <a:cs typeface="Arial" panose="020B0604020202020204" pitchFamily="34" charset="0"/>
-                </a:rPr>
-                <a:t>X'</a:t>
-              </a:r>
-              <a:endParaRPr lang="en-GB" sz="2400" dirty="0">
+                <a:t>M</a:t>
+              </a:r>
+              <a:endParaRPr lang="en-GB" sz="2400" b="1" i="1" dirty="0">
                 <a:latin typeface="Helvetica" pitchFamily="34" charset="0"/>
                 <a:cs typeface="Arial" panose="020B0604020202020204" pitchFamily="34" charset="0"/>
               </a:endParaRPr>
@@ -33518,14 +34476,14 @@
         </p:sp>
         <p:sp>
           <p:nvSpPr>
-            <p:cNvPr id="58" name="TextBox 57"/>
+            <p:cNvPr id="13" name="TextBox 12"/>
             <p:cNvSpPr txBox="1"/>
             <p:nvPr/>
           </p:nvSpPr>
           <p:spPr>
             <a:xfrm>
-              <a:off x="10199788" y="1838164"/>
-              <a:ext cx="449162" cy="461665"/>
+              <a:off x="8305800" y="4572000"/>
+              <a:ext cx="526106" cy="584775"/>
             </a:xfrm>
             <a:prstGeom prst="rect">
               <a:avLst/>
@@ -33539,928 +34497,20 @@
             <a:lstStyle/>
             <a:p>
               <a:r>
-                <a:rPr lang="en-GB" sz="2400" dirty="0" smtClean="0">
+                <a:rPr lang="en-GB" sz="3200" b="1" i="1" dirty="0" smtClean="0">
                   <a:latin typeface="Helvetica" pitchFamily="34" charset="0"/>
                   <a:cs typeface="Arial" panose="020B0604020202020204" pitchFamily="34" charset="0"/>
                 </a:rPr>
-                <a:t>Y'</a:t>
-              </a:r>
-              <a:endParaRPr lang="en-GB" sz="2400" dirty="0">
+                <a:t>M</a:t>
+              </a:r>
+              <a:endParaRPr lang="en-GB" sz="2400" b="1" i="1" dirty="0">
                 <a:latin typeface="Helvetica" pitchFamily="34" charset="0"/>
                 <a:cs typeface="Arial" panose="020B0604020202020204" pitchFamily="34" charset="0"/>
               </a:endParaRPr>
             </a:p>
           </p:txBody>
         </p:sp>
-        <p:sp>
-          <p:nvSpPr>
-            <p:cNvPr id="59" name="TextBox 58"/>
-            <p:cNvSpPr txBox="1"/>
-            <p:nvPr/>
-          </p:nvSpPr>
-          <p:spPr>
-            <a:xfrm>
-              <a:off x="8786646" y="457200"/>
-              <a:ext cx="431528" cy="461665"/>
-            </a:xfrm>
-            <a:prstGeom prst="rect">
-              <a:avLst/>
-            </a:prstGeom>
-            <a:noFill/>
-          </p:spPr>
-          <p:txBody>
-            <a:bodyPr wrap="none" rtlCol="0">
-              <a:spAutoFit/>
-            </a:bodyPr>
-            <a:lstStyle/>
-            <a:p>
-              <a:r>
-                <a:rPr lang="en-GB" sz="2400" dirty="0" smtClean="0">
-                  <a:latin typeface="Helvetica" pitchFamily="34" charset="0"/>
-                  <a:cs typeface="Arial" panose="020B0604020202020204" pitchFamily="34" charset="0"/>
-                </a:rPr>
-                <a:t>Z'</a:t>
-              </a:r>
-              <a:endParaRPr lang="en-GB" sz="2400" dirty="0">
-                <a:latin typeface="Helvetica" pitchFamily="34" charset="0"/>
-                <a:cs typeface="Arial" panose="020B0604020202020204" pitchFamily="34" charset="0"/>
-              </a:endParaRPr>
-            </a:p>
-          </p:txBody>
-        </p:sp>
-        <p:cxnSp>
-          <p:nvCxnSpPr>
-            <p:cNvPr id="60" name="Straight Arrow Connector 59"/>
-            <p:cNvCxnSpPr/>
-            <p:nvPr/>
-          </p:nvCxnSpPr>
-          <p:spPr>
-            <a:xfrm flipH="1" flipV="1">
-              <a:off x="8678288" y="1066800"/>
-              <a:ext cx="5203" cy="1190625"/>
-            </a:xfrm>
-            <a:prstGeom prst="straightConnector1">
-              <a:avLst/>
-            </a:prstGeom>
-            <a:ln>
-              <a:tailEnd type="arrow"/>
-            </a:ln>
-          </p:spPr>
-          <p:style>
-            <a:lnRef idx="3">
-              <a:schemeClr val="dk1"/>
-            </a:lnRef>
-            <a:fillRef idx="0">
-              <a:schemeClr val="dk1"/>
-            </a:fillRef>
-            <a:effectRef idx="2">
-              <a:schemeClr val="dk1"/>
-            </a:effectRef>
-            <a:fontRef idx="minor">
-              <a:schemeClr val="tx1"/>
-            </a:fontRef>
-          </p:style>
-        </p:cxnSp>
       </p:grpSp>
-      <p:pic>
-        <p:nvPicPr>
-          <p:cNvPr id="15" name="Picture 2" descr="D:\home\Lectures\figures\Mz_buildup.png"/>
-          <p:cNvPicPr>
-            <a:picLocks noChangeAspect="1" noChangeArrowheads="1"/>
-          </p:cNvPicPr>
-          <p:nvPr/>
-        </p:nvPicPr>
-        <p:blipFill>
-          <a:blip r:embed="rId2">
-            <a:extLst>
-              <a:ext uri="{28A0092B-C50C-407E-A947-70E740481C1C}">
-                <a14:useLocalDpi xmlns:a14="http://schemas.microsoft.com/office/drawing/2010/main" val="0"/>
-              </a:ext>
-            </a:extLst>
-          </a:blip>
-          <a:srcRect/>
-          <a:stretch>
-            <a:fillRect/>
-          </a:stretch>
-        </p:blipFill>
-        <p:spPr bwMode="auto">
-          <a:xfrm>
-            <a:off x="-304800" y="-2971800"/>
-            <a:ext cx="9445625" cy="6474897"/>
-          </a:xfrm>
-          <a:prstGeom prst="rect">
-            <a:avLst/>
-          </a:prstGeom>
-          <a:noFill/>
-          <a:extLst>
-            <a:ext uri="{909E8E84-426E-40DD-AFC4-6F175D3DCCD1}">
-              <a14:hiddenFill xmlns:a14="http://schemas.microsoft.com/office/drawing/2010/main">
-                <a:solidFill>
-                  <a:srgbClr val="FFFFFF"/>
-                </a:solidFill>
-              </a14:hiddenFill>
-            </a:ext>
-          </a:extLst>
-        </p:spPr>
-      </p:pic>
-      <p:sp>
-        <p:nvSpPr>
-          <p:cNvPr id="16" name="Oval 15"/>
-          <p:cNvSpPr/>
-          <p:nvPr/>
-        </p:nvSpPr>
-        <p:spPr>
-          <a:xfrm>
-            <a:off x="543289" y="2667000"/>
-            <a:ext cx="371111" cy="381000"/>
-          </a:xfrm>
-          <a:prstGeom prst="ellipse">
-            <a:avLst/>
-          </a:prstGeom>
-          <a:noFill/>
-        </p:spPr>
-        <p:style>
-          <a:lnRef idx="2">
-            <a:schemeClr val="accent1">
-              <a:shade val="50000"/>
-            </a:schemeClr>
-          </a:lnRef>
-          <a:fillRef idx="1">
-            <a:schemeClr val="accent1"/>
-          </a:fillRef>
-          <a:effectRef idx="0">
-            <a:schemeClr val="accent1"/>
-          </a:effectRef>
-          <a:fontRef idx="minor">
-            <a:schemeClr val="lt1"/>
-          </a:fontRef>
-        </p:style>
-        <p:txBody>
-          <a:bodyPr rtlCol="0" anchor="ctr"/>
-          <a:lstStyle/>
-          <a:p>
-            <a:pPr algn="ctr"/>
-            <a:endParaRPr lang="en-GB"/>
-          </a:p>
-        </p:txBody>
-      </p:sp>
-      <p:sp>
-        <p:nvSpPr>
-          <p:cNvPr id="17" name="Oval 16"/>
-          <p:cNvSpPr/>
-          <p:nvPr/>
-        </p:nvSpPr>
-        <p:spPr>
-          <a:xfrm>
-            <a:off x="1076689" y="990600"/>
-            <a:ext cx="371111" cy="381000"/>
-          </a:xfrm>
-          <a:prstGeom prst="ellipse">
-            <a:avLst/>
-          </a:prstGeom>
-          <a:noFill/>
-        </p:spPr>
-        <p:style>
-          <a:lnRef idx="2">
-            <a:schemeClr val="accent1">
-              <a:shade val="50000"/>
-            </a:schemeClr>
-          </a:lnRef>
-          <a:fillRef idx="1">
-            <a:schemeClr val="accent1"/>
-          </a:fillRef>
-          <a:effectRef idx="0">
-            <a:schemeClr val="accent1"/>
-          </a:effectRef>
-          <a:fontRef idx="minor">
-            <a:schemeClr val="lt1"/>
-          </a:fontRef>
-        </p:style>
-        <p:txBody>
-          <a:bodyPr rtlCol="0" anchor="ctr"/>
-          <a:lstStyle/>
-          <a:p>
-            <a:pPr algn="ctr"/>
-            <a:endParaRPr lang="en-GB"/>
-          </a:p>
-        </p:txBody>
-      </p:sp>
-      <p:sp>
-        <p:nvSpPr>
-          <p:cNvPr id="18" name="Oval 17"/>
-          <p:cNvSpPr/>
-          <p:nvPr/>
-        </p:nvSpPr>
-        <p:spPr>
-          <a:xfrm>
-            <a:off x="2295889" y="-990600"/>
-            <a:ext cx="371111" cy="381000"/>
-          </a:xfrm>
-          <a:prstGeom prst="ellipse">
-            <a:avLst/>
-          </a:prstGeom>
-          <a:noFill/>
-        </p:spPr>
-        <p:style>
-          <a:lnRef idx="2">
-            <a:schemeClr val="accent1">
-              <a:shade val="50000"/>
-            </a:schemeClr>
-          </a:lnRef>
-          <a:fillRef idx="1">
-            <a:schemeClr val="accent1"/>
-          </a:fillRef>
-          <a:effectRef idx="0">
-            <a:schemeClr val="accent1"/>
-          </a:effectRef>
-          <a:fontRef idx="minor">
-            <a:schemeClr val="lt1"/>
-          </a:fontRef>
-        </p:style>
-        <p:txBody>
-          <a:bodyPr rtlCol="0" anchor="ctr"/>
-          <a:lstStyle/>
-          <a:p>
-            <a:pPr algn="ctr"/>
-            <a:endParaRPr lang="en-GB"/>
-          </a:p>
-        </p:txBody>
-      </p:sp>
-      <p:sp>
-        <p:nvSpPr>
-          <p:cNvPr id="19" name="Oval 18"/>
-          <p:cNvSpPr/>
-          <p:nvPr/>
-        </p:nvSpPr>
-        <p:spPr>
-          <a:xfrm>
-            <a:off x="5648689" y="-2558142"/>
-            <a:ext cx="371111" cy="381000"/>
-          </a:xfrm>
-          <a:prstGeom prst="ellipse">
-            <a:avLst/>
-          </a:prstGeom>
-          <a:noFill/>
-        </p:spPr>
-        <p:style>
-          <a:lnRef idx="2">
-            <a:schemeClr val="accent1">
-              <a:shade val="50000"/>
-            </a:schemeClr>
-          </a:lnRef>
-          <a:fillRef idx="1">
-            <a:schemeClr val="accent1"/>
-          </a:fillRef>
-          <a:effectRef idx="0">
-            <a:schemeClr val="accent1"/>
-          </a:effectRef>
-          <a:fontRef idx="minor">
-            <a:schemeClr val="lt1"/>
-          </a:fontRef>
-        </p:style>
-        <p:txBody>
-          <a:bodyPr rtlCol="0" anchor="ctr"/>
-          <a:lstStyle/>
-          <a:p>
-            <a:pPr algn="ctr"/>
-            <a:endParaRPr lang="en-GB"/>
-          </a:p>
-        </p:txBody>
-      </p:sp>
-      <p:sp>
-        <p:nvSpPr>
-          <p:cNvPr id="20" name="TextBox 19"/>
-          <p:cNvSpPr txBox="1"/>
-          <p:nvPr/>
-        </p:nvSpPr>
-        <p:spPr>
-          <a:xfrm>
-            <a:off x="925286" y="2026503"/>
-            <a:ext cx="628698" cy="830997"/>
-          </a:xfrm>
-          <a:prstGeom prst="rect">
-            <a:avLst/>
-          </a:prstGeom>
-          <a:noFill/>
-        </p:spPr>
-        <p:txBody>
-          <a:bodyPr wrap="none" rtlCol="0">
-            <a:spAutoFit/>
-          </a:bodyPr>
-          <a:lstStyle/>
-          <a:p>
-            <a:r>
-              <a:rPr lang="en-GB" sz="4800" b="1" dirty="0">
-                <a:latin typeface="Arial" panose="020B0604020202020204" pitchFamily="34" charset="0"/>
-                <a:cs typeface="Arial" panose="020B0604020202020204" pitchFamily="34" charset="0"/>
-              </a:rPr>
-              <a:t>A</a:t>
-            </a:r>
-          </a:p>
-        </p:txBody>
-      </p:sp>
-      <p:sp>
-        <p:nvSpPr>
-          <p:cNvPr id="21" name="TextBox 20"/>
-          <p:cNvSpPr txBox="1"/>
-          <p:nvPr/>
-        </p:nvSpPr>
-        <p:spPr>
-          <a:xfrm>
-            <a:off x="-381000" y="4045803"/>
-            <a:ext cx="628698" cy="830997"/>
-          </a:xfrm>
-          <a:prstGeom prst="rect">
-            <a:avLst/>
-          </a:prstGeom>
-          <a:noFill/>
-        </p:spPr>
-        <p:txBody>
-          <a:bodyPr wrap="none" rtlCol="0">
-            <a:spAutoFit/>
-          </a:bodyPr>
-          <a:lstStyle/>
-          <a:p>
-            <a:r>
-              <a:rPr lang="en-GB" sz="4800" b="1" dirty="0">
-                <a:latin typeface="Arial" panose="020B0604020202020204" pitchFamily="34" charset="0"/>
-                <a:cs typeface="Arial" panose="020B0604020202020204" pitchFamily="34" charset="0"/>
-              </a:rPr>
-              <a:t>A</a:t>
-            </a:r>
-          </a:p>
-        </p:txBody>
-      </p:sp>
-      <p:sp>
-        <p:nvSpPr>
-          <p:cNvPr id="22" name="TextBox 21"/>
-          <p:cNvSpPr txBox="1"/>
-          <p:nvPr/>
-        </p:nvSpPr>
-        <p:spPr>
-          <a:xfrm>
-            <a:off x="2571702" y="4045803"/>
-            <a:ext cx="628698" cy="830997"/>
-          </a:xfrm>
-          <a:prstGeom prst="rect">
-            <a:avLst/>
-          </a:prstGeom>
-          <a:noFill/>
-        </p:spPr>
-        <p:txBody>
-          <a:bodyPr wrap="none" rtlCol="0">
-            <a:spAutoFit/>
-          </a:bodyPr>
-          <a:lstStyle/>
-          <a:p>
-            <a:r>
-              <a:rPr lang="en-GB" sz="4800" b="1" dirty="0" smtClean="0">
-                <a:latin typeface="Arial" panose="020B0604020202020204" pitchFamily="34" charset="0"/>
-                <a:cs typeface="Arial" panose="020B0604020202020204" pitchFamily="34" charset="0"/>
-              </a:rPr>
-              <a:t>B</a:t>
-            </a:r>
-            <a:endParaRPr lang="en-GB" sz="4800" b="1" dirty="0">
-              <a:latin typeface="Arial" panose="020B0604020202020204" pitchFamily="34" charset="0"/>
-              <a:cs typeface="Arial" panose="020B0604020202020204" pitchFamily="34" charset="0"/>
-            </a:endParaRPr>
-          </a:p>
-        </p:txBody>
-      </p:sp>
-      <p:sp>
-        <p:nvSpPr>
-          <p:cNvPr id="23" name="TextBox 22"/>
-          <p:cNvSpPr txBox="1"/>
-          <p:nvPr/>
-        </p:nvSpPr>
-        <p:spPr>
-          <a:xfrm>
-            <a:off x="1524000" y="457200"/>
-            <a:ext cx="628698" cy="830997"/>
-          </a:xfrm>
-          <a:prstGeom prst="rect">
-            <a:avLst/>
-          </a:prstGeom>
-          <a:noFill/>
-        </p:spPr>
-        <p:txBody>
-          <a:bodyPr wrap="none" rtlCol="0">
-            <a:spAutoFit/>
-          </a:bodyPr>
-          <a:lstStyle/>
-          <a:p>
-            <a:r>
-              <a:rPr lang="en-GB" sz="4800" b="1" dirty="0" smtClean="0">
-                <a:latin typeface="Arial" panose="020B0604020202020204" pitchFamily="34" charset="0"/>
-                <a:cs typeface="Arial" panose="020B0604020202020204" pitchFamily="34" charset="0"/>
-              </a:rPr>
-              <a:t>B</a:t>
-            </a:r>
-            <a:endParaRPr lang="en-GB" sz="4800" b="1" dirty="0">
-              <a:latin typeface="Arial" panose="020B0604020202020204" pitchFamily="34" charset="0"/>
-              <a:cs typeface="Arial" panose="020B0604020202020204" pitchFamily="34" charset="0"/>
-            </a:endParaRPr>
-          </a:p>
-        </p:txBody>
-      </p:sp>
-      <p:sp>
-        <p:nvSpPr>
-          <p:cNvPr id="24" name="TextBox 23"/>
-          <p:cNvSpPr txBox="1"/>
-          <p:nvPr/>
-        </p:nvSpPr>
-        <p:spPr>
-          <a:xfrm>
-            <a:off x="1905000" y="-1669197"/>
-            <a:ext cx="628698" cy="830997"/>
-          </a:xfrm>
-          <a:prstGeom prst="rect">
-            <a:avLst/>
-          </a:prstGeom>
-          <a:noFill/>
-        </p:spPr>
-        <p:txBody>
-          <a:bodyPr wrap="none" rtlCol="0">
-            <a:spAutoFit/>
-          </a:bodyPr>
-          <a:lstStyle/>
-          <a:p>
-            <a:r>
-              <a:rPr lang="en-GB" sz="4800" b="1" dirty="0" smtClean="0">
-                <a:latin typeface="Arial" panose="020B0604020202020204" pitchFamily="34" charset="0"/>
-                <a:cs typeface="Arial" panose="020B0604020202020204" pitchFamily="34" charset="0"/>
-              </a:rPr>
-              <a:t>C</a:t>
-            </a:r>
-            <a:endParaRPr lang="en-GB" sz="4800" b="1" dirty="0">
-              <a:latin typeface="Arial" panose="020B0604020202020204" pitchFamily="34" charset="0"/>
-              <a:cs typeface="Arial" panose="020B0604020202020204" pitchFamily="34" charset="0"/>
-            </a:endParaRPr>
-          </a:p>
-        </p:txBody>
-      </p:sp>
-      <p:sp>
-        <p:nvSpPr>
-          <p:cNvPr id="25" name="TextBox 24"/>
-          <p:cNvSpPr txBox="1"/>
-          <p:nvPr/>
-        </p:nvSpPr>
-        <p:spPr>
-          <a:xfrm>
-            <a:off x="5162502" y="4038600"/>
-            <a:ext cx="628698" cy="830997"/>
-          </a:xfrm>
-          <a:prstGeom prst="rect">
-            <a:avLst/>
-          </a:prstGeom>
-          <a:noFill/>
-        </p:spPr>
-        <p:txBody>
-          <a:bodyPr wrap="none" rtlCol="0">
-            <a:spAutoFit/>
-          </a:bodyPr>
-          <a:lstStyle/>
-          <a:p>
-            <a:r>
-              <a:rPr lang="en-GB" sz="4800" b="1" dirty="0" smtClean="0">
-                <a:latin typeface="Arial" panose="020B0604020202020204" pitchFamily="34" charset="0"/>
-                <a:cs typeface="Arial" panose="020B0604020202020204" pitchFamily="34" charset="0"/>
-              </a:rPr>
-              <a:t>C</a:t>
-            </a:r>
-            <a:endParaRPr lang="en-GB" sz="4800" b="1" dirty="0">
-              <a:latin typeface="Arial" panose="020B0604020202020204" pitchFamily="34" charset="0"/>
-              <a:cs typeface="Arial" panose="020B0604020202020204" pitchFamily="34" charset="0"/>
-            </a:endParaRPr>
-          </a:p>
-        </p:txBody>
-      </p:sp>
-      <p:sp>
-        <p:nvSpPr>
-          <p:cNvPr id="26" name="TextBox 25"/>
-          <p:cNvSpPr txBox="1"/>
-          <p:nvPr/>
-        </p:nvSpPr>
-        <p:spPr>
-          <a:xfrm>
-            <a:off x="5772102" y="-2362200"/>
-            <a:ext cx="628698" cy="830997"/>
-          </a:xfrm>
-          <a:prstGeom prst="rect">
-            <a:avLst/>
-          </a:prstGeom>
-          <a:noFill/>
-        </p:spPr>
-        <p:txBody>
-          <a:bodyPr wrap="none" rtlCol="0">
-            <a:spAutoFit/>
-          </a:bodyPr>
-          <a:lstStyle/>
-          <a:p>
-            <a:r>
-              <a:rPr lang="en-GB" sz="4800" b="1" dirty="0" smtClean="0">
-                <a:latin typeface="Arial" panose="020B0604020202020204" pitchFamily="34" charset="0"/>
-                <a:cs typeface="Arial" panose="020B0604020202020204" pitchFamily="34" charset="0"/>
-              </a:rPr>
-              <a:t>D</a:t>
-            </a:r>
-            <a:endParaRPr lang="en-GB" sz="4800" b="1" dirty="0">
-              <a:latin typeface="Arial" panose="020B0604020202020204" pitchFamily="34" charset="0"/>
-              <a:cs typeface="Arial" panose="020B0604020202020204" pitchFamily="34" charset="0"/>
-            </a:endParaRPr>
-          </a:p>
-        </p:txBody>
-      </p:sp>
-      <p:sp>
-        <p:nvSpPr>
-          <p:cNvPr id="27" name="TextBox 26"/>
-          <p:cNvSpPr txBox="1"/>
-          <p:nvPr/>
-        </p:nvSpPr>
-        <p:spPr>
-          <a:xfrm>
-            <a:off x="7600902" y="4038600"/>
-            <a:ext cx="628698" cy="830997"/>
-          </a:xfrm>
-          <a:prstGeom prst="rect">
-            <a:avLst/>
-          </a:prstGeom>
-          <a:noFill/>
-        </p:spPr>
-        <p:txBody>
-          <a:bodyPr wrap="none" rtlCol="0">
-            <a:spAutoFit/>
-          </a:bodyPr>
-          <a:lstStyle/>
-          <a:p>
-            <a:r>
-              <a:rPr lang="en-GB" sz="4800" b="1" dirty="0" smtClean="0">
-                <a:latin typeface="Arial" panose="020B0604020202020204" pitchFamily="34" charset="0"/>
-                <a:cs typeface="Arial" panose="020B0604020202020204" pitchFamily="34" charset="0"/>
-              </a:rPr>
-              <a:t>D</a:t>
-            </a:r>
-            <a:endParaRPr lang="en-GB" sz="4800" b="1" dirty="0">
-              <a:latin typeface="Arial" panose="020B0604020202020204" pitchFamily="34" charset="0"/>
-              <a:cs typeface="Arial" panose="020B0604020202020204" pitchFamily="34" charset="0"/>
-            </a:endParaRPr>
-          </a:p>
-        </p:txBody>
-      </p:sp>
-      <p:sp>
-        <p:nvSpPr>
-          <p:cNvPr id="28" name="TextBox 27"/>
-          <p:cNvSpPr txBox="1"/>
-          <p:nvPr/>
-        </p:nvSpPr>
-        <p:spPr>
-          <a:xfrm>
-            <a:off x="4047045" y="-1400265"/>
-            <a:ext cx="4439036" cy="1200329"/>
-          </a:xfrm>
-          <a:prstGeom prst="rect">
-            <a:avLst/>
-          </a:prstGeom>
-          <a:noFill/>
-        </p:spPr>
-        <p:txBody>
-          <a:bodyPr wrap="none" rtlCol="0">
-            <a:spAutoFit/>
-          </a:bodyPr>
-          <a:lstStyle/>
-          <a:p>
-            <a:r>
-              <a:rPr lang="en-GB" sz="3600" i="1" dirty="0" err="1" smtClean="0">
-                <a:latin typeface="Helvetica" pitchFamily="34" charset="0"/>
-              </a:rPr>
-              <a:t>M</a:t>
-            </a:r>
-            <a:r>
-              <a:rPr lang="en-GB" sz="3600" i="1" baseline="-25000" dirty="0" err="1" smtClean="0">
-                <a:latin typeface="Helvetica" pitchFamily="34" charset="0"/>
-              </a:rPr>
-              <a:t>z</a:t>
-            </a:r>
-            <a:r>
-              <a:rPr lang="en-GB" sz="3600" i="1" dirty="0" smtClean="0">
-                <a:latin typeface="Helvetica" pitchFamily="34" charset="0"/>
-              </a:rPr>
-              <a:t>=M</a:t>
-            </a:r>
-            <a:r>
-              <a:rPr lang="en-GB" sz="3600" i="1" baseline="-25000" dirty="0" smtClean="0">
-                <a:latin typeface="Helvetica" pitchFamily="34" charset="0"/>
-              </a:rPr>
-              <a:t>0</a:t>
-            </a:r>
-            <a:r>
-              <a:rPr lang="en-GB" sz="3600" i="1" dirty="0" smtClean="0">
-                <a:latin typeface="Helvetica" pitchFamily="34" charset="0"/>
-              </a:rPr>
-              <a:t>(1-2exp(-t/T</a:t>
-            </a:r>
-            <a:r>
-              <a:rPr lang="en-GB" sz="3600" i="1" baseline="-25000" dirty="0" smtClean="0">
-                <a:latin typeface="Helvetica" pitchFamily="34" charset="0"/>
-              </a:rPr>
-              <a:t>1</a:t>
-            </a:r>
-            <a:r>
-              <a:rPr lang="en-GB" sz="3600" i="1" dirty="0" smtClean="0">
-                <a:latin typeface="Helvetica" pitchFamily="34" charset="0"/>
-              </a:rPr>
-              <a:t>))</a:t>
-            </a:r>
-          </a:p>
-          <a:p>
-            <a:r>
-              <a:rPr lang="en-GB" sz="3600" i="1" dirty="0" smtClean="0">
-                <a:latin typeface="Helvetica" pitchFamily="34" charset="0"/>
-              </a:rPr>
-              <a:t>T</a:t>
-            </a:r>
-            <a:r>
-              <a:rPr lang="en-GB" sz="3600" i="1" baseline="-25000" dirty="0" smtClean="0">
-                <a:latin typeface="Helvetica" pitchFamily="34" charset="0"/>
-              </a:rPr>
-              <a:t>1</a:t>
-            </a:r>
-            <a:r>
-              <a:rPr lang="en-GB" sz="3600" dirty="0" smtClean="0">
-                <a:latin typeface="Helvetica" pitchFamily="34" charset="0"/>
-              </a:rPr>
-              <a:t>= 1 s</a:t>
-            </a:r>
-            <a:endParaRPr lang="en-GB" sz="3600" dirty="0">
-              <a:latin typeface="Helvetica" pitchFamily="34" charset="0"/>
-            </a:endParaRPr>
-          </a:p>
-        </p:txBody>
-      </p:sp>
-      <p:sp>
-        <p:nvSpPr>
-          <p:cNvPr id="29" name="TextBox 28"/>
-          <p:cNvSpPr txBox="1"/>
-          <p:nvPr/>
-        </p:nvSpPr>
-        <p:spPr>
-          <a:xfrm>
-            <a:off x="3912674" y="3178314"/>
-            <a:ext cx="1497526" cy="707886"/>
-          </a:xfrm>
-          <a:prstGeom prst="rect">
-            <a:avLst/>
-          </a:prstGeom>
-          <a:noFill/>
-        </p:spPr>
-        <p:txBody>
-          <a:bodyPr wrap="none" rtlCol="0">
-            <a:spAutoFit/>
-          </a:bodyPr>
-          <a:lstStyle/>
-          <a:p>
-            <a:r>
-              <a:rPr lang="en-GB" sz="4000" b="1" i="1" dirty="0" smtClean="0">
-                <a:latin typeface="Helvetica" pitchFamily="34" charset="0"/>
-                <a:cs typeface="Arial" panose="020B0604020202020204" pitchFamily="34" charset="0"/>
-              </a:rPr>
-              <a:t>t</a:t>
-            </a:r>
-            <a:r>
-              <a:rPr lang="en-GB" sz="4000" b="1" dirty="0" smtClean="0">
-                <a:latin typeface="Helvetica" pitchFamily="34" charset="0"/>
-                <a:cs typeface="Arial" panose="020B0604020202020204" pitchFamily="34" charset="0"/>
-              </a:rPr>
-              <a:t>, sec</a:t>
-            </a:r>
-            <a:endParaRPr lang="en-GB" sz="4000" b="1" dirty="0">
-              <a:latin typeface="Helvetica" pitchFamily="34" charset="0"/>
-              <a:cs typeface="Arial" panose="020B0604020202020204" pitchFamily="34" charset="0"/>
-            </a:endParaRPr>
-          </a:p>
-        </p:txBody>
-      </p:sp>
-      <p:sp>
-        <p:nvSpPr>
-          <p:cNvPr id="30" name="TextBox 29"/>
-          <p:cNvSpPr txBox="1"/>
-          <p:nvPr/>
-        </p:nvSpPr>
-        <p:spPr>
-          <a:xfrm>
-            <a:off x="-1524000" y="-250686"/>
-            <a:ext cx="1952779" cy="707886"/>
-          </a:xfrm>
-          <a:prstGeom prst="rect">
-            <a:avLst/>
-          </a:prstGeom>
-          <a:noFill/>
-          <a:scene3d>
-            <a:camera prst="orthographicFront">
-              <a:rot lat="0" lon="0" rev="5400000"/>
-            </a:camera>
-            <a:lightRig rig="threePt" dir="t"/>
-          </a:scene3d>
-        </p:spPr>
-        <p:txBody>
-          <a:bodyPr wrap="none" rtlCol="0">
-            <a:spAutoFit/>
-          </a:bodyPr>
-          <a:lstStyle/>
-          <a:p>
-            <a:r>
-              <a:rPr lang="en-GB" sz="4000" b="1" i="1" dirty="0" err="1" smtClean="0">
-                <a:latin typeface="Helvetica" pitchFamily="34" charset="0"/>
-                <a:cs typeface="Arial" panose="020B0604020202020204" pitchFamily="34" charset="0"/>
-              </a:rPr>
-              <a:t>M</a:t>
-            </a:r>
-            <a:r>
-              <a:rPr lang="en-GB" sz="4000" b="1" i="1" baseline="-25000" dirty="0" err="1" smtClean="0">
-                <a:latin typeface="Helvetica" pitchFamily="34" charset="0"/>
-                <a:cs typeface="Arial" panose="020B0604020202020204" pitchFamily="34" charset="0"/>
-              </a:rPr>
-              <a:t>z</a:t>
-            </a:r>
-            <a:r>
-              <a:rPr lang="en-GB" sz="4000" b="1" i="1" dirty="0" smtClean="0">
-                <a:latin typeface="Helvetica" pitchFamily="34" charset="0"/>
-                <a:cs typeface="Arial" panose="020B0604020202020204" pitchFamily="34" charset="0"/>
-              </a:rPr>
-              <a:t>,</a:t>
-            </a:r>
-            <a:r>
-              <a:rPr lang="en-GB" sz="4000" b="1" dirty="0" smtClean="0">
-                <a:latin typeface="Helvetica" pitchFamily="34" charset="0"/>
-                <a:cs typeface="Arial" panose="020B0604020202020204" pitchFamily="34" charset="0"/>
-              </a:rPr>
-              <a:t> </a:t>
-            </a:r>
-            <a:r>
-              <a:rPr lang="en-GB" sz="4000" b="1" dirty="0" err="1" smtClean="0">
-                <a:latin typeface="Helvetica" pitchFamily="34" charset="0"/>
-                <a:cs typeface="Arial" panose="020B0604020202020204" pitchFamily="34" charset="0"/>
-              </a:rPr>
-              <a:t>a.u</a:t>
-            </a:r>
-            <a:r>
-              <a:rPr lang="en-GB" sz="4000" b="1" dirty="0" smtClean="0">
-                <a:latin typeface="Helvetica" pitchFamily="34" charset="0"/>
-                <a:cs typeface="Arial" panose="020B0604020202020204" pitchFamily="34" charset="0"/>
-              </a:rPr>
-              <a:t>.</a:t>
-            </a:r>
-            <a:endParaRPr lang="en-GB" sz="4000" b="1" dirty="0">
-              <a:latin typeface="Helvetica" pitchFamily="34" charset="0"/>
-              <a:cs typeface="Arial" panose="020B0604020202020204" pitchFamily="34" charset="0"/>
-            </a:endParaRPr>
-          </a:p>
-        </p:txBody>
-      </p:sp>
-      <p:sp>
-        <p:nvSpPr>
-          <p:cNvPr id="10" name="TextBox 9"/>
-          <p:cNvSpPr txBox="1"/>
-          <p:nvPr/>
-        </p:nvSpPr>
-        <p:spPr>
-          <a:xfrm>
-            <a:off x="762000" y="6858000"/>
-            <a:ext cx="526106" cy="584775"/>
-          </a:xfrm>
-          <a:prstGeom prst="rect">
-            <a:avLst/>
-          </a:prstGeom>
-          <a:noFill/>
-        </p:spPr>
-        <p:txBody>
-          <a:bodyPr wrap="none" rtlCol="0">
-            <a:spAutoFit/>
-          </a:bodyPr>
-          <a:lstStyle/>
-          <a:p>
-            <a:r>
-              <a:rPr lang="en-GB" sz="3200" b="1" i="1" dirty="0" smtClean="0">
-                <a:latin typeface="Helvetica" pitchFamily="34" charset="0"/>
-                <a:cs typeface="Arial" panose="020B0604020202020204" pitchFamily="34" charset="0"/>
-              </a:rPr>
-              <a:t>M</a:t>
-            </a:r>
-            <a:endParaRPr lang="en-GB" sz="2400" b="1" i="1" dirty="0">
-              <a:latin typeface="Helvetica" pitchFamily="34" charset="0"/>
-              <a:cs typeface="Arial" panose="020B0604020202020204" pitchFamily="34" charset="0"/>
-            </a:endParaRPr>
-          </a:p>
-        </p:txBody>
-      </p:sp>
-      <p:sp>
-        <p:nvSpPr>
-          <p:cNvPr id="11" name="TextBox 10"/>
-          <p:cNvSpPr txBox="1"/>
-          <p:nvPr/>
-        </p:nvSpPr>
-        <p:spPr>
-          <a:xfrm>
-            <a:off x="3283894" y="6172200"/>
-            <a:ext cx="526106" cy="584775"/>
-          </a:xfrm>
-          <a:prstGeom prst="rect">
-            <a:avLst/>
-          </a:prstGeom>
-          <a:noFill/>
-        </p:spPr>
-        <p:txBody>
-          <a:bodyPr wrap="none" rtlCol="0">
-            <a:spAutoFit/>
-          </a:bodyPr>
-          <a:lstStyle/>
-          <a:p>
-            <a:r>
-              <a:rPr lang="en-GB" sz="3200" b="1" i="1" dirty="0" smtClean="0">
-                <a:latin typeface="Helvetica" pitchFamily="34" charset="0"/>
-                <a:cs typeface="Arial" panose="020B0604020202020204" pitchFamily="34" charset="0"/>
-              </a:rPr>
-              <a:t>M</a:t>
-            </a:r>
-            <a:endParaRPr lang="en-GB" sz="2400" b="1" i="1" dirty="0">
-              <a:latin typeface="Helvetica" pitchFamily="34" charset="0"/>
-              <a:cs typeface="Arial" panose="020B0604020202020204" pitchFamily="34" charset="0"/>
-            </a:endParaRPr>
-          </a:p>
-        </p:txBody>
-      </p:sp>
-      <p:sp>
-        <p:nvSpPr>
-          <p:cNvPr id="12" name="TextBox 11"/>
-          <p:cNvSpPr txBox="1"/>
-          <p:nvPr/>
-        </p:nvSpPr>
-        <p:spPr>
-          <a:xfrm>
-            <a:off x="5874694" y="5181600"/>
-            <a:ext cx="526106" cy="584775"/>
-          </a:xfrm>
-          <a:prstGeom prst="rect">
-            <a:avLst/>
-          </a:prstGeom>
-          <a:noFill/>
-        </p:spPr>
-        <p:txBody>
-          <a:bodyPr wrap="none" rtlCol="0">
-            <a:spAutoFit/>
-          </a:bodyPr>
-          <a:lstStyle/>
-          <a:p>
-            <a:r>
-              <a:rPr lang="en-GB" sz="3200" b="1" i="1" dirty="0" smtClean="0">
-                <a:latin typeface="Helvetica" pitchFamily="34" charset="0"/>
-                <a:cs typeface="Arial" panose="020B0604020202020204" pitchFamily="34" charset="0"/>
-              </a:rPr>
-              <a:t>M</a:t>
-            </a:r>
-            <a:endParaRPr lang="en-GB" sz="2400" b="1" i="1" dirty="0">
-              <a:latin typeface="Helvetica" pitchFamily="34" charset="0"/>
-              <a:cs typeface="Arial" panose="020B0604020202020204" pitchFamily="34" charset="0"/>
-            </a:endParaRPr>
-          </a:p>
-        </p:txBody>
-      </p:sp>
-      <p:sp>
-        <p:nvSpPr>
-          <p:cNvPr id="13" name="TextBox 12"/>
-          <p:cNvSpPr txBox="1"/>
-          <p:nvPr/>
-        </p:nvSpPr>
-        <p:spPr>
-          <a:xfrm>
-            <a:off x="8305800" y="4572000"/>
-            <a:ext cx="526106" cy="584775"/>
-          </a:xfrm>
-          <a:prstGeom prst="rect">
-            <a:avLst/>
-          </a:prstGeom>
-          <a:noFill/>
-        </p:spPr>
-        <p:txBody>
-          <a:bodyPr wrap="none" rtlCol="0">
-            <a:spAutoFit/>
-          </a:bodyPr>
-          <a:lstStyle/>
-          <a:p>
-            <a:r>
-              <a:rPr lang="en-GB" sz="3200" b="1" i="1" dirty="0" smtClean="0">
-                <a:latin typeface="Helvetica" pitchFamily="34" charset="0"/>
-                <a:cs typeface="Arial" panose="020B0604020202020204" pitchFamily="34" charset="0"/>
-              </a:rPr>
-              <a:t>M</a:t>
-            </a:r>
-            <a:endParaRPr lang="en-GB" sz="2400" b="1" i="1" dirty="0">
-              <a:latin typeface="Helvetica" pitchFamily="34" charset="0"/>
-              <a:cs typeface="Arial" panose="020B0604020202020204" pitchFamily="34" charset="0"/>
-            </a:endParaRPr>
-          </a:p>
-        </p:txBody>
-      </p:sp>
     </p:spTree>
     <p:extLst>
       <p:ext uri="{BB962C8B-B14F-4D97-AF65-F5344CB8AC3E}">
@@ -34471,6 +34521,13 @@
   <p:clrMapOvr>
     <a:masterClrMapping/>
   </p:clrMapOvr>
+  <p:timing>
+    <p:tnLst>
+      <p:par>
+        <p:cTn id="1" dur="indefinite" restart="never" nodeType="tmRoot"/>
+      </p:par>
+    </p:tnLst>
+  </p:timing>
 </p:sld>
 </file>
 
@@ -34493,89 +34550,460 @@
       </p:grpSpPr>
       <p:grpSp>
         <p:nvGrpSpPr>
-          <p:cNvPr id="4" name="Group 3"/>
+          <p:cNvPr id="21" name="Group 20"/>
           <p:cNvGrpSpPr/>
           <p:nvPr/>
         </p:nvGrpSpPr>
         <p:grpSpPr>
           <a:xfrm>
-            <a:off x="2667000" y="676987"/>
-            <a:ext cx="6951090" cy="2996872"/>
-            <a:chOff x="685800" y="3556328"/>
-            <a:chExt cx="6951090" cy="2996872"/>
+            <a:off x="2616200" y="702387"/>
+            <a:ext cx="7035887" cy="3266777"/>
+            <a:chOff x="2616200" y="702387"/>
+            <a:chExt cx="7035887" cy="3266777"/>
           </a:xfrm>
         </p:grpSpPr>
+        <p:pic>
+          <p:nvPicPr>
+            <p:cNvPr id="28" name="Picture 27"/>
+            <p:cNvPicPr>
+              <a:picLocks noChangeAspect="1"/>
+            </p:cNvPicPr>
+            <p:nvPr/>
+          </p:nvPicPr>
+          <p:blipFill>
+            <a:blip r:embed="rId2" cstate="print">
+              <a:extLst>
+                <a:ext uri="{28A0092B-C50C-407E-A947-70E740481C1C}">
+                  <a14:useLocalDpi xmlns:a14="http://schemas.microsoft.com/office/drawing/2010/main" val="0"/>
+                </a:ext>
+              </a:extLst>
+            </a:blip>
+            <a:stretch>
+              <a:fillRect/>
+            </a:stretch>
+          </p:blipFill>
+          <p:spPr>
+            <a:xfrm>
+              <a:off x="7619552" y="860267"/>
+              <a:ext cx="1635728" cy="1923081"/>
+            </a:xfrm>
+            <a:prstGeom prst="rect">
+              <a:avLst/>
+            </a:prstGeom>
+          </p:spPr>
+        </p:pic>
         <p:grpSp>
           <p:nvGrpSpPr>
-            <p:cNvPr id="5" name="Group 4"/>
+            <p:cNvPr id="4" name="Group 3"/>
             <p:cNvGrpSpPr/>
             <p:nvPr/>
           </p:nvGrpSpPr>
           <p:grpSpPr>
             <a:xfrm>
-              <a:off x="685800" y="3556328"/>
-              <a:ext cx="3733800" cy="2996872"/>
-              <a:chOff x="3962400" y="839822"/>
-              <a:chExt cx="3733800" cy="2996872"/>
+              <a:off x="2616200" y="702387"/>
+              <a:ext cx="6963790" cy="2996872"/>
+              <a:chOff x="685800" y="3556328"/>
+              <a:chExt cx="6963790" cy="2996872"/>
             </a:xfrm>
           </p:grpSpPr>
-          <p:cxnSp>
-            <p:nvCxnSpPr>
-              <p:cNvPr id="14" name="Straight Connector 13"/>
-              <p:cNvCxnSpPr/>
+          <p:grpSp>
+            <p:nvGrpSpPr>
+              <p:cNvPr id="5" name="Group 4"/>
+              <p:cNvGrpSpPr/>
               <p:nvPr/>
-            </p:nvCxnSpPr>
-            <p:spPr>
+            </p:nvGrpSpPr>
+            <p:grpSpPr>
               <a:xfrm>
-                <a:off x="3962400" y="2824596"/>
-                <a:ext cx="3733800" cy="0"/>
+                <a:off x="685800" y="3556328"/>
+                <a:ext cx="3733800" cy="2996872"/>
+                <a:chOff x="3962400" y="839822"/>
+                <a:chExt cx="3733800" cy="2996872"/>
               </a:xfrm>
-              <a:prstGeom prst="line">
-                <a:avLst/>
-              </a:prstGeom>
-              <a:ln>
+            </p:grpSpPr>
+            <p:cxnSp>
+              <p:nvCxnSpPr>
+                <p:cNvPr id="14" name="Straight Connector 13"/>
+                <p:cNvCxnSpPr/>
+                <p:nvPr/>
+              </p:nvCxnSpPr>
+              <p:spPr>
+                <a:xfrm>
+                  <a:off x="3962400" y="2824596"/>
+                  <a:ext cx="3733800" cy="0"/>
+                </a:xfrm>
+                <a:prstGeom prst="line">
+                  <a:avLst/>
+                </a:prstGeom>
+                <a:ln>
+                  <a:solidFill>
+                    <a:schemeClr val="tx1"/>
+                  </a:solidFill>
+                </a:ln>
+              </p:spPr>
+              <p:style>
+                <a:lnRef idx="1">
+                  <a:schemeClr val="accent1"/>
+                </a:lnRef>
+                <a:fillRef idx="0">
+                  <a:schemeClr val="accent1"/>
+                </a:fillRef>
+                <a:effectRef idx="0">
+                  <a:schemeClr val="accent1"/>
+                </a:effectRef>
+                <a:fontRef idx="minor">
+                  <a:schemeClr val="tx1"/>
+                </a:fontRef>
+              </p:style>
+            </p:cxnSp>
+            <p:sp>
+              <p:nvSpPr>
+                <p:cNvPr id="15" name="Rectangle 14"/>
+                <p:cNvSpPr/>
+                <p:nvPr/>
+              </p:nvSpPr>
+              <p:spPr>
+                <a:xfrm>
+                  <a:off x="4267200" y="1792055"/>
+                  <a:ext cx="533400" cy="1032541"/>
+                </a:xfrm>
+                <a:prstGeom prst="rect">
+                  <a:avLst/>
+                </a:prstGeom>
                 <a:solidFill>
                   <a:schemeClr val="tx1"/>
                 </a:solidFill>
-              </a:ln>
-            </p:spPr>
-            <p:style>
-              <a:lnRef idx="1">
-                <a:schemeClr val="accent1"/>
-              </a:lnRef>
-              <a:fillRef idx="0">
-                <a:schemeClr val="accent1"/>
-              </a:fillRef>
-              <a:effectRef idx="0">
-                <a:schemeClr val="accent1"/>
-              </a:effectRef>
-              <a:fontRef idx="minor">
-                <a:schemeClr val="tx1"/>
-              </a:fontRef>
-            </p:style>
-          </p:cxnSp>
+                <a:ln>
+                  <a:solidFill>
+                    <a:schemeClr val="tx1"/>
+                  </a:solidFill>
+                </a:ln>
+              </p:spPr>
+              <p:style>
+                <a:lnRef idx="2">
+                  <a:schemeClr val="accent1">
+                    <a:shade val="50000"/>
+                  </a:schemeClr>
+                </a:lnRef>
+                <a:fillRef idx="1">
+                  <a:schemeClr val="accent1"/>
+                </a:fillRef>
+                <a:effectRef idx="0">
+                  <a:schemeClr val="accent1"/>
+                </a:effectRef>
+                <a:fontRef idx="minor">
+                  <a:schemeClr val="lt1"/>
+                </a:fontRef>
+              </p:style>
+              <p:txBody>
+                <a:bodyPr rtlCol="0" anchor="ctr"/>
+                <a:lstStyle/>
+                <a:p>
+                  <a:pPr algn="ctr"/>
+                  <a:endParaRPr lang="en-US"/>
+                </a:p>
+              </p:txBody>
+            </p:sp>
+            <p:sp>
+              <p:nvSpPr>
+                <p:cNvPr id="16" name="Freeform 15"/>
+                <p:cNvSpPr/>
+                <p:nvPr/>
+              </p:nvSpPr>
+              <p:spPr>
+                <a:xfrm>
+                  <a:off x="4831307" y="1815152"/>
+                  <a:ext cx="2729553" cy="2021542"/>
+                </a:xfrm>
+                <a:custGeom>
+                  <a:avLst/>
+                  <a:gdLst>
+                    <a:gd name="connsiteX0" fmla="*/ 0 w 2729553"/>
+                    <a:gd name="connsiteY0" fmla="*/ 0 h 2021542"/>
+                    <a:gd name="connsiteX1" fmla="*/ 313899 w 2729553"/>
+                    <a:gd name="connsiteY1" fmla="*/ 2019869 h 2021542"/>
+                    <a:gd name="connsiteX2" fmla="*/ 491320 w 2729553"/>
+                    <a:gd name="connsiteY2" fmla="*/ 368490 h 2021542"/>
+                    <a:gd name="connsiteX3" fmla="*/ 709684 w 2729553"/>
+                    <a:gd name="connsiteY3" fmla="*/ 1637732 h 2021542"/>
+                    <a:gd name="connsiteX4" fmla="*/ 914400 w 2729553"/>
+                    <a:gd name="connsiteY4" fmla="*/ 586854 h 2021542"/>
+                    <a:gd name="connsiteX5" fmla="*/ 1050878 w 2729553"/>
+                    <a:gd name="connsiteY5" fmla="*/ 1487606 h 2021542"/>
+                    <a:gd name="connsiteX6" fmla="*/ 1187356 w 2729553"/>
+                    <a:gd name="connsiteY6" fmla="*/ 736979 h 2021542"/>
+                    <a:gd name="connsiteX7" fmla="*/ 1296538 w 2729553"/>
+                    <a:gd name="connsiteY7" fmla="*/ 1351129 h 2021542"/>
+                    <a:gd name="connsiteX8" fmla="*/ 1514902 w 2729553"/>
+                    <a:gd name="connsiteY8" fmla="*/ 777923 h 2021542"/>
+                    <a:gd name="connsiteX9" fmla="*/ 1624084 w 2729553"/>
+                    <a:gd name="connsiteY9" fmla="*/ 1201003 h 2021542"/>
+                    <a:gd name="connsiteX10" fmla="*/ 1787857 w 2729553"/>
+                    <a:gd name="connsiteY10" fmla="*/ 818866 h 2021542"/>
+                    <a:gd name="connsiteX11" fmla="*/ 1992574 w 2729553"/>
+                    <a:gd name="connsiteY11" fmla="*/ 1214651 h 2021542"/>
+                    <a:gd name="connsiteX12" fmla="*/ 2129051 w 2729553"/>
+                    <a:gd name="connsiteY12" fmla="*/ 1037230 h 2021542"/>
+                    <a:gd name="connsiteX13" fmla="*/ 2224586 w 2729553"/>
+                    <a:gd name="connsiteY13" fmla="*/ 1009935 h 2021542"/>
+                    <a:gd name="connsiteX14" fmla="*/ 2497541 w 2729553"/>
+                    <a:gd name="connsiteY14" fmla="*/ 1078173 h 2021542"/>
+                    <a:gd name="connsiteX15" fmla="*/ 2729553 w 2729553"/>
+                    <a:gd name="connsiteY15" fmla="*/ 1037230 h 2021542"/>
+                  </a:gdLst>
+                  <a:ahLst/>
+                  <a:cxnLst>
+                    <a:cxn ang="0">
+                      <a:pos x="connsiteX0" y="connsiteY0"/>
+                    </a:cxn>
+                    <a:cxn ang="0">
+                      <a:pos x="connsiteX1" y="connsiteY1"/>
+                    </a:cxn>
+                    <a:cxn ang="0">
+                      <a:pos x="connsiteX2" y="connsiteY2"/>
+                    </a:cxn>
+                    <a:cxn ang="0">
+                      <a:pos x="connsiteX3" y="connsiteY3"/>
+                    </a:cxn>
+                    <a:cxn ang="0">
+                      <a:pos x="connsiteX4" y="connsiteY4"/>
+                    </a:cxn>
+                    <a:cxn ang="0">
+                      <a:pos x="connsiteX5" y="connsiteY5"/>
+                    </a:cxn>
+                    <a:cxn ang="0">
+                      <a:pos x="connsiteX6" y="connsiteY6"/>
+                    </a:cxn>
+                    <a:cxn ang="0">
+                      <a:pos x="connsiteX7" y="connsiteY7"/>
+                    </a:cxn>
+                    <a:cxn ang="0">
+                      <a:pos x="connsiteX8" y="connsiteY8"/>
+                    </a:cxn>
+                    <a:cxn ang="0">
+                      <a:pos x="connsiteX9" y="connsiteY9"/>
+                    </a:cxn>
+                    <a:cxn ang="0">
+                      <a:pos x="connsiteX10" y="connsiteY10"/>
+                    </a:cxn>
+                    <a:cxn ang="0">
+                      <a:pos x="connsiteX11" y="connsiteY11"/>
+                    </a:cxn>
+                    <a:cxn ang="0">
+                      <a:pos x="connsiteX12" y="connsiteY12"/>
+                    </a:cxn>
+                    <a:cxn ang="0">
+                      <a:pos x="connsiteX13" y="connsiteY13"/>
+                    </a:cxn>
+                    <a:cxn ang="0">
+                      <a:pos x="connsiteX14" y="connsiteY14"/>
+                    </a:cxn>
+                    <a:cxn ang="0">
+                      <a:pos x="connsiteX15" y="connsiteY15"/>
+                    </a:cxn>
+                  </a:cxnLst>
+                  <a:rect l="l" t="t" r="r" b="b"/>
+                  <a:pathLst>
+                    <a:path w="2729553" h="2021542">
+                      <a:moveTo>
+                        <a:pt x="0" y="0"/>
+                      </a:moveTo>
+                      <a:cubicBezTo>
+                        <a:pt x="116006" y="979227"/>
+                        <a:pt x="232012" y="1958454"/>
+                        <a:pt x="313899" y="2019869"/>
+                      </a:cubicBezTo>
+                      <a:cubicBezTo>
+                        <a:pt x="395786" y="2081284"/>
+                        <a:pt x="425356" y="432179"/>
+                        <a:pt x="491320" y="368490"/>
+                      </a:cubicBezTo>
+                      <a:cubicBezTo>
+                        <a:pt x="557284" y="304801"/>
+                        <a:pt x="639171" y="1601338"/>
+                        <a:pt x="709684" y="1637732"/>
+                      </a:cubicBezTo>
+                      <a:cubicBezTo>
+                        <a:pt x="780197" y="1674126"/>
+                        <a:pt x="857534" y="611875"/>
+                        <a:pt x="914400" y="586854"/>
+                      </a:cubicBezTo>
+                      <a:cubicBezTo>
+                        <a:pt x="971266" y="561833"/>
+                        <a:pt x="1005385" y="1462585"/>
+                        <a:pt x="1050878" y="1487606"/>
+                      </a:cubicBezTo>
+                      <a:cubicBezTo>
+                        <a:pt x="1096371" y="1512627"/>
+                        <a:pt x="1146413" y="759725"/>
+                        <a:pt x="1187356" y="736979"/>
+                      </a:cubicBezTo>
+                      <a:cubicBezTo>
+                        <a:pt x="1228299" y="714233"/>
+                        <a:pt x="1241947" y="1344305"/>
+                        <a:pt x="1296538" y="1351129"/>
+                      </a:cubicBezTo>
+                      <a:cubicBezTo>
+                        <a:pt x="1351129" y="1357953"/>
+                        <a:pt x="1460311" y="802944"/>
+                        <a:pt x="1514902" y="777923"/>
+                      </a:cubicBezTo>
+                      <a:cubicBezTo>
+                        <a:pt x="1569493" y="752902"/>
+                        <a:pt x="1578592" y="1194179"/>
+                        <a:pt x="1624084" y="1201003"/>
+                      </a:cubicBezTo>
+                      <a:cubicBezTo>
+                        <a:pt x="1669577" y="1207827"/>
+                        <a:pt x="1726442" y="816591"/>
+                        <a:pt x="1787857" y="818866"/>
+                      </a:cubicBezTo>
+                      <a:cubicBezTo>
+                        <a:pt x="1849272" y="821141"/>
+                        <a:pt x="1935708" y="1178257"/>
+                        <a:pt x="1992574" y="1214651"/>
+                      </a:cubicBezTo>
+                      <a:cubicBezTo>
+                        <a:pt x="2049440" y="1251045"/>
+                        <a:pt x="2090382" y="1071349"/>
+                        <a:pt x="2129051" y="1037230"/>
+                      </a:cubicBezTo>
+                      <a:cubicBezTo>
+                        <a:pt x="2167720" y="1003111"/>
+                        <a:pt x="2163171" y="1003111"/>
+                        <a:pt x="2224586" y="1009935"/>
+                      </a:cubicBezTo>
+                      <a:cubicBezTo>
+                        <a:pt x="2286001" y="1016759"/>
+                        <a:pt x="2413380" y="1073624"/>
+                        <a:pt x="2497541" y="1078173"/>
+                      </a:cubicBezTo>
+                      <a:cubicBezTo>
+                        <a:pt x="2581702" y="1082722"/>
+                        <a:pt x="2655627" y="1059976"/>
+                        <a:pt x="2729553" y="1037230"/>
+                      </a:cubicBezTo>
+                    </a:path>
+                  </a:pathLst>
+                </a:custGeom>
+                <a:noFill/>
+                <a:ln>
+                  <a:solidFill>
+                    <a:schemeClr val="tx1"/>
+                  </a:solidFill>
+                </a:ln>
+              </p:spPr>
+              <p:style>
+                <a:lnRef idx="2">
+                  <a:schemeClr val="accent1">
+                    <a:shade val="50000"/>
+                  </a:schemeClr>
+                </a:lnRef>
+                <a:fillRef idx="1">
+                  <a:schemeClr val="accent1"/>
+                </a:fillRef>
+                <a:effectRef idx="0">
+                  <a:schemeClr val="accent1"/>
+                </a:effectRef>
+                <a:fontRef idx="minor">
+                  <a:schemeClr val="lt1"/>
+                </a:fontRef>
+              </p:style>
+              <p:txBody>
+                <a:bodyPr rtlCol="0" anchor="ctr"/>
+                <a:lstStyle/>
+                <a:p>
+                  <a:pPr algn="ctr"/>
+                  <a:endParaRPr lang="en-US"/>
+                </a:p>
+              </p:txBody>
+            </p:sp>
+            <p:sp>
+              <p:nvSpPr>
+                <p:cNvPr id="17" name="TextBox 16"/>
+                <p:cNvSpPr txBox="1"/>
+                <p:nvPr/>
+              </p:nvSpPr>
+              <p:spPr>
+                <a:xfrm>
+                  <a:off x="5518739" y="839822"/>
+                  <a:ext cx="763351" cy="523220"/>
+                </a:xfrm>
+                <a:prstGeom prst="rect">
+                  <a:avLst/>
+                </a:prstGeom>
+                <a:noFill/>
+              </p:spPr>
+              <p:txBody>
+                <a:bodyPr wrap="none" rtlCol="0">
+                  <a:spAutoFit/>
+                </a:bodyPr>
+                <a:lstStyle/>
+                <a:p>
+                  <a:r>
+                    <a:rPr lang="en-US" sz="2800" b="1" dirty="0" smtClean="0">
+                      <a:latin typeface="Helvetica" panose="020B0604020202020204" pitchFamily="34" charset="0"/>
+                      <a:cs typeface="Helvetica" panose="020B0604020202020204" pitchFamily="34" charset="0"/>
+                    </a:rPr>
+                    <a:t>FID</a:t>
+                  </a:r>
+                  <a:endParaRPr lang="en-US" sz="2800" b="1" dirty="0">
+                    <a:latin typeface="Helvetica" panose="020B0604020202020204" pitchFamily="34" charset="0"/>
+                    <a:cs typeface="Helvetica" panose="020B0604020202020204" pitchFamily="34" charset="0"/>
+                  </a:endParaRPr>
+                </a:p>
+              </p:txBody>
+            </p:sp>
+            <p:sp>
+              <p:nvSpPr>
+                <p:cNvPr id="18" name="TextBox 17"/>
+                <p:cNvSpPr txBox="1"/>
+                <p:nvPr/>
+              </p:nvSpPr>
+              <p:spPr>
+                <a:xfrm>
+                  <a:off x="4342564" y="1305835"/>
+                  <a:ext cx="660758" cy="523220"/>
+                </a:xfrm>
+                <a:prstGeom prst="rect">
+                  <a:avLst/>
+                </a:prstGeom>
+                <a:noFill/>
+              </p:spPr>
+              <p:txBody>
+                <a:bodyPr wrap="none" rtlCol="0">
+                  <a:spAutoFit/>
+                </a:bodyPr>
+                <a:lstStyle/>
+                <a:p>
+                  <a:r>
+                    <a:rPr lang="en-US" sz="2800" b="1" dirty="0" smtClean="0">
+                      <a:latin typeface="Symbol" panose="05050102010706020507" pitchFamily="18" charset="2"/>
+                      <a:cs typeface="Helvetica" panose="020B0604020202020204" pitchFamily="34" charset="0"/>
+                    </a:rPr>
+                    <a:t>p/2</a:t>
+                  </a:r>
+                  <a:endParaRPr lang="en-US" sz="2800" b="1" dirty="0">
+                    <a:latin typeface="Symbol" panose="05050102010706020507" pitchFamily="18" charset="2"/>
+                    <a:cs typeface="Helvetica" panose="020B0604020202020204" pitchFamily="34" charset="0"/>
+                  </a:endParaRPr>
+                </a:p>
+              </p:txBody>
+            </p:sp>
+          </p:grpSp>
           <p:sp>
             <p:nvSpPr>
-              <p:cNvPr id="15" name="Rectangle 14"/>
+              <p:cNvPr id="6" name="Right Arrow 5"/>
               <p:cNvSpPr/>
               <p:nvPr/>
             </p:nvSpPr>
             <p:spPr>
               <a:xfrm>
-                <a:off x="4267200" y="1792055"/>
-                <a:ext cx="533400" cy="1032541"/>
+                <a:off x="4572000" y="5160102"/>
+                <a:ext cx="762000" cy="762000"/>
               </a:xfrm>
-              <a:prstGeom prst="rect">
+              <a:prstGeom prst="rightArrow">
                 <a:avLst/>
               </a:prstGeom>
-              <a:solidFill>
-                <a:schemeClr val="tx1"/>
-              </a:solidFill>
-              <a:ln>
-                <a:solidFill>
-                  <a:schemeClr val="tx1"/>
-                </a:solidFill>
-              </a:ln>
             </p:spPr>
             <p:style>
               <a:lnRef idx="2">
@@ -34604,228 +35032,14 @@
           </p:sp>
           <p:sp>
             <p:nvSpPr>
-              <p:cNvPr id="16" name="Freeform 15"/>
-              <p:cNvSpPr/>
-              <p:nvPr/>
-            </p:nvSpPr>
-            <p:spPr>
-              <a:xfrm>
-                <a:off x="4831307" y="1815152"/>
-                <a:ext cx="2729553" cy="2021542"/>
-              </a:xfrm>
-              <a:custGeom>
-                <a:avLst/>
-                <a:gdLst>
-                  <a:gd name="connsiteX0" fmla="*/ 0 w 2729553"/>
-                  <a:gd name="connsiteY0" fmla="*/ 0 h 2021542"/>
-                  <a:gd name="connsiteX1" fmla="*/ 313899 w 2729553"/>
-                  <a:gd name="connsiteY1" fmla="*/ 2019869 h 2021542"/>
-                  <a:gd name="connsiteX2" fmla="*/ 491320 w 2729553"/>
-                  <a:gd name="connsiteY2" fmla="*/ 368490 h 2021542"/>
-                  <a:gd name="connsiteX3" fmla="*/ 709684 w 2729553"/>
-                  <a:gd name="connsiteY3" fmla="*/ 1637732 h 2021542"/>
-                  <a:gd name="connsiteX4" fmla="*/ 914400 w 2729553"/>
-                  <a:gd name="connsiteY4" fmla="*/ 586854 h 2021542"/>
-                  <a:gd name="connsiteX5" fmla="*/ 1050878 w 2729553"/>
-                  <a:gd name="connsiteY5" fmla="*/ 1487606 h 2021542"/>
-                  <a:gd name="connsiteX6" fmla="*/ 1187356 w 2729553"/>
-                  <a:gd name="connsiteY6" fmla="*/ 736979 h 2021542"/>
-                  <a:gd name="connsiteX7" fmla="*/ 1296538 w 2729553"/>
-                  <a:gd name="connsiteY7" fmla="*/ 1351129 h 2021542"/>
-                  <a:gd name="connsiteX8" fmla="*/ 1514902 w 2729553"/>
-                  <a:gd name="connsiteY8" fmla="*/ 777923 h 2021542"/>
-                  <a:gd name="connsiteX9" fmla="*/ 1624084 w 2729553"/>
-                  <a:gd name="connsiteY9" fmla="*/ 1201003 h 2021542"/>
-                  <a:gd name="connsiteX10" fmla="*/ 1787857 w 2729553"/>
-                  <a:gd name="connsiteY10" fmla="*/ 818866 h 2021542"/>
-                  <a:gd name="connsiteX11" fmla="*/ 1992574 w 2729553"/>
-                  <a:gd name="connsiteY11" fmla="*/ 1214651 h 2021542"/>
-                  <a:gd name="connsiteX12" fmla="*/ 2129051 w 2729553"/>
-                  <a:gd name="connsiteY12" fmla="*/ 1037230 h 2021542"/>
-                  <a:gd name="connsiteX13" fmla="*/ 2224586 w 2729553"/>
-                  <a:gd name="connsiteY13" fmla="*/ 1009935 h 2021542"/>
-                  <a:gd name="connsiteX14" fmla="*/ 2497541 w 2729553"/>
-                  <a:gd name="connsiteY14" fmla="*/ 1078173 h 2021542"/>
-                  <a:gd name="connsiteX15" fmla="*/ 2729553 w 2729553"/>
-                  <a:gd name="connsiteY15" fmla="*/ 1037230 h 2021542"/>
-                </a:gdLst>
-                <a:ahLst/>
-                <a:cxnLst>
-                  <a:cxn ang="0">
-                    <a:pos x="connsiteX0" y="connsiteY0"/>
-                  </a:cxn>
-                  <a:cxn ang="0">
-                    <a:pos x="connsiteX1" y="connsiteY1"/>
-                  </a:cxn>
-                  <a:cxn ang="0">
-                    <a:pos x="connsiteX2" y="connsiteY2"/>
-                  </a:cxn>
-                  <a:cxn ang="0">
-                    <a:pos x="connsiteX3" y="connsiteY3"/>
-                  </a:cxn>
-                  <a:cxn ang="0">
-                    <a:pos x="connsiteX4" y="connsiteY4"/>
-                  </a:cxn>
-                  <a:cxn ang="0">
-                    <a:pos x="connsiteX5" y="connsiteY5"/>
-                  </a:cxn>
-                  <a:cxn ang="0">
-                    <a:pos x="connsiteX6" y="connsiteY6"/>
-                  </a:cxn>
-                  <a:cxn ang="0">
-                    <a:pos x="connsiteX7" y="connsiteY7"/>
-                  </a:cxn>
-                  <a:cxn ang="0">
-                    <a:pos x="connsiteX8" y="connsiteY8"/>
-                  </a:cxn>
-                  <a:cxn ang="0">
-                    <a:pos x="connsiteX9" y="connsiteY9"/>
-                  </a:cxn>
-                  <a:cxn ang="0">
-                    <a:pos x="connsiteX10" y="connsiteY10"/>
-                  </a:cxn>
-                  <a:cxn ang="0">
-                    <a:pos x="connsiteX11" y="connsiteY11"/>
-                  </a:cxn>
-                  <a:cxn ang="0">
-                    <a:pos x="connsiteX12" y="connsiteY12"/>
-                  </a:cxn>
-                  <a:cxn ang="0">
-                    <a:pos x="connsiteX13" y="connsiteY13"/>
-                  </a:cxn>
-                  <a:cxn ang="0">
-                    <a:pos x="connsiteX14" y="connsiteY14"/>
-                  </a:cxn>
-                  <a:cxn ang="0">
-                    <a:pos x="connsiteX15" y="connsiteY15"/>
-                  </a:cxn>
-                </a:cxnLst>
-                <a:rect l="l" t="t" r="r" b="b"/>
-                <a:pathLst>
-                  <a:path w="2729553" h="2021542">
-                    <a:moveTo>
-                      <a:pt x="0" y="0"/>
-                    </a:moveTo>
-                    <a:cubicBezTo>
-                      <a:pt x="116006" y="979227"/>
-                      <a:pt x="232012" y="1958454"/>
-                      <a:pt x="313899" y="2019869"/>
-                    </a:cubicBezTo>
-                    <a:cubicBezTo>
-                      <a:pt x="395786" y="2081284"/>
-                      <a:pt x="425356" y="432179"/>
-                      <a:pt x="491320" y="368490"/>
-                    </a:cubicBezTo>
-                    <a:cubicBezTo>
-                      <a:pt x="557284" y="304801"/>
-                      <a:pt x="639171" y="1601338"/>
-                      <a:pt x="709684" y="1637732"/>
-                    </a:cubicBezTo>
-                    <a:cubicBezTo>
-                      <a:pt x="780197" y="1674126"/>
-                      <a:pt x="857534" y="611875"/>
-                      <a:pt x="914400" y="586854"/>
-                    </a:cubicBezTo>
-                    <a:cubicBezTo>
-                      <a:pt x="971266" y="561833"/>
-                      <a:pt x="1005385" y="1462585"/>
-                      <a:pt x="1050878" y="1487606"/>
-                    </a:cubicBezTo>
-                    <a:cubicBezTo>
-                      <a:pt x="1096371" y="1512627"/>
-                      <a:pt x="1146413" y="759725"/>
-                      <a:pt x="1187356" y="736979"/>
-                    </a:cubicBezTo>
-                    <a:cubicBezTo>
-                      <a:pt x="1228299" y="714233"/>
-                      <a:pt x="1241947" y="1344305"/>
-                      <a:pt x="1296538" y="1351129"/>
-                    </a:cubicBezTo>
-                    <a:cubicBezTo>
-                      <a:pt x="1351129" y="1357953"/>
-                      <a:pt x="1460311" y="802944"/>
-                      <a:pt x="1514902" y="777923"/>
-                    </a:cubicBezTo>
-                    <a:cubicBezTo>
-                      <a:pt x="1569493" y="752902"/>
-                      <a:pt x="1578592" y="1194179"/>
-                      <a:pt x="1624084" y="1201003"/>
-                    </a:cubicBezTo>
-                    <a:cubicBezTo>
-                      <a:pt x="1669577" y="1207827"/>
-                      <a:pt x="1726442" y="816591"/>
-                      <a:pt x="1787857" y="818866"/>
-                    </a:cubicBezTo>
-                    <a:cubicBezTo>
-                      <a:pt x="1849272" y="821141"/>
-                      <a:pt x="1935708" y="1178257"/>
-                      <a:pt x="1992574" y="1214651"/>
-                    </a:cubicBezTo>
-                    <a:cubicBezTo>
-                      <a:pt x="2049440" y="1251045"/>
-                      <a:pt x="2090382" y="1071349"/>
-                      <a:pt x="2129051" y="1037230"/>
-                    </a:cubicBezTo>
-                    <a:cubicBezTo>
-                      <a:pt x="2167720" y="1003111"/>
-                      <a:pt x="2163171" y="1003111"/>
-                      <a:pt x="2224586" y="1009935"/>
-                    </a:cubicBezTo>
-                    <a:cubicBezTo>
-                      <a:pt x="2286001" y="1016759"/>
-                      <a:pt x="2413380" y="1073624"/>
-                      <a:pt x="2497541" y="1078173"/>
-                    </a:cubicBezTo>
-                    <a:cubicBezTo>
-                      <a:pt x="2581702" y="1082722"/>
-                      <a:pt x="2655627" y="1059976"/>
-                      <a:pt x="2729553" y="1037230"/>
-                    </a:cubicBezTo>
-                  </a:path>
-                </a:pathLst>
-              </a:custGeom>
-              <a:noFill/>
-              <a:ln>
-                <a:solidFill>
-                  <a:schemeClr val="tx1"/>
-                </a:solidFill>
-              </a:ln>
-            </p:spPr>
-            <p:style>
-              <a:lnRef idx="2">
-                <a:schemeClr val="accent1">
-                  <a:shade val="50000"/>
-                </a:schemeClr>
-              </a:lnRef>
-              <a:fillRef idx="1">
-                <a:schemeClr val="accent1"/>
-              </a:fillRef>
-              <a:effectRef idx="0">
-                <a:schemeClr val="accent1"/>
-              </a:effectRef>
-              <a:fontRef idx="minor">
-                <a:schemeClr val="lt1"/>
-              </a:fontRef>
-            </p:style>
-            <p:txBody>
-              <a:bodyPr rtlCol="0" anchor="ctr"/>
-              <a:lstStyle/>
-              <a:p>
-                <a:pPr algn="ctr"/>
-                <a:endParaRPr lang="en-US"/>
-              </a:p>
-            </p:txBody>
-          </p:sp>
-          <p:sp>
-            <p:nvSpPr>
-              <p:cNvPr id="17" name="TextBox 16"/>
+              <p:cNvPr id="7" name="TextBox 6"/>
               <p:cNvSpPr txBox="1"/>
               <p:nvPr/>
             </p:nvSpPr>
             <p:spPr>
               <a:xfrm>
-                <a:off x="5518739" y="839822"/>
-                <a:ext cx="763351" cy="523220"/>
+                <a:off x="3496010" y="4790770"/>
+                <a:ext cx="2172454" cy="369332"/>
               </a:xfrm>
               <a:prstGeom prst="rect">
                 <a:avLst/>
@@ -34839,13 +35053,13 @@
               <a:lstStyle/>
               <a:p>
                 <a:r>
-                  <a:rPr lang="en-US" sz="2800" b="1" dirty="0" smtClean="0">
+                  <a:rPr lang="en-US" b="1" dirty="0" smtClean="0">
                     <a:latin typeface="Helvetica" panose="020B0604020202020204" pitchFamily="34" charset="0"/>
                     <a:cs typeface="Helvetica" panose="020B0604020202020204" pitchFamily="34" charset="0"/>
                   </a:rPr>
-                  <a:t>FID</a:t>
+                  <a:t>Fourier Transform</a:t>
                 </a:r>
-                <a:endParaRPr lang="en-US" sz="2800" b="1" dirty="0">
+                <a:endParaRPr lang="en-US" b="1" dirty="0">
                   <a:latin typeface="Helvetica" panose="020B0604020202020204" pitchFamily="34" charset="0"/>
                   <a:cs typeface="Helvetica" panose="020B0604020202020204" pitchFamily="34" charset="0"/>
                 </a:endParaRPr>
@@ -34854,14 +35068,14 @@
           </p:sp>
           <p:sp>
             <p:nvSpPr>
-              <p:cNvPr id="18" name="TextBox 17"/>
+              <p:cNvPr id="9" name="TextBox 8"/>
               <p:cNvSpPr txBox="1"/>
               <p:nvPr/>
             </p:nvSpPr>
             <p:spPr>
               <a:xfrm>
-                <a:off x="4342564" y="1305835"/>
-                <a:ext cx="660758" cy="523220"/>
+                <a:off x="4182378" y="5426969"/>
+                <a:ext cx="304892" cy="523220"/>
               </a:xfrm>
               <a:prstGeom prst="rect">
                 <a:avLst/>
@@ -34875,245 +35089,187 @@
               <a:lstStyle/>
               <a:p>
                 <a:r>
-                  <a:rPr lang="en-US" sz="2800" b="1" dirty="0" smtClean="0">
+                  <a:rPr lang="en-US" sz="2800" b="1" i="1" dirty="0" smtClean="0">
+                    <a:latin typeface="Helvetica" panose="020B0604020202020204" pitchFamily="34" charset="0"/>
+                    <a:cs typeface="Helvetica" panose="020B0604020202020204" pitchFamily="34" charset="0"/>
+                  </a:rPr>
+                  <a:t>t</a:t>
+                </a:r>
+                <a:endParaRPr lang="en-US" sz="2800" b="1" i="1" dirty="0">
+                  <a:latin typeface="Helvetica" panose="020B0604020202020204" pitchFamily="34" charset="0"/>
+                  <a:cs typeface="Helvetica" panose="020B0604020202020204" pitchFamily="34" charset="0"/>
+                </a:endParaRPr>
+              </a:p>
+            </p:txBody>
+          </p:sp>
+          <p:sp>
+            <p:nvSpPr>
+              <p:cNvPr id="10" name="TextBox 9"/>
+              <p:cNvSpPr txBox="1"/>
+              <p:nvPr/>
+            </p:nvSpPr>
+            <p:spPr>
+              <a:xfrm>
+                <a:off x="7277372" y="5889118"/>
+                <a:ext cx="372218" cy="523220"/>
+              </a:xfrm>
+              <a:prstGeom prst="rect">
+                <a:avLst/>
+              </a:prstGeom>
+              <a:noFill/>
+            </p:spPr>
+            <p:txBody>
+              <a:bodyPr wrap="none" rtlCol="0">
+                <a:spAutoFit/>
+              </a:bodyPr>
+              <a:lstStyle/>
+              <a:p>
+                <a:r>
+                  <a:rPr lang="en-US" sz="2800" b="1" i="1" dirty="0" smtClean="0">
                     <a:latin typeface="Symbol" panose="05050102010706020507" pitchFamily="18" charset="2"/>
                     <a:cs typeface="Helvetica" panose="020B0604020202020204" pitchFamily="34" charset="0"/>
                   </a:rPr>
-                  <a:t>p/2</a:t>
+                  <a:t>n</a:t>
                 </a:r>
-                <a:endParaRPr lang="en-US" sz="2800" b="1" dirty="0">
+                <a:endParaRPr lang="en-US" sz="2800" b="1" i="1" dirty="0">
                   <a:latin typeface="Symbol" panose="05050102010706020507" pitchFamily="18" charset="2"/>
                   <a:cs typeface="Helvetica" panose="020B0604020202020204" pitchFamily="34" charset="0"/>
                 </a:endParaRPr>
               </a:p>
             </p:txBody>
           </p:sp>
+          <p:cxnSp>
+            <p:nvCxnSpPr>
+              <p:cNvPr id="12" name="Straight Connector 11"/>
+              <p:cNvCxnSpPr/>
+              <p:nvPr/>
+            </p:nvCxnSpPr>
+            <p:spPr>
+              <a:xfrm>
+                <a:off x="6472236" y="5410200"/>
+                <a:ext cx="0" cy="228600"/>
+              </a:xfrm>
+              <a:prstGeom prst="line">
+                <a:avLst/>
+              </a:prstGeom>
+              <a:ln>
+                <a:solidFill>
+                  <a:schemeClr val="tx1"/>
+                </a:solidFill>
+              </a:ln>
+            </p:spPr>
+            <p:style>
+              <a:lnRef idx="1">
+                <a:schemeClr val="accent1"/>
+              </a:lnRef>
+              <a:fillRef idx="0">
+                <a:schemeClr val="accent1"/>
+              </a:fillRef>
+              <a:effectRef idx="0">
+                <a:schemeClr val="accent1"/>
+              </a:effectRef>
+              <a:fontRef idx="minor">
+                <a:schemeClr val="tx1"/>
+              </a:fontRef>
+            </p:style>
+          </p:cxnSp>
+          <p:sp>
+            <p:nvSpPr>
+              <p:cNvPr id="13" name="TextBox 12"/>
+              <p:cNvSpPr txBox="1"/>
+              <p:nvPr/>
+            </p:nvSpPr>
+            <p:spPr>
+              <a:xfrm>
+                <a:off x="6275283" y="5540995"/>
+                <a:ext cx="389850" cy="369332"/>
+              </a:xfrm>
+              <a:prstGeom prst="rect">
+                <a:avLst/>
+              </a:prstGeom>
+              <a:noFill/>
+            </p:spPr>
+            <p:txBody>
+              <a:bodyPr wrap="none" rtlCol="0">
+                <a:spAutoFit/>
+              </a:bodyPr>
+              <a:lstStyle/>
+              <a:p>
+                <a:r>
+                  <a:rPr lang="en-US" i="1" dirty="0" smtClean="0">
+                    <a:latin typeface="Symbol" panose="05050102010706020507" pitchFamily="18" charset="2"/>
+                    <a:cs typeface="Helvetica" panose="020B0604020202020204" pitchFamily="34" charset="0"/>
+                  </a:rPr>
+                  <a:t>n</a:t>
+                </a:r>
+                <a:r>
+                  <a:rPr lang="en-US" i="1" baseline="-25000" dirty="0" smtClean="0">
+                    <a:latin typeface="Helvetica" panose="020B0604020202020204" pitchFamily="34" charset="0"/>
+                    <a:cs typeface="Helvetica" panose="020B0604020202020204" pitchFamily="34" charset="0"/>
+                  </a:rPr>
+                  <a:t>0</a:t>
+                </a:r>
+                <a:endParaRPr lang="en-US" i="1" baseline="-25000" dirty="0">
+                  <a:latin typeface="Helvetica" panose="020B0604020202020204" pitchFamily="34" charset="0"/>
+                  <a:cs typeface="Helvetica" panose="020B0604020202020204" pitchFamily="34" charset="0"/>
+                </a:endParaRPr>
+              </a:p>
+            </p:txBody>
+          </p:sp>
+          <p:cxnSp>
+            <p:nvCxnSpPr>
+              <p:cNvPr id="8" name="Straight Connector 7"/>
+              <p:cNvCxnSpPr/>
+              <p:nvPr/>
+            </p:nvCxnSpPr>
+            <p:spPr>
+              <a:xfrm flipV="1">
+                <a:off x="5359468" y="5509719"/>
+                <a:ext cx="2196964" cy="11775"/>
+              </a:xfrm>
+              <a:prstGeom prst="line">
+                <a:avLst/>
+              </a:prstGeom>
+              <a:ln w="47625" cap="rnd"/>
+            </p:spPr>
+            <p:style>
+              <a:lnRef idx="3">
+                <a:schemeClr val="dk1"/>
+              </a:lnRef>
+              <a:fillRef idx="0">
+                <a:schemeClr val="dk1"/>
+              </a:fillRef>
+              <a:effectRef idx="2">
+                <a:schemeClr val="dk1"/>
+              </a:effectRef>
+              <a:fontRef idx="minor">
+                <a:schemeClr val="tx1"/>
+              </a:fontRef>
+            </p:style>
+          </p:cxnSp>
         </p:grpSp>
         <p:sp>
           <p:nvSpPr>
-            <p:cNvPr id="6" name="Right Arrow 5"/>
+            <p:cNvPr id="19" name="Freeform 18"/>
             <p:cNvSpPr/>
             <p:nvPr/>
           </p:nvSpPr>
           <p:spPr>
             <a:xfrm>
-              <a:off x="4572000" y="5160102"/>
-              <a:ext cx="762000" cy="762000"/>
-            </a:xfrm>
-            <a:prstGeom prst="rightArrow">
-              <a:avLst/>
-            </a:prstGeom>
-          </p:spPr>
-          <p:style>
-            <a:lnRef idx="2">
-              <a:schemeClr val="accent1">
-                <a:shade val="50000"/>
-              </a:schemeClr>
-            </a:lnRef>
-            <a:fillRef idx="1">
-              <a:schemeClr val="accent1"/>
-            </a:fillRef>
-            <a:effectRef idx="0">
-              <a:schemeClr val="accent1"/>
-            </a:effectRef>
-            <a:fontRef idx="minor">
-              <a:schemeClr val="lt1"/>
-            </a:fontRef>
-          </p:style>
-          <p:txBody>
-            <a:bodyPr rtlCol="0" anchor="ctr"/>
-            <a:lstStyle/>
-            <a:p>
-              <a:pPr algn="ctr"/>
-              <a:endParaRPr lang="en-US"/>
-            </a:p>
-          </p:txBody>
-        </p:sp>
-        <p:sp>
-          <p:nvSpPr>
-            <p:cNvPr id="7" name="TextBox 6"/>
-            <p:cNvSpPr txBox="1"/>
-            <p:nvPr/>
-          </p:nvSpPr>
-          <p:spPr>
-            <a:xfrm>
-              <a:off x="3496010" y="4790770"/>
-              <a:ext cx="2172454" cy="369332"/>
-            </a:xfrm>
-            <a:prstGeom prst="rect">
-              <a:avLst/>
-            </a:prstGeom>
-            <a:noFill/>
-          </p:spPr>
-          <p:txBody>
-            <a:bodyPr wrap="none" rtlCol="0">
-              <a:spAutoFit/>
-            </a:bodyPr>
-            <a:lstStyle/>
-            <a:p>
-              <a:r>
-                <a:rPr lang="en-US" b="1" dirty="0" smtClean="0">
-                  <a:latin typeface="Helvetica" panose="020B0604020202020204" pitchFamily="34" charset="0"/>
-                  <a:cs typeface="Helvetica" panose="020B0604020202020204" pitchFamily="34" charset="0"/>
-                </a:rPr>
-                <a:t>Fourier Transform</a:t>
-              </a:r>
-              <a:endParaRPr lang="en-US" b="1" dirty="0">
-                <a:latin typeface="Helvetica" panose="020B0604020202020204" pitchFamily="34" charset="0"/>
-                <a:cs typeface="Helvetica" panose="020B0604020202020204" pitchFamily="34" charset="0"/>
-              </a:endParaRPr>
-            </a:p>
-          </p:txBody>
-        </p:sp>
-        <p:cxnSp>
-          <p:nvCxnSpPr>
-            <p:cNvPr id="8" name="Straight Connector 7"/>
-            <p:cNvCxnSpPr/>
-            <p:nvPr/>
-          </p:nvCxnSpPr>
-          <p:spPr>
-            <a:xfrm flipV="1">
-              <a:off x="5410200" y="5537177"/>
-              <a:ext cx="2196964" cy="11775"/>
-            </a:xfrm>
-            <a:prstGeom prst="line">
-              <a:avLst/>
-            </a:prstGeom>
-            <a:ln>
-              <a:solidFill>
-                <a:schemeClr val="tx1"/>
-              </a:solidFill>
-            </a:ln>
-          </p:spPr>
-          <p:style>
-            <a:lnRef idx="1">
-              <a:schemeClr val="accent1"/>
-            </a:lnRef>
-            <a:fillRef idx="0">
-              <a:schemeClr val="accent1"/>
-            </a:fillRef>
-            <a:effectRef idx="0">
-              <a:schemeClr val="accent1"/>
-            </a:effectRef>
-            <a:fontRef idx="minor">
-              <a:schemeClr val="tx1"/>
-            </a:fontRef>
-          </p:style>
-        </p:cxnSp>
-        <p:sp>
-          <p:nvSpPr>
-            <p:cNvPr id="9" name="TextBox 8"/>
-            <p:cNvSpPr txBox="1"/>
-            <p:nvPr/>
-          </p:nvSpPr>
-          <p:spPr>
-            <a:xfrm>
-              <a:off x="4182378" y="5426969"/>
-              <a:ext cx="304892" cy="523220"/>
-            </a:xfrm>
-            <a:prstGeom prst="rect">
-              <a:avLst/>
-            </a:prstGeom>
-            <a:noFill/>
-          </p:spPr>
-          <p:txBody>
-            <a:bodyPr wrap="none" rtlCol="0">
-              <a:spAutoFit/>
-            </a:bodyPr>
-            <a:lstStyle/>
-            <a:p>
-              <a:r>
-                <a:rPr lang="en-US" sz="2800" b="1" i="1" dirty="0" smtClean="0">
-                  <a:latin typeface="Helvetica" panose="020B0604020202020204" pitchFamily="34" charset="0"/>
-                  <a:cs typeface="Helvetica" panose="020B0604020202020204" pitchFamily="34" charset="0"/>
-                </a:rPr>
-                <a:t>t</a:t>
-              </a:r>
-              <a:endParaRPr lang="en-US" sz="2800" b="1" i="1" dirty="0">
-                <a:latin typeface="Helvetica" panose="020B0604020202020204" pitchFamily="34" charset="0"/>
-                <a:cs typeface="Helvetica" panose="020B0604020202020204" pitchFamily="34" charset="0"/>
-              </a:endParaRPr>
-            </a:p>
-          </p:txBody>
-        </p:sp>
-        <p:sp>
-          <p:nvSpPr>
-            <p:cNvPr id="10" name="TextBox 9"/>
-            <p:cNvSpPr txBox="1"/>
-            <p:nvPr/>
-          </p:nvSpPr>
-          <p:spPr>
-            <a:xfrm>
-              <a:off x="7264672" y="5486400"/>
-              <a:ext cx="372218" cy="523220"/>
-            </a:xfrm>
-            <a:prstGeom prst="rect">
-              <a:avLst/>
-            </a:prstGeom>
-            <a:noFill/>
-          </p:spPr>
-          <p:txBody>
-            <a:bodyPr wrap="none" rtlCol="0">
-              <a:spAutoFit/>
-            </a:bodyPr>
-            <a:lstStyle/>
-            <a:p>
-              <a:r>
-                <a:rPr lang="en-US" sz="2800" b="1" i="1" dirty="0" smtClean="0">
-                  <a:latin typeface="Symbol" panose="05050102010706020507" pitchFamily="18" charset="2"/>
-                  <a:cs typeface="Helvetica" panose="020B0604020202020204" pitchFamily="34" charset="0"/>
-                </a:rPr>
-                <a:t>n</a:t>
-              </a:r>
-              <a:endParaRPr lang="en-US" sz="2800" b="1" i="1" dirty="0">
-                <a:latin typeface="Symbol" panose="05050102010706020507" pitchFamily="18" charset="2"/>
-                <a:cs typeface="Helvetica" panose="020B0604020202020204" pitchFamily="34" charset="0"/>
-              </a:endParaRPr>
-            </a:p>
-          </p:txBody>
-        </p:sp>
-        <p:sp>
-          <p:nvSpPr>
-            <p:cNvPr id="11" name="Freeform 10"/>
-            <p:cNvSpPr/>
-            <p:nvPr/>
-          </p:nvSpPr>
-          <p:spPr>
-            <a:xfrm flipH="1">
-              <a:off x="6259285" y="3907042"/>
-              <a:ext cx="454844" cy="1641910"/>
+              <a:off x="3559175" y="1711325"/>
+              <a:ext cx="2835899" cy="897809"/>
             </a:xfrm>
             <a:custGeom>
               <a:avLst/>
               <a:gdLst>
-                <a:gd name="connsiteX0" fmla="*/ 0 w 927100"/>
-                <a:gd name="connsiteY0" fmla="*/ 3799070 h 3824521"/>
-                <a:gd name="connsiteX1" fmla="*/ 114300 w 927100"/>
-                <a:gd name="connsiteY1" fmla="*/ 3773670 h 3824521"/>
-                <a:gd name="connsiteX2" fmla="*/ 165100 w 927100"/>
-                <a:gd name="connsiteY2" fmla="*/ 3481570 h 3824521"/>
-                <a:gd name="connsiteX3" fmla="*/ 215900 w 927100"/>
-                <a:gd name="connsiteY3" fmla="*/ 2910070 h 3824521"/>
-                <a:gd name="connsiteX4" fmla="*/ 330200 w 927100"/>
-                <a:gd name="connsiteY4" fmla="*/ 1525770 h 3824521"/>
-                <a:gd name="connsiteX5" fmla="*/ 444500 w 927100"/>
-                <a:gd name="connsiteY5" fmla="*/ 128770 h 3824521"/>
-                <a:gd name="connsiteX6" fmla="*/ 520700 w 927100"/>
-                <a:gd name="connsiteY6" fmla="*/ 141470 h 3824521"/>
-                <a:gd name="connsiteX7" fmla="*/ 609600 w 927100"/>
-                <a:gd name="connsiteY7" fmla="*/ 827270 h 3824521"/>
-                <a:gd name="connsiteX8" fmla="*/ 673100 w 927100"/>
-                <a:gd name="connsiteY8" fmla="*/ 1462270 h 3824521"/>
-                <a:gd name="connsiteX9" fmla="*/ 736600 w 927100"/>
-                <a:gd name="connsiteY9" fmla="*/ 2059170 h 3824521"/>
-                <a:gd name="connsiteX10" fmla="*/ 812800 w 927100"/>
-                <a:gd name="connsiteY10" fmla="*/ 2795770 h 3824521"/>
-                <a:gd name="connsiteX11" fmla="*/ 850900 w 927100"/>
-                <a:gd name="connsiteY11" fmla="*/ 3316470 h 3824521"/>
-                <a:gd name="connsiteX12" fmla="*/ 889000 w 927100"/>
-                <a:gd name="connsiteY12" fmla="*/ 3760970 h 3824521"/>
-                <a:gd name="connsiteX13" fmla="*/ 927100 w 927100"/>
-                <a:gd name="connsiteY13" fmla="*/ 3811770 h 3824521"/>
+                <a:gd name="connsiteX0" fmla="*/ 0 w 2695575"/>
+                <a:gd name="connsiteY0" fmla="*/ 0 h 897809"/>
+                <a:gd name="connsiteX1" fmla="*/ 809625 w 2695575"/>
+                <a:gd name="connsiteY1" fmla="*/ 495300 h 897809"/>
+                <a:gd name="connsiteX2" fmla="*/ 2133600 w 2695575"/>
+                <a:gd name="connsiteY2" fmla="*/ 838200 h 897809"/>
+                <a:gd name="connsiteX3" fmla="*/ 2695575 w 2695575"/>
+                <a:gd name="connsiteY3" fmla="*/ 895350 h 897809"/>
               </a:gdLst>
               <a:ahLst/>
               <a:cxnLst>
@@ -35129,113 +35285,33 @@
                 <a:cxn ang="0">
                   <a:pos x="connsiteX3" y="connsiteY3"/>
                 </a:cxn>
-                <a:cxn ang="0">
-                  <a:pos x="connsiteX4" y="connsiteY4"/>
-                </a:cxn>
-                <a:cxn ang="0">
-                  <a:pos x="connsiteX5" y="connsiteY5"/>
-                </a:cxn>
-                <a:cxn ang="0">
-                  <a:pos x="connsiteX6" y="connsiteY6"/>
-                </a:cxn>
-                <a:cxn ang="0">
-                  <a:pos x="connsiteX7" y="connsiteY7"/>
-                </a:cxn>
-                <a:cxn ang="0">
-                  <a:pos x="connsiteX8" y="connsiteY8"/>
-                </a:cxn>
-                <a:cxn ang="0">
-                  <a:pos x="connsiteX9" y="connsiteY9"/>
-                </a:cxn>
-                <a:cxn ang="0">
-                  <a:pos x="connsiteX10" y="connsiteY10"/>
-                </a:cxn>
-                <a:cxn ang="0">
-                  <a:pos x="connsiteX11" y="connsiteY11"/>
-                </a:cxn>
-                <a:cxn ang="0">
-                  <a:pos x="connsiteX12" y="connsiteY12"/>
-                </a:cxn>
-                <a:cxn ang="0">
-                  <a:pos x="connsiteX13" y="connsiteY13"/>
-                </a:cxn>
               </a:cxnLst>
               <a:rect l="l" t="t" r="r" b="b"/>
               <a:pathLst>
-                <a:path w="927100" h="3824521">
+                <a:path w="2695575" h="897809">
                   <a:moveTo>
-                    <a:pt x="0" y="3799070"/>
+                    <a:pt x="0" y="0"/>
                   </a:moveTo>
                   <a:cubicBezTo>
-                    <a:pt x="43391" y="3812828"/>
-                    <a:pt x="86783" y="3826587"/>
-                    <a:pt x="114300" y="3773670"/>
+                    <a:pt x="227012" y="177800"/>
+                    <a:pt x="454025" y="355600"/>
+                    <a:pt x="809625" y="495300"/>
                   </a:cubicBezTo>
                   <a:cubicBezTo>
-                    <a:pt x="141817" y="3720753"/>
-                    <a:pt x="148167" y="3625503"/>
-                    <a:pt x="165100" y="3481570"/>
+                    <a:pt x="1165225" y="635000"/>
+                    <a:pt x="1819275" y="771525"/>
+                    <a:pt x="2133600" y="838200"/>
                   </a:cubicBezTo>
                   <a:cubicBezTo>
-                    <a:pt x="182033" y="3337637"/>
-                    <a:pt x="188383" y="3236037"/>
-                    <a:pt x="215900" y="2910070"/>
-                  </a:cubicBezTo>
-                  <a:cubicBezTo>
-                    <a:pt x="243417" y="2584103"/>
-                    <a:pt x="292100" y="1989320"/>
-                    <a:pt x="330200" y="1525770"/>
-                  </a:cubicBezTo>
-                  <a:cubicBezTo>
-                    <a:pt x="368300" y="1062220"/>
-                    <a:pt x="412750" y="359487"/>
-                    <a:pt x="444500" y="128770"/>
-                  </a:cubicBezTo>
-                  <a:cubicBezTo>
-                    <a:pt x="476250" y="-101947"/>
-                    <a:pt x="493183" y="25053"/>
-                    <a:pt x="520700" y="141470"/>
-                  </a:cubicBezTo>
-                  <a:cubicBezTo>
-                    <a:pt x="548217" y="257887"/>
-                    <a:pt x="584200" y="607137"/>
-                    <a:pt x="609600" y="827270"/>
-                  </a:cubicBezTo>
-                  <a:cubicBezTo>
-                    <a:pt x="635000" y="1047403"/>
-                    <a:pt x="651933" y="1256953"/>
-                    <a:pt x="673100" y="1462270"/>
-                  </a:cubicBezTo>
-                  <a:cubicBezTo>
-                    <a:pt x="694267" y="1667587"/>
-                    <a:pt x="713317" y="1836920"/>
-                    <a:pt x="736600" y="2059170"/>
-                  </a:cubicBezTo>
-                  <a:cubicBezTo>
-                    <a:pt x="759883" y="2281420"/>
-                    <a:pt x="793750" y="2586220"/>
-                    <a:pt x="812800" y="2795770"/>
-                  </a:cubicBezTo>
-                  <a:cubicBezTo>
-                    <a:pt x="831850" y="3005320"/>
-                    <a:pt x="838200" y="3155603"/>
-                    <a:pt x="850900" y="3316470"/>
-                  </a:cubicBezTo>
-                  <a:cubicBezTo>
-                    <a:pt x="863600" y="3477337"/>
-                    <a:pt x="876300" y="3678420"/>
-                    <a:pt x="889000" y="3760970"/>
-                  </a:cubicBezTo>
-                  <a:cubicBezTo>
-                    <a:pt x="901700" y="3843520"/>
-                    <a:pt x="914400" y="3827645"/>
-                    <a:pt x="927100" y="3811770"/>
+                    <a:pt x="2447925" y="904875"/>
+                    <a:pt x="2571750" y="900112"/>
+                    <a:pt x="2695575" y="895350"/>
                   </a:cubicBezTo>
                 </a:path>
               </a:pathLst>
             </a:custGeom>
             <a:noFill/>
-            <a:ln w="38100">
+            <a:ln w="28575">
               <a:solidFill>
                 <a:schemeClr val="tx1"/>
               </a:solidFill>
@@ -35262,28 +35338,227 @@
             <a:lstStyle/>
             <a:p>
               <a:pPr algn="ctr"/>
-              <a:endParaRPr lang="en-US"/>
+              <a:endParaRPr lang="en-GB"/>
+            </a:p>
+          </p:txBody>
+        </p:sp>
+        <p:sp>
+          <p:nvSpPr>
+            <p:cNvPr id="20" name="Freeform 19"/>
+            <p:cNvSpPr/>
+            <p:nvPr/>
+          </p:nvSpPr>
+          <p:spPr>
+            <a:xfrm flipV="1">
+              <a:off x="3484927" y="2997040"/>
+              <a:ext cx="2835899" cy="897809"/>
+            </a:xfrm>
+            <a:custGeom>
+              <a:avLst/>
+              <a:gdLst>
+                <a:gd name="connsiteX0" fmla="*/ 0 w 2695575"/>
+                <a:gd name="connsiteY0" fmla="*/ 0 h 897809"/>
+                <a:gd name="connsiteX1" fmla="*/ 809625 w 2695575"/>
+                <a:gd name="connsiteY1" fmla="*/ 495300 h 897809"/>
+                <a:gd name="connsiteX2" fmla="*/ 2133600 w 2695575"/>
+                <a:gd name="connsiteY2" fmla="*/ 838200 h 897809"/>
+                <a:gd name="connsiteX3" fmla="*/ 2695575 w 2695575"/>
+                <a:gd name="connsiteY3" fmla="*/ 895350 h 897809"/>
+              </a:gdLst>
+              <a:ahLst/>
+              <a:cxnLst>
+                <a:cxn ang="0">
+                  <a:pos x="connsiteX0" y="connsiteY0"/>
+                </a:cxn>
+                <a:cxn ang="0">
+                  <a:pos x="connsiteX1" y="connsiteY1"/>
+                </a:cxn>
+                <a:cxn ang="0">
+                  <a:pos x="connsiteX2" y="connsiteY2"/>
+                </a:cxn>
+                <a:cxn ang="0">
+                  <a:pos x="connsiteX3" y="connsiteY3"/>
+                </a:cxn>
+              </a:cxnLst>
+              <a:rect l="l" t="t" r="r" b="b"/>
+              <a:pathLst>
+                <a:path w="2695575" h="897809">
+                  <a:moveTo>
+                    <a:pt x="0" y="0"/>
+                  </a:moveTo>
+                  <a:cubicBezTo>
+                    <a:pt x="227012" y="177800"/>
+                    <a:pt x="454025" y="355600"/>
+                    <a:pt x="809625" y="495300"/>
+                  </a:cubicBezTo>
+                  <a:cubicBezTo>
+                    <a:pt x="1165225" y="635000"/>
+                    <a:pt x="1819275" y="771525"/>
+                    <a:pt x="2133600" y="838200"/>
+                  </a:cubicBezTo>
+                  <a:cubicBezTo>
+                    <a:pt x="2447925" y="904875"/>
+                    <a:pt x="2571750" y="900112"/>
+                    <a:pt x="2695575" y="895350"/>
+                  </a:cubicBezTo>
+                </a:path>
+              </a:pathLst>
+            </a:custGeom>
+            <a:noFill/>
+            <a:ln w="28575">
+              <a:solidFill>
+                <a:schemeClr val="tx1"/>
+              </a:solidFill>
+            </a:ln>
+          </p:spPr>
+          <p:style>
+            <a:lnRef idx="2">
+              <a:schemeClr val="accent1">
+                <a:shade val="50000"/>
+              </a:schemeClr>
+            </a:lnRef>
+            <a:fillRef idx="1">
+              <a:schemeClr val="accent1"/>
+            </a:fillRef>
+            <a:effectRef idx="0">
+              <a:schemeClr val="accent1"/>
+            </a:effectRef>
+            <a:fontRef idx="minor">
+              <a:schemeClr val="lt1"/>
+            </a:fontRef>
+          </p:style>
+          <p:txBody>
+            <a:bodyPr rtlCol="0" anchor="ctr"/>
+            <a:lstStyle/>
+            <a:p>
+              <a:pPr algn="ctr"/>
+              <a:endParaRPr lang="en-GB"/>
+            </a:p>
+          </p:txBody>
+        </p:sp>
+        <p:sp>
+          <p:nvSpPr>
+            <p:cNvPr id="22" name="TextBox 21"/>
+            <p:cNvSpPr txBox="1"/>
+            <p:nvPr/>
+          </p:nvSpPr>
+          <p:spPr>
+            <a:xfrm>
+              <a:off x="3998989" y="3445944"/>
+              <a:ext cx="1766830" cy="523220"/>
+            </a:xfrm>
+            <a:prstGeom prst="rect">
+              <a:avLst/>
+            </a:prstGeom>
+            <a:noFill/>
+          </p:spPr>
+          <p:txBody>
+            <a:bodyPr wrap="none" rtlCol="0">
+              <a:spAutoFit/>
+            </a:bodyPr>
+            <a:lstStyle/>
+            <a:p>
+              <a:r>
+                <a:rPr lang="en-GB" sz="2800" dirty="0" smtClean="0">
+                  <a:latin typeface="Arial" panose="020B0604020202020204" pitchFamily="34" charset="0"/>
+                  <a:cs typeface="Arial" panose="020B0604020202020204" pitchFamily="34" charset="0"/>
+                </a:rPr>
+                <a:t>~</a:t>
+              </a:r>
+              <a:r>
+                <a:rPr lang="en-GB" sz="2800" dirty="0" err="1" smtClean="0">
+                  <a:latin typeface="Arial" panose="020B0604020202020204" pitchFamily="34" charset="0"/>
+                  <a:cs typeface="Arial" panose="020B0604020202020204" pitchFamily="34" charset="0"/>
+                </a:rPr>
+                <a:t>exp</a:t>
+              </a:r>
+              <a:r>
+                <a:rPr lang="en-GB" sz="2800" dirty="0" smtClean="0">
+                  <a:latin typeface="Arial" panose="020B0604020202020204" pitchFamily="34" charset="0"/>
+                  <a:cs typeface="Arial" panose="020B0604020202020204" pitchFamily="34" charset="0"/>
+                </a:rPr>
+                <a:t>(t/T</a:t>
+              </a:r>
+              <a:r>
+                <a:rPr lang="en-GB" sz="2800" baseline="-25000" dirty="0" smtClean="0">
+                  <a:latin typeface="Arial" panose="020B0604020202020204" pitchFamily="34" charset="0"/>
+                  <a:cs typeface="Arial" panose="020B0604020202020204" pitchFamily="34" charset="0"/>
+                </a:rPr>
+                <a:t>2</a:t>
+              </a:r>
+              <a:r>
+                <a:rPr lang="en-GB" sz="2800" dirty="0" smtClean="0">
+                  <a:latin typeface="Arial" panose="020B0604020202020204" pitchFamily="34" charset="0"/>
+                  <a:cs typeface="Arial" panose="020B0604020202020204" pitchFamily="34" charset="0"/>
+                </a:rPr>
+                <a:t>)</a:t>
+              </a:r>
+              <a:endParaRPr lang="en-GB" sz="2800" baseline="-25000" dirty="0">
+                <a:latin typeface="Arial" panose="020B0604020202020204" pitchFamily="34" charset="0"/>
+                <a:cs typeface="Arial" panose="020B0604020202020204" pitchFamily="34" charset="0"/>
+              </a:endParaRPr>
             </a:p>
           </p:txBody>
         </p:sp>
         <p:cxnSp>
           <p:nvCxnSpPr>
-            <p:cNvPr id="12" name="Straight Connector 11"/>
+            <p:cNvPr id="24" name="Straight Arrow Connector 23"/>
             <p:cNvCxnSpPr/>
             <p:nvPr/>
           </p:nvCxnSpPr>
           <p:spPr>
+            <a:xfrm flipH="1">
+              <a:off x="8549279" y="1893106"/>
+              <a:ext cx="534396" cy="0"/>
+            </a:xfrm>
+            <a:prstGeom prst="straightConnector1">
+              <a:avLst/>
+            </a:prstGeom>
+            <a:ln w="22225">
+              <a:solidFill>
+                <a:schemeClr val="accent1">
+                  <a:lumMod val="75000"/>
+                </a:schemeClr>
+              </a:solidFill>
+              <a:tailEnd type="triangle"/>
+            </a:ln>
+          </p:spPr>
+          <p:style>
+            <a:lnRef idx="1">
+              <a:schemeClr val="accent1"/>
+            </a:lnRef>
+            <a:fillRef idx="0">
+              <a:schemeClr val="accent1"/>
+            </a:fillRef>
+            <a:effectRef idx="0">
+              <a:schemeClr val="accent1"/>
+            </a:effectRef>
+            <a:fontRef idx="minor">
+              <a:schemeClr val="tx1"/>
+            </a:fontRef>
+          </p:style>
+        </p:cxnSp>
+        <p:cxnSp>
+          <p:nvCxnSpPr>
+            <p:cNvPr id="25" name="Straight Arrow Connector 24"/>
+            <p:cNvCxnSpPr/>
+            <p:nvPr/>
+          </p:nvCxnSpPr>
+          <p:spPr>
             <a:xfrm>
-              <a:off x="6457950" y="5410200"/>
-              <a:ext cx="0" cy="228600"/>
-            </a:xfrm>
-            <a:prstGeom prst="line">
-              <a:avLst/>
-            </a:prstGeom>
-            <a:ln>
+              <a:off x="7712439" y="1893106"/>
+              <a:ext cx="534396" cy="0"/>
+            </a:xfrm>
+            <a:prstGeom prst="straightConnector1">
+              <a:avLst/>
+            </a:prstGeom>
+            <a:ln w="22225">
               <a:solidFill>
-                <a:schemeClr val="tx1"/>
+                <a:schemeClr val="accent1">
+                  <a:lumMod val="75000"/>
+                </a:schemeClr>
               </a:solidFill>
+              <a:tailEnd type="triangle"/>
             </a:ln>
           </p:spPr>
           <p:style>
@@ -35303,14 +35578,14 @@
         </p:cxnSp>
         <p:sp>
           <p:nvSpPr>
-            <p:cNvPr id="13" name="TextBox 12"/>
+            <p:cNvPr id="26" name="TextBox 25"/>
             <p:cNvSpPr txBox="1"/>
             <p:nvPr/>
           </p:nvSpPr>
           <p:spPr>
             <a:xfrm>
-              <a:off x="6248079" y="5552770"/>
-              <a:ext cx="389850" cy="369332"/>
+              <a:off x="8617830" y="1338611"/>
+              <a:ext cx="1034257" cy="523220"/>
             </a:xfrm>
             <a:prstGeom prst="rect">
               <a:avLst/>
@@ -35324,20 +35599,34 @@
             <a:lstStyle/>
             <a:p>
               <a:r>
-                <a:rPr lang="en-US" i="1" dirty="0" smtClean="0">
+                <a:rPr lang="en-US" sz="2800" b="1" dirty="0" smtClean="0">
+                  <a:latin typeface="Helvetica" panose="020B0604020202020204" pitchFamily="34" charset="0"/>
+                  <a:cs typeface="Helvetica" panose="020B0604020202020204" pitchFamily="34" charset="0"/>
+                </a:rPr>
+                <a:t>1/</a:t>
+              </a:r>
+              <a:r>
+                <a:rPr lang="en-US" sz="2800" b="1" dirty="0" smtClean="0">
                   <a:latin typeface="Symbol" panose="05050102010706020507" pitchFamily="18" charset="2"/>
                   <a:cs typeface="Helvetica" panose="020B0604020202020204" pitchFamily="34" charset="0"/>
                 </a:rPr>
-                <a:t>n</a:t>
-              </a:r>
-              <a:r>
-                <a:rPr lang="en-US" i="1" baseline="-25000" dirty="0" smtClean="0">
+                <a:t>p</a:t>
+              </a:r>
+              <a:r>
+                <a:rPr lang="en-US" sz="2800" b="1" dirty="0" smtClean="0">
                   <a:latin typeface="Helvetica" panose="020B0604020202020204" pitchFamily="34" charset="0"/>
                   <a:cs typeface="Helvetica" panose="020B0604020202020204" pitchFamily="34" charset="0"/>
                 </a:rPr>
-                <a:t>0</a:t>
-              </a:r>
-              <a:endParaRPr lang="en-US" i="1" baseline="-25000" dirty="0">
+                <a:t>T</a:t>
+              </a:r>
+              <a:r>
+                <a:rPr lang="en-US" sz="2800" b="1" baseline="-25000" dirty="0" smtClean="0">
+                  <a:latin typeface="Helvetica" panose="020B0604020202020204" pitchFamily="34" charset="0"/>
+                  <a:cs typeface="Helvetica" panose="020B0604020202020204" pitchFamily="34" charset="0"/>
+                </a:rPr>
+                <a:t>2</a:t>
+              </a:r>
+              <a:endParaRPr lang="en-US" sz="2800" b="1" baseline="-25000" dirty="0">
                 <a:latin typeface="Helvetica" panose="020B0604020202020204" pitchFamily="34" charset="0"/>
                 <a:cs typeface="Helvetica" panose="020B0604020202020204" pitchFamily="34" charset="0"/>
               </a:endParaRPr>
@@ -35345,391 +35634,6 @@
           </p:txBody>
         </p:sp>
       </p:grpSp>
-      <p:sp>
-        <p:nvSpPr>
-          <p:cNvPr id="19" name="Freeform 18"/>
-          <p:cNvSpPr/>
-          <p:nvPr/>
-        </p:nvSpPr>
-        <p:spPr>
-          <a:xfrm>
-            <a:off x="3609975" y="1685925"/>
-            <a:ext cx="2835899" cy="897809"/>
-          </a:xfrm>
-          <a:custGeom>
-            <a:avLst/>
-            <a:gdLst>
-              <a:gd name="connsiteX0" fmla="*/ 0 w 2695575"/>
-              <a:gd name="connsiteY0" fmla="*/ 0 h 897809"/>
-              <a:gd name="connsiteX1" fmla="*/ 809625 w 2695575"/>
-              <a:gd name="connsiteY1" fmla="*/ 495300 h 897809"/>
-              <a:gd name="connsiteX2" fmla="*/ 2133600 w 2695575"/>
-              <a:gd name="connsiteY2" fmla="*/ 838200 h 897809"/>
-              <a:gd name="connsiteX3" fmla="*/ 2695575 w 2695575"/>
-              <a:gd name="connsiteY3" fmla="*/ 895350 h 897809"/>
-            </a:gdLst>
-            <a:ahLst/>
-            <a:cxnLst>
-              <a:cxn ang="0">
-                <a:pos x="connsiteX0" y="connsiteY0"/>
-              </a:cxn>
-              <a:cxn ang="0">
-                <a:pos x="connsiteX1" y="connsiteY1"/>
-              </a:cxn>
-              <a:cxn ang="0">
-                <a:pos x="connsiteX2" y="connsiteY2"/>
-              </a:cxn>
-              <a:cxn ang="0">
-                <a:pos x="connsiteX3" y="connsiteY3"/>
-              </a:cxn>
-            </a:cxnLst>
-            <a:rect l="l" t="t" r="r" b="b"/>
-            <a:pathLst>
-              <a:path w="2695575" h="897809">
-                <a:moveTo>
-                  <a:pt x="0" y="0"/>
-                </a:moveTo>
-                <a:cubicBezTo>
-                  <a:pt x="227012" y="177800"/>
-                  <a:pt x="454025" y="355600"/>
-                  <a:pt x="809625" y="495300"/>
-                </a:cubicBezTo>
-                <a:cubicBezTo>
-                  <a:pt x="1165225" y="635000"/>
-                  <a:pt x="1819275" y="771525"/>
-                  <a:pt x="2133600" y="838200"/>
-                </a:cubicBezTo>
-                <a:cubicBezTo>
-                  <a:pt x="2447925" y="904875"/>
-                  <a:pt x="2571750" y="900112"/>
-                  <a:pt x="2695575" y="895350"/>
-                </a:cubicBezTo>
-              </a:path>
-            </a:pathLst>
-          </a:custGeom>
-          <a:noFill/>
-          <a:ln w="28575">
-            <a:solidFill>
-              <a:schemeClr val="tx1"/>
-            </a:solidFill>
-          </a:ln>
-        </p:spPr>
-        <p:style>
-          <a:lnRef idx="2">
-            <a:schemeClr val="accent1">
-              <a:shade val="50000"/>
-            </a:schemeClr>
-          </a:lnRef>
-          <a:fillRef idx="1">
-            <a:schemeClr val="accent1"/>
-          </a:fillRef>
-          <a:effectRef idx="0">
-            <a:schemeClr val="accent1"/>
-          </a:effectRef>
-          <a:fontRef idx="minor">
-            <a:schemeClr val="lt1"/>
-          </a:fontRef>
-        </p:style>
-        <p:txBody>
-          <a:bodyPr rtlCol="0" anchor="ctr"/>
-          <a:lstStyle/>
-          <a:p>
-            <a:pPr algn="ctr"/>
-            <a:endParaRPr lang="en-GB"/>
-          </a:p>
-        </p:txBody>
-      </p:sp>
-      <p:sp>
-        <p:nvSpPr>
-          <p:cNvPr id="20" name="Freeform 19"/>
-          <p:cNvSpPr/>
-          <p:nvPr/>
-        </p:nvSpPr>
-        <p:spPr>
-          <a:xfrm flipV="1">
-            <a:off x="3535727" y="2971640"/>
-            <a:ext cx="2835899" cy="897809"/>
-          </a:xfrm>
-          <a:custGeom>
-            <a:avLst/>
-            <a:gdLst>
-              <a:gd name="connsiteX0" fmla="*/ 0 w 2695575"/>
-              <a:gd name="connsiteY0" fmla="*/ 0 h 897809"/>
-              <a:gd name="connsiteX1" fmla="*/ 809625 w 2695575"/>
-              <a:gd name="connsiteY1" fmla="*/ 495300 h 897809"/>
-              <a:gd name="connsiteX2" fmla="*/ 2133600 w 2695575"/>
-              <a:gd name="connsiteY2" fmla="*/ 838200 h 897809"/>
-              <a:gd name="connsiteX3" fmla="*/ 2695575 w 2695575"/>
-              <a:gd name="connsiteY3" fmla="*/ 895350 h 897809"/>
-            </a:gdLst>
-            <a:ahLst/>
-            <a:cxnLst>
-              <a:cxn ang="0">
-                <a:pos x="connsiteX0" y="connsiteY0"/>
-              </a:cxn>
-              <a:cxn ang="0">
-                <a:pos x="connsiteX1" y="connsiteY1"/>
-              </a:cxn>
-              <a:cxn ang="0">
-                <a:pos x="connsiteX2" y="connsiteY2"/>
-              </a:cxn>
-              <a:cxn ang="0">
-                <a:pos x="connsiteX3" y="connsiteY3"/>
-              </a:cxn>
-            </a:cxnLst>
-            <a:rect l="l" t="t" r="r" b="b"/>
-            <a:pathLst>
-              <a:path w="2695575" h="897809">
-                <a:moveTo>
-                  <a:pt x="0" y="0"/>
-                </a:moveTo>
-                <a:cubicBezTo>
-                  <a:pt x="227012" y="177800"/>
-                  <a:pt x="454025" y="355600"/>
-                  <a:pt x="809625" y="495300"/>
-                </a:cubicBezTo>
-                <a:cubicBezTo>
-                  <a:pt x="1165225" y="635000"/>
-                  <a:pt x="1819275" y="771525"/>
-                  <a:pt x="2133600" y="838200"/>
-                </a:cubicBezTo>
-                <a:cubicBezTo>
-                  <a:pt x="2447925" y="904875"/>
-                  <a:pt x="2571750" y="900112"/>
-                  <a:pt x="2695575" y="895350"/>
-                </a:cubicBezTo>
-              </a:path>
-            </a:pathLst>
-          </a:custGeom>
-          <a:noFill/>
-          <a:ln w="28575">
-            <a:solidFill>
-              <a:schemeClr val="tx1"/>
-            </a:solidFill>
-          </a:ln>
-        </p:spPr>
-        <p:style>
-          <a:lnRef idx="2">
-            <a:schemeClr val="accent1">
-              <a:shade val="50000"/>
-            </a:schemeClr>
-          </a:lnRef>
-          <a:fillRef idx="1">
-            <a:schemeClr val="accent1"/>
-          </a:fillRef>
-          <a:effectRef idx="0">
-            <a:schemeClr val="accent1"/>
-          </a:effectRef>
-          <a:fontRef idx="minor">
-            <a:schemeClr val="lt1"/>
-          </a:fontRef>
-        </p:style>
-        <p:txBody>
-          <a:bodyPr rtlCol="0" anchor="ctr"/>
-          <a:lstStyle/>
-          <a:p>
-            <a:pPr algn="ctr"/>
-            <a:endParaRPr lang="en-GB"/>
-          </a:p>
-        </p:txBody>
-      </p:sp>
-      <p:sp>
-        <p:nvSpPr>
-          <p:cNvPr id="22" name="TextBox 21"/>
-          <p:cNvSpPr txBox="1"/>
-          <p:nvPr/>
-        </p:nvSpPr>
-        <p:spPr>
-          <a:xfrm>
-            <a:off x="4049789" y="3420544"/>
-            <a:ext cx="1766830" cy="523220"/>
-          </a:xfrm>
-          <a:prstGeom prst="rect">
-            <a:avLst/>
-          </a:prstGeom>
-          <a:noFill/>
-        </p:spPr>
-        <p:txBody>
-          <a:bodyPr wrap="none" rtlCol="0">
-            <a:spAutoFit/>
-          </a:bodyPr>
-          <a:lstStyle/>
-          <a:p>
-            <a:r>
-              <a:rPr lang="en-GB" sz="2800" dirty="0" smtClean="0">
-                <a:latin typeface="Arial" panose="020B0604020202020204" pitchFamily="34" charset="0"/>
-                <a:cs typeface="Arial" panose="020B0604020202020204" pitchFamily="34" charset="0"/>
-              </a:rPr>
-              <a:t>~</a:t>
-            </a:r>
-            <a:r>
-              <a:rPr lang="en-GB" sz="2800" dirty="0" err="1" smtClean="0">
-                <a:latin typeface="Arial" panose="020B0604020202020204" pitchFamily="34" charset="0"/>
-                <a:cs typeface="Arial" panose="020B0604020202020204" pitchFamily="34" charset="0"/>
-              </a:rPr>
-              <a:t>exp</a:t>
-            </a:r>
-            <a:r>
-              <a:rPr lang="en-GB" sz="2800" dirty="0" smtClean="0">
-                <a:latin typeface="Arial" panose="020B0604020202020204" pitchFamily="34" charset="0"/>
-                <a:cs typeface="Arial" panose="020B0604020202020204" pitchFamily="34" charset="0"/>
-              </a:rPr>
-              <a:t>(t/T</a:t>
-            </a:r>
-            <a:r>
-              <a:rPr lang="en-GB" sz="2800" baseline="-25000" dirty="0" smtClean="0">
-                <a:latin typeface="Arial" panose="020B0604020202020204" pitchFamily="34" charset="0"/>
-                <a:cs typeface="Arial" panose="020B0604020202020204" pitchFamily="34" charset="0"/>
-              </a:rPr>
-              <a:t>2</a:t>
-            </a:r>
-            <a:r>
-              <a:rPr lang="en-GB" sz="2800" dirty="0" smtClean="0">
-                <a:latin typeface="Arial" panose="020B0604020202020204" pitchFamily="34" charset="0"/>
-                <a:cs typeface="Arial" panose="020B0604020202020204" pitchFamily="34" charset="0"/>
-              </a:rPr>
-              <a:t>)</a:t>
-            </a:r>
-            <a:endParaRPr lang="en-GB" sz="2800" baseline="-25000" dirty="0">
-              <a:latin typeface="Arial" panose="020B0604020202020204" pitchFamily="34" charset="0"/>
-              <a:cs typeface="Arial" panose="020B0604020202020204" pitchFamily="34" charset="0"/>
-            </a:endParaRPr>
-          </a:p>
-        </p:txBody>
-      </p:sp>
-      <p:cxnSp>
-        <p:nvCxnSpPr>
-          <p:cNvPr id="24" name="Straight Arrow Connector 23"/>
-          <p:cNvCxnSpPr/>
-          <p:nvPr/>
-        </p:nvCxnSpPr>
-        <p:spPr>
-          <a:xfrm flipH="1">
-            <a:off x="8600079" y="1867706"/>
-            <a:ext cx="534396" cy="0"/>
-          </a:xfrm>
-          <a:prstGeom prst="straightConnector1">
-            <a:avLst/>
-          </a:prstGeom>
-          <a:ln w="22225">
-            <a:solidFill>
-              <a:schemeClr val="accent1">
-                <a:lumMod val="75000"/>
-              </a:schemeClr>
-            </a:solidFill>
-            <a:tailEnd type="triangle"/>
-          </a:ln>
-        </p:spPr>
-        <p:style>
-          <a:lnRef idx="1">
-            <a:schemeClr val="accent1"/>
-          </a:lnRef>
-          <a:fillRef idx="0">
-            <a:schemeClr val="accent1"/>
-          </a:fillRef>
-          <a:effectRef idx="0">
-            <a:schemeClr val="accent1"/>
-          </a:effectRef>
-          <a:fontRef idx="minor">
-            <a:schemeClr val="tx1"/>
-          </a:fontRef>
-        </p:style>
-      </p:cxnSp>
-      <p:cxnSp>
-        <p:nvCxnSpPr>
-          <p:cNvPr id="25" name="Straight Arrow Connector 24"/>
-          <p:cNvCxnSpPr/>
-          <p:nvPr/>
-        </p:nvCxnSpPr>
-        <p:spPr>
-          <a:xfrm>
-            <a:off x="7763239" y="1867706"/>
-            <a:ext cx="534396" cy="0"/>
-          </a:xfrm>
-          <a:prstGeom prst="straightConnector1">
-            <a:avLst/>
-          </a:prstGeom>
-          <a:ln w="22225">
-            <a:solidFill>
-              <a:schemeClr val="accent1">
-                <a:lumMod val="75000"/>
-              </a:schemeClr>
-            </a:solidFill>
-            <a:tailEnd type="triangle"/>
-          </a:ln>
-        </p:spPr>
-        <p:style>
-          <a:lnRef idx="1">
-            <a:schemeClr val="accent1"/>
-          </a:lnRef>
-          <a:fillRef idx="0">
-            <a:schemeClr val="accent1"/>
-          </a:fillRef>
-          <a:effectRef idx="0">
-            <a:schemeClr val="accent1"/>
-          </a:effectRef>
-          <a:fontRef idx="minor">
-            <a:schemeClr val="tx1"/>
-          </a:fontRef>
-        </p:style>
-      </p:cxnSp>
-      <p:sp>
-        <p:nvSpPr>
-          <p:cNvPr id="26" name="TextBox 25"/>
-          <p:cNvSpPr txBox="1"/>
-          <p:nvPr/>
-        </p:nvSpPr>
-        <p:spPr>
-          <a:xfrm>
-            <a:off x="8668630" y="1313211"/>
-            <a:ext cx="1034257" cy="523220"/>
-          </a:xfrm>
-          <a:prstGeom prst="rect">
-            <a:avLst/>
-          </a:prstGeom>
-          <a:noFill/>
-        </p:spPr>
-        <p:txBody>
-          <a:bodyPr wrap="none" rtlCol="0">
-            <a:spAutoFit/>
-          </a:bodyPr>
-          <a:lstStyle/>
-          <a:p>
-            <a:r>
-              <a:rPr lang="en-US" sz="2800" b="1" dirty="0" smtClean="0">
-                <a:latin typeface="Helvetica" panose="020B0604020202020204" pitchFamily="34" charset="0"/>
-                <a:cs typeface="Helvetica" panose="020B0604020202020204" pitchFamily="34" charset="0"/>
-              </a:rPr>
-              <a:t>1/</a:t>
-            </a:r>
-            <a:r>
-              <a:rPr lang="en-US" sz="2800" b="1" dirty="0" smtClean="0">
-                <a:latin typeface="Symbol" panose="05050102010706020507" pitchFamily="18" charset="2"/>
-                <a:cs typeface="Helvetica" panose="020B0604020202020204" pitchFamily="34" charset="0"/>
-              </a:rPr>
-              <a:t>p</a:t>
-            </a:r>
-            <a:r>
-              <a:rPr lang="en-US" sz="2800" b="1" dirty="0" smtClean="0">
-                <a:latin typeface="Helvetica" panose="020B0604020202020204" pitchFamily="34" charset="0"/>
-                <a:cs typeface="Helvetica" panose="020B0604020202020204" pitchFamily="34" charset="0"/>
-              </a:rPr>
-              <a:t>T</a:t>
-            </a:r>
-            <a:r>
-              <a:rPr lang="en-US" sz="2800" b="1" baseline="-25000" dirty="0" smtClean="0">
-                <a:latin typeface="Helvetica" panose="020B0604020202020204" pitchFamily="34" charset="0"/>
-                <a:cs typeface="Helvetica" panose="020B0604020202020204" pitchFamily="34" charset="0"/>
-              </a:rPr>
-              <a:t>2</a:t>
-            </a:r>
-            <a:endParaRPr lang="en-US" sz="2800" b="1" baseline="-25000" dirty="0">
-              <a:latin typeface="Helvetica" panose="020B0604020202020204" pitchFamily="34" charset="0"/>
-              <a:cs typeface="Helvetica" panose="020B0604020202020204" pitchFamily="34" charset="0"/>
-            </a:endParaRPr>
-          </a:p>
-        </p:txBody>
-      </p:sp>
     </p:spTree>
     <p:extLst>
       <p:ext uri="{BB962C8B-B14F-4D97-AF65-F5344CB8AC3E}">

--- a/figures/pics for NMR lectures.pptx
+++ b/figures/pics for NMR lectures.pptx
@@ -5,7 +5,7 @@
     <p:sldMasterId id="2147483648" r:id="rId1"/>
   </p:sldMasterIdLst>
   <p:notesMasterIdLst>
-    <p:notesMasterId r:id="rId53"/>
+    <p:notesMasterId r:id="rId56"/>
   </p:notesMasterIdLst>
   <p:sldIdLst>
     <p:sldId id="257" r:id="rId2"/>
@@ -59,6 +59,9 @@
     <p:sldId id="305" r:id="rId50"/>
     <p:sldId id="306" r:id="rId51"/>
     <p:sldId id="307" r:id="rId52"/>
+    <p:sldId id="308" r:id="rId53"/>
+    <p:sldId id="310" r:id="rId54"/>
+    <p:sldId id="309" r:id="rId55"/>
   </p:sldIdLst>
   <p:sldSz cx="12192000" cy="6858000"/>
   <p:notesSz cx="6858000" cy="9144000"/>
@@ -217,6 +220,9 @@
             <p14:sldId id="305"/>
             <p14:sldId id="306"/>
             <p14:sldId id="307"/>
+            <p14:sldId id="308"/>
+            <p14:sldId id="310"/>
+            <p14:sldId id="309"/>
           </p14:sldIdLst>
         </p14:section>
       </p14:sectionLst>
@@ -310,7 +316,7 @@
           <a:p>
             <a:fld id="{D98A8B21-A5DE-4FDD-84FC-FB32FCF8106F}" type="datetimeFigureOut">
               <a:rPr lang="en-GB" smtClean="0"/>
-              <a:t>04/08/2017</a:t>
+              <a:t>07/08/2017</a:t>
             </a:fld>
             <a:endParaRPr lang="en-GB"/>
           </a:p>
@@ -877,7 +883,7 @@
           <a:p>
             <a:fld id="{D31532C7-002A-42CF-8CCE-521F7F2F004A}" type="datetimeFigureOut">
               <a:rPr lang="en-GB" smtClean="0"/>
-              <a:t>04/08/2017</a:t>
+              <a:t>07/08/2017</a:t>
             </a:fld>
             <a:endParaRPr lang="en-GB"/>
           </a:p>
@@ -1047,7 +1053,7 @@
           <a:p>
             <a:fld id="{D31532C7-002A-42CF-8CCE-521F7F2F004A}" type="datetimeFigureOut">
               <a:rPr lang="en-GB" smtClean="0"/>
-              <a:t>04/08/2017</a:t>
+              <a:t>07/08/2017</a:t>
             </a:fld>
             <a:endParaRPr lang="en-GB"/>
           </a:p>
@@ -1227,7 +1233,7 @@
           <a:p>
             <a:fld id="{D31532C7-002A-42CF-8CCE-521F7F2F004A}" type="datetimeFigureOut">
               <a:rPr lang="en-GB" smtClean="0"/>
-              <a:t>04/08/2017</a:t>
+              <a:t>07/08/2017</a:t>
             </a:fld>
             <a:endParaRPr lang="en-GB"/>
           </a:p>
@@ -1397,7 +1403,7 @@
           <a:p>
             <a:fld id="{D31532C7-002A-42CF-8CCE-521F7F2F004A}" type="datetimeFigureOut">
               <a:rPr lang="en-GB" smtClean="0"/>
-              <a:t>04/08/2017</a:t>
+              <a:t>07/08/2017</a:t>
             </a:fld>
             <a:endParaRPr lang="en-GB"/>
           </a:p>
@@ -1643,7 +1649,7 @@
           <a:p>
             <a:fld id="{D31532C7-002A-42CF-8CCE-521F7F2F004A}" type="datetimeFigureOut">
               <a:rPr lang="en-GB" smtClean="0"/>
-              <a:t>04/08/2017</a:t>
+              <a:t>07/08/2017</a:t>
             </a:fld>
             <a:endParaRPr lang="en-GB"/>
           </a:p>
@@ -1875,7 +1881,7 @@
           <a:p>
             <a:fld id="{D31532C7-002A-42CF-8CCE-521F7F2F004A}" type="datetimeFigureOut">
               <a:rPr lang="en-GB" smtClean="0"/>
-              <a:t>04/08/2017</a:t>
+              <a:t>07/08/2017</a:t>
             </a:fld>
             <a:endParaRPr lang="en-GB"/>
           </a:p>
@@ -2242,7 +2248,7 @@
           <a:p>
             <a:fld id="{D31532C7-002A-42CF-8CCE-521F7F2F004A}" type="datetimeFigureOut">
               <a:rPr lang="en-GB" smtClean="0"/>
-              <a:t>04/08/2017</a:t>
+              <a:t>07/08/2017</a:t>
             </a:fld>
             <a:endParaRPr lang="en-GB"/>
           </a:p>
@@ -2360,7 +2366,7 @@
           <a:p>
             <a:fld id="{D31532C7-002A-42CF-8CCE-521F7F2F004A}" type="datetimeFigureOut">
               <a:rPr lang="en-GB" smtClean="0"/>
-              <a:t>04/08/2017</a:t>
+              <a:t>07/08/2017</a:t>
             </a:fld>
             <a:endParaRPr lang="en-GB"/>
           </a:p>
@@ -2455,7 +2461,7 @@
           <a:p>
             <a:fld id="{D31532C7-002A-42CF-8CCE-521F7F2F004A}" type="datetimeFigureOut">
               <a:rPr lang="en-GB" smtClean="0"/>
-              <a:t>04/08/2017</a:t>
+              <a:t>07/08/2017</a:t>
             </a:fld>
             <a:endParaRPr lang="en-GB"/>
           </a:p>
@@ -2732,7 +2738,7 @@
           <a:p>
             <a:fld id="{D31532C7-002A-42CF-8CCE-521F7F2F004A}" type="datetimeFigureOut">
               <a:rPr lang="en-GB" smtClean="0"/>
-              <a:t>04/08/2017</a:t>
+              <a:t>07/08/2017</a:t>
             </a:fld>
             <a:endParaRPr lang="en-GB"/>
           </a:p>
@@ -2985,7 +2991,7 @@
           <a:p>
             <a:fld id="{D31532C7-002A-42CF-8CCE-521F7F2F004A}" type="datetimeFigureOut">
               <a:rPr lang="en-GB" smtClean="0"/>
-              <a:t>04/08/2017</a:t>
+              <a:t>07/08/2017</a:t>
             </a:fld>
             <a:endParaRPr lang="en-GB"/>
           </a:p>
@@ -3198,7 +3204,7 @@
           <a:p>
             <a:fld id="{D31532C7-002A-42CF-8CCE-521F7F2F004A}" type="datetimeFigureOut">
               <a:rPr lang="en-GB" smtClean="0"/>
-              <a:t>04/08/2017</a:t>
+              <a:t>07/08/2017</a:t>
             </a:fld>
             <a:endParaRPr lang="en-GB"/>
           </a:p>
@@ -40416,6 +40422,3901 @@
 </p:sld>
 </file>
 
+<file path=ppt/slides/slide52.xml><?xml version="1.0" encoding="utf-8"?>
+<p:sld xmlns:a="http://schemas.openxmlformats.org/drawingml/2006/main" xmlns:r="http://schemas.openxmlformats.org/officeDocument/2006/relationships" xmlns:p="http://schemas.openxmlformats.org/presentationml/2006/main">
+  <p:cSld>
+    <p:spTree>
+      <p:nvGrpSpPr>
+        <p:cNvPr id="1" name=""/>
+        <p:cNvGrpSpPr/>
+        <p:nvPr/>
+      </p:nvGrpSpPr>
+      <p:grpSpPr>
+        <a:xfrm>
+          <a:off x="0" y="0"/>
+          <a:ext cx="0" cy="0"/>
+          <a:chOff x="0" y="0"/>
+          <a:chExt cx="0" cy="0"/>
+        </a:xfrm>
+      </p:grpSpPr>
+      <p:grpSp>
+        <p:nvGrpSpPr>
+          <p:cNvPr id="44" name="Group 43"/>
+          <p:cNvGrpSpPr/>
+          <p:nvPr/>
+        </p:nvGrpSpPr>
+        <p:grpSpPr>
+          <a:xfrm>
+            <a:off x="1907536" y="698165"/>
+            <a:ext cx="4750151" cy="1665921"/>
+            <a:chOff x="1676049" y="711218"/>
+            <a:chExt cx="4750151" cy="1665921"/>
+          </a:xfrm>
+        </p:grpSpPr>
+        <p:grpSp>
+          <p:nvGrpSpPr>
+            <p:cNvPr id="34" name="Group 33"/>
+            <p:cNvGrpSpPr/>
+            <p:nvPr/>
+          </p:nvGrpSpPr>
+          <p:grpSpPr>
+            <a:xfrm>
+              <a:off x="1741714" y="974681"/>
+              <a:ext cx="4684486" cy="1402458"/>
+              <a:chOff x="1741714" y="974681"/>
+              <a:chExt cx="4684486" cy="1402458"/>
+            </a:xfrm>
+          </p:grpSpPr>
+          <p:grpSp>
+            <p:nvGrpSpPr>
+              <p:cNvPr id="13" name="Group 12"/>
+              <p:cNvGrpSpPr/>
+              <p:nvPr/>
+            </p:nvGrpSpPr>
+            <p:grpSpPr>
+              <a:xfrm>
+                <a:off x="1741714" y="1062039"/>
+                <a:ext cx="4684486" cy="1086076"/>
+                <a:chOff x="1741714" y="1597025"/>
+                <a:chExt cx="3126811" cy="551089"/>
+              </a:xfrm>
+            </p:grpSpPr>
+            <p:cxnSp>
+              <p:nvCxnSpPr>
+                <p:cNvPr id="9" name="Straight Connector 8"/>
+                <p:cNvCxnSpPr/>
+                <p:nvPr/>
+              </p:nvCxnSpPr>
+              <p:spPr>
+                <a:xfrm flipV="1">
+                  <a:off x="1741714" y="2146299"/>
+                  <a:ext cx="3126811" cy="1815"/>
+                </a:xfrm>
+                <a:prstGeom prst="line">
+                  <a:avLst/>
+                </a:prstGeom>
+                <a:ln cap="rnd">
+                  <a:tailEnd type="triangle"/>
+                </a:ln>
+              </p:spPr>
+              <p:style>
+                <a:lnRef idx="3">
+                  <a:schemeClr val="dk1"/>
+                </a:lnRef>
+                <a:fillRef idx="0">
+                  <a:schemeClr val="dk1"/>
+                </a:fillRef>
+                <a:effectRef idx="2">
+                  <a:schemeClr val="dk1"/>
+                </a:effectRef>
+                <a:fontRef idx="minor">
+                  <a:schemeClr val="tx1"/>
+                </a:fontRef>
+              </p:style>
+            </p:cxnSp>
+            <p:sp>
+              <p:nvSpPr>
+                <p:cNvPr id="10" name="Rectangle 9"/>
+                <p:cNvSpPr/>
+                <p:nvPr/>
+              </p:nvSpPr>
+              <p:spPr>
+                <a:xfrm>
+                  <a:off x="1924050" y="1597025"/>
+                  <a:ext cx="82420" cy="549275"/>
+                </a:xfrm>
+                <a:prstGeom prst="rect">
+                  <a:avLst/>
+                </a:prstGeom>
+                <a:ln>
+                  <a:solidFill>
+                    <a:schemeClr val="tx1"/>
+                  </a:solidFill>
+                </a:ln>
+              </p:spPr>
+              <p:style>
+                <a:lnRef idx="2">
+                  <a:schemeClr val="dk1">
+                    <a:shade val="50000"/>
+                  </a:schemeClr>
+                </a:lnRef>
+                <a:fillRef idx="1">
+                  <a:schemeClr val="dk1"/>
+                </a:fillRef>
+                <a:effectRef idx="0">
+                  <a:schemeClr val="dk1"/>
+                </a:effectRef>
+                <a:fontRef idx="minor">
+                  <a:schemeClr val="lt1"/>
+                </a:fontRef>
+              </p:style>
+              <p:txBody>
+                <a:bodyPr rtlCol="0" anchor="ctr"/>
+                <a:lstStyle/>
+                <a:p>
+                  <a:pPr algn="ctr"/>
+                  <a:endParaRPr lang="en-GB"/>
+                </a:p>
+              </p:txBody>
+            </p:sp>
+          </p:grpSp>
+          <p:sp>
+            <p:nvSpPr>
+              <p:cNvPr id="14" name="Rectangle 13"/>
+              <p:cNvSpPr/>
+              <p:nvPr/>
+            </p:nvSpPr>
+            <p:spPr>
+              <a:xfrm>
+                <a:off x="2834034" y="1062038"/>
+                <a:ext cx="123479" cy="1082501"/>
+              </a:xfrm>
+              <a:prstGeom prst="rect">
+                <a:avLst/>
+              </a:prstGeom>
+              <a:ln>
+                <a:solidFill>
+                  <a:schemeClr val="tx1"/>
+                </a:solidFill>
+              </a:ln>
+            </p:spPr>
+            <p:style>
+              <a:lnRef idx="2">
+                <a:schemeClr val="dk1">
+                  <a:shade val="50000"/>
+                </a:schemeClr>
+              </a:lnRef>
+              <a:fillRef idx="1">
+                <a:schemeClr val="dk1"/>
+              </a:fillRef>
+              <a:effectRef idx="0">
+                <a:schemeClr val="dk1"/>
+              </a:effectRef>
+              <a:fontRef idx="minor">
+                <a:schemeClr val="lt1"/>
+              </a:fontRef>
+            </p:style>
+            <p:txBody>
+              <a:bodyPr rtlCol="0" anchor="ctr"/>
+              <a:lstStyle/>
+              <a:p>
+                <a:pPr algn="ctr"/>
+                <a:endParaRPr lang="en-GB"/>
+              </a:p>
+            </p:txBody>
+          </p:sp>
+          <p:sp>
+            <p:nvSpPr>
+              <p:cNvPr id="15" name="Rectangle 14"/>
+              <p:cNvSpPr/>
+              <p:nvPr/>
+            </p:nvSpPr>
+            <p:spPr>
+              <a:xfrm>
+                <a:off x="4920009" y="1062038"/>
+                <a:ext cx="123479" cy="1082501"/>
+              </a:xfrm>
+              <a:prstGeom prst="rect">
+                <a:avLst/>
+              </a:prstGeom>
+              <a:ln>
+                <a:solidFill>
+                  <a:schemeClr val="tx1"/>
+                </a:solidFill>
+              </a:ln>
+            </p:spPr>
+            <p:style>
+              <a:lnRef idx="2">
+                <a:schemeClr val="dk1">
+                  <a:shade val="50000"/>
+                </a:schemeClr>
+              </a:lnRef>
+              <a:fillRef idx="1">
+                <a:schemeClr val="dk1"/>
+              </a:fillRef>
+              <a:effectRef idx="0">
+                <a:schemeClr val="dk1"/>
+              </a:effectRef>
+              <a:fontRef idx="minor">
+                <a:schemeClr val="lt1"/>
+              </a:fontRef>
+            </p:style>
+            <p:txBody>
+              <a:bodyPr rtlCol="0" anchor="ctr"/>
+              <a:lstStyle/>
+              <a:p>
+                <a:pPr algn="ctr"/>
+                <a:endParaRPr lang="en-GB"/>
+              </a:p>
+            </p:txBody>
+          </p:sp>
+          <p:cxnSp>
+            <p:nvCxnSpPr>
+              <p:cNvPr id="17" name="Straight Arrow Connector 16"/>
+              <p:cNvCxnSpPr/>
+              <p:nvPr/>
+            </p:nvCxnSpPr>
+            <p:spPr>
+              <a:xfrm>
+                <a:off x="2166938" y="1347790"/>
+                <a:ext cx="655191" cy="0"/>
+              </a:xfrm>
+              <a:prstGeom prst="straightConnector1">
+                <a:avLst/>
+              </a:prstGeom>
+              <a:ln>
+                <a:solidFill>
+                  <a:schemeClr val="tx1"/>
+                </a:solidFill>
+                <a:tailEnd type="triangle"/>
+              </a:ln>
+            </p:spPr>
+            <p:style>
+              <a:lnRef idx="1">
+                <a:schemeClr val="accent1"/>
+              </a:lnRef>
+              <a:fillRef idx="0">
+                <a:schemeClr val="accent1"/>
+              </a:fillRef>
+              <a:effectRef idx="0">
+                <a:schemeClr val="accent1"/>
+              </a:effectRef>
+              <a:fontRef idx="minor">
+                <a:schemeClr val="tx1"/>
+              </a:fontRef>
+            </p:style>
+          </p:cxnSp>
+          <p:sp>
+            <p:nvSpPr>
+              <p:cNvPr id="18" name="TextBox 17"/>
+              <p:cNvSpPr txBox="1"/>
+              <p:nvPr/>
+            </p:nvSpPr>
+            <p:spPr>
+              <a:xfrm>
+                <a:off x="3853959" y="974681"/>
+                <a:ext cx="285656" cy="369332"/>
+              </a:xfrm>
+              <a:prstGeom prst="rect">
+                <a:avLst/>
+              </a:prstGeom>
+              <a:noFill/>
+            </p:spPr>
+            <p:txBody>
+              <a:bodyPr wrap="none" rtlCol="0">
+                <a:spAutoFit/>
+              </a:bodyPr>
+              <a:lstStyle/>
+              <a:p>
+                <a:r>
+                  <a:rPr lang="en-GB" dirty="0" smtClean="0">
+                    <a:latin typeface="Symbol" panose="05050102010706020507" pitchFamily="18" charset="2"/>
+                    <a:cs typeface="Arial" panose="020B0604020202020204" pitchFamily="34" charset="0"/>
+                  </a:rPr>
+                  <a:t>t</a:t>
+                </a:r>
+                <a:endParaRPr lang="en-GB" baseline="-25000" dirty="0">
+                  <a:latin typeface="Symbol" panose="05050102010706020507" pitchFamily="18" charset="2"/>
+                  <a:cs typeface="Arial" panose="020B0604020202020204" pitchFamily="34" charset="0"/>
+                </a:endParaRPr>
+              </a:p>
+            </p:txBody>
+          </p:sp>
+          <p:cxnSp>
+            <p:nvCxnSpPr>
+              <p:cNvPr id="20" name="Straight Arrow Connector 19"/>
+              <p:cNvCxnSpPr/>
+              <p:nvPr/>
+            </p:nvCxnSpPr>
+            <p:spPr>
+              <a:xfrm>
+                <a:off x="2987573" y="1347790"/>
+                <a:ext cx="1905896" cy="0"/>
+              </a:xfrm>
+              <a:prstGeom prst="straightConnector1">
+                <a:avLst/>
+              </a:prstGeom>
+              <a:ln>
+                <a:solidFill>
+                  <a:schemeClr val="tx1"/>
+                </a:solidFill>
+                <a:headEnd type="triangle"/>
+                <a:tailEnd type="triangle"/>
+              </a:ln>
+            </p:spPr>
+            <p:style>
+              <a:lnRef idx="1">
+                <a:schemeClr val="accent1"/>
+              </a:lnRef>
+              <a:fillRef idx="0">
+                <a:schemeClr val="accent1"/>
+              </a:fillRef>
+              <a:effectRef idx="0">
+                <a:schemeClr val="accent1"/>
+              </a:effectRef>
+              <a:fontRef idx="minor">
+                <a:schemeClr val="tx1"/>
+              </a:fontRef>
+            </p:style>
+          </p:cxnSp>
+          <p:cxnSp>
+            <p:nvCxnSpPr>
+              <p:cNvPr id="29" name="Straight Arrow Connector 28"/>
+              <p:cNvCxnSpPr/>
+              <p:nvPr/>
+            </p:nvCxnSpPr>
+            <p:spPr>
+              <a:xfrm>
+                <a:off x="5075426" y="1344013"/>
+                <a:ext cx="655191" cy="0"/>
+              </a:xfrm>
+              <a:prstGeom prst="straightConnector1">
+                <a:avLst/>
+              </a:prstGeom>
+              <a:ln>
+                <a:solidFill>
+                  <a:schemeClr val="tx1"/>
+                </a:solidFill>
+                <a:tailEnd type="triangle"/>
+              </a:ln>
+            </p:spPr>
+            <p:style>
+              <a:lnRef idx="1">
+                <a:schemeClr val="accent1"/>
+              </a:lnRef>
+              <a:fillRef idx="0">
+                <a:schemeClr val="accent1"/>
+              </a:fillRef>
+              <a:effectRef idx="0">
+                <a:schemeClr val="accent1"/>
+              </a:effectRef>
+              <a:fontRef idx="minor">
+                <a:schemeClr val="tx1"/>
+              </a:fontRef>
+            </p:style>
+          </p:cxnSp>
+          <p:sp>
+            <p:nvSpPr>
+              <p:cNvPr id="30" name="TextBox 29"/>
+              <p:cNvSpPr txBox="1"/>
+              <p:nvPr/>
+            </p:nvSpPr>
+            <p:spPr>
+              <a:xfrm>
+                <a:off x="5208402" y="974681"/>
+                <a:ext cx="333746" cy="369332"/>
+              </a:xfrm>
+              <a:prstGeom prst="rect">
+                <a:avLst/>
+              </a:prstGeom>
+              <a:noFill/>
+            </p:spPr>
+            <p:txBody>
+              <a:bodyPr wrap="none" rtlCol="0">
+                <a:spAutoFit/>
+              </a:bodyPr>
+              <a:lstStyle/>
+              <a:p>
+                <a:r>
+                  <a:rPr lang="en-GB" dirty="0" smtClean="0">
+                    <a:latin typeface="Arial" panose="020B0604020202020204" pitchFamily="34" charset="0"/>
+                    <a:cs typeface="Arial" panose="020B0604020202020204" pitchFamily="34" charset="0"/>
+                  </a:rPr>
+                  <a:t>t</a:t>
+                </a:r>
+                <a:r>
+                  <a:rPr lang="en-GB" baseline="-25000" dirty="0" smtClean="0">
+                    <a:latin typeface="Arial" panose="020B0604020202020204" pitchFamily="34" charset="0"/>
+                    <a:cs typeface="Arial" panose="020B0604020202020204" pitchFamily="34" charset="0"/>
+                  </a:rPr>
+                  <a:t>2</a:t>
+                </a:r>
+                <a:endParaRPr lang="en-GB" baseline="-25000" dirty="0">
+                  <a:latin typeface="Arial" panose="020B0604020202020204" pitchFamily="34" charset="0"/>
+                  <a:cs typeface="Arial" panose="020B0604020202020204" pitchFamily="34" charset="0"/>
+                </a:endParaRPr>
+              </a:p>
+            </p:txBody>
+          </p:sp>
+          <p:sp>
+            <p:nvSpPr>
+              <p:cNvPr id="31" name="Freeform 30"/>
+              <p:cNvSpPr/>
+              <p:nvPr/>
+            </p:nvSpPr>
+            <p:spPr>
+              <a:xfrm>
+                <a:off x="5016500" y="1060450"/>
+                <a:ext cx="990600" cy="1316689"/>
+              </a:xfrm>
+              <a:custGeom>
+                <a:avLst/>
+                <a:gdLst>
+                  <a:gd name="connsiteX0" fmla="*/ 0 w 990600"/>
+                  <a:gd name="connsiteY0" fmla="*/ 0 h 1316689"/>
+                  <a:gd name="connsiteX1" fmla="*/ 215900 w 990600"/>
+                  <a:gd name="connsiteY1" fmla="*/ 1295400 h 1316689"/>
+                  <a:gd name="connsiteX2" fmla="*/ 298450 w 990600"/>
+                  <a:gd name="connsiteY2" fmla="*/ 831850 h 1316689"/>
+                  <a:gd name="connsiteX3" fmla="*/ 431800 w 990600"/>
+                  <a:gd name="connsiteY3" fmla="*/ 1181100 h 1316689"/>
+                  <a:gd name="connsiteX4" fmla="*/ 571500 w 990600"/>
+                  <a:gd name="connsiteY4" fmla="*/ 977900 h 1316689"/>
+                  <a:gd name="connsiteX5" fmla="*/ 635000 w 990600"/>
+                  <a:gd name="connsiteY5" fmla="*/ 1136650 h 1316689"/>
+                  <a:gd name="connsiteX6" fmla="*/ 838200 w 990600"/>
+                  <a:gd name="connsiteY6" fmla="*/ 1047750 h 1316689"/>
+                  <a:gd name="connsiteX7" fmla="*/ 990600 w 990600"/>
+                  <a:gd name="connsiteY7" fmla="*/ 1085850 h 1316689"/>
+                </a:gdLst>
+                <a:ahLst/>
+                <a:cxnLst>
+                  <a:cxn ang="0">
+                    <a:pos x="connsiteX0" y="connsiteY0"/>
+                  </a:cxn>
+                  <a:cxn ang="0">
+                    <a:pos x="connsiteX1" y="connsiteY1"/>
+                  </a:cxn>
+                  <a:cxn ang="0">
+                    <a:pos x="connsiteX2" y="connsiteY2"/>
+                  </a:cxn>
+                  <a:cxn ang="0">
+                    <a:pos x="connsiteX3" y="connsiteY3"/>
+                  </a:cxn>
+                  <a:cxn ang="0">
+                    <a:pos x="connsiteX4" y="connsiteY4"/>
+                  </a:cxn>
+                  <a:cxn ang="0">
+                    <a:pos x="connsiteX5" y="connsiteY5"/>
+                  </a:cxn>
+                  <a:cxn ang="0">
+                    <a:pos x="connsiteX6" y="connsiteY6"/>
+                  </a:cxn>
+                  <a:cxn ang="0">
+                    <a:pos x="connsiteX7" y="connsiteY7"/>
+                  </a:cxn>
+                </a:cxnLst>
+                <a:rect l="l" t="t" r="r" b="b"/>
+                <a:pathLst>
+                  <a:path w="990600" h="1316689">
+                    <a:moveTo>
+                      <a:pt x="0" y="0"/>
+                    </a:moveTo>
+                    <a:cubicBezTo>
+                      <a:pt x="83079" y="578379"/>
+                      <a:pt x="166158" y="1156758"/>
+                      <a:pt x="215900" y="1295400"/>
+                    </a:cubicBezTo>
+                    <a:cubicBezTo>
+                      <a:pt x="265642" y="1434042"/>
+                      <a:pt x="262467" y="850900"/>
+                      <a:pt x="298450" y="831850"/>
+                    </a:cubicBezTo>
+                    <a:cubicBezTo>
+                      <a:pt x="334433" y="812800"/>
+                      <a:pt x="386292" y="1156758"/>
+                      <a:pt x="431800" y="1181100"/>
+                    </a:cubicBezTo>
+                    <a:cubicBezTo>
+                      <a:pt x="477308" y="1205442"/>
+                      <a:pt x="537633" y="985308"/>
+                      <a:pt x="571500" y="977900"/>
+                    </a:cubicBezTo>
+                    <a:cubicBezTo>
+                      <a:pt x="605367" y="970492"/>
+                      <a:pt x="590550" y="1125008"/>
+                      <a:pt x="635000" y="1136650"/>
+                    </a:cubicBezTo>
+                    <a:cubicBezTo>
+                      <a:pt x="679450" y="1148292"/>
+                      <a:pt x="778933" y="1056217"/>
+                      <a:pt x="838200" y="1047750"/>
+                    </a:cubicBezTo>
+                    <a:cubicBezTo>
+                      <a:pt x="897467" y="1039283"/>
+                      <a:pt x="944033" y="1062566"/>
+                      <a:pt x="990600" y="1085850"/>
+                    </a:cubicBezTo>
+                  </a:path>
+                </a:pathLst>
+              </a:custGeom>
+              <a:noFill/>
+              <a:ln>
+                <a:solidFill>
+                  <a:schemeClr val="tx1"/>
+                </a:solidFill>
+              </a:ln>
+            </p:spPr>
+            <p:style>
+              <a:lnRef idx="2">
+                <a:schemeClr val="accent1">
+                  <a:shade val="50000"/>
+                </a:schemeClr>
+              </a:lnRef>
+              <a:fillRef idx="1">
+                <a:schemeClr val="accent1"/>
+              </a:fillRef>
+              <a:effectRef idx="0">
+                <a:schemeClr val="accent1"/>
+              </a:effectRef>
+              <a:fontRef idx="minor">
+                <a:schemeClr val="lt1"/>
+              </a:fontRef>
+            </p:style>
+            <p:txBody>
+              <a:bodyPr rtlCol="0" anchor="ctr"/>
+              <a:lstStyle/>
+              <a:p>
+                <a:pPr algn="ctr"/>
+                <a:endParaRPr lang="en-GB"/>
+              </a:p>
+            </p:txBody>
+          </p:sp>
+          <p:sp>
+            <p:nvSpPr>
+              <p:cNvPr id="33" name="TextBox 32"/>
+              <p:cNvSpPr txBox="1"/>
+              <p:nvPr/>
+            </p:nvSpPr>
+            <p:spPr>
+              <a:xfrm>
+                <a:off x="2293072" y="974681"/>
+                <a:ext cx="340158" cy="369332"/>
+              </a:xfrm>
+              <a:prstGeom prst="rect">
+                <a:avLst/>
+              </a:prstGeom>
+              <a:noFill/>
+            </p:spPr>
+            <p:txBody>
+              <a:bodyPr wrap="none" rtlCol="0">
+                <a:spAutoFit/>
+              </a:bodyPr>
+              <a:lstStyle/>
+              <a:p>
+                <a:r>
+                  <a:rPr lang="en-GB" dirty="0" smtClean="0">
+                    <a:latin typeface="Arial" panose="020B0604020202020204" pitchFamily="34" charset="0"/>
+                    <a:cs typeface="Arial" panose="020B0604020202020204" pitchFamily="34" charset="0"/>
+                  </a:rPr>
+                  <a:t>t</a:t>
+                </a:r>
+                <a:r>
+                  <a:rPr lang="en-GB" baseline="-25000" dirty="0" smtClean="0">
+                    <a:latin typeface="Arial" panose="020B0604020202020204" pitchFamily="34" charset="0"/>
+                    <a:cs typeface="Arial" panose="020B0604020202020204" pitchFamily="34" charset="0"/>
+                  </a:rPr>
+                  <a:t>1</a:t>
+                </a:r>
+                <a:endParaRPr lang="en-GB" baseline="-25000" dirty="0">
+                  <a:latin typeface="Arial" panose="020B0604020202020204" pitchFamily="34" charset="0"/>
+                  <a:cs typeface="Arial" panose="020B0604020202020204" pitchFamily="34" charset="0"/>
+                </a:endParaRPr>
+              </a:p>
+            </p:txBody>
+          </p:sp>
+        </p:grpSp>
+        <p:sp>
+          <p:nvSpPr>
+            <p:cNvPr id="35" name="TextBox 34"/>
+            <p:cNvSpPr txBox="1"/>
+            <p:nvPr/>
+          </p:nvSpPr>
+          <p:spPr>
+            <a:xfrm>
+              <a:off x="1676049" y="715590"/>
+              <a:ext cx="436338" cy="338554"/>
+            </a:xfrm>
+            <a:prstGeom prst="rect">
+              <a:avLst/>
+            </a:prstGeom>
+            <a:noFill/>
+          </p:spPr>
+          <p:txBody>
+            <a:bodyPr wrap="none" rtlCol="0">
+              <a:spAutoFit/>
+            </a:bodyPr>
+            <a:lstStyle/>
+            <a:p>
+              <a:r>
+                <a:rPr lang="en-GB" sz="1600" dirty="0" smtClean="0">
+                  <a:solidFill>
+                    <a:schemeClr val="accent1">
+                      <a:lumMod val="75000"/>
+                    </a:schemeClr>
+                  </a:solidFill>
+                  <a:latin typeface="Arial" panose="020B0604020202020204" pitchFamily="34" charset="0"/>
+                  <a:cs typeface="Arial" panose="020B0604020202020204" pitchFamily="34" charset="0"/>
+                </a:rPr>
+                <a:t>(1)</a:t>
+              </a:r>
+              <a:endParaRPr lang="en-GB" sz="1600" dirty="0">
+                <a:solidFill>
+                  <a:schemeClr val="accent1">
+                    <a:lumMod val="75000"/>
+                  </a:schemeClr>
+                </a:solidFill>
+                <a:latin typeface="Arial" panose="020B0604020202020204" pitchFamily="34" charset="0"/>
+                <a:cs typeface="Arial" panose="020B0604020202020204" pitchFamily="34" charset="0"/>
+              </a:endParaRPr>
+            </a:p>
+          </p:txBody>
+        </p:sp>
+        <p:sp>
+          <p:nvSpPr>
+            <p:cNvPr id="37" name="TextBox 36"/>
+            <p:cNvSpPr txBox="1"/>
+            <p:nvPr/>
+          </p:nvSpPr>
+          <p:spPr>
+            <a:xfrm>
+              <a:off x="1998829" y="713907"/>
+              <a:ext cx="474810" cy="338554"/>
+            </a:xfrm>
+            <a:prstGeom prst="rect">
+              <a:avLst/>
+            </a:prstGeom>
+            <a:noFill/>
+          </p:spPr>
+          <p:txBody>
+            <a:bodyPr wrap="none" rtlCol="0">
+              <a:spAutoFit/>
+            </a:bodyPr>
+            <a:lstStyle/>
+            <a:p>
+              <a:r>
+                <a:rPr lang="en-GB" sz="1600" dirty="0" smtClean="0">
+                  <a:solidFill>
+                    <a:schemeClr val="accent1">
+                      <a:lumMod val="75000"/>
+                    </a:schemeClr>
+                  </a:solidFill>
+                  <a:latin typeface="Arial" panose="020B0604020202020204" pitchFamily="34" charset="0"/>
+                  <a:cs typeface="Arial" panose="020B0604020202020204" pitchFamily="34" charset="0"/>
+                </a:rPr>
+                <a:t>(1')</a:t>
+              </a:r>
+              <a:endParaRPr lang="en-GB" sz="1600" dirty="0">
+                <a:solidFill>
+                  <a:schemeClr val="accent1">
+                    <a:lumMod val="75000"/>
+                  </a:schemeClr>
+                </a:solidFill>
+                <a:latin typeface="Arial" panose="020B0604020202020204" pitchFamily="34" charset="0"/>
+                <a:cs typeface="Arial" panose="020B0604020202020204" pitchFamily="34" charset="0"/>
+              </a:endParaRPr>
+            </a:p>
+          </p:txBody>
+        </p:sp>
+        <p:sp>
+          <p:nvSpPr>
+            <p:cNvPr id="38" name="Rectangle 37"/>
+            <p:cNvSpPr/>
+            <p:nvPr/>
+          </p:nvSpPr>
+          <p:spPr>
+            <a:xfrm>
+              <a:off x="2507373" y="714395"/>
+              <a:ext cx="436338" cy="338554"/>
+            </a:xfrm>
+            <a:prstGeom prst="rect">
+              <a:avLst/>
+            </a:prstGeom>
+          </p:spPr>
+          <p:txBody>
+            <a:bodyPr wrap="none">
+              <a:spAutoFit/>
+            </a:bodyPr>
+            <a:lstStyle/>
+            <a:p>
+              <a:r>
+                <a:rPr lang="en-GB" sz="1600" dirty="0" smtClean="0">
+                  <a:solidFill>
+                    <a:schemeClr val="accent1">
+                      <a:lumMod val="75000"/>
+                    </a:schemeClr>
+                  </a:solidFill>
+                  <a:latin typeface="Arial" panose="020B0604020202020204" pitchFamily="34" charset="0"/>
+                  <a:cs typeface="Arial" panose="020B0604020202020204" pitchFamily="34" charset="0"/>
+                </a:rPr>
+                <a:t>(2)</a:t>
+              </a:r>
+              <a:endParaRPr lang="en-GB" sz="1600" dirty="0">
+                <a:solidFill>
+                  <a:schemeClr val="accent1">
+                    <a:lumMod val="75000"/>
+                  </a:schemeClr>
+                </a:solidFill>
+                <a:latin typeface="Arial" panose="020B0604020202020204" pitchFamily="34" charset="0"/>
+                <a:cs typeface="Arial" panose="020B0604020202020204" pitchFamily="34" charset="0"/>
+              </a:endParaRPr>
+            </a:p>
+          </p:txBody>
+        </p:sp>
+        <p:sp>
+          <p:nvSpPr>
+            <p:cNvPr id="40" name="TextBox 39"/>
+            <p:cNvSpPr txBox="1"/>
+            <p:nvPr/>
+          </p:nvSpPr>
+          <p:spPr>
+            <a:xfrm>
+              <a:off x="2841061" y="717084"/>
+              <a:ext cx="474810" cy="338554"/>
+            </a:xfrm>
+            <a:prstGeom prst="rect">
+              <a:avLst/>
+            </a:prstGeom>
+            <a:noFill/>
+          </p:spPr>
+          <p:txBody>
+            <a:bodyPr wrap="none" rtlCol="0">
+              <a:spAutoFit/>
+            </a:bodyPr>
+            <a:lstStyle/>
+            <a:p>
+              <a:r>
+                <a:rPr lang="en-GB" sz="1600" dirty="0" smtClean="0">
+                  <a:solidFill>
+                    <a:schemeClr val="accent1">
+                      <a:lumMod val="75000"/>
+                    </a:schemeClr>
+                  </a:solidFill>
+                  <a:latin typeface="Arial" panose="020B0604020202020204" pitchFamily="34" charset="0"/>
+                  <a:cs typeface="Arial" panose="020B0604020202020204" pitchFamily="34" charset="0"/>
+                </a:rPr>
+                <a:t>(2')</a:t>
+              </a:r>
+              <a:endParaRPr lang="en-GB" sz="1600" dirty="0">
+                <a:solidFill>
+                  <a:schemeClr val="accent1">
+                    <a:lumMod val="75000"/>
+                  </a:schemeClr>
+                </a:solidFill>
+                <a:latin typeface="Arial" panose="020B0604020202020204" pitchFamily="34" charset="0"/>
+                <a:cs typeface="Arial" panose="020B0604020202020204" pitchFamily="34" charset="0"/>
+              </a:endParaRPr>
+            </a:p>
+          </p:txBody>
+        </p:sp>
+        <p:sp>
+          <p:nvSpPr>
+            <p:cNvPr id="41" name="Rectangle 40"/>
+            <p:cNvSpPr/>
+            <p:nvPr/>
+          </p:nvSpPr>
+          <p:spPr>
+            <a:xfrm>
+              <a:off x="4586321" y="711218"/>
+              <a:ext cx="436338" cy="338554"/>
+            </a:xfrm>
+            <a:prstGeom prst="rect">
+              <a:avLst/>
+            </a:prstGeom>
+          </p:spPr>
+          <p:txBody>
+            <a:bodyPr wrap="none">
+              <a:spAutoFit/>
+            </a:bodyPr>
+            <a:lstStyle/>
+            <a:p>
+              <a:r>
+                <a:rPr lang="en-GB" sz="1600" dirty="0" smtClean="0">
+                  <a:solidFill>
+                    <a:schemeClr val="accent1">
+                      <a:lumMod val="75000"/>
+                    </a:schemeClr>
+                  </a:solidFill>
+                  <a:latin typeface="Arial" panose="020B0604020202020204" pitchFamily="34" charset="0"/>
+                  <a:cs typeface="Arial" panose="020B0604020202020204" pitchFamily="34" charset="0"/>
+                </a:rPr>
+                <a:t>(3)</a:t>
+              </a:r>
+              <a:endParaRPr lang="en-GB" sz="1600" dirty="0">
+                <a:solidFill>
+                  <a:schemeClr val="accent1">
+                    <a:lumMod val="75000"/>
+                  </a:schemeClr>
+                </a:solidFill>
+                <a:latin typeface="Arial" panose="020B0604020202020204" pitchFamily="34" charset="0"/>
+                <a:cs typeface="Arial" panose="020B0604020202020204" pitchFamily="34" charset="0"/>
+              </a:endParaRPr>
+            </a:p>
+          </p:txBody>
+        </p:sp>
+        <p:sp>
+          <p:nvSpPr>
+            <p:cNvPr id="42" name="TextBox 41"/>
+            <p:cNvSpPr txBox="1"/>
+            <p:nvPr/>
+          </p:nvSpPr>
+          <p:spPr>
+            <a:xfrm>
+              <a:off x="4920009" y="713907"/>
+              <a:ext cx="474810" cy="338554"/>
+            </a:xfrm>
+            <a:prstGeom prst="rect">
+              <a:avLst/>
+            </a:prstGeom>
+            <a:noFill/>
+          </p:spPr>
+          <p:txBody>
+            <a:bodyPr wrap="none" rtlCol="0">
+              <a:spAutoFit/>
+            </a:bodyPr>
+            <a:lstStyle/>
+            <a:p>
+              <a:r>
+                <a:rPr lang="en-GB" sz="1600" dirty="0" smtClean="0">
+                  <a:solidFill>
+                    <a:schemeClr val="accent1">
+                      <a:lumMod val="75000"/>
+                    </a:schemeClr>
+                  </a:solidFill>
+                  <a:latin typeface="Arial" panose="020B0604020202020204" pitchFamily="34" charset="0"/>
+                  <a:cs typeface="Arial" panose="020B0604020202020204" pitchFamily="34" charset="0"/>
+                </a:rPr>
+                <a:t>(3')</a:t>
+              </a:r>
+              <a:endParaRPr lang="en-GB" sz="1600" dirty="0">
+                <a:solidFill>
+                  <a:schemeClr val="accent1">
+                    <a:lumMod val="75000"/>
+                  </a:schemeClr>
+                </a:solidFill>
+                <a:latin typeface="Arial" panose="020B0604020202020204" pitchFamily="34" charset="0"/>
+                <a:cs typeface="Arial" panose="020B0604020202020204" pitchFamily="34" charset="0"/>
+              </a:endParaRPr>
+            </a:p>
+          </p:txBody>
+        </p:sp>
+        <p:sp>
+          <p:nvSpPr>
+            <p:cNvPr id="43" name="TextBox 42"/>
+            <p:cNvSpPr txBox="1"/>
+            <p:nvPr/>
+          </p:nvSpPr>
+          <p:spPr>
+            <a:xfrm>
+              <a:off x="5617481" y="1658463"/>
+              <a:ext cx="436338" cy="338554"/>
+            </a:xfrm>
+            <a:prstGeom prst="rect">
+              <a:avLst/>
+            </a:prstGeom>
+            <a:noFill/>
+          </p:spPr>
+          <p:txBody>
+            <a:bodyPr wrap="none" rtlCol="0">
+              <a:spAutoFit/>
+            </a:bodyPr>
+            <a:lstStyle/>
+            <a:p>
+              <a:r>
+                <a:rPr lang="en-GB" sz="1600" dirty="0" smtClean="0">
+                  <a:solidFill>
+                    <a:schemeClr val="accent1">
+                      <a:lumMod val="75000"/>
+                    </a:schemeClr>
+                  </a:solidFill>
+                  <a:latin typeface="Arial" panose="020B0604020202020204" pitchFamily="34" charset="0"/>
+                  <a:cs typeface="Arial" panose="020B0604020202020204" pitchFamily="34" charset="0"/>
+                </a:rPr>
+                <a:t>(4)</a:t>
+              </a:r>
+              <a:endParaRPr lang="en-GB" sz="1600" dirty="0">
+                <a:solidFill>
+                  <a:schemeClr val="accent1">
+                    <a:lumMod val="75000"/>
+                  </a:schemeClr>
+                </a:solidFill>
+                <a:latin typeface="Arial" panose="020B0604020202020204" pitchFamily="34" charset="0"/>
+                <a:cs typeface="Arial" panose="020B0604020202020204" pitchFamily="34" charset="0"/>
+              </a:endParaRPr>
+            </a:p>
+          </p:txBody>
+        </p:sp>
+      </p:grpSp>
+      <p:grpSp>
+        <p:nvGrpSpPr>
+          <p:cNvPr id="100" name="Group 99"/>
+          <p:cNvGrpSpPr/>
+          <p:nvPr/>
+        </p:nvGrpSpPr>
+        <p:grpSpPr>
+          <a:xfrm>
+            <a:off x="1426314" y="2806655"/>
+            <a:ext cx="6341078" cy="3021039"/>
+            <a:chOff x="1426314" y="2806655"/>
+            <a:chExt cx="6341078" cy="3021039"/>
+          </a:xfrm>
+        </p:grpSpPr>
+        <p:grpSp>
+          <p:nvGrpSpPr>
+            <p:cNvPr id="78" name="Group 77"/>
+            <p:cNvGrpSpPr/>
+            <p:nvPr/>
+          </p:nvGrpSpPr>
+          <p:grpSpPr>
+            <a:xfrm>
+              <a:off x="1426314" y="2996206"/>
+              <a:ext cx="2972987" cy="2825173"/>
+              <a:chOff x="1426314" y="2996206"/>
+              <a:chExt cx="2972987" cy="2825173"/>
+            </a:xfrm>
+          </p:grpSpPr>
+          <p:grpSp>
+            <p:nvGrpSpPr>
+              <p:cNvPr id="57" name="Group 56"/>
+              <p:cNvGrpSpPr/>
+              <p:nvPr/>
+            </p:nvGrpSpPr>
+            <p:grpSpPr>
+              <a:xfrm>
+                <a:off x="1832931" y="2996206"/>
+                <a:ext cx="2566370" cy="2465737"/>
+                <a:chOff x="1832931" y="2996206"/>
+                <a:chExt cx="2566370" cy="2465737"/>
+              </a:xfrm>
+            </p:grpSpPr>
+            <p:grpSp>
+              <p:nvGrpSpPr>
+                <p:cNvPr id="49" name="Group 48"/>
+                <p:cNvGrpSpPr/>
+                <p:nvPr/>
+              </p:nvGrpSpPr>
+              <p:grpSpPr>
+                <a:xfrm>
+                  <a:off x="2023303" y="3436619"/>
+                  <a:ext cx="1984817" cy="1916705"/>
+                  <a:chOff x="1886143" y="3198679"/>
+                  <a:chExt cx="2322286" cy="2322286"/>
+                </a:xfrm>
+              </p:grpSpPr>
+              <p:cxnSp>
+                <p:nvCxnSpPr>
+                  <p:cNvPr id="46" name="Straight Arrow Connector 45"/>
+                  <p:cNvCxnSpPr/>
+                  <p:nvPr/>
+                </p:nvCxnSpPr>
+                <p:spPr>
+                  <a:xfrm flipV="1">
+                    <a:off x="1886143" y="3198679"/>
+                    <a:ext cx="0" cy="2322286"/>
+                  </a:xfrm>
+                  <a:prstGeom prst="straightConnector1">
+                    <a:avLst/>
+                  </a:prstGeom>
+                  <a:ln w="31750" cap="rnd">
+                    <a:solidFill>
+                      <a:schemeClr val="tx1"/>
+                    </a:solidFill>
+                    <a:tailEnd type="triangle" w="lg" len="lg"/>
+                  </a:ln>
+                </p:spPr>
+                <p:style>
+                  <a:lnRef idx="1">
+                    <a:schemeClr val="accent1"/>
+                  </a:lnRef>
+                  <a:fillRef idx="0">
+                    <a:schemeClr val="accent1"/>
+                  </a:fillRef>
+                  <a:effectRef idx="0">
+                    <a:schemeClr val="accent1"/>
+                  </a:effectRef>
+                  <a:fontRef idx="minor">
+                    <a:schemeClr val="tx1"/>
+                  </a:fontRef>
+                </p:style>
+              </p:cxnSp>
+              <p:cxnSp>
+                <p:nvCxnSpPr>
+                  <p:cNvPr id="48" name="Straight Arrow Connector 47"/>
+                  <p:cNvCxnSpPr/>
+                  <p:nvPr/>
+                </p:nvCxnSpPr>
+                <p:spPr>
+                  <a:xfrm rot="5400000" flipV="1">
+                    <a:off x="3047286" y="4359822"/>
+                    <a:ext cx="0" cy="2322286"/>
+                  </a:xfrm>
+                  <a:prstGeom prst="straightConnector1">
+                    <a:avLst/>
+                  </a:prstGeom>
+                  <a:ln w="31750" cap="rnd">
+                    <a:solidFill>
+                      <a:schemeClr val="tx1"/>
+                    </a:solidFill>
+                    <a:tailEnd type="triangle" w="lg" len="lg"/>
+                  </a:ln>
+                </p:spPr>
+                <p:style>
+                  <a:lnRef idx="1">
+                    <a:schemeClr val="accent1"/>
+                  </a:lnRef>
+                  <a:fillRef idx="0">
+                    <a:schemeClr val="accent1"/>
+                  </a:fillRef>
+                  <a:effectRef idx="0">
+                    <a:schemeClr val="accent1"/>
+                  </a:effectRef>
+                  <a:fontRef idx="minor">
+                    <a:schemeClr val="tx1"/>
+                  </a:fontRef>
+                </p:style>
+              </p:cxnSp>
+            </p:grpSp>
+            <p:sp>
+              <p:nvSpPr>
+                <p:cNvPr id="50" name="Oval 49"/>
+                <p:cNvSpPr/>
+                <p:nvPr/>
+              </p:nvSpPr>
+              <p:spPr>
+                <a:xfrm>
+                  <a:off x="2377440" y="4907280"/>
+                  <a:ext cx="129933" cy="144780"/>
+                </a:xfrm>
+                <a:prstGeom prst="ellipse">
+                  <a:avLst/>
+                </a:prstGeom>
+                <a:solidFill>
+                  <a:schemeClr val="tx1"/>
+                </a:solidFill>
+                <a:ln>
+                  <a:solidFill>
+                    <a:schemeClr val="tx1"/>
+                  </a:solidFill>
+                </a:ln>
+              </p:spPr>
+              <p:style>
+                <a:lnRef idx="2">
+                  <a:schemeClr val="accent1">
+                    <a:shade val="50000"/>
+                  </a:schemeClr>
+                </a:lnRef>
+                <a:fillRef idx="1">
+                  <a:schemeClr val="accent1"/>
+                </a:fillRef>
+                <a:effectRef idx="0">
+                  <a:schemeClr val="accent1"/>
+                </a:effectRef>
+                <a:fontRef idx="minor">
+                  <a:schemeClr val="lt1"/>
+                </a:fontRef>
+              </p:style>
+              <p:txBody>
+                <a:bodyPr rtlCol="0" anchor="ctr"/>
+                <a:lstStyle/>
+                <a:p>
+                  <a:pPr algn="ctr"/>
+                  <a:endParaRPr lang="en-GB"/>
+                </a:p>
+              </p:txBody>
+            </p:sp>
+            <p:sp>
+              <p:nvSpPr>
+                <p:cNvPr id="53" name="Oval 52"/>
+                <p:cNvSpPr/>
+                <p:nvPr/>
+              </p:nvSpPr>
+              <p:spPr>
+                <a:xfrm>
+                  <a:off x="3497580" y="3781146"/>
+                  <a:ext cx="129933" cy="144780"/>
+                </a:xfrm>
+                <a:prstGeom prst="ellipse">
+                  <a:avLst/>
+                </a:prstGeom>
+                <a:solidFill>
+                  <a:schemeClr val="tx1"/>
+                </a:solidFill>
+                <a:ln>
+                  <a:solidFill>
+                    <a:schemeClr val="tx1"/>
+                  </a:solidFill>
+                </a:ln>
+              </p:spPr>
+              <p:style>
+                <a:lnRef idx="2">
+                  <a:schemeClr val="accent1">
+                    <a:shade val="50000"/>
+                  </a:schemeClr>
+                </a:lnRef>
+                <a:fillRef idx="1">
+                  <a:schemeClr val="accent1"/>
+                </a:fillRef>
+                <a:effectRef idx="0">
+                  <a:schemeClr val="accent1"/>
+                </a:effectRef>
+                <a:fontRef idx="minor">
+                  <a:schemeClr val="lt1"/>
+                </a:fontRef>
+              </p:style>
+              <p:txBody>
+                <a:bodyPr rtlCol="0" anchor="ctr"/>
+                <a:lstStyle/>
+                <a:p>
+                  <a:pPr algn="ctr"/>
+                  <a:endParaRPr lang="en-GB"/>
+                </a:p>
+              </p:txBody>
+            </p:sp>
+            <p:sp>
+              <p:nvSpPr>
+                <p:cNvPr id="55" name="TextBox 54"/>
+                <p:cNvSpPr txBox="1"/>
+                <p:nvPr/>
+              </p:nvSpPr>
+              <p:spPr>
+                <a:xfrm>
+                  <a:off x="1832931" y="2996206"/>
+                  <a:ext cx="458780" cy="461665"/>
+                </a:xfrm>
+                <a:prstGeom prst="rect">
+                  <a:avLst/>
+                </a:prstGeom>
+                <a:noFill/>
+              </p:spPr>
+              <p:txBody>
+                <a:bodyPr wrap="none" rtlCol="0">
+                  <a:spAutoFit/>
+                </a:bodyPr>
+                <a:lstStyle/>
+                <a:p>
+                  <a:r>
+                    <a:rPr lang="en-GB" sz="2400" dirty="0" smtClean="0">
+                      <a:latin typeface="Symbol" panose="05050102010706020507" pitchFamily="18" charset="2"/>
+                      <a:cs typeface="Arial" panose="020B0604020202020204" pitchFamily="34" charset="0"/>
+                    </a:rPr>
+                    <a:t>n</a:t>
+                  </a:r>
+                  <a:r>
+                    <a:rPr lang="en-GB" sz="2400" baseline="-25000" dirty="0" smtClean="0">
+                      <a:latin typeface="Arial" panose="020B0604020202020204" pitchFamily="34" charset="0"/>
+                      <a:cs typeface="Arial" panose="020B0604020202020204" pitchFamily="34" charset="0"/>
+                    </a:rPr>
+                    <a:t>1</a:t>
+                  </a:r>
+                  <a:endParaRPr lang="en-GB" sz="2400" baseline="-25000" dirty="0">
+                    <a:latin typeface="Arial" panose="020B0604020202020204" pitchFamily="34" charset="0"/>
+                    <a:cs typeface="Arial" panose="020B0604020202020204" pitchFamily="34" charset="0"/>
+                  </a:endParaRPr>
+                </a:p>
+              </p:txBody>
+            </p:sp>
+            <p:sp>
+              <p:nvSpPr>
+                <p:cNvPr id="56" name="TextBox 55"/>
+                <p:cNvSpPr txBox="1"/>
+                <p:nvPr/>
+              </p:nvSpPr>
+              <p:spPr>
+                <a:xfrm>
+                  <a:off x="3940521" y="5000278"/>
+                  <a:ext cx="458780" cy="461665"/>
+                </a:xfrm>
+                <a:prstGeom prst="rect">
+                  <a:avLst/>
+                </a:prstGeom>
+                <a:noFill/>
+              </p:spPr>
+              <p:txBody>
+                <a:bodyPr wrap="none" rtlCol="0">
+                  <a:spAutoFit/>
+                </a:bodyPr>
+                <a:lstStyle/>
+                <a:p>
+                  <a:r>
+                    <a:rPr lang="en-GB" sz="2400" dirty="0" smtClean="0">
+                      <a:latin typeface="Symbol" panose="05050102010706020507" pitchFamily="18" charset="2"/>
+                      <a:cs typeface="Arial" panose="020B0604020202020204" pitchFamily="34" charset="0"/>
+                    </a:rPr>
+                    <a:t>n</a:t>
+                  </a:r>
+                  <a:r>
+                    <a:rPr lang="en-GB" sz="2400" baseline="-25000" dirty="0" smtClean="0">
+                      <a:latin typeface="Arial" panose="020B0604020202020204" pitchFamily="34" charset="0"/>
+                      <a:cs typeface="Arial" panose="020B0604020202020204" pitchFamily="34" charset="0"/>
+                    </a:rPr>
+                    <a:t>2</a:t>
+                  </a:r>
+                  <a:endParaRPr lang="en-GB" sz="2400" baseline="-25000" dirty="0">
+                    <a:latin typeface="Arial" panose="020B0604020202020204" pitchFamily="34" charset="0"/>
+                    <a:cs typeface="Arial" panose="020B0604020202020204" pitchFamily="34" charset="0"/>
+                  </a:endParaRPr>
+                </a:p>
+              </p:txBody>
+            </p:sp>
+          </p:grpSp>
+          <p:cxnSp>
+            <p:nvCxnSpPr>
+              <p:cNvPr id="70" name="Straight Connector 69"/>
+              <p:cNvCxnSpPr/>
+              <p:nvPr/>
+            </p:nvCxnSpPr>
+            <p:spPr>
+              <a:xfrm>
+                <a:off x="2459327" y="5249739"/>
+                <a:ext cx="0" cy="207169"/>
+              </a:xfrm>
+              <a:prstGeom prst="line">
+                <a:avLst/>
+              </a:prstGeom>
+              <a:ln w="34925" cap="rnd">
+                <a:solidFill>
+                  <a:schemeClr val="tx1"/>
+                </a:solidFill>
+              </a:ln>
+            </p:spPr>
+            <p:style>
+              <a:lnRef idx="1">
+                <a:schemeClr val="accent1"/>
+              </a:lnRef>
+              <a:fillRef idx="0">
+                <a:schemeClr val="accent1"/>
+              </a:fillRef>
+              <a:effectRef idx="0">
+                <a:schemeClr val="accent1"/>
+              </a:effectRef>
+              <a:fontRef idx="minor">
+                <a:schemeClr val="tx1"/>
+              </a:fontRef>
+            </p:style>
+          </p:cxnSp>
+          <p:cxnSp>
+            <p:nvCxnSpPr>
+              <p:cNvPr id="71" name="Straight Connector 70"/>
+              <p:cNvCxnSpPr/>
+              <p:nvPr/>
+            </p:nvCxnSpPr>
+            <p:spPr>
+              <a:xfrm>
+                <a:off x="3571567" y="5249739"/>
+                <a:ext cx="0" cy="207169"/>
+              </a:xfrm>
+              <a:prstGeom prst="line">
+                <a:avLst/>
+              </a:prstGeom>
+              <a:ln w="34925" cap="rnd">
+                <a:solidFill>
+                  <a:schemeClr val="tx1"/>
+                </a:solidFill>
+              </a:ln>
+            </p:spPr>
+            <p:style>
+              <a:lnRef idx="1">
+                <a:schemeClr val="accent1"/>
+              </a:lnRef>
+              <a:fillRef idx="0">
+                <a:schemeClr val="accent1"/>
+              </a:fillRef>
+              <a:effectRef idx="0">
+                <a:schemeClr val="accent1"/>
+              </a:effectRef>
+              <a:fontRef idx="minor">
+                <a:schemeClr val="tx1"/>
+              </a:fontRef>
+            </p:style>
+          </p:cxnSp>
+          <p:sp>
+            <p:nvSpPr>
+              <p:cNvPr id="72" name="TextBox 71"/>
+              <p:cNvSpPr txBox="1"/>
+              <p:nvPr/>
+            </p:nvSpPr>
+            <p:spPr>
+              <a:xfrm>
+                <a:off x="3330956" y="5359714"/>
+                <a:ext cx="481222" cy="461665"/>
+              </a:xfrm>
+              <a:prstGeom prst="rect">
+                <a:avLst/>
+              </a:prstGeom>
+              <a:noFill/>
+            </p:spPr>
+            <p:txBody>
+              <a:bodyPr wrap="none" rtlCol="0">
+                <a:spAutoFit/>
+              </a:bodyPr>
+              <a:lstStyle/>
+              <a:p>
+                <a:r>
+                  <a:rPr lang="en-GB" sz="2400" dirty="0" err="1" smtClean="0">
+                    <a:latin typeface="Symbol" panose="05050102010706020507" pitchFamily="18" charset="2"/>
+                    <a:cs typeface="Arial" panose="020B0604020202020204" pitchFamily="34" charset="0"/>
+                  </a:rPr>
+                  <a:t>n</a:t>
+                </a:r>
+                <a:r>
+                  <a:rPr lang="en-GB" sz="2400" baseline="-25000" dirty="0" err="1" smtClean="0">
+                    <a:latin typeface="Arial" panose="020B0604020202020204" pitchFamily="34" charset="0"/>
+                    <a:cs typeface="Arial" panose="020B0604020202020204" pitchFamily="34" charset="0"/>
+                  </a:rPr>
+                  <a:t>B</a:t>
+                </a:r>
+                <a:endParaRPr lang="en-GB" sz="2400" baseline="-25000" dirty="0">
+                  <a:latin typeface="Arial" panose="020B0604020202020204" pitchFamily="34" charset="0"/>
+                  <a:cs typeface="Arial" panose="020B0604020202020204" pitchFamily="34" charset="0"/>
+                </a:endParaRPr>
+              </a:p>
+            </p:txBody>
+          </p:sp>
+          <p:sp>
+            <p:nvSpPr>
+              <p:cNvPr id="73" name="TextBox 72"/>
+              <p:cNvSpPr txBox="1"/>
+              <p:nvPr/>
+            </p:nvSpPr>
+            <p:spPr>
+              <a:xfrm>
+                <a:off x="2253922" y="5353323"/>
+                <a:ext cx="481222" cy="461665"/>
+              </a:xfrm>
+              <a:prstGeom prst="rect">
+                <a:avLst/>
+              </a:prstGeom>
+              <a:noFill/>
+            </p:spPr>
+            <p:txBody>
+              <a:bodyPr wrap="none" rtlCol="0">
+                <a:spAutoFit/>
+              </a:bodyPr>
+              <a:lstStyle/>
+              <a:p>
+                <a:r>
+                  <a:rPr lang="en-GB" sz="2400" dirty="0" err="1" smtClean="0">
+                    <a:latin typeface="Symbol" panose="05050102010706020507" pitchFamily="18" charset="2"/>
+                    <a:cs typeface="Arial" panose="020B0604020202020204" pitchFamily="34" charset="0"/>
+                  </a:rPr>
+                  <a:t>n</a:t>
+                </a:r>
+                <a:r>
+                  <a:rPr lang="en-GB" sz="2400" baseline="-25000" dirty="0" err="1" smtClean="0">
+                    <a:latin typeface="Arial" panose="020B0604020202020204" pitchFamily="34" charset="0"/>
+                    <a:cs typeface="Arial" panose="020B0604020202020204" pitchFamily="34" charset="0"/>
+                  </a:rPr>
+                  <a:t>A</a:t>
+                </a:r>
+                <a:endParaRPr lang="en-GB" sz="2400" baseline="-25000" dirty="0">
+                  <a:latin typeface="Arial" panose="020B0604020202020204" pitchFamily="34" charset="0"/>
+                  <a:cs typeface="Arial" panose="020B0604020202020204" pitchFamily="34" charset="0"/>
+                </a:endParaRPr>
+              </a:p>
+            </p:txBody>
+          </p:sp>
+          <p:cxnSp>
+            <p:nvCxnSpPr>
+              <p:cNvPr id="74" name="Straight Connector 73"/>
+              <p:cNvCxnSpPr/>
+              <p:nvPr/>
+            </p:nvCxnSpPr>
+            <p:spPr>
+              <a:xfrm rot="16200000">
+                <a:off x="2014884" y="4870644"/>
+                <a:ext cx="0" cy="207169"/>
+              </a:xfrm>
+              <a:prstGeom prst="line">
+                <a:avLst/>
+              </a:prstGeom>
+              <a:ln w="34925" cap="rnd">
+                <a:solidFill>
+                  <a:schemeClr val="tx1"/>
+                </a:solidFill>
+              </a:ln>
+            </p:spPr>
+            <p:style>
+              <a:lnRef idx="1">
+                <a:schemeClr val="accent1"/>
+              </a:lnRef>
+              <a:fillRef idx="0">
+                <a:schemeClr val="accent1"/>
+              </a:fillRef>
+              <a:effectRef idx="0">
+                <a:schemeClr val="accent1"/>
+              </a:effectRef>
+              <a:fontRef idx="minor">
+                <a:schemeClr val="tx1"/>
+              </a:fontRef>
+            </p:style>
+          </p:cxnSp>
+          <p:cxnSp>
+            <p:nvCxnSpPr>
+              <p:cNvPr id="75" name="Straight Connector 74"/>
+              <p:cNvCxnSpPr/>
+              <p:nvPr/>
+            </p:nvCxnSpPr>
+            <p:spPr>
+              <a:xfrm rot="16200000">
+                <a:off x="2018328" y="3733382"/>
+                <a:ext cx="0" cy="207169"/>
+              </a:xfrm>
+              <a:prstGeom prst="line">
+                <a:avLst/>
+              </a:prstGeom>
+              <a:ln w="34925" cap="rnd">
+                <a:solidFill>
+                  <a:schemeClr val="tx1"/>
+                </a:solidFill>
+              </a:ln>
+            </p:spPr>
+            <p:style>
+              <a:lnRef idx="1">
+                <a:schemeClr val="accent1"/>
+              </a:lnRef>
+              <a:fillRef idx="0">
+                <a:schemeClr val="accent1"/>
+              </a:fillRef>
+              <a:effectRef idx="0">
+                <a:schemeClr val="accent1"/>
+              </a:effectRef>
+              <a:fontRef idx="minor">
+                <a:schemeClr val="tx1"/>
+              </a:fontRef>
+            </p:style>
+          </p:cxnSp>
+          <p:sp>
+            <p:nvSpPr>
+              <p:cNvPr id="76" name="TextBox 75"/>
+              <p:cNvSpPr txBox="1"/>
+              <p:nvPr/>
+            </p:nvSpPr>
+            <p:spPr>
+              <a:xfrm>
+                <a:off x="1457975" y="4676447"/>
+                <a:ext cx="481222" cy="461665"/>
+              </a:xfrm>
+              <a:prstGeom prst="rect">
+                <a:avLst/>
+              </a:prstGeom>
+              <a:noFill/>
+            </p:spPr>
+            <p:txBody>
+              <a:bodyPr wrap="none" rtlCol="0">
+                <a:spAutoFit/>
+              </a:bodyPr>
+              <a:lstStyle/>
+              <a:p>
+                <a:r>
+                  <a:rPr lang="en-GB" sz="2400" dirty="0" err="1" smtClean="0">
+                    <a:latin typeface="Symbol" panose="05050102010706020507" pitchFamily="18" charset="2"/>
+                    <a:cs typeface="Arial" panose="020B0604020202020204" pitchFamily="34" charset="0"/>
+                  </a:rPr>
+                  <a:t>n</a:t>
+                </a:r>
+                <a:r>
+                  <a:rPr lang="en-GB" sz="2400" baseline="-25000" dirty="0" err="1" smtClean="0">
+                    <a:latin typeface="Arial" panose="020B0604020202020204" pitchFamily="34" charset="0"/>
+                    <a:cs typeface="Arial" panose="020B0604020202020204" pitchFamily="34" charset="0"/>
+                  </a:rPr>
+                  <a:t>A</a:t>
+                </a:r>
+                <a:endParaRPr lang="en-GB" sz="2400" baseline="-25000" dirty="0">
+                  <a:latin typeface="Arial" panose="020B0604020202020204" pitchFamily="34" charset="0"/>
+                  <a:cs typeface="Arial" panose="020B0604020202020204" pitchFamily="34" charset="0"/>
+                </a:endParaRPr>
+              </a:p>
+            </p:txBody>
+          </p:sp>
+          <p:sp>
+            <p:nvSpPr>
+              <p:cNvPr id="77" name="TextBox 76"/>
+              <p:cNvSpPr txBox="1"/>
+              <p:nvPr/>
+            </p:nvSpPr>
+            <p:spPr>
+              <a:xfrm>
+                <a:off x="1426314" y="3550313"/>
+                <a:ext cx="481222" cy="461665"/>
+              </a:xfrm>
+              <a:prstGeom prst="rect">
+                <a:avLst/>
+              </a:prstGeom>
+              <a:noFill/>
+            </p:spPr>
+            <p:txBody>
+              <a:bodyPr wrap="none" rtlCol="0">
+                <a:spAutoFit/>
+              </a:bodyPr>
+              <a:lstStyle/>
+              <a:p>
+                <a:r>
+                  <a:rPr lang="en-GB" sz="2400" dirty="0" err="1" smtClean="0">
+                    <a:latin typeface="Symbol" panose="05050102010706020507" pitchFamily="18" charset="2"/>
+                    <a:cs typeface="Arial" panose="020B0604020202020204" pitchFamily="34" charset="0"/>
+                  </a:rPr>
+                  <a:t>n</a:t>
+                </a:r>
+                <a:r>
+                  <a:rPr lang="en-GB" sz="2400" baseline="-25000" dirty="0" err="1" smtClean="0">
+                    <a:latin typeface="Arial" panose="020B0604020202020204" pitchFamily="34" charset="0"/>
+                    <a:cs typeface="Arial" panose="020B0604020202020204" pitchFamily="34" charset="0"/>
+                  </a:rPr>
+                  <a:t>B</a:t>
+                </a:r>
+                <a:endParaRPr lang="en-GB" sz="2400" baseline="-25000" dirty="0">
+                  <a:latin typeface="Arial" panose="020B0604020202020204" pitchFamily="34" charset="0"/>
+                  <a:cs typeface="Arial" panose="020B0604020202020204" pitchFamily="34" charset="0"/>
+                </a:endParaRPr>
+              </a:p>
+            </p:txBody>
+          </p:sp>
+        </p:grpSp>
+        <p:grpSp>
+          <p:nvGrpSpPr>
+            <p:cNvPr id="79" name="Group 78"/>
+            <p:cNvGrpSpPr/>
+            <p:nvPr/>
+          </p:nvGrpSpPr>
+          <p:grpSpPr>
+            <a:xfrm>
+              <a:off x="4794405" y="3002521"/>
+              <a:ext cx="2972987" cy="2825173"/>
+              <a:chOff x="1426314" y="2996206"/>
+              <a:chExt cx="2972987" cy="2825173"/>
+            </a:xfrm>
+          </p:grpSpPr>
+          <p:grpSp>
+            <p:nvGrpSpPr>
+              <p:cNvPr id="80" name="Group 79"/>
+              <p:cNvGrpSpPr/>
+              <p:nvPr/>
+            </p:nvGrpSpPr>
+            <p:grpSpPr>
+              <a:xfrm>
+                <a:off x="1832931" y="2996206"/>
+                <a:ext cx="2566370" cy="2465737"/>
+                <a:chOff x="1832931" y="2996206"/>
+                <a:chExt cx="2566370" cy="2465737"/>
+              </a:xfrm>
+            </p:grpSpPr>
+            <p:grpSp>
+              <p:nvGrpSpPr>
+                <p:cNvPr id="89" name="Group 88"/>
+                <p:cNvGrpSpPr/>
+                <p:nvPr/>
+              </p:nvGrpSpPr>
+              <p:grpSpPr>
+                <a:xfrm>
+                  <a:off x="2023303" y="3436619"/>
+                  <a:ext cx="1984817" cy="1916705"/>
+                  <a:chOff x="1886143" y="3198679"/>
+                  <a:chExt cx="2322286" cy="2322286"/>
+                </a:xfrm>
+              </p:grpSpPr>
+              <p:cxnSp>
+                <p:nvCxnSpPr>
+                  <p:cNvPr id="96" name="Straight Arrow Connector 95"/>
+                  <p:cNvCxnSpPr/>
+                  <p:nvPr/>
+                </p:nvCxnSpPr>
+                <p:spPr>
+                  <a:xfrm flipV="1">
+                    <a:off x="1886143" y="3198679"/>
+                    <a:ext cx="0" cy="2322286"/>
+                  </a:xfrm>
+                  <a:prstGeom prst="straightConnector1">
+                    <a:avLst/>
+                  </a:prstGeom>
+                  <a:ln w="31750" cap="rnd">
+                    <a:solidFill>
+                      <a:schemeClr val="tx1"/>
+                    </a:solidFill>
+                    <a:tailEnd type="triangle" w="lg" len="lg"/>
+                  </a:ln>
+                </p:spPr>
+                <p:style>
+                  <a:lnRef idx="1">
+                    <a:schemeClr val="accent1"/>
+                  </a:lnRef>
+                  <a:fillRef idx="0">
+                    <a:schemeClr val="accent1"/>
+                  </a:fillRef>
+                  <a:effectRef idx="0">
+                    <a:schemeClr val="accent1"/>
+                  </a:effectRef>
+                  <a:fontRef idx="minor">
+                    <a:schemeClr val="tx1"/>
+                  </a:fontRef>
+                </p:style>
+              </p:cxnSp>
+              <p:cxnSp>
+                <p:nvCxnSpPr>
+                  <p:cNvPr id="97" name="Straight Arrow Connector 96"/>
+                  <p:cNvCxnSpPr/>
+                  <p:nvPr/>
+                </p:nvCxnSpPr>
+                <p:spPr>
+                  <a:xfrm rot="5400000" flipV="1">
+                    <a:off x="3047286" y="4359822"/>
+                    <a:ext cx="0" cy="2322286"/>
+                  </a:xfrm>
+                  <a:prstGeom prst="straightConnector1">
+                    <a:avLst/>
+                  </a:prstGeom>
+                  <a:ln w="31750" cap="rnd">
+                    <a:solidFill>
+                      <a:schemeClr val="tx1"/>
+                    </a:solidFill>
+                    <a:tailEnd type="triangle" w="lg" len="lg"/>
+                  </a:ln>
+                </p:spPr>
+                <p:style>
+                  <a:lnRef idx="1">
+                    <a:schemeClr val="accent1"/>
+                  </a:lnRef>
+                  <a:fillRef idx="0">
+                    <a:schemeClr val="accent1"/>
+                  </a:fillRef>
+                  <a:effectRef idx="0">
+                    <a:schemeClr val="accent1"/>
+                  </a:effectRef>
+                  <a:fontRef idx="minor">
+                    <a:schemeClr val="tx1"/>
+                  </a:fontRef>
+                </p:style>
+              </p:cxnSp>
+            </p:grpSp>
+            <p:sp>
+              <p:nvSpPr>
+                <p:cNvPr id="90" name="Oval 89"/>
+                <p:cNvSpPr/>
+                <p:nvPr/>
+              </p:nvSpPr>
+              <p:spPr>
+                <a:xfrm>
+                  <a:off x="2377440" y="4907280"/>
+                  <a:ext cx="129933" cy="144780"/>
+                </a:xfrm>
+                <a:prstGeom prst="ellipse">
+                  <a:avLst/>
+                </a:prstGeom>
+                <a:solidFill>
+                  <a:schemeClr val="tx1"/>
+                </a:solidFill>
+                <a:ln>
+                  <a:solidFill>
+                    <a:schemeClr val="tx1"/>
+                  </a:solidFill>
+                </a:ln>
+              </p:spPr>
+              <p:style>
+                <a:lnRef idx="2">
+                  <a:schemeClr val="accent1">
+                    <a:shade val="50000"/>
+                  </a:schemeClr>
+                </a:lnRef>
+                <a:fillRef idx="1">
+                  <a:schemeClr val="accent1"/>
+                </a:fillRef>
+                <a:effectRef idx="0">
+                  <a:schemeClr val="accent1"/>
+                </a:effectRef>
+                <a:fontRef idx="minor">
+                  <a:schemeClr val="lt1"/>
+                </a:fontRef>
+              </p:style>
+              <p:txBody>
+                <a:bodyPr rtlCol="0" anchor="ctr"/>
+                <a:lstStyle/>
+                <a:p>
+                  <a:pPr algn="ctr"/>
+                  <a:endParaRPr lang="en-GB"/>
+                </a:p>
+              </p:txBody>
+            </p:sp>
+            <p:sp>
+              <p:nvSpPr>
+                <p:cNvPr id="91" name="Oval 90"/>
+                <p:cNvSpPr/>
+                <p:nvPr/>
+              </p:nvSpPr>
+              <p:spPr>
+                <a:xfrm>
+                  <a:off x="3497580" y="4907280"/>
+                  <a:ext cx="129933" cy="144780"/>
+                </a:xfrm>
+                <a:prstGeom prst="ellipse">
+                  <a:avLst/>
+                </a:prstGeom>
+                <a:solidFill>
+                  <a:schemeClr val="tx1"/>
+                </a:solidFill>
+                <a:ln>
+                  <a:solidFill>
+                    <a:schemeClr val="tx1"/>
+                  </a:solidFill>
+                </a:ln>
+              </p:spPr>
+              <p:style>
+                <a:lnRef idx="2">
+                  <a:schemeClr val="accent1">
+                    <a:shade val="50000"/>
+                  </a:schemeClr>
+                </a:lnRef>
+                <a:fillRef idx="1">
+                  <a:schemeClr val="accent1"/>
+                </a:fillRef>
+                <a:effectRef idx="0">
+                  <a:schemeClr val="accent1"/>
+                </a:effectRef>
+                <a:fontRef idx="minor">
+                  <a:schemeClr val="lt1"/>
+                </a:fontRef>
+              </p:style>
+              <p:txBody>
+                <a:bodyPr rtlCol="0" anchor="ctr"/>
+                <a:lstStyle/>
+                <a:p>
+                  <a:pPr algn="ctr"/>
+                  <a:endParaRPr lang="en-GB"/>
+                </a:p>
+              </p:txBody>
+            </p:sp>
+            <p:sp>
+              <p:nvSpPr>
+                <p:cNvPr id="92" name="Oval 91"/>
+                <p:cNvSpPr/>
+                <p:nvPr/>
+              </p:nvSpPr>
+              <p:spPr>
+                <a:xfrm>
+                  <a:off x="2377440" y="3781146"/>
+                  <a:ext cx="129933" cy="144780"/>
+                </a:xfrm>
+                <a:prstGeom prst="ellipse">
+                  <a:avLst/>
+                </a:prstGeom>
+                <a:solidFill>
+                  <a:schemeClr val="tx1"/>
+                </a:solidFill>
+                <a:ln>
+                  <a:solidFill>
+                    <a:schemeClr val="tx1"/>
+                  </a:solidFill>
+                </a:ln>
+              </p:spPr>
+              <p:style>
+                <a:lnRef idx="2">
+                  <a:schemeClr val="accent1">
+                    <a:shade val="50000"/>
+                  </a:schemeClr>
+                </a:lnRef>
+                <a:fillRef idx="1">
+                  <a:schemeClr val="accent1"/>
+                </a:fillRef>
+                <a:effectRef idx="0">
+                  <a:schemeClr val="accent1"/>
+                </a:effectRef>
+                <a:fontRef idx="minor">
+                  <a:schemeClr val="lt1"/>
+                </a:fontRef>
+              </p:style>
+              <p:txBody>
+                <a:bodyPr rtlCol="0" anchor="ctr"/>
+                <a:lstStyle/>
+                <a:p>
+                  <a:pPr algn="ctr"/>
+                  <a:endParaRPr lang="en-GB"/>
+                </a:p>
+              </p:txBody>
+            </p:sp>
+            <p:sp>
+              <p:nvSpPr>
+                <p:cNvPr id="93" name="Oval 92"/>
+                <p:cNvSpPr/>
+                <p:nvPr/>
+              </p:nvSpPr>
+              <p:spPr>
+                <a:xfrm>
+                  <a:off x="3497580" y="3781146"/>
+                  <a:ext cx="129933" cy="144780"/>
+                </a:xfrm>
+                <a:prstGeom prst="ellipse">
+                  <a:avLst/>
+                </a:prstGeom>
+                <a:solidFill>
+                  <a:schemeClr val="tx1"/>
+                </a:solidFill>
+                <a:ln>
+                  <a:solidFill>
+                    <a:schemeClr val="tx1"/>
+                  </a:solidFill>
+                </a:ln>
+              </p:spPr>
+              <p:style>
+                <a:lnRef idx="2">
+                  <a:schemeClr val="accent1">
+                    <a:shade val="50000"/>
+                  </a:schemeClr>
+                </a:lnRef>
+                <a:fillRef idx="1">
+                  <a:schemeClr val="accent1"/>
+                </a:fillRef>
+                <a:effectRef idx="0">
+                  <a:schemeClr val="accent1"/>
+                </a:effectRef>
+                <a:fontRef idx="minor">
+                  <a:schemeClr val="lt1"/>
+                </a:fontRef>
+              </p:style>
+              <p:txBody>
+                <a:bodyPr rtlCol="0" anchor="ctr"/>
+                <a:lstStyle/>
+                <a:p>
+                  <a:pPr algn="ctr"/>
+                  <a:endParaRPr lang="en-GB"/>
+                </a:p>
+              </p:txBody>
+            </p:sp>
+            <p:sp>
+              <p:nvSpPr>
+                <p:cNvPr id="94" name="TextBox 93"/>
+                <p:cNvSpPr txBox="1"/>
+                <p:nvPr/>
+              </p:nvSpPr>
+              <p:spPr>
+                <a:xfrm>
+                  <a:off x="1832931" y="2996206"/>
+                  <a:ext cx="458780" cy="461665"/>
+                </a:xfrm>
+                <a:prstGeom prst="rect">
+                  <a:avLst/>
+                </a:prstGeom>
+                <a:noFill/>
+              </p:spPr>
+              <p:txBody>
+                <a:bodyPr wrap="none" rtlCol="0">
+                  <a:spAutoFit/>
+                </a:bodyPr>
+                <a:lstStyle/>
+                <a:p>
+                  <a:r>
+                    <a:rPr lang="en-GB" sz="2400" dirty="0" smtClean="0">
+                      <a:latin typeface="Symbol" panose="05050102010706020507" pitchFamily="18" charset="2"/>
+                      <a:cs typeface="Arial" panose="020B0604020202020204" pitchFamily="34" charset="0"/>
+                    </a:rPr>
+                    <a:t>n</a:t>
+                  </a:r>
+                  <a:r>
+                    <a:rPr lang="en-GB" sz="2400" baseline="-25000" dirty="0" smtClean="0">
+                      <a:latin typeface="Arial" panose="020B0604020202020204" pitchFamily="34" charset="0"/>
+                      <a:cs typeface="Arial" panose="020B0604020202020204" pitchFamily="34" charset="0"/>
+                    </a:rPr>
+                    <a:t>1</a:t>
+                  </a:r>
+                  <a:endParaRPr lang="en-GB" sz="2400" baseline="-25000" dirty="0">
+                    <a:latin typeface="Arial" panose="020B0604020202020204" pitchFamily="34" charset="0"/>
+                    <a:cs typeface="Arial" panose="020B0604020202020204" pitchFamily="34" charset="0"/>
+                  </a:endParaRPr>
+                </a:p>
+              </p:txBody>
+            </p:sp>
+            <p:sp>
+              <p:nvSpPr>
+                <p:cNvPr id="95" name="TextBox 94"/>
+                <p:cNvSpPr txBox="1"/>
+                <p:nvPr/>
+              </p:nvSpPr>
+              <p:spPr>
+                <a:xfrm>
+                  <a:off x="3940521" y="5000278"/>
+                  <a:ext cx="458780" cy="461665"/>
+                </a:xfrm>
+                <a:prstGeom prst="rect">
+                  <a:avLst/>
+                </a:prstGeom>
+                <a:noFill/>
+              </p:spPr>
+              <p:txBody>
+                <a:bodyPr wrap="none" rtlCol="0">
+                  <a:spAutoFit/>
+                </a:bodyPr>
+                <a:lstStyle/>
+                <a:p>
+                  <a:r>
+                    <a:rPr lang="en-GB" sz="2400" dirty="0" smtClean="0">
+                      <a:latin typeface="Symbol" panose="05050102010706020507" pitchFamily="18" charset="2"/>
+                      <a:cs typeface="Arial" panose="020B0604020202020204" pitchFamily="34" charset="0"/>
+                    </a:rPr>
+                    <a:t>n</a:t>
+                  </a:r>
+                  <a:r>
+                    <a:rPr lang="en-GB" sz="2400" baseline="-25000" dirty="0" smtClean="0">
+                      <a:latin typeface="Arial" panose="020B0604020202020204" pitchFamily="34" charset="0"/>
+                      <a:cs typeface="Arial" panose="020B0604020202020204" pitchFamily="34" charset="0"/>
+                    </a:rPr>
+                    <a:t>2</a:t>
+                  </a:r>
+                  <a:endParaRPr lang="en-GB" sz="2400" baseline="-25000" dirty="0">
+                    <a:latin typeface="Arial" panose="020B0604020202020204" pitchFamily="34" charset="0"/>
+                    <a:cs typeface="Arial" panose="020B0604020202020204" pitchFamily="34" charset="0"/>
+                  </a:endParaRPr>
+                </a:p>
+              </p:txBody>
+            </p:sp>
+          </p:grpSp>
+          <p:cxnSp>
+            <p:nvCxnSpPr>
+              <p:cNvPr id="81" name="Straight Connector 80"/>
+              <p:cNvCxnSpPr/>
+              <p:nvPr/>
+            </p:nvCxnSpPr>
+            <p:spPr>
+              <a:xfrm>
+                <a:off x="2459327" y="5249739"/>
+                <a:ext cx="0" cy="207169"/>
+              </a:xfrm>
+              <a:prstGeom prst="line">
+                <a:avLst/>
+              </a:prstGeom>
+              <a:ln w="34925" cap="rnd">
+                <a:solidFill>
+                  <a:schemeClr val="tx1"/>
+                </a:solidFill>
+              </a:ln>
+            </p:spPr>
+            <p:style>
+              <a:lnRef idx="1">
+                <a:schemeClr val="accent1"/>
+              </a:lnRef>
+              <a:fillRef idx="0">
+                <a:schemeClr val="accent1"/>
+              </a:fillRef>
+              <a:effectRef idx="0">
+                <a:schemeClr val="accent1"/>
+              </a:effectRef>
+              <a:fontRef idx="minor">
+                <a:schemeClr val="tx1"/>
+              </a:fontRef>
+            </p:style>
+          </p:cxnSp>
+          <p:cxnSp>
+            <p:nvCxnSpPr>
+              <p:cNvPr id="82" name="Straight Connector 81"/>
+              <p:cNvCxnSpPr/>
+              <p:nvPr/>
+            </p:nvCxnSpPr>
+            <p:spPr>
+              <a:xfrm>
+                <a:off x="3571567" y="5249739"/>
+                <a:ext cx="0" cy="207169"/>
+              </a:xfrm>
+              <a:prstGeom prst="line">
+                <a:avLst/>
+              </a:prstGeom>
+              <a:ln w="34925" cap="rnd">
+                <a:solidFill>
+                  <a:schemeClr val="tx1"/>
+                </a:solidFill>
+              </a:ln>
+            </p:spPr>
+            <p:style>
+              <a:lnRef idx="1">
+                <a:schemeClr val="accent1"/>
+              </a:lnRef>
+              <a:fillRef idx="0">
+                <a:schemeClr val="accent1"/>
+              </a:fillRef>
+              <a:effectRef idx="0">
+                <a:schemeClr val="accent1"/>
+              </a:effectRef>
+              <a:fontRef idx="minor">
+                <a:schemeClr val="tx1"/>
+              </a:fontRef>
+            </p:style>
+          </p:cxnSp>
+          <p:sp>
+            <p:nvSpPr>
+              <p:cNvPr id="83" name="TextBox 82"/>
+              <p:cNvSpPr txBox="1"/>
+              <p:nvPr/>
+            </p:nvSpPr>
+            <p:spPr>
+              <a:xfrm>
+                <a:off x="3330956" y="5359714"/>
+                <a:ext cx="481222" cy="461665"/>
+              </a:xfrm>
+              <a:prstGeom prst="rect">
+                <a:avLst/>
+              </a:prstGeom>
+              <a:noFill/>
+            </p:spPr>
+            <p:txBody>
+              <a:bodyPr wrap="none" rtlCol="0">
+                <a:spAutoFit/>
+              </a:bodyPr>
+              <a:lstStyle/>
+              <a:p>
+                <a:r>
+                  <a:rPr lang="en-GB" sz="2400" dirty="0" err="1" smtClean="0">
+                    <a:latin typeface="Symbol" panose="05050102010706020507" pitchFamily="18" charset="2"/>
+                    <a:cs typeface="Arial" panose="020B0604020202020204" pitchFamily="34" charset="0"/>
+                  </a:rPr>
+                  <a:t>n</a:t>
+                </a:r>
+                <a:r>
+                  <a:rPr lang="en-GB" sz="2400" baseline="-25000" dirty="0" err="1" smtClean="0">
+                    <a:latin typeface="Arial" panose="020B0604020202020204" pitchFamily="34" charset="0"/>
+                    <a:cs typeface="Arial" panose="020B0604020202020204" pitchFamily="34" charset="0"/>
+                  </a:rPr>
+                  <a:t>B</a:t>
+                </a:r>
+                <a:endParaRPr lang="en-GB" sz="2400" baseline="-25000" dirty="0">
+                  <a:latin typeface="Arial" panose="020B0604020202020204" pitchFamily="34" charset="0"/>
+                  <a:cs typeface="Arial" panose="020B0604020202020204" pitchFamily="34" charset="0"/>
+                </a:endParaRPr>
+              </a:p>
+            </p:txBody>
+          </p:sp>
+          <p:sp>
+            <p:nvSpPr>
+              <p:cNvPr id="84" name="TextBox 83"/>
+              <p:cNvSpPr txBox="1"/>
+              <p:nvPr/>
+            </p:nvSpPr>
+            <p:spPr>
+              <a:xfrm>
+                <a:off x="2253922" y="5353323"/>
+                <a:ext cx="481222" cy="461665"/>
+              </a:xfrm>
+              <a:prstGeom prst="rect">
+                <a:avLst/>
+              </a:prstGeom>
+              <a:noFill/>
+            </p:spPr>
+            <p:txBody>
+              <a:bodyPr wrap="none" rtlCol="0">
+                <a:spAutoFit/>
+              </a:bodyPr>
+              <a:lstStyle/>
+              <a:p>
+                <a:r>
+                  <a:rPr lang="en-GB" sz="2400" dirty="0" err="1" smtClean="0">
+                    <a:latin typeface="Symbol" panose="05050102010706020507" pitchFamily="18" charset="2"/>
+                    <a:cs typeface="Arial" panose="020B0604020202020204" pitchFamily="34" charset="0"/>
+                  </a:rPr>
+                  <a:t>n</a:t>
+                </a:r>
+                <a:r>
+                  <a:rPr lang="en-GB" sz="2400" baseline="-25000" dirty="0" err="1" smtClean="0">
+                    <a:latin typeface="Arial" panose="020B0604020202020204" pitchFamily="34" charset="0"/>
+                    <a:cs typeface="Arial" panose="020B0604020202020204" pitchFamily="34" charset="0"/>
+                  </a:rPr>
+                  <a:t>A</a:t>
+                </a:r>
+                <a:endParaRPr lang="en-GB" sz="2400" baseline="-25000" dirty="0">
+                  <a:latin typeface="Arial" panose="020B0604020202020204" pitchFamily="34" charset="0"/>
+                  <a:cs typeface="Arial" panose="020B0604020202020204" pitchFamily="34" charset="0"/>
+                </a:endParaRPr>
+              </a:p>
+            </p:txBody>
+          </p:sp>
+          <p:cxnSp>
+            <p:nvCxnSpPr>
+              <p:cNvPr id="85" name="Straight Connector 84"/>
+              <p:cNvCxnSpPr/>
+              <p:nvPr/>
+            </p:nvCxnSpPr>
+            <p:spPr>
+              <a:xfrm rot="16200000">
+                <a:off x="2014884" y="4870644"/>
+                <a:ext cx="0" cy="207169"/>
+              </a:xfrm>
+              <a:prstGeom prst="line">
+                <a:avLst/>
+              </a:prstGeom>
+              <a:ln w="34925" cap="rnd">
+                <a:solidFill>
+                  <a:schemeClr val="tx1"/>
+                </a:solidFill>
+              </a:ln>
+            </p:spPr>
+            <p:style>
+              <a:lnRef idx="1">
+                <a:schemeClr val="accent1"/>
+              </a:lnRef>
+              <a:fillRef idx="0">
+                <a:schemeClr val="accent1"/>
+              </a:fillRef>
+              <a:effectRef idx="0">
+                <a:schemeClr val="accent1"/>
+              </a:effectRef>
+              <a:fontRef idx="minor">
+                <a:schemeClr val="tx1"/>
+              </a:fontRef>
+            </p:style>
+          </p:cxnSp>
+          <p:cxnSp>
+            <p:nvCxnSpPr>
+              <p:cNvPr id="86" name="Straight Connector 85"/>
+              <p:cNvCxnSpPr/>
+              <p:nvPr/>
+            </p:nvCxnSpPr>
+            <p:spPr>
+              <a:xfrm rot="16200000">
+                <a:off x="2018328" y="3733382"/>
+                <a:ext cx="0" cy="207169"/>
+              </a:xfrm>
+              <a:prstGeom prst="line">
+                <a:avLst/>
+              </a:prstGeom>
+              <a:ln w="34925" cap="rnd">
+                <a:solidFill>
+                  <a:schemeClr val="tx1"/>
+                </a:solidFill>
+              </a:ln>
+            </p:spPr>
+            <p:style>
+              <a:lnRef idx="1">
+                <a:schemeClr val="accent1"/>
+              </a:lnRef>
+              <a:fillRef idx="0">
+                <a:schemeClr val="accent1"/>
+              </a:fillRef>
+              <a:effectRef idx="0">
+                <a:schemeClr val="accent1"/>
+              </a:effectRef>
+              <a:fontRef idx="minor">
+                <a:schemeClr val="tx1"/>
+              </a:fontRef>
+            </p:style>
+          </p:cxnSp>
+          <p:sp>
+            <p:nvSpPr>
+              <p:cNvPr id="87" name="TextBox 86"/>
+              <p:cNvSpPr txBox="1"/>
+              <p:nvPr/>
+            </p:nvSpPr>
+            <p:spPr>
+              <a:xfrm>
+                <a:off x="1457975" y="4676447"/>
+                <a:ext cx="481222" cy="461665"/>
+              </a:xfrm>
+              <a:prstGeom prst="rect">
+                <a:avLst/>
+              </a:prstGeom>
+              <a:noFill/>
+            </p:spPr>
+            <p:txBody>
+              <a:bodyPr wrap="none" rtlCol="0">
+                <a:spAutoFit/>
+              </a:bodyPr>
+              <a:lstStyle/>
+              <a:p>
+                <a:r>
+                  <a:rPr lang="en-GB" sz="2400" dirty="0" err="1" smtClean="0">
+                    <a:latin typeface="Symbol" panose="05050102010706020507" pitchFamily="18" charset="2"/>
+                    <a:cs typeface="Arial" panose="020B0604020202020204" pitchFamily="34" charset="0"/>
+                  </a:rPr>
+                  <a:t>n</a:t>
+                </a:r>
+                <a:r>
+                  <a:rPr lang="en-GB" sz="2400" baseline="-25000" dirty="0" err="1" smtClean="0">
+                    <a:latin typeface="Arial" panose="020B0604020202020204" pitchFamily="34" charset="0"/>
+                    <a:cs typeface="Arial" panose="020B0604020202020204" pitchFamily="34" charset="0"/>
+                  </a:rPr>
+                  <a:t>A</a:t>
+                </a:r>
+                <a:endParaRPr lang="en-GB" sz="2400" baseline="-25000" dirty="0">
+                  <a:latin typeface="Arial" panose="020B0604020202020204" pitchFamily="34" charset="0"/>
+                  <a:cs typeface="Arial" panose="020B0604020202020204" pitchFamily="34" charset="0"/>
+                </a:endParaRPr>
+              </a:p>
+            </p:txBody>
+          </p:sp>
+          <p:sp>
+            <p:nvSpPr>
+              <p:cNvPr id="88" name="TextBox 87"/>
+              <p:cNvSpPr txBox="1"/>
+              <p:nvPr/>
+            </p:nvSpPr>
+            <p:spPr>
+              <a:xfrm>
+                <a:off x="1426314" y="3550313"/>
+                <a:ext cx="481222" cy="461665"/>
+              </a:xfrm>
+              <a:prstGeom prst="rect">
+                <a:avLst/>
+              </a:prstGeom>
+              <a:noFill/>
+            </p:spPr>
+            <p:txBody>
+              <a:bodyPr wrap="none" rtlCol="0">
+                <a:spAutoFit/>
+              </a:bodyPr>
+              <a:lstStyle/>
+              <a:p>
+                <a:r>
+                  <a:rPr lang="en-GB" sz="2400" dirty="0" err="1" smtClean="0">
+                    <a:latin typeface="Symbol" panose="05050102010706020507" pitchFamily="18" charset="2"/>
+                    <a:cs typeface="Arial" panose="020B0604020202020204" pitchFamily="34" charset="0"/>
+                  </a:rPr>
+                  <a:t>n</a:t>
+                </a:r>
+                <a:r>
+                  <a:rPr lang="en-GB" sz="2400" baseline="-25000" dirty="0" err="1" smtClean="0">
+                    <a:latin typeface="Arial" panose="020B0604020202020204" pitchFamily="34" charset="0"/>
+                    <a:cs typeface="Arial" panose="020B0604020202020204" pitchFamily="34" charset="0"/>
+                  </a:rPr>
+                  <a:t>B</a:t>
+                </a:r>
+                <a:endParaRPr lang="en-GB" sz="2400" baseline="-25000" dirty="0">
+                  <a:latin typeface="Arial" panose="020B0604020202020204" pitchFamily="34" charset="0"/>
+                  <a:cs typeface="Arial" panose="020B0604020202020204" pitchFamily="34" charset="0"/>
+                </a:endParaRPr>
+              </a:p>
+            </p:txBody>
+          </p:sp>
+        </p:grpSp>
+        <p:sp>
+          <p:nvSpPr>
+            <p:cNvPr id="98" name="TextBox 97"/>
+            <p:cNvSpPr txBox="1"/>
+            <p:nvPr/>
+          </p:nvSpPr>
+          <p:spPr>
+            <a:xfrm>
+              <a:off x="2118469" y="2828341"/>
+              <a:ext cx="2210862" cy="646331"/>
+            </a:xfrm>
+            <a:prstGeom prst="rect">
+              <a:avLst/>
+            </a:prstGeom>
+            <a:noFill/>
+          </p:spPr>
+          <p:txBody>
+            <a:bodyPr wrap="none" rtlCol="0">
+              <a:spAutoFit/>
+            </a:bodyPr>
+            <a:lstStyle/>
+            <a:p>
+              <a:r>
+                <a:rPr lang="en-GB" dirty="0" smtClean="0">
+                  <a:latin typeface="Arial" panose="020B0604020202020204" pitchFamily="34" charset="0"/>
+                  <a:cs typeface="Arial" panose="020B0604020202020204" pitchFamily="34" charset="0"/>
+                </a:rPr>
+                <a:t>Slow exchange rate</a:t>
+              </a:r>
+            </a:p>
+            <a:p>
+              <a:r>
+                <a:rPr lang="en-GB" dirty="0" smtClean="0">
+                  <a:latin typeface="Symbol" panose="05050102010706020507" pitchFamily="18" charset="2"/>
+                  <a:cs typeface="Arial" panose="020B0604020202020204" pitchFamily="34" charset="0"/>
+                </a:rPr>
+                <a:t>      d</a:t>
+              </a:r>
+              <a:r>
+                <a:rPr lang="en-GB" dirty="0" smtClean="0">
+                  <a:latin typeface="Arial" panose="020B0604020202020204" pitchFamily="34" charset="0"/>
+                  <a:cs typeface="Arial" panose="020B0604020202020204" pitchFamily="34" charset="0"/>
+                </a:rPr>
+                <a:t> ~0</a:t>
+              </a:r>
+              <a:endParaRPr lang="en-GB" dirty="0">
+                <a:latin typeface="Arial" panose="020B0604020202020204" pitchFamily="34" charset="0"/>
+                <a:cs typeface="Arial" panose="020B0604020202020204" pitchFamily="34" charset="0"/>
+              </a:endParaRPr>
+            </a:p>
+          </p:txBody>
+        </p:sp>
+        <p:sp>
+          <p:nvSpPr>
+            <p:cNvPr id="99" name="TextBox 98"/>
+            <p:cNvSpPr txBox="1"/>
+            <p:nvPr/>
+          </p:nvSpPr>
+          <p:spPr>
+            <a:xfrm>
+              <a:off x="5391394" y="2806655"/>
+              <a:ext cx="2159566" cy="646331"/>
+            </a:xfrm>
+            <a:prstGeom prst="rect">
+              <a:avLst/>
+            </a:prstGeom>
+            <a:noFill/>
+          </p:spPr>
+          <p:txBody>
+            <a:bodyPr wrap="none" rtlCol="0">
+              <a:spAutoFit/>
+            </a:bodyPr>
+            <a:lstStyle/>
+            <a:p>
+              <a:r>
+                <a:rPr lang="en-GB" dirty="0" smtClean="0">
+                  <a:latin typeface="Arial" panose="020B0604020202020204" pitchFamily="34" charset="0"/>
+                  <a:cs typeface="Arial" panose="020B0604020202020204" pitchFamily="34" charset="0"/>
+                </a:rPr>
+                <a:t>Fast exchange rate</a:t>
+              </a:r>
+            </a:p>
+            <a:p>
+              <a:r>
+                <a:rPr lang="en-GB" dirty="0" smtClean="0">
+                  <a:latin typeface="Symbol" panose="05050102010706020507" pitchFamily="18" charset="2"/>
+                  <a:cs typeface="Arial" panose="020B0604020202020204" pitchFamily="34" charset="0"/>
+                </a:rPr>
+                <a:t>            d</a:t>
+              </a:r>
+              <a:r>
+                <a:rPr lang="en-GB" dirty="0" smtClean="0">
+                  <a:latin typeface="Arial" panose="020B0604020202020204" pitchFamily="34" charset="0"/>
+                  <a:cs typeface="Arial" panose="020B0604020202020204" pitchFamily="34" charset="0"/>
+                </a:rPr>
+                <a:t> ~1</a:t>
+              </a:r>
+              <a:endParaRPr lang="en-GB" dirty="0">
+                <a:latin typeface="Arial" panose="020B0604020202020204" pitchFamily="34" charset="0"/>
+                <a:cs typeface="Arial" panose="020B0604020202020204" pitchFamily="34" charset="0"/>
+              </a:endParaRPr>
+            </a:p>
+          </p:txBody>
+        </p:sp>
+      </p:grpSp>
+    </p:spTree>
+    <p:extLst>
+      <p:ext uri="{BB962C8B-B14F-4D97-AF65-F5344CB8AC3E}">
+        <p14:creationId xmlns:p14="http://schemas.microsoft.com/office/powerpoint/2010/main" val="779273049"/>
+      </p:ext>
+    </p:extLst>
+  </p:cSld>
+  <p:clrMapOvr>
+    <a:masterClrMapping/>
+  </p:clrMapOvr>
+</p:sld>
+</file>
+
+<file path=ppt/slides/slide53.xml><?xml version="1.0" encoding="utf-8"?>
+<p:sld xmlns:a="http://schemas.openxmlformats.org/drawingml/2006/main" xmlns:r="http://schemas.openxmlformats.org/officeDocument/2006/relationships" xmlns:p="http://schemas.openxmlformats.org/presentationml/2006/main">
+  <p:cSld>
+    <p:spTree>
+      <p:nvGrpSpPr>
+        <p:cNvPr id="1" name=""/>
+        <p:cNvGrpSpPr/>
+        <p:nvPr/>
+      </p:nvGrpSpPr>
+      <p:grpSpPr>
+        <a:xfrm>
+          <a:off x="0" y="0"/>
+          <a:ext cx="0" cy="0"/>
+          <a:chOff x="0" y="0"/>
+          <a:chExt cx="0" cy="0"/>
+        </a:xfrm>
+      </p:grpSpPr>
+      <p:grpSp>
+        <p:nvGrpSpPr>
+          <p:cNvPr id="9" name="Group 8"/>
+          <p:cNvGrpSpPr/>
+          <p:nvPr/>
+        </p:nvGrpSpPr>
+        <p:grpSpPr>
+          <a:xfrm>
+            <a:off x="2668403" y="627977"/>
+            <a:ext cx="7136673" cy="6192037"/>
+            <a:chOff x="259031" y="627977"/>
+            <a:chExt cx="7136673" cy="6192037"/>
+          </a:xfrm>
+        </p:grpSpPr>
+        <p:grpSp>
+          <p:nvGrpSpPr>
+            <p:cNvPr id="6" name="Group 5"/>
+            <p:cNvGrpSpPr/>
+            <p:nvPr/>
+          </p:nvGrpSpPr>
+          <p:grpSpPr>
+            <a:xfrm>
+              <a:off x="1386674" y="627977"/>
+              <a:ext cx="6009030" cy="6192037"/>
+              <a:chOff x="1386674" y="627977"/>
+              <a:chExt cx="6009030" cy="6192037"/>
+            </a:xfrm>
+          </p:grpSpPr>
+          <p:pic>
+            <p:nvPicPr>
+              <p:cNvPr id="4" name="Picture 3"/>
+              <p:cNvPicPr>
+                <a:picLocks noChangeAspect="1"/>
+              </p:cNvPicPr>
+              <p:nvPr/>
+            </p:nvPicPr>
+            <p:blipFill>
+              <a:blip r:embed="rId3"/>
+              <a:stretch>
+                <a:fillRect/>
+              </a:stretch>
+            </p:blipFill>
+            <p:spPr>
+              <a:xfrm>
+                <a:off x="1691475" y="1182574"/>
+                <a:ext cx="5704229" cy="5637440"/>
+              </a:xfrm>
+              <a:prstGeom prst="rect">
+                <a:avLst/>
+              </a:prstGeom>
+            </p:spPr>
+          </p:pic>
+          <p:graphicFrame>
+            <p:nvGraphicFramePr>
+              <p:cNvPr id="5" name="Object 4"/>
+              <p:cNvGraphicFramePr>
+                <a:graphicFrameLocks noChangeAspect="1"/>
+              </p:cNvGraphicFramePr>
+              <p:nvPr>
+                <p:extLst>
+                  <p:ext uri="{D42A27DB-BD31-4B8C-83A1-F6EECF244321}">
+                    <p14:modId xmlns:p14="http://schemas.microsoft.com/office/powerpoint/2010/main" val="1815191306"/>
+                  </p:ext>
+                </p:extLst>
+              </p:nvPr>
+            </p:nvGraphicFramePr>
+            <p:xfrm>
+              <a:off x="1386674" y="627977"/>
+              <a:ext cx="5569296" cy="1109194"/>
+            </p:xfrm>
+            <a:graphic>
+              <a:graphicData uri="http://schemas.openxmlformats.org/presentationml/2006/ole">
+                <mc:AlternateContent xmlns:mc="http://schemas.openxmlformats.org/markup-compatibility/2006">
+                  <mc:Choice xmlns:v="urn:schemas-microsoft-com:vml" Requires="v">
+                    <p:oleObj spid="_x0000_s2069" name="CS ChemDraw Drawing" r:id="rId4" imgW="4169232" imgH="830250" progId="ChemDraw.Document.6.0">
+                      <p:embed/>
+                    </p:oleObj>
+                  </mc:Choice>
+                  <mc:Fallback>
+                    <p:oleObj name="CS ChemDraw Drawing" r:id="rId4" imgW="4169232" imgH="830250" progId="ChemDraw.Document.6.0">
+                      <p:embed/>
+                      <p:pic>
+                        <p:nvPicPr>
+                          <p:cNvPr id="0" name=""/>
+                          <p:cNvPicPr/>
+                          <p:nvPr/>
+                        </p:nvPicPr>
+                        <p:blipFill>
+                          <a:blip r:embed="rId5"/>
+                          <a:stretch>
+                            <a:fillRect/>
+                          </a:stretch>
+                        </p:blipFill>
+                        <p:spPr>
+                          <a:xfrm>
+                            <a:off x="1386674" y="627977"/>
+                            <a:ext cx="5569296" cy="1109194"/>
+                          </a:xfrm>
+                          <a:prstGeom prst="rect">
+                            <a:avLst/>
+                          </a:prstGeom>
+                        </p:spPr>
+                      </p:pic>
+                    </p:oleObj>
+                  </mc:Fallback>
+                </mc:AlternateContent>
+              </a:graphicData>
+            </a:graphic>
+          </p:graphicFrame>
+        </p:grpSp>
+        <p:sp>
+          <p:nvSpPr>
+            <p:cNvPr id="7" name="TextBox 6"/>
+            <p:cNvSpPr txBox="1"/>
+            <p:nvPr/>
+          </p:nvSpPr>
+          <p:spPr>
+            <a:xfrm>
+              <a:off x="379257" y="2595992"/>
+              <a:ext cx="2624436" cy="954107"/>
+            </a:xfrm>
+            <a:prstGeom prst="rect">
+              <a:avLst/>
+            </a:prstGeom>
+            <a:noFill/>
+          </p:spPr>
+          <p:txBody>
+            <a:bodyPr wrap="none" rtlCol="0">
+              <a:spAutoFit/>
+            </a:bodyPr>
+            <a:lstStyle/>
+            <a:p>
+              <a:r>
+                <a:rPr lang="en-GB" sz="2800" dirty="0" smtClean="0">
+                  <a:latin typeface="Arial" panose="020B0604020202020204" pitchFamily="34" charset="0"/>
+                  <a:cs typeface="Arial" panose="020B0604020202020204" pitchFamily="34" charset="0"/>
+                </a:rPr>
+                <a:t>Slow exchange</a:t>
+              </a:r>
+            </a:p>
+            <a:p>
+              <a:r>
+                <a:rPr lang="en-GB" sz="2800" dirty="0" smtClean="0">
+                  <a:latin typeface="Arial" panose="020B0604020202020204" pitchFamily="34" charset="0"/>
+                  <a:cs typeface="Arial" panose="020B0604020202020204" pitchFamily="34" charset="0"/>
+                </a:rPr>
+                <a:t>rate</a:t>
+              </a:r>
+              <a:endParaRPr lang="en-GB" sz="2800" dirty="0">
+                <a:latin typeface="Arial" panose="020B0604020202020204" pitchFamily="34" charset="0"/>
+                <a:cs typeface="Arial" panose="020B0604020202020204" pitchFamily="34" charset="0"/>
+              </a:endParaRPr>
+            </a:p>
+          </p:txBody>
+        </p:sp>
+        <p:sp>
+          <p:nvSpPr>
+            <p:cNvPr id="8" name="TextBox 7"/>
+            <p:cNvSpPr txBox="1"/>
+            <p:nvPr/>
+          </p:nvSpPr>
+          <p:spPr>
+            <a:xfrm>
+              <a:off x="259031" y="5304971"/>
+              <a:ext cx="2864887" cy="954107"/>
+            </a:xfrm>
+            <a:prstGeom prst="rect">
+              <a:avLst/>
+            </a:prstGeom>
+            <a:noFill/>
+          </p:spPr>
+          <p:txBody>
+            <a:bodyPr wrap="none" rtlCol="0">
+              <a:spAutoFit/>
+            </a:bodyPr>
+            <a:lstStyle/>
+            <a:p>
+              <a:r>
+                <a:rPr lang="en-GB" sz="2800" dirty="0" smtClean="0">
+                  <a:latin typeface="Arial" panose="020B0604020202020204" pitchFamily="34" charset="0"/>
+                  <a:cs typeface="Arial" panose="020B0604020202020204" pitchFamily="34" charset="0"/>
+                </a:rPr>
+                <a:t>Faster exchange</a:t>
+              </a:r>
+            </a:p>
+            <a:p>
+              <a:r>
+                <a:rPr lang="en-GB" sz="2800" dirty="0" smtClean="0">
+                  <a:latin typeface="Arial" panose="020B0604020202020204" pitchFamily="34" charset="0"/>
+                  <a:cs typeface="Arial" panose="020B0604020202020204" pitchFamily="34" charset="0"/>
+                </a:rPr>
+                <a:t>rate</a:t>
+              </a:r>
+              <a:endParaRPr lang="en-GB" sz="2800" dirty="0">
+                <a:latin typeface="Arial" panose="020B0604020202020204" pitchFamily="34" charset="0"/>
+                <a:cs typeface="Arial" panose="020B0604020202020204" pitchFamily="34" charset="0"/>
+              </a:endParaRPr>
+            </a:p>
+          </p:txBody>
+        </p:sp>
+      </p:grpSp>
+    </p:spTree>
+    <p:extLst>
+      <p:ext uri="{BB962C8B-B14F-4D97-AF65-F5344CB8AC3E}">
+        <p14:creationId xmlns:p14="http://schemas.microsoft.com/office/powerpoint/2010/main" val="2083948466"/>
+      </p:ext>
+    </p:extLst>
+  </p:cSld>
+  <p:clrMapOvr>
+    <a:masterClrMapping/>
+  </p:clrMapOvr>
+</p:sld>
+</file>
+
+<file path=ppt/slides/slide54.xml><?xml version="1.0" encoding="utf-8"?>
+<p:sld xmlns:a="http://schemas.openxmlformats.org/drawingml/2006/main" xmlns:r="http://schemas.openxmlformats.org/officeDocument/2006/relationships" xmlns:p="http://schemas.openxmlformats.org/presentationml/2006/main">
+  <p:cSld>
+    <p:spTree>
+      <p:nvGrpSpPr>
+        <p:cNvPr id="1" name=""/>
+        <p:cNvGrpSpPr/>
+        <p:nvPr/>
+      </p:nvGrpSpPr>
+      <p:grpSpPr>
+        <a:xfrm>
+          <a:off x="0" y="0"/>
+          <a:ext cx="0" cy="0"/>
+          <a:chOff x="0" y="0"/>
+          <a:chExt cx="0" cy="0"/>
+        </a:xfrm>
+      </p:grpSpPr>
+      <p:grpSp>
+        <p:nvGrpSpPr>
+          <p:cNvPr id="49" name="Group 48"/>
+          <p:cNvGrpSpPr/>
+          <p:nvPr/>
+        </p:nvGrpSpPr>
+        <p:grpSpPr>
+          <a:xfrm>
+            <a:off x="837952" y="614537"/>
+            <a:ext cx="9637959" cy="5779006"/>
+            <a:chOff x="837952" y="614537"/>
+            <a:chExt cx="9637959" cy="5779006"/>
+          </a:xfrm>
+        </p:grpSpPr>
+        <p:graphicFrame>
+          <p:nvGraphicFramePr>
+            <p:cNvPr id="41" name="Object 40"/>
+            <p:cNvGraphicFramePr>
+              <a:graphicFrameLocks noChangeAspect="1"/>
+            </p:cNvGraphicFramePr>
+            <p:nvPr>
+              <p:extLst>
+                <p:ext uri="{D42A27DB-BD31-4B8C-83A1-F6EECF244321}">
+                  <p14:modId xmlns:p14="http://schemas.microsoft.com/office/powerpoint/2010/main" val="3427759036"/>
+                </p:ext>
+              </p:extLst>
+            </p:nvPr>
+          </p:nvGraphicFramePr>
+          <p:xfrm>
+            <a:off x="1721628" y="614537"/>
+            <a:ext cx="7599595" cy="1513553"/>
+          </p:xfrm>
+          <a:graphic>
+            <a:graphicData uri="http://schemas.openxmlformats.org/presentationml/2006/ole">
+              <mc:AlternateContent xmlns:mc="http://schemas.openxmlformats.org/markup-compatibility/2006">
+                <mc:Choice xmlns:v="urn:schemas-microsoft-com:vml" Requires="v">
+                  <p:oleObj spid="_x0000_s1052" name="CS ChemDraw Drawing" r:id="rId3" imgW="4169232" imgH="830250" progId="ChemDraw.Document.6.0">
+                    <p:embed/>
+                  </p:oleObj>
+                </mc:Choice>
+                <mc:Fallback>
+                  <p:oleObj name="CS ChemDraw Drawing" r:id="rId3" imgW="4169232" imgH="830250" progId="ChemDraw.Document.6.0">
+                    <p:embed/>
+                    <p:pic>
+                      <p:nvPicPr>
+                        <p:cNvPr id="0" name=""/>
+                        <p:cNvPicPr/>
+                        <p:nvPr/>
+                      </p:nvPicPr>
+                      <p:blipFill>
+                        <a:blip r:embed="rId4"/>
+                        <a:stretch>
+                          <a:fillRect/>
+                        </a:stretch>
+                      </p:blipFill>
+                      <p:spPr>
+                        <a:xfrm>
+                          <a:off x="1721628" y="614537"/>
+                          <a:ext cx="7599595" cy="1513553"/>
+                        </a:xfrm>
+                        <a:prstGeom prst="rect">
+                          <a:avLst/>
+                        </a:prstGeom>
+                      </p:spPr>
+                    </p:pic>
+                  </p:oleObj>
+                </mc:Fallback>
+              </mc:AlternateContent>
+            </a:graphicData>
+          </a:graphic>
+        </p:graphicFrame>
+        <p:grpSp>
+          <p:nvGrpSpPr>
+            <p:cNvPr id="48" name="Group 47"/>
+            <p:cNvGrpSpPr/>
+            <p:nvPr/>
+          </p:nvGrpSpPr>
+          <p:grpSpPr>
+            <a:xfrm>
+              <a:off x="837952" y="2221593"/>
+              <a:ext cx="9637959" cy="4171950"/>
+              <a:chOff x="446066" y="2686050"/>
+              <a:chExt cx="9637959" cy="4171950"/>
+            </a:xfrm>
+          </p:grpSpPr>
+          <p:grpSp>
+            <p:nvGrpSpPr>
+              <p:cNvPr id="46" name="Group 45"/>
+              <p:cNvGrpSpPr/>
+              <p:nvPr/>
+            </p:nvGrpSpPr>
+            <p:grpSpPr>
+              <a:xfrm>
+                <a:off x="446066" y="2686050"/>
+                <a:ext cx="9637959" cy="4171950"/>
+                <a:chOff x="446066" y="2686050"/>
+                <a:chExt cx="9637959" cy="4171950"/>
+              </a:xfrm>
+            </p:grpSpPr>
+            <p:grpSp>
+              <p:nvGrpSpPr>
+                <p:cNvPr id="40" name="Group 39"/>
+                <p:cNvGrpSpPr/>
+                <p:nvPr/>
+              </p:nvGrpSpPr>
+              <p:grpSpPr>
+                <a:xfrm>
+                  <a:off x="627459" y="2686050"/>
+                  <a:ext cx="9456566" cy="3617014"/>
+                  <a:chOff x="409748" y="2686050"/>
+                  <a:chExt cx="9456566" cy="3617014"/>
+                </a:xfrm>
+              </p:grpSpPr>
+              <p:grpSp>
+                <p:nvGrpSpPr>
+                  <p:cNvPr id="37" name="Group 36"/>
+                  <p:cNvGrpSpPr/>
+                  <p:nvPr/>
+                </p:nvGrpSpPr>
+                <p:grpSpPr>
+                  <a:xfrm>
+                    <a:off x="409748" y="2686050"/>
+                    <a:ext cx="9456566" cy="3617014"/>
+                    <a:chOff x="409748" y="2686050"/>
+                    <a:chExt cx="9456566" cy="3617014"/>
+                  </a:xfrm>
+                </p:grpSpPr>
+                <p:pic>
+                  <p:nvPicPr>
+                    <p:cNvPr id="5" name="Picture 4"/>
+                    <p:cNvPicPr>
+                      <a:picLocks noChangeAspect="1"/>
+                    </p:cNvPicPr>
+                    <p:nvPr/>
+                  </p:nvPicPr>
+                  <p:blipFill>
+                    <a:blip r:embed="rId5"/>
+                    <a:stretch>
+                      <a:fillRect/>
+                    </a:stretch>
+                  </p:blipFill>
+                  <p:spPr>
+                    <a:xfrm>
+                      <a:off x="740510" y="2686050"/>
+                      <a:ext cx="9125804" cy="3603625"/>
+                    </a:xfrm>
+                    <a:prstGeom prst="rect">
+                      <a:avLst/>
+                    </a:prstGeom>
+                  </p:spPr>
+                </p:pic>
+                <p:cxnSp>
+                  <p:nvCxnSpPr>
+                    <p:cNvPr id="7" name="Straight Connector 6"/>
+                    <p:cNvCxnSpPr/>
+                    <p:nvPr/>
+                  </p:nvCxnSpPr>
+                  <p:spPr>
+                    <a:xfrm flipH="1">
+                      <a:off x="735288" y="4025246"/>
+                      <a:ext cx="2432116" cy="1602557"/>
+                    </a:xfrm>
+                    <a:prstGeom prst="line">
+                      <a:avLst/>
+                    </a:prstGeom>
+                    <a:ln w="28575" cap="rnd">
+                      <a:solidFill>
+                        <a:schemeClr val="tx1"/>
+                      </a:solidFill>
+                      <a:round/>
+                    </a:ln>
+                  </p:spPr>
+                  <p:style>
+                    <a:lnRef idx="1">
+                      <a:schemeClr val="accent1"/>
+                    </a:lnRef>
+                    <a:fillRef idx="0">
+                      <a:schemeClr val="accent1"/>
+                    </a:fillRef>
+                    <a:effectRef idx="0">
+                      <a:schemeClr val="accent1"/>
+                    </a:effectRef>
+                    <a:fontRef idx="minor">
+                      <a:schemeClr val="tx1"/>
+                    </a:fontRef>
+                  </p:style>
+                </p:cxnSp>
+                <p:cxnSp>
+                  <p:nvCxnSpPr>
+                    <p:cNvPr id="9" name="Straight Connector 8"/>
+                    <p:cNvCxnSpPr/>
+                    <p:nvPr/>
+                  </p:nvCxnSpPr>
+                  <p:spPr>
+                    <a:xfrm>
+                      <a:off x="3167404" y="4025246"/>
+                      <a:ext cx="274296" cy="0"/>
+                    </a:xfrm>
+                    <a:prstGeom prst="line">
+                      <a:avLst/>
+                    </a:prstGeom>
+                    <a:ln w="28575" cap="rnd">
+                      <a:solidFill>
+                        <a:schemeClr val="tx1"/>
+                      </a:solidFill>
+                    </a:ln>
+                  </p:spPr>
+                  <p:style>
+                    <a:lnRef idx="1">
+                      <a:schemeClr val="accent1"/>
+                    </a:lnRef>
+                    <a:fillRef idx="0">
+                      <a:schemeClr val="accent1"/>
+                    </a:fillRef>
+                    <a:effectRef idx="0">
+                      <a:schemeClr val="accent1"/>
+                    </a:effectRef>
+                    <a:fontRef idx="minor">
+                      <a:schemeClr val="tx1"/>
+                    </a:fontRef>
+                  </p:style>
+                </p:cxnSp>
+                <p:cxnSp>
+                  <p:nvCxnSpPr>
+                    <p:cNvPr id="11" name="Straight Connector 10"/>
+                    <p:cNvCxnSpPr/>
+                    <p:nvPr/>
+                  </p:nvCxnSpPr>
+                  <p:spPr>
+                    <a:xfrm>
+                      <a:off x="2071963" y="4745153"/>
+                      <a:ext cx="274296" cy="0"/>
+                    </a:xfrm>
+                    <a:prstGeom prst="line">
+                      <a:avLst/>
+                    </a:prstGeom>
+                    <a:ln w="28575" cap="rnd">
+                      <a:solidFill>
+                        <a:schemeClr val="tx1"/>
+                      </a:solidFill>
+                    </a:ln>
+                  </p:spPr>
+                  <p:style>
+                    <a:lnRef idx="1">
+                      <a:schemeClr val="accent1"/>
+                    </a:lnRef>
+                    <a:fillRef idx="0">
+                      <a:schemeClr val="accent1"/>
+                    </a:fillRef>
+                    <a:effectRef idx="0">
+                      <a:schemeClr val="accent1"/>
+                    </a:effectRef>
+                    <a:fontRef idx="minor">
+                      <a:schemeClr val="tx1"/>
+                    </a:fontRef>
+                  </p:style>
+                </p:cxnSp>
+                <p:cxnSp>
+                  <p:nvCxnSpPr>
+                    <p:cNvPr id="12" name="Straight Connector 11"/>
+                    <p:cNvCxnSpPr/>
+                    <p:nvPr/>
+                  </p:nvCxnSpPr>
+                  <p:spPr>
+                    <a:xfrm>
+                      <a:off x="1451568" y="5149013"/>
+                      <a:ext cx="274296" cy="0"/>
+                    </a:xfrm>
+                    <a:prstGeom prst="line">
+                      <a:avLst/>
+                    </a:prstGeom>
+                    <a:ln w="28575" cap="rnd">
+                      <a:solidFill>
+                        <a:schemeClr val="tx1"/>
+                      </a:solidFill>
+                    </a:ln>
+                  </p:spPr>
+                  <p:style>
+                    <a:lnRef idx="1">
+                      <a:schemeClr val="accent1"/>
+                    </a:lnRef>
+                    <a:fillRef idx="0">
+                      <a:schemeClr val="accent1"/>
+                    </a:fillRef>
+                    <a:effectRef idx="0">
+                      <a:schemeClr val="accent1"/>
+                    </a:effectRef>
+                    <a:fontRef idx="minor">
+                      <a:schemeClr val="tx1"/>
+                    </a:fontRef>
+                  </p:style>
+                </p:cxnSp>
+                <p:cxnSp>
+                  <p:nvCxnSpPr>
+                    <p:cNvPr id="13" name="Straight Connector 12"/>
+                    <p:cNvCxnSpPr/>
+                    <p:nvPr/>
+                  </p:nvCxnSpPr>
+                  <p:spPr>
+                    <a:xfrm>
+                      <a:off x="2662513" y="4357803"/>
+                      <a:ext cx="274296" cy="0"/>
+                    </a:xfrm>
+                    <a:prstGeom prst="line">
+                      <a:avLst/>
+                    </a:prstGeom>
+                    <a:ln w="28575" cap="rnd">
+                      <a:solidFill>
+                        <a:schemeClr val="tx1"/>
+                      </a:solidFill>
+                    </a:ln>
+                  </p:spPr>
+                  <p:style>
+                    <a:lnRef idx="1">
+                      <a:schemeClr val="accent1"/>
+                    </a:lnRef>
+                    <a:fillRef idx="0">
+                      <a:schemeClr val="accent1"/>
+                    </a:fillRef>
+                    <a:effectRef idx="0">
+                      <a:schemeClr val="accent1"/>
+                    </a:effectRef>
+                    <a:fontRef idx="minor">
+                      <a:schemeClr val="tx1"/>
+                    </a:fontRef>
+                  </p:style>
+                </p:cxnSp>
+                <p:grpSp>
+                  <p:nvGrpSpPr>
+                    <p:cNvPr id="25" name="Group 24"/>
+                    <p:cNvGrpSpPr/>
+                    <p:nvPr/>
+                  </p:nvGrpSpPr>
+                  <p:grpSpPr>
+                    <a:xfrm>
+                      <a:off x="735288" y="5629768"/>
+                      <a:ext cx="6027462" cy="307657"/>
+                      <a:chOff x="735288" y="5554911"/>
+                      <a:chExt cx="6086658" cy="395398"/>
+                    </a:xfrm>
+                  </p:grpSpPr>
+                  <p:cxnSp>
+                    <p:nvCxnSpPr>
+                      <p:cNvPr id="10" name="Straight Connector 9"/>
+                      <p:cNvCxnSpPr/>
+                      <p:nvPr/>
+                    </p:nvCxnSpPr>
+                    <p:spPr>
+                      <a:xfrm>
+                        <a:off x="735288" y="5554911"/>
+                        <a:ext cx="274296" cy="0"/>
+                      </a:xfrm>
+                      <a:prstGeom prst="line">
+                        <a:avLst/>
+                      </a:prstGeom>
+                      <a:ln w="28575" cap="rnd">
+                        <a:solidFill>
+                          <a:schemeClr val="tx1"/>
+                        </a:solidFill>
+                      </a:ln>
+                    </p:spPr>
+                    <p:style>
+                      <a:lnRef idx="1">
+                        <a:schemeClr val="accent1"/>
+                      </a:lnRef>
+                      <a:fillRef idx="0">
+                        <a:schemeClr val="accent1"/>
+                      </a:fillRef>
+                      <a:effectRef idx="0">
+                        <a:schemeClr val="accent1"/>
+                      </a:effectRef>
+                      <a:fontRef idx="minor">
+                        <a:schemeClr val="tx1"/>
+                      </a:fontRef>
+                    </p:style>
+                  </p:cxnSp>
+                  <p:cxnSp>
+                    <p:nvCxnSpPr>
+                      <p:cNvPr id="14" name="Straight Connector 13"/>
+                      <p:cNvCxnSpPr/>
+                      <p:nvPr/>
+                    </p:nvCxnSpPr>
+                    <p:spPr>
+                      <a:xfrm flipH="1">
+                        <a:off x="872436" y="5950308"/>
+                        <a:ext cx="5675952" cy="1"/>
+                      </a:xfrm>
+                      <a:prstGeom prst="line">
+                        <a:avLst/>
+                      </a:prstGeom>
+                      <a:ln w="28575" cap="rnd">
+                        <a:solidFill>
+                          <a:schemeClr val="tx1"/>
+                        </a:solidFill>
+                        <a:round/>
+                      </a:ln>
+                    </p:spPr>
+                    <p:style>
+                      <a:lnRef idx="1">
+                        <a:schemeClr val="accent1"/>
+                      </a:lnRef>
+                      <a:fillRef idx="0">
+                        <a:schemeClr val="accent1"/>
+                      </a:fillRef>
+                      <a:effectRef idx="0">
+                        <a:schemeClr val="accent1"/>
+                      </a:effectRef>
+                      <a:fontRef idx="minor">
+                        <a:schemeClr val="tx1"/>
+                      </a:fontRef>
+                    </p:style>
+                  </p:cxnSp>
+                  <p:cxnSp>
+                    <p:nvCxnSpPr>
+                      <p:cNvPr id="16" name="Straight Connector 15"/>
+                      <p:cNvCxnSpPr/>
+                      <p:nvPr/>
+                    </p:nvCxnSpPr>
+                    <p:spPr>
+                      <a:xfrm flipV="1">
+                        <a:off x="872436" y="5705475"/>
+                        <a:ext cx="283264" cy="244833"/>
+                      </a:xfrm>
+                      <a:prstGeom prst="line">
+                        <a:avLst/>
+                      </a:prstGeom>
+                      <a:ln w="28575" cap="rnd">
+                        <a:solidFill>
+                          <a:schemeClr val="tx1"/>
+                        </a:solidFill>
+                      </a:ln>
+                    </p:spPr>
+                    <p:style>
+                      <a:lnRef idx="1">
+                        <a:schemeClr val="accent1"/>
+                      </a:lnRef>
+                      <a:fillRef idx="0">
+                        <a:schemeClr val="accent1"/>
+                      </a:fillRef>
+                      <a:effectRef idx="0">
+                        <a:schemeClr val="accent1"/>
+                      </a:effectRef>
+                      <a:fontRef idx="minor">
+                        <a:schemeClr val="tx1"/>
+                      </a:fontRef>
+                    </p:style>
+                  </p:cxnSp>
+                  <p:cxnSp>
+                    <p:nvCxnSpPr>
+                      <p:cNvPr id="21" name="Straight Connector 20"/>
+                      <p:cNvCxnSpPr/>
+                      <p:nvPr/>
+                    </p:nvCxnSpPr>
+                    <p:spPr>
+                      <a:xfrm flipV="1">
+                        <a:off x="6538682" y="5705474"/>
+                        <a:ext cx="283264" cy="244833"/>
+                      </a:xfrm>
+                      <a:prstGeom prst="line">
+                        <a:avLst/>
+                      </a:prstGeom>
+                      <a:ln w="28575" cap="rnd">
+                        <a:solidFill>
+                          <a:schemeClr val="tx1"/>
+                        </a:solidFill>
+                      </a:ln>
+                    </p:spPr>
+                    <p:style>
+                      <a:lnRef idx="1">
+                        <a:schemeClr val="accent1"/>
+                      </a:lnRef>
+                      <a:fillRef idx="0">
+                        <a:schemeClr val="accent1"/>
+                      </a:fillRef>
+                      <a:effectRef idx="0">
+                        <a:schemeClr val="accent1"/>
+                      </a:effectRef>
+                      <a:fontRef idx="minor">
+                        <a:schemeClr val="tx1"/>
+                      </a:fontRef>
+                    </p:style>
+                  </p:cxnSp>
+                  <p:cxnSp>
+                    <p:nvCxnSpPr>
+                      <p:cNvPr id="22" name="Straight Connector 21"/>
+                      <p:cNvCxnSpPr/>
+                      <p:nvPr/>
+                    </p:nvCxnSpPr>
+                    <p:spPr>
+                      <a:xfrm flipV="1">
+                        <a:off x="3776432" y="5705474"/>
+                        <a:ext cx="283264" cy="244833"/>
+                      </a:xfrm>
+                      <a:prstGeom prst="line">
+                        <a:avLst/>
+                      </a:prstGeom>
+                      <a:ln w="28575" cap="rnd">
+                        <a:solidFill>
+                          <a:schemeClr val="tx1"/>
+                        </a:solidFill>
+                      </a:ln>
+                    </p:spPr>
+                    <p:style>
+                      <a:lnRef idx="1">
+                        <a:schemeClr val="accent1"/>
+                      </a:lnRef>
+                      <a:fillRef idx="0">
+                        <a:schemeClr val="accent1"/>
+                      </a:fillRef>
+                      <a:effectRef idx="0">
+                        <a:schemeClr val="accent1"/>
+                      </a:effectRef>
+                      <a:fontRef idx="minor">
+                        <a:schemeClr val="tx1"/>
+                      </a:fontRef>
+                    </p:style>
+                  </p:cxnSp>
+                  <p:cxnSp>
+                    <p:nvCxnSpPr>
+                      <p:cNvPr id="23" name="Straight Connector 22"/>
+                      <p:cNvCxnSpPr/>
+                      <p:nvPr/>
+                    </p:nvCxnSpPr>
+                    <p:spPr>
+                      <a:xfrm flipV="1">
+                        <a:off x="5227743" y="5702298"/>
+                        <a:ext cx="283264" cy="244833"/>
+                      </a:xfrm>
+                      <a:prstGeom prst="line">
+                        <a:avLst/>
+                      </a:prstGeom>
+                      <a:ln w="28575" cap="rnd">
+                        <a:solidFill>
+                          <a:schemeClr val="tx1"/>
+                        </a:solidFill>
+                      </a:ln>
+                    </p:spPr>
+                    <p:style>
+                      <a:lnRef idx="1">
+                        <a:schemeClr val="accent1"/>
+                      </a:lnRef>
+                      <a:fillRef idx="0">
+                        <a:schemeClr val="accent1"/>
+                      </a:fillRef>
+                      <a:effectRef idx="0">
+                        <a:schemeClr val="accent1"/>
+                      </a:effectRef>
+                      <a:fontRef idx="minor">
+                        <a:schemeClr val="tx1"/>
+                      </a:fontRef>
+                    </p:style>
+                  </p:cxnSp>
+                  <p:cxnSp>
+                    <p:nvCxnSpPr>
+                      <p:cNvPr id="24" name="Straight Connector 23"/>
+                      <p:cNvCxnSpPr/>
+                      <p:nvPr/>
+                    </p:nvCxnSpPr>
+                    <p:spPr>
+                      <a:xfrm flipV="1">
+                        <a:off x="2319730" y="5701878"/>
+                        <a:ext cx="283264" cy="244833"/>
+                      </a:xfrm>
+                      <a:prstGeom prst="line">
+                        <a:avLst/>
+                      </a:prstGeom>
+                      <a:ln w="28575" cap="rnd">
+                        <a:solidFill>
+                          <a:schemeClr val="tx1"/>
+                        </a:solidFill>
+                      </a:ln>
+                    </p:spPr>
+                    <p:style>
+                      <a:lnRef idx="1">
+                        <a:schemeClr val="accent1"/>
+                      </a:lnRef>
+                      <a:fillRef idx="0">
+                        <a:schemeClr val="accent1"/>
+                      </a:fillRef>
+                      <a:effectRef idx="0">
+                        <a:schemeClr val="accent1"/>
+                      </a:effectRef>
+                      <a:fontRef idx="minor">
+                        <a:schemeClr val="tx1"/>
+                      </a:fontRef>
+                    </p:style>
+                  </p:cxnSp>
+                </p:grpSp>
+                <p:sp>
+                  <p:nvSpPr>
+                    <p:cNvPr id="26" name="TextBox 25"/>
+                    <p:cNvSpPr txBox="1"/>
+                    <p:nvPr/>
+                  </p:nvSpPr>
+                  <p:spPr>
+                    <a:xfrm>
+                      <a:off x="727313" y="5933732"/>
+                      <a:ext cx="424298" cy="369332"/>
+                    </a:xfrm>
+                    <a:prstGeom prst="rect">
+                      <a:avLst/>
+                    </a:prstGeom>
+                    <a:noFill/>
+                  </p:spPr>
+                  <p:txBody>
+                    <a:bodyPr wrap="square" rtlCol="0">
+                      <a:spAutoFit/>
+                    </a:bodyPr>
+                    <a:lstStyle/>
+                    <a:p>
+                      <a:r>
+                        <a:rPr lang="en-GB" dirty="0" smtClean="0">
+                          <a:latin typeface="Arial" panose="020B0604020202020204" pitchFamily="34" charset="0"/>
+                          <a:cs typeface="Arial" panose="020B0604020202020204" pitchFamily="34" charset="0"/>
+                        </a:rPr>
+                        <a:t>0</a:t>
+                      </a:r>
+                      <a:endParaRPr lang="en-GB" dirty="0">
+                        <a:latin typeface="Arial" panose="020B0604020202020204" pitchFamily="34" charset="0"/>
+                        <a:cs typeface="Arial" panose="020B0604020202020204" pitchFamily="34" charset="0"/>
+                      </a:endParaRPr>
+                    </a:p>
+                  </p:txBody>
+                </p:sp>
+                <p:sp>
+                  <p:nvSpPr>
+                    <p:cNvPr id="27" name="TextBox 26"/>
+                    <p:cNvSpPr txBox="1"/>
+                    <p:nvPr/>
+                  </p:nvSpPr>
+                  <p:spPr>
+                    <a:xfrm>
+                      <a:off x="2067434" y="5926112"/>
+                      <a:ext cx="528403" cy="369332"/>
+                    </a:xfrm>
+                    <a:prstGeom prst="rect">
+                      <a:avLst/>
+                    </a:prstGeom>
+                    <a:noFill/>
+                  </p:spPr>
+                  <p:txBody>
+                    <a:bodyPr wrap="square" rtlCol="0">
+                      <a:spAutoFit/>
+                    </a:bodyPr>
+                    <a:lstStyle/>
+                    <a:p>
+                      <a:r>
+                        <a:rPr lang="en-GB" dirty="0" smtClean="0">
+                          <a:latin typeface="Arial" panose="020B0604020202020204" pitchFamily="34" charset="0"/>
+                          <a:cs typeface="Arial" panose="020B0604020202020204" pitchFamily="34" charset="0"/>
+                        </a:rPr>
+                        <a:t>10</a:t>
+                      </a:r>
+                      <a:endParaRPr lang="en-GB" dirty="0">
+                        <a:latin typeface="Arial" panose="020B0604020202020204" pitchFamily="34" charset="0"/>
+                        <a:cs typeface="Arial" panose="020B0604020202020204" pitchFamily="34" charset="0"/>
+                      </a:endParaRPr>
+                    </a:p>
+                  </p:txBody>
+                </p:sp>
+                <p:sp>
+                  <p:nvSpPr>
+                    <p:cNvPr id="28" name="TextBox 27"/>
+                    <p:cNvSpPr txBox="1"/>
+                    <p:nvPr/>
+                  </p:nvSpPr>
+                  <p:spPr>
+                    <a:xfrm>
+                      <a:off x="3511660" y="5930874"/>
+                      <a:ext cx="528403" cy="369332"/>
+                    </a:xfrm>
+                    <a:prstGeom prst="rect">
+                      <a:avLst/>
+                    </a:prstGeom>
+                    <a:noFill/>
+                  </p:spPr>
+                  <p:txBody>
+                    <a:bodyPr wrap="square" rtlCol="0">
+                      <a:spAutoFit/>
+                    </a:bodyPr>
+                    <a:lstStyle/>
+                    <a:p>
+                      <a:r>
+                        <a:rPr lang="en-GB" dirty="0" smtClean="0">
+                          <a:latin typeface="Arial" panose="020B0604020202020204" pitchFamily="34" charset="0"/>
+                          <a:cs typeface="Arial" panose="020B0604020202020204" pitchFamily="34" charset="0"/>
+                        </a:rPr>
+                        <a:t>20</a:t>
+                      </a:r>
+                      <a:endParaRPr lang="en-GB" dirty="0">
+                        <a:latin typeface="Arial" panose="020B0604020202020204" pitchFamily="34" charset="0"/>
+                        <a:cs typeface="Arial" panose="020B0604020202020204" pitchFamily="34" charset="0"/>
+                      </a:endParaRPr>
+                    </a:p>
+                  </p:txBody>
+                </p:sp>
+                <p:sp>
+                  <p:nvSpPr>
+                    <p:cNvPr id="29" name="TextBox 28"/>
+                    <p:cNvSpPr txBox="1"/>
+                    <p:nvPr/>
+                  </p:nvSpPr>
+                  <p:spPr>
+                    <a:xfrm>
+                      <a:off x="4898736" y="5929868"/>
+                      <a:ext cx="528403" cy="369332"/>
+                    </a:xfrm>
+                    <a:prstGeom prst="rect">
+                      <a:avLst/>
+                    </a:prstGeom>
+                    <a:noFill/>
+                  </p:spPr>
+                  <p:txBody>
+                    <a:bodyPr wrap="square" rtlCol="0">
+                      <a:spAutoFit/>
+                    </a:bodyPr>
+                    <a:lstStyle/>
+                    <a:p>
+                      <a:r>
+                        <a:rPr lang="en-GB" dirty="0" smtClean="0">
+                          <a:latin typeface="Arial" panose="020B0604020202020204" pitchFamily="34" charset="0"/>
+                          <a:cs typeface="Arial" panose="020B0604020202020204" pitchFamily="34" charset="0"/>
+                        </a:rPr>
+                        <a:t>30</a:t>
+                      </a:r>
+                      <a:endParaRPr lang="en-GB" dirty="0">
+                        <a:latin typeface="Arial" panose="020B0604020202020204" pitchFamily="34" charset="0"/>
+                        <a:cs typeface="Arial" panose="020B0604020202020204" pitchFamily="34" charset="0"/>
+                      </a:endParaRPr>
+                    </a:p>
+                  </p:txBody>
+                </p:sp>
+                <p:sp>
+                  <p:nvSpPr>
+                    <p:cNvPr id="30" name="TextBox 29"/>
+                    <p:cNvSpPr txBox="1"/>
+                    <p:nvPr/>
+                  </p:nvSpPr>
+                  <p:spPr>
+                    <a:xfrm>
+                      <a:off x="6219890" y="5930368"/>
+                      <a:ext cx="528403" cy="369332"/>
+                    </a:xfrm>
+                    <a:prstGeom prst="rect">
+                      <a:avLst/>
+                    </a:prstGeom>
+                    <a:noFill/>
+                  </p:spPr>
+                  <p:txBody>
+                    <a:bodyPr wrap="square" rtlCol="0">
+                      <a:spAutoFit/>
+                    </a:bodyPr>
+                    <a:lstStyle/>
+                    <a:p>
+                      <a:r>
+                        <a:rPr lang="en-GB" dirty="0" smtClean="0">
+                          <a:latin typeface="Arial" panose="020B0604020202020204" pitchFamily="34" charset="0"/>
+                          <a:cs typeface="Arial" panose="020B0604020202020204" pitchFamily="34" charset="0"/>
+                        </a:rPr>
+                        <a:t>40</a:t>
+                      </a:r>
+                      <a:endParaRPr lang="en-GB" dirty="0">
+                        <a:latin typeface="Arial" panose="020B0604020202020204" pitchFamily="34" charset="0"/>
+                        <a:cs typeface="Arial" panose="020B0604020202020204" pitchFamily="34" charset="0"/>
+                      </a:endParaRPr>
+                    </a:p>
+                  </p:txBody>
+                </p:sp>
+                <p:sp>
+                  <p:nvSpPr>
+                    <p:cNvPr id="31" name="TextBox 30"/>
+                    <p:cNvSpPr txBox="1"/>
+                    <p:nvPr/>
+                  </p:nvSpPr>
+                  <p:spPr>
+                    <a:xfrm>
+                      <a:off x="409748" y="5275248"/>
+                      <a:ext cx="528403" cy="369332"/>
+                    </a:xfrm>
+                    <a:prstGeom prst="rect">
+                      <a:avLst/>
+                    </a:prstGeom>
+                    <a:noFill/>
+                  </p:spPr>
+                  <p:txBody>
+                    <a:bodyPr wrap="square" rtlCol="0">
+                      <a:spAutoFit/>
+                    </a:bodyPr>
+                    <a:lstStyle/>
+                    <a:p>
+                      <a:r>
+                        <a:rPr lang="en-GB" dirty="0" smtClean="0">
+                          <a:latin typeface="Arial" panose="020B0604020202020204" pitchFamily="34" charset="0"/>
+                          <a:cs typeface="Arial" panose="020B0604020202020204" pitchFamily="34" charset="0"/>
+                        </a:rPr>
+                        <a:t>40</a:t>
+                      </a:r>
+                      <a:endParaRPr lang="en-GB" dirty="0">
+                        <a:latin typeface="Arial" panose="020B0604020202020204" pitchFamily="34" charset="0"/>
+                        <a:cs typeface="Arial" panose="020B0604020202020204" pitchFamily="34" charset="0"/>
+                      </a:endParaRPr>
+                    </a:p>
+                  </p:txBody>
+                </p:sp>
+                <p:sp>
+                  <p:nvSpPr>
+                    <p:cNvPr id="32" name="TextBox 31"/>
+                    <p:cNvSpPr txBox="1"/>
+                    <p:nvPr/>
+                  </p:nvSpPr>
+                  <p:spPr>
+                    <a:xfrm>
+                      <a:off x="1106033" y="4826524"/>
+                      <a:ext cx="528403" cy="369332"/>
+                    </a:xfrm>
+                    <a:prstGeom prst="rect">
+                      <a:avLst/>
+                    </a:prstGeom>
+                    <a:noFill/>
+                  </p:spPr>
+                  <p:txBody>
+                    <a:bodyPr wrap="square" rtlCol="0">
+                      <a:spAutoFit/>
+                    </a:bodyPr>
+                    <a:lstStyle/>
+                    <a:p>
+                      <a:r>
+                        <a:rPr lang="en-GB" dirty="0">
+                          <a:latin typeface="Arial" panose="020B0604020202020204" pitchFamily="34" charset="0"/>
+                          <a:cs typeface="Arial" panose="020B0604020202020204" pitchFamily="34" charset="0"/>
+                        </a:rPr>
+                        <a:t>3</a:t>
+                      </a:r>
+                      <a:r>
+                        <a:rPr lang="en-GB" dirty="0" smtClean="0">
+                          <a:latin typeface="Arial" panose="020B0604020202020204" pitchFamily="34" charset="0"/>
+                          <a:cs typeface="Arial" panose="020B0604020202020204" pitchFamily="34" charset="0"/>
+                        </a:rPr>
+                        <a:t>0</a:t>
+                      </a:r>
+                      <a:endParaRPr lang="en-GB" dirty="0">
+                        <a:latin typeface="Arial" panose="020B0604020202020204" pitchFamily="34" charset="0"/>
+                        <a:cs typeface="Arial" panose="020B0604020202020204" pitchFamily="34" charset="0"/>
+                      </a:endParaRPr>
+                    </a:p>
+                  </p:txBody>
+                </p:sp>
+                <p:sp>
+                  <p:nvSpPr>
+                    <p:cNvPr id="33" name="TextBox 32"/>
+                    <p:cNvSpPr txBox="1"/>
+                    <p:nvPr/>
+                  </p:nvSpPr>
+                  <p:spPr>
+                    <a:xfrm>
+                      <a:off x="1692072" y="4457597"/>
+                      <a:ext cx="528403" cy="369332"/>
+                    </a:xfrm>
+                    <a:prstGeom prst="rect">
+                      <a:avLst/>
+                    </a:prstGeom>
+                    <a:noFill/>
+                  </p:spPr>
+                  <p:txBody>
+                    <a:bodyPr wrap="square" rtlCol="0">
+                      <a:spAutoFit/>
+                    </a:bodyPr>
+                    <a:lstStyle/>
+                    <a:p>
+                      <a:r>
+                        <a:rPr lang="en-GB" dirty="0">
+                          <a:latin typeface="Arial" panose="020B0604020202020204" pitchFamily="34" charset="0"/>
+                          <a:cs typeface="Arial" panose="020B0604020202020204" pitchFamily="34" charset="0"/>
+                        </a:rPr>
+                        <a:t>2</a:t>
+                      </a:r>
+                      <a:r>
+                        <a:rPr lang="en-GB" dirty="0" smtClean="0">
+                          <a:latin typeface="Arial" panose="020B0604020202020204" pitchFamily="34" charset="0"/>
+                          <a:cs typeface="Arial" panose="020B0604020202020204" pitchFamily="34" charset="0"/>
+                        </a:rPr>
+                        <a:t>0</a:t>
+                      </a:r>
+                      <a:endParaRPr lang="en-GB" dirty="0">
+                        <a:latin typeface="Arial" panose="020B0604020202020204" pitchFamily="34" charset="0"/>
+                        <a:cs typeface="Arial" panose="020B0604020202020204" pitchFamily="34" charset="0"/>
+                      </a:endParaRPr>
+                    </a:p>
+                  </p:txBody>
+                </p:sp>
+                <p:sp>
+                  <p:nvSpPr>
+                    <p:cNvPr id="34" name="TextBox 33"/>
+                    <p:cNvSpPr txBox="1"/>
+                    <p:nvPr/>
+                  </p:nvSpPr>
+                  <p:spPr>
+                    <a:xfrm>
+                      <a:off x="2262937" y="4048712"/>
+                      <a:ext cx="528403" cy="369332"/>
+                    </a:xfrm>
+                    <a:prstGeom prst="rect">
+                      <a:avLst/>
+                    </a:prstGeom>
+                    <a:noFill/>
+                  </p:spPr>
+                  <p:txBody>
+                    <a:bodyPr wrap="square" rtlCol="0">
+                      <a:spAutoFit/>
+                    </a:bodyPr>
+                    <a:lstStyle/>
+                    <a:p>
+                      <a:r>
+                        <a:rPr lang="en-GB" dirty="0" smtClean="0">
+                          <a:latin typeface="Arial" panose="020B0604020202020204" pitchFamily="34" charset="0"/>
+                          <a:cs typeface="Arial" panose="020B0604020202020204" pitchFamily="34" charset="0"/>
+                        </a:rPr>
+                        <a:t>10</a:t>
+                      </a:r>
+                      <a:endParaRPr lang="en-GB" dirty="0">
+                        <a:latin typeface="Arial" panose="020B0604020202020204" pitchFamily="34" charset="0"/>
+                        <a:cs typeface="Arial" panose="020B0604020202020204" pitchFamily="34" charset="0"/>
+                      </a:endParaRPr>
+                    </a:p>
+                  </p:txBody>
+                </p:sp>
+                <p:sp>
+                  <p:nvSpPr>
+                    <p:cNvPr id="35" name="TextBox 34"/>
+                    <p:cNvSpPr txBox="1"/>
+                    <p:nvPr/>
+                  </p:nvSpPr>
+                  <p:spPr>
+                    <a:xfrm>
+                      <a:off x="2831145" y="3720462"/>
+                      <a:ext cx="528403" cy="369332"/>
+                    </a:xfrm>
+                    <a:prstGeom prst="rect">
+                      <a:avLst/>
+                    </a:prstGeom>
+                    <a:noFill/>
+                  </p:spPr>
+                  <p:txBody>
+                    <a:bodyPr wrap="square" rtlCol="0">
+                      <a:spAutoFit/>
+                    </a:bodyPr>
+                    <a:lstStyle/>
+                    <a:p>
+                      <a:r>
+                        <a:rPr lang="en-GB" dirty="0" smtClean="0">
+                          <a:latin typeface="Arial" panose="020B0604020202020204" pitchFamily="34" charset="0"/>
+                          <a:cs typeface="Arial" panose="020B0604020202020204" pitchFamily="34" charset="0"/>
+                        </a:rPr>
+                        <a:t>0</a:t>
+                      </a:r>
+                      <a:endParaRPr lang="en-GB" dirty="0">
+                        <a:latin typeface="Arial" panose="020B0604020202020204" pitchFamily="34" charset="0"/>
+                        <a:cs typeface="Arial" panose="020B0604020202020204" pitchFamily="34" charset="0"/>
+                      </a:endParaRPr>
+                    </a:p>
+                  </p:txBody>
+                </p:sp>
+                <p:sp>
+                  <p:nvSpPr>
+                    <p:cNvPr id="36" name="Rectangle 35"/>
+                    <p:cNvSpPr/>
+                    <p:nvPr/>
+                  </p:nvSpPr>
+                  <p:spPr>
+                    <a:xfrm>
+                      <a:off x="9177338" y="4119822"/>
+                      <a:ext cx="285750" cy="166428"/>
+                    </a:xfrm>
+                    <a:prstGeom prst="rect">
+                      <a:avLst/>
+                    </a:prstGeom>
+                    <a:solidFill>
+                      <a:schemeClr val="bg1"/>
+                    </a:solidFill>
+                    <a:ln>
+                      <a:solidFill>
+                        <a:schemeClr val="bg1"/>
+                      </a:solidFill>
+                    </a:ln>
+                  </p:spPr>
+                  <p:style>
+                    <a:lnRef idx="2">
+                      <a:schemeClr val="accent1">
+                        <a:shade val="50000"/>
+                      </a:schemeClr>
+                    </a:lnRef>
+                    <a:fillRef idx="1">
+                      <a:schemeClr val="accent1"/>
+                    </a:fillRef>
+                    <a:effectRef idx="0">
+                      <a:schemeClr val="accent1"/>
+                    </a:effectRef>
+                    <a:fontRef idx="minor">
+                      <a:schemeClr val="lt1"/>
+                    </a:fontRef>
+                  </p:style>
+                  <p:txBody>
+                    <a:bodyPr rtlCol="0" anchor="ctr"/>
+                    <a:lstStyle/>
+                    <a:p>
+                      <a:pPr algn="ctr"/>
+                      <a:endParaRPr lang="en-GB"/>
+                    </a:p>
+                  </p:txBody>
+                </p:sp>
+              </p:grpSp>
+              <p:sp>
+                <p:nvSpPr>
+                  <p:cNvPr id="38" name="Rectangle 37"/>
+                  <p:cNvSpPr/>
+                  <p:nvPr/>
+                </p:nvSpPr>
+                <p:spPr>
+                  <a:xfrm>
+                    <a:off x="6777038" y="2872047"/>
+                    <a:ext cx="285750" cy="166428"/>
+                  </a:xfrm>
+                  <a:prstGeom prst="rect">
+                    <a:avLst/>
+                  </a:prstGeom>
+                  <a:solidFill>
+                    <a:schemeClr val="bg1"/>
+                  </a:solidFill>
+                  <a:ln>
+                    <a:solidFill>
+                      <a:schemeClr val="bg1"/>
+                    </a:solidFill>
+                  </a:ln>
+                </p:spPr>
+                <p:style>
+                  <a:lnRef idx="2">
+                    <a:schemeClr val="accent1">
+                      <a:shade val="50000"/>
+                    </a:schemeClr>
+                  </a:lnRef>
+                  <a:fillRef idx="1">
+                    <a:schemeClr val="accent1"/>
+                  </a:fillRef>
+                  <a:effectRef idx="0">
+                    <a:schemeClr val="accent1"/>
+                  </a:effectRef>
+                  <a:fontRef idx="minor">
+                    <a:schemeClr val="lt1"/>
+                  </a:fontRef>
+                </p:style>
+                <p:txBody>
+                  <a:bodyPr rtlCol="0" anchor="ctr"/>
+                  <a:lstStyle/>
+                  <a:p>
+                    <a:pPr algn="ctr"/>
+                    <a:endParaRPr lang="en-GB"/>
+                  </a:p>
+                </p:txBody>
+              </p:sp>
+              <p:sp>
+                <p:nvSpPr>
+                  <p:cNvPr id="39" name="Rectangle 38"/>
+                  <p:cNvSpPr/>
+                  <p:nvPr/>
+                </p:nvSpPr>
+                <p:spPr>
+                  <a:xfrm>
+                    <a:off x="3897188" y="2788833"/>
+                    <a:ext cx="285750" cy="166428"/>
+                  </a:xfrm>
+                  <a:prstGeom prst="rect">
+                    <a:avLst/>
+                  </a:prstGeom>
+                  <a:solidFill>
+                    <a:schemeClr val="bg1"/>
+                  </a:solidFill>
+                  <a:ln>
+                    <a:solidFill>
+                      <a:schemeClr val="bg1"/>
+                    </a:solidFill>
+                  </a:ln>
+                </p:spPr>
+                <p:style>
+                  <a:lnRef idx="2">
+                    <a:schemeClr val="accent1">
+                      <a:shade val="50000"/>
+                    </a:schemeClr>
+                  </a:lnRef>
+                  <a:fillRef idx="1">
+                    <a:schemeClr val="accent1"/>
+                  </a:fillRef>
+                  <a:effectRef idx="0">
+                    <a:schemeClr val="accent1"/>
+                  </a:effectRef>
+                  <a:fontRef idx="minor">
+                    <a:schemeClr val="lt1"/>
+                  </a:fontRef>
+                </p:style>
+                <p:txBody>
+                  <a:bodyPr rtlCol="0" anchor="ctr"/>
+                  <a:lstStyle/>
+                  <a:p>
+                    <a:pPr algn="ctr"/>
+                    <a:endParaRPr lang="en-GB"/>
+                  </a:p>
+                </p:txBody>
+              </p:sp>
+            </p:grpSp>
+            <p:sp>
+              <p:nvSpPr>
+                <p:cNvPr id="42" name="TextBox 41"/>
+                <p:cNvSpPr txBox="1"/>
+                <p:nvPr/>
+              </p:nvSpPr>
+              <p:spPr>
+                <a:xfrm>
+                  <a:off x="4057403" y="6150114"/>
+                  <a:ext cx="643125" cy="707886"/>
+                </a:xfrm>
+                <a:prstGeom prst="rect">
+                  <a:avLst/>
+                </a:prstGeom>
+                <a:noFill/>
+              </p:spPr>
+              <p:txBody>
+                <a:bodyPr wrap="none" rtlCol="0">
+                  <a:spAutoFit/>
+                </a:bodyPr>
+                <a:lstStyle/>
+                <a:p>
+                  <a:r>
+                    <a:rPr lang="en-GB" sz="4000" dirty="0" smtClean="0">
+                      <a:latin typeface="Symbol" panose="05050102010706020507" pitchFamily="18" charset="2"/>
+                      <a:cs typeface="Arial" panose="020B0604020202020204" pitchFamily="34" charset="0"/>
+                    </a:rPr>
+                    <a:t>n</a:t>
+                  </a:r>
+                  <a:r>
+                    <a:rPr lang="en-GB" sz="4000" baseline="-25000" dirty="0" smtClean="0">
+                      <a:latin typeface="Arial" panose="020B0604020202020204" pitchFamily="34" charset="0"/>
+                      <a:cs typeface="Arial" panose="020B0604020202020204" pitchFamily="34" charset="0"/>
+                    </a:rPr>
+                    <a:t>2</a:t>
+                  </a:r>
+                  <a:endParaRPr lang="en-GB" sz="4000" baseline="-25000" dirty="0">
+                    <a:latin typeface="Arial" panose="020B0604020202020204" pitchFamily="34" charset="0"/>
+                    <a:cs typeface="Arial" panose="020B0604020202020204" pitchFamily="34" charset="0"/>
+                  </a:endParaRPr>
+                </a:p>
+              </p:txBody>
+            </p:sp>
+            <p:sp>
+              <p:nvSpPr>
+                <p:cNvPr id="43" name="TextBox 42"/>
+                <p:cNvSpPr txBox="1"/>
+                <p:nvPr/>
+              </p:nvSpPr>
+              <p:spPr>
+                <a:xfrm>
+                  <a:off x="6855530" y="5926112"/>
+                  <a:ext cx="623889" cy="523220"/>
+                </a:xfrm>
+                <a:prstGeom prst="rect">
+                  <a:avLst/>
+                </a:prstGeom>
+                <a:noFill/>
+              </p:spPr>
+              <p:txBody>
+                <a:bodyPr wrap="none" rtlCol="0">
+                  <a:spAutoFit/>
+                </a:bodyPr>
+                <a:lstStyle/>
+                <a:p>
+                  <a:r>
+                    <a:rPr lang="en-GB" sz="2800" dirty="0" smtClean="0">
+                      <a:latin typeface="Arial" panose="020B0604020202020204" pitchFamily="34" charset="0"/>
+                      <a:cs typeface="Arial" panose="020B0604020202020204" pitchFamily="34" charset="0"/>
+                    </a:rPr>
+                    <a:t>Hz</a:t>
+                  </a:r>
+                  <a:endParaRPr lang="en-GB" dirty="0">
+                    <a:latin typeface="Arial" panose="020B0604020202020204" pitchFamily="34" charset="0"/>
+                    <a:cs typeface="Arial" panose="020B0604020202020204" pitchFamily="34" charset="0"/>
+                  </a:endParaRPr>
+                </a:p>
+              </p:txBody>
+            </p:sp>
+            <p:sp>
+              <p:nvSpPr>
+                <p:cNvPr id="44" name="TextBox 43"/>
+                <p:cNvSpPr txBox="1"/>
+                <p:nvPr/>
+              </p:nvSpPr>
+              <p:spPr>
+                <a:xfrm>
+                  <a:off x="446066" y="5584674"/>
+                  <a:ext cx="623889" cy="523220"/>
+                </a:xfrm>
+                <a:prstGeom prst="rect">
+                  <a:avLst/>
+                </a:prstGeom>
+                <a:noFill/>
+              </p:spPr>
+              <p:txBody>
+                <a:bodyPr wrap="none" rtlCol="0">
+                  <a:spAutoFit/>
+                </a:bodyPr>
+                <a:lstStyle/>
+                <a:p>
+                  <a:r>
+                    <a:rPr lang="en-GB" sz="2800" dirty="0" smtClean="0">
+                      <a:latin typeface="Arial" panose="020B0604020202020204" pitchFamily="34" charset="0"/>
+                      <a:cs typeface="Arial" panose="020B0604020202020204" pitchFamily="34" charset="0"/>
+                    </a:rPr>
+                    <a:t>Hz</a:t>
+                  </a:r>
+                  <a:endParaRPr lang="en-GB" dirty="0">
+                    <a:latin typeface="Arial" panose="020B0604020202020204" pitchFamily="34" charset="0"/>
+                    <a:cs typeface="Arial" panose="020B0604020202020204" pitchFamily="34" charset="0"/>
+                  </a:endParaRPr>
+                </a:p>
+              </p:txBody>
+            </p:sp>
+          </p:grpSp>
+          <p:sp>
+            <p:nvSpPr>
+              <p:cNvPr id="47" name="TextBox 46"/>
+              <p:cNvSpPr txBox="1"/>
+              <p:nvPr/>
+            </p:nvSpPr>
+            <p:spPr>
+              <a:xfrm>
+                <a:off x="1322540" y="3890965"/>
+                <a:ext cx="643125" cy="707886"/>
+              </a:xfrm>
+              <a:prstGeom prst="rect">
+                <a:avLst/>
+              </a:prstGeom>
+              <a:noFill/>
+            </p:spPr>
+            <p:txBody>
+              <a:bodyPr wrap="none" rtlCol="0">
+                <a:spAutoFit/>
+              </a:bodyPr>
+              <a:lstStyle/>
+              <a:p>
+                <a:r>
+                  <a:rPr lang="en-GB" sz="4000" dirty="0" smtClean="0">
+                    <a:latin typeface="Symbol" panose="05050102010706020507" pitchFamily="18" charset="2"/>
+                    <a:cs typeface="Arial" panose="020B0604020202020204" pitchFamily="34" charset="0"/>
+                  </a:rPr>
+                  <a:t>n</a:t>
+                </a:r>
+                <a:r>
+                  <a:rPr lang="en-GB" sz="4000" baseline="-25000" dirty="0" smtClean="0">
+                    <a:latin typeface="Arial" panose="020B0604020202020204" pitchFamily="34" charset="0"/>
+                    <a:cs typeface="Arial" panose="020B0604020202020204" pitchFamily="34" charset="0"/>
+                  </a:rPr>
+                  <a:t>1</a:t>
+                </a:r>
+                <a:endParaRPr lang="en-GB" sz="4000" baseline="-25000" dirty="0">
+                  <a:latin typeface="Arial" panose="020B0604020202020204" pitchFamily="34" charset="0"/>
+                  <a:cs typeface="Arial" panose="020B0604020202020204" pitchFamily="34" charset="0"/>
+                </a:endParaRPr>
+              </a:p>
+            </p:txBody>
+          </p:sp>
+        </p:grpSp>
+      </p:grpSp>
+    </p:spTree>
+    <p:extLst>
+      <p:ext uri="{BB962C8B-B14F-4D97-AF65-F5344CB8AC3E}">
+        <p14:creationId xmlns:p14="http://schemas.microsoft.com/office/powerpoint/2010/main" val="2575075737"/>
+      </p:ext>
+    </p:extLst>
+  </p:cSld>
+  <p:clrMapOvr>
+    <a:masterClrMapping/>
+  </p:clrMapOvr>
+</p:sld>
+</file>
+
 <file path=ppt/slides/slide6.xml><?xml version="1.0" encoding="utf-8"?>
 <p:sld xmlns:a="http://schemas.openxmlformats.org/drawingml/2006/main" xmlns:r="http://schemas.openxmlformats.org/officeDocument/2006/relationships" xmlns:p="http://schemas.openxmlformats.org/presentationml/2006/main">
   <p:cSld>

--- a/figures/pics for NMR lectures.pptx
+++ b/figures/pics for NMR lectures.pptx
@@ -5,7 +5,7 @@
     <p:sldMasterId id="2147483648" r:id="rId1"/>
   </p:sldMasterIdLst>
   <p:notesMasterIdLst>
-    <p:notesMasterId r:id="rId56"/>
+    <p:notesMasterId r:id="rId58"/>
   </p:notesMasterIdLst>
   <p:sldIdLst>
     <p:sldId id="257" r:id="rId2"/>
@@ -62,6 +62,8 @@
     <p:sldId id="308" r:id="rId53"/>
     <p:sldId id="310" r:id="rId54"/>
     <p:sldId id="309" r:id="rId55"/>
+    <p:sldId id="311" r:id="rId56"/>
+    <p:sldId id="312" r:id="rId57"/>
   </p:sldIdLst>
   <p:sldSz cx="12192000" cy="6858000"/>
   <p:notesSz cx="6858000" cy="9144000"/>
@@ -223,6 +225,8 @@
             <p14:sldId id="308"/>
             <p14:sldId id="310"/>
             <p14:sldId id="309"/>
+            <p14:sldId id="311"/>
+            <p14:sldId id="312"/>
           </p14:sldIdLst>
         </p14:section>
       </p14:sectionLst>
@@ -316,7 +320,7 @@
           <a:p>
             <a:fld id="{D98A8B21-A5DE-4FDD-84FC-FB32FCF8106F}" type="datetimeFigureOut">
               <a:rPr lang="en-GB" smtClean="0"/>
-              <a:t>07/08/2017</a:t>
+              <a:t>09/08/2017</a:t>
             </a:fld>
             <a:endParaRPr lang="en-GB"/>
           </a:p>
@@ -883,7 +887,7 @@
           <a:p>
             <a:fld id="{D31532C7-002A-42CF-8CCE-521F7F2F004A}" type="datetimeFigureOut">
               <a:rPr lang="en-GB" smtClean="0"/>
-              <a:t>07/08/2017</a:t>
+              <a:t>09/08/2017</a:t>
             </a:fld>
             <a:endParaRPr lang="en-GB"/>
           </a:p>
@@ -1053,7 +1057,7 @@
           <a:p>
             <a:fld id="{D31532C7-002A-42CF-8CCE-521F7F2F004A}" type="datetimeFigureOut">
               <a:rPr lang="en-GB" smtClean="0"/>
-              <a:t>07/08/2017</a:t>
+              <a:t>09/08/2017</a:t>
             </a:fld>
             <a:endParaRPr lang="en-GB"/>
           </a:p>
@@ -1233,7 +1237,7 @@
           <a:p>
             <a:fld id="{D31532C7-002A-42CF-8CCE-521F7F2F004A}" type="datetimeFigureOut">
               <a:rPr lang="en-GB" smtClean="0"/>
-              <a:t>07/08/2017</a:t>
+              <a:t>09/08/2017</a:t>
             </a:fld>
             <a:endParaRPr lang="en-GB"/>
           </a:p>
@@ -1403,7 +1407,7 @@
           <a:p>
             <a:fld id="{D31532C7-002A-42CF-8CCE-521F7F2F004A}" type="datetimeFigureOut">
               <a:rPr lang="en-GB" smtClean="0"/>
-              <a:t>07/08/2017</a:t>
+              <a:t>09/08/2017</a:t>
             </a:fld>
             <a:endParaRPr lang="en-GB"/>
           </a:p>
@@ -1649,7 +1653,7 @@
           <a:p>
             <a:fld id="{D31532C7-002A-42CF-8CCE-521F7F2F004A}" type="datetimeFigureOut">
               <a:rPr lang="en-GB" smtClean="0"/>
-              <a:t>07/08/2017</a:t>
+              <a:t>09/08/2017</a:t>
             </a:fld>
             <a:endParaRPr lang="en-GB"/>
           </a:p>
@@ -1881,7 +1885,7 @@
           <a:p>
             <a:fld id="{D31532C7-002A-42CF-8CCE-521F7F2F004A}" type="datetimeFigureOut">
               <a:rPr lang="en-GB" smtClean="0"/>
-              <a:t>07/08/2017</a:t>
+              <a:t>09/08/2017</a:t>
             </a:fld>
             <a:endParaRPr lang="en-GB"/>
           </a:p>
@@ -2248,7 +2252,7 @@
           <a:p>
             <a:fld id="{D31532C7-002A-42CF-8CCE-521F7F2F004A}" type="datetimeFigureOut">
               <a:rPr lang="en-GB" smtClean="0"/>
-              <a:t>07/08/2017</a:t>
+              <a:t>09/08/2017</a:t>
             </a:fld>
             <a:endParaRPr lang="en-GB"/>
           </a:p>
@@ -2366,7 +2370,7 @@
           <a:p>
             <a:fld id="{D31532C7-002A-42CF-8CCE-521F7F2F004A}" type="datetimeFigureOut">
               <a:rPr lang="en-GB" smtClean="0"/>
-              <a:t>07/08/2017</a:t>
+              <a:t>09/08/2017</a:t>
             </a:fld>
             <a:endParaRPr lang="en-GB"/>
           </a:p>
@@ -2461,7 +2465,7 @@
           <a:p>
             <a:fld id="{D31532C7-002A-42CF-8CCE-521F7F2F004A}" type="datetimeFigureOut">
               <a:rPr lang="en-GB" smtClean="0"/>
-              <a:t>07/08/2017</a:t>
+              <a:t>09/08/2017</a:t>
             </a:fld>
             <a:endParaRPr lang="en-GB"/>
           </a:p>
@@ -2738,7 +2742,7 @@
           <a:p>
             <a:fld id="{D31532C7-002A-42CF-8CCE-521F7F2F004A}" type="datetimeFigureOut">
               <a:rPr lang="en-GB" smtClean="0"/>
-              <a:t>07/08/2017</a:t>
+              <a:t>09/08/2017</a:t>
             </a:fld>
             <a:endParaRPr lang="en-GB"/>
           </a:p>
@@ -2991,7 +2995,7 @@
           <a:p>
             <a:fld id="{D31532C7-002A-42CF-8CCE-521F7F2F004A}" type="datetimeFigureOut">
               <a:rPr lang="en-GB" smtClean="0"/>
-              <a:t>07/08/2017</a:t>
+              <a:t>09/08/2017</a:t>
             </a:fld>
             <a:endParaRPr lang="en-GB"/>
           </a:p>
@@ -3204,7 +3208,7 @@
           <a:p>
             <a:fld id="{D31532C7-002A-42CF-8CCE-521F7F2F004A}" type="datetimeFigureOut">
               <a:rPr lang="en-GB" smtClean="0"/>
-              <a:t>07/08/2017</a:t>
+              <a:t>09/08/2017</a:t>
             </a:fld>
             <a:endParaRPr lang="en-GB"/>
           </a:p>
@@ -42878,7 +42882,7 @@
               <a:graphicData uri="http://schemas.openxmlformats.org/presentationml/2006/ole">
                 <mc:AlternateContent xmlns:mc="http://schemas.openxmlformats.org/markup-compatibility/2006">
                   <mc:Choice xmlns:v="urn:schemas-microsoft-com:vml" Requires="v">
-                    <p:oleObj spid="_x0000_s2069" name="CS ChemDraw Drawing" r:id="rId4" imgW="4169232" imgH="830250" progId="ChemDraw.Document.6.0">
+                    <p:oleObj spid="_x0000_s2086" name="CS ChemDraw Drawing" r:id="rId4" imgW="4169232" imgH="830250" progId="ChemDraw.Document.6.0">
                       <p:embed/>
                     </p:oleObj>
                   </mc:Choice>
@@ -43071,7 +43075,7 @@
             <a:graphicData uri="http://schemas.openxmlformats.org/presentationml/2006/ole">
               <mc:AlternateContent xmlns:mc="http://schemas.openxmlformats.org/markup-compatibility/2006">
                 <mc:Choice xmlns:v="urn:schemas-microsoft-com:vml" Requires="v">
-                  <p:oleObj spid="_x0000_s1052" name="CS ChemDraw Drawing" r:id="rId3" imgW="4169232" imgH="830250" progId="ChemDraw.Document.6.0">
+                  <p:oleObj spid="_x0000_s1069" name="CS ChemDraw Drawing" r:id="rId3" imgW="4169232" imgH="830250" progId="ChemDraw.Document.6.0">
                     <p:embed/>
                   </p:oleObj>
                 </mc:Choice>
@@ -44317,6 +44321,923 @@
 </p:sld>
 </file>
 
+<file path=ppt/slides/slide55.xml><?xml version="1.0" encoding="utf-8"?>
+<p:sld xmlns:a="http://schemas.openxmlformats.org/drawingml/2006/main" xmlns:r="http://schemas.openxmlformats.org/officeDocument/2006/relationships" xmlns:p="http://schemas.openxmlformats.org/presentationml/2006/main">
+  <p:cSld>
+    <p:spTree>
+      <p:nvGrpSpPr>
+        <p:cNvPr id="1" name=""/>
+        <p:cNvGrpSpPr/>
+        <p:nvPr/>
+      </p:nvGrpSpPr>
+      <p:grpSpPr>
+        <a:xfrm>
+          <a:off x="0" y="0"/>
+          <a:ext cx="0" cy="0"/>
+          <a:chOff x="0" y="0"/>
+          <a:chExt cx="0" cy="0"/>
+        </a:xfrm>
+      </p:grpSpPr>
+      <p:grpSp>
+        <p:nvGrpSpPr>
+          <p:cNvPr id="39" name="Group 38"/>
+          <p:cNvGrpSpPr/>
+          <p:nvPr/>
+        </p:nvGrpSpPr>
+        <p:grpSpPr>
+          <a:xfrm>
+            <a:off x="663657" y="73844"/>
+            <a:ext cx="8364762" cy="6126906"/>
+            <a:chOff x="663657" y="73844"/>
+            <a:chExt cx="8364762" cy="6126906"/>
+          </a:xfrm>
+        </p:grpSpPr>
+        <p:cxnSp>
+          <p:nvCxnSpPr>
+            <p:cNvPr id="5" name="Straight Connector 4"/>
+            <p:cNvCxnSpPr/>
+            <p:nvPr/>
+          </p:nvCxnSpPr>
+          <p:spPr>
+            <a:xfrm flipV="1">
+              <a:off x="826747" y="3836487"/>
+              <a:ext cx="3064476" cy="24713"/>
+            </a:xfrm>
+            <a:prstGeom prst="line">
+              <a:avLst/>
+            </a:prstGeom>
+            <a:ln w="66675" cap="rnd"/>
+          </p:spPr>
+          <p:style>
+            <a:lnRef idx="3">
+              <a:schemeClr val="dk1"/>
+            </a:lnRef>
+            <a:fillRef idx="0">
+              <a:schemeClr val="dk1"/>
+            </a:fillRef>
+            <a:effectRef idx="2">
+              <a:schemeClr val="dk1"/>
+            </a:effectRef>
+            <a:fontRef idx="minor">
+              <a:schemeClr val="tx1"/>
+            </a:fontRef>
+          </p:style>
+        </p:cxnSp>
+        <p:cxnSp>
+          <p:nvCxnSpPr>
+            <p:cNvPr id="6" name="Straight Connector 5"/>
+            <p:cNvCxnSpPr/>
+            <p:nvPr/>
+          </p:nvCxnSpPr>
+          <p:spPr>
+            <a:xfrm flipV="1">
+              <a:off x="2676757" y="6176037"/>
+              <a:ext cx="3064476" cy="24713"/>
+            </a:xfrm>
+            <a:prstGeom prst="line">
+              <a:avLst/>
+            </a:prstGeom>
+            <a:ln w="66675" cap="rnd"/>
+          </p:spPr>
+          <p:style>
+            <a:lnRef idx="3">
+              <a:schemeClr val="dk1"/>
+            </a:lnRef>
+            <a:fillRef idx="0">
+              <a:schemeClr val="dk1"/>
+            </a:fillRef>
+            <a:effectRef idx="2">
+              <a:schemeClr val="dk1"/>
+            </a:effectRef>
+            <a:fontRef idx="minor">
+              <a:schemeClr val="tx1"/>
+            </a:fontRef>
+          </p:style>
+        </p:cxnSp>
+        <p:sp>
+          <p:nvSpPr>
+            <p:cNvPr id="7" name="TextBox 6"/>
+            <p:cNvSpPr txBox="1"/>
+            <p:nvPr/>
+          </p:nvSpPr>
+          <p:spPr>
+            <a:xfrm>
+              <a:off x="663657" y="3289979"/>
+              <a:ext cx="1984819" cy="584775"/>
+            </a:xfrm>
+            <a:prstGeom prst="rect">
+              <a:avLst/>
+            </a:prstGeom>
+            <a:noFill/>
+          </p:spPr>
+          <p:txBody>
+            <a:bodyPr wrap="square" rtlCol="0">
+              <a:spAutoFit/>
+            </a:bodyPr>
+            <a:lstStyle/>
+            <a:p>
+              <a:r>
+                <a:rPr lang="en-GB" sz="3200" dirty="0" smtClean="0">
+                  <a:latin typeface="Arial" panose="020B0604020202020204" pitchFamily="34" charset="0"/>
+                  <a:cs typeface="Arial" panose="020B0604020202020204" pitchFamily="34" charset="0"/>
+                </a:rPr>
+                <a:t>|2&gt;=</a:t>
+              </a:r>
+              <a:r>
+                <a:rPr lang="en-GB" sz="3200" dirty="0" smtClean="0">
+                  <a:latin typeface="Arial" panose="020B0604020202020204" pitchFamily="34" charset="0"/>
+                  <a:cs typeface="Arial" panose="020B0604020202020204" pitchFamily="34" charset="0"/>
+                </a:rPr>
+                <a:t>|</a:t>
+              </a:r>
+              <a:r>
+                <a:rPr lang="en-GB" sz="3200" dirty="0" smtClean="0">
+                  <a:latin typeface="Symbol" panose="05050102010706020507" pitchFamily="18" charset="2"/>
+                </a:rPr>
+                <a:t>b</a:t>
+              </a:r>
+              <a:r>
+                <a:rPr lang="en-GB" sz="3200" dirty="0" smtClean="0">
+                  <a:latin typeface="Arial" panose="020B0604020202020204" pitchFamily="34" charset="0"/>
+                  <a:cs typeface="Arial" panose="020B0604020202020204" pitchFamily="34" charset="0"/>
+                </a:rPr>
+                <a:t>&gt;</a:t>
+              </a:r>
+              <a:endParaRPr lang="en-GB" sz="3200" dirty="0">
+                <a:latin typeface="Arial" panose="020B0604020202020204" pitchFamily="34" charset="0"/>
+                <a:cs typeface="Arial" panose="020B0604020202020204" pitchFamily="34" charset="0"/>
+              </a:endParaRPr>
+            </a:p>
+          </p:txBody>
+        </p:sp>
+        <p:cxnSp>
+          <p:nvCxnSpPr>
+            <p:cNvPr id="10" name="Straight Arrow Connector 9"/>
+            <p:cNvCxnSpPr/>
+            <p:nvPr/>
+          </p:nvCxnSpPr>
+          <p:spPr>
+            <a:xfrm flipH="1" flipV="1">
+              <a:off x="5280554" y="710517"/>
+              <a:ext cx="1282616" cy="2243073"/>
+            </a:xfrm>
+            <a:prstGeom prst="straightConnector1">
+              <a:avLst/>
+            </a:prstGeom>
+            <a:ln w="57150">
+              <a:headEnd type="stealth" w="med" len="lg"/>
+              <a:tailEnd type="stealth" w="med" len="lg"/>
+            </a:ln>
+          </p:spPr>
+          <p:style>
+            <a:lnRef idx="1">
+              <a:schemeClr val="accent1"/>
+            </a:lnRef>
+            <a:fillRef idx="0">
+              <a:schemeClr val="accent1"/>
+            </a:fillRef>
+            <a:effectRef idx="0">
+              <a:schemeClr val="accent1"/>
+            </a:effectRef>
+            <a:fontRef idx="minor">
+              <a:schemeClr val="tx1"/>
+            </a:fontRef>
+          </p:style>
+        </p:cxnSp>
+        <p:cxnSp>
+          <p:nvCxnSpPr>
+            <p:cNvPr id="17" name="Straight Connector 16"/>
+            <p:cNvCxnSpPr/>
+            <p:nvPr/>
+          </p:nvCxnSpPr>
+          <p:spPr>
+            <a:xfrm flipV="1">
+              <a:off x="3252335" y="647477"/>
+              <a:ext cx="3064476" cy="24713"/>
+            </a:xfrm>
+            <a:prstGeom prst="line">
+              <a:avLst/>
+            </a:prstGeom>
+            <a:ln w="66675" cap="rnd"/>
+          </p:spPr>
+          <p:style>
+            <a:lnRef idx="3">
+              <a:schemeClr val="dk1"/>
+            </a:lnRef>
+            <a:fillRef idx="0">
+              <a:schemeClr val="dk1"/>
+            </a:fillRef>
+            <a:effectRef idx="2">
+              <a:schemeClr val="dk1"/>
+            </a:effectRef>
+            <a:fontRef idx="minor">
+              <a:schemeClr val="tx1"/>
+            </a:fontRef>
+          </p:style>
+        </p:cxnSp>
+        <p:cxnSp>
+          <p:nvCxnSpPr>
+            <p:cNvPr id="18" name="Straight Connector 17"/>
+            <p:cNvCxnSpPr/>
+            <p:nvPr/>
+          </p:nvCxnSpPr>
+          <p:spPr>
+            <a:xfrm flipV="1">
+              <a:off x="5102345" y="2987027"/>
+              <a:ext cx="3064476" cy="24713"/>
+            </a:xfrm>
+            <a:prstGeom prst="line">
+              <a:avLst/>
+            </a:prstGeom>
+            <a:ln w="66675" cap="rnd"/>
+          </p:spPr>
+          <p:style>
+            <a:lnRef idx="3">
+              <a:schemeClr val="dk1"/>
+            </a:lnRef>
+            <a:fillRef idx="0">
+              <a:schemeClr val="dk1"/>
+            </a:fillRef>
+            <a:effectRef idx="2">
+              <a:schemeClr val="dk1"/>
+            </a:effectRef>
+            <a:fontRef idx="minor">
+              <a:schemeClr val="tx1"/>
+            </a:fontRef>
+          </p:style>
+        </p:cxnSp>
+        <p:sp>
+          <p:nvSpPr>
+            <p:cNvPr id="19" name="TextBox 18"/>
+            <p:cNvSpPr txBox="1"/>
+            <p:nvPr/>
+          </p:nvSpPr>
+          <p:spPr>
+            <a:xfrm>
+              <a:off x="4788934" y="5596092"/>
+              <a:ext cx="1984819" cy="584775"/>
+            </a:xfrm>
+            <a:prstGeom prst="rect">
+              <a:avLst/>
+            </a:prstGeom>
+            <a:noFill/>
+          </p:spPr>
+          <p:txBody>
+            <a:bodyPr wrap="square" rtlCol="0">
+              <a:spAutoFit/>
+            </a:bodyPr>
+            <a:lstStyle/>
+            <a:p>
+              <a:r>
+                <a:rPr lang="en-GB" sz="3200" dirty="0" smtClean="0">
+                  <a:latin typeface="Arial" panose="020B0604020202020204" pitchFamily="34" charset="0"/>
+                  <a:cs typeface="Arial" panose="020B0604020202020204" pitchFamily="34" charset="0"/>
+                </a:rPr>
+                <a:t>|1&gt;=</a:t>
+              </a:r>
+              <a:r>
+                <a:rPr lang="en-GB" sz="3200" dirty="0" smtClean="0">
+                  <a:latin typeface="Arial" panose="020B0604020202020204" pitchFamily="34" charset="0"/>
+                  <a:cs typeface="Arial" panose="020B0604020202020204" pitchFamily="34" charset="0"/>
+                </a:rPr>
+                <a:t>|</a:t>
+              </a:r>
+              <a:r>
+                <a:rPr lang="en-GB" sz="3200" dirty="0" smtClean="0">
+                  <a:latin typeface="Symbol" panose="05050102010706020507" pitchFamily="18" charset="2"/>
+                </a:rPr>
+                <a:t>aa</a:t>
+              </a:r>
+              <a:r>
+                <a:rPr lang="en-GB" sz="3200" dirty="0" smtClean="0">
+                  <a:latin typeface="Arial" panose="020B0604020202020204" pitchFamily="34" charset="0"/>
+                  <a:cs typeface="Arial" panose="020B0604020202020204" pitchFamily="34" charset="0"/>
+                </a:rPr>
+                <a:t>&gt;</a:t>
+              </a:r>
+              <a:endParaRPr lang="en-GB" sz="3200" dirty="0">
+                <a:latin typeface="Arial" panose="020B0604020202020204" pitchFamily="34" charset="0"/>
+                <a:cs typeface="Arial" panose="020B0604020202020204" pitchFamily="34" charset="0"/>
+              </a:endParaRPr>
+            </a:p>
+          </p:txBody>
+        </p:sp>
+        <p:sp>
+          <p:nvSpPr>
+            <p:cNvPr id="20" name="TextBox 19"/>
+            <p:cNvSpPr txBox="1"/>
+            <p:nvPr/>
+          </p:nvSpPr>
+          <p:spPr>
+            <a:xfrm>
+              <a:off x="3053131" y="73844"/>
+              <a:ext cx="1984819" cy="584775"/>
+            </a:xfrm>
+            <a:prstGeom prst="rect">
+              <a:avLst/>
+            </a:prstGeom>
+            <a:noFill/>
+          </p:spPr>
+          <p:txBody>
+            <a:bodyPr wrap="square" rtlCol="0">
+              <a:spAutoFit/>
+            </a:bodyPr>
+            <a:lstStyle/>
+            <a:p>
+              <a:r>
+                <a:rPr lang="en-GB" sz="3200" dirty="0" smtClean="0">
+                  <a:latin typeface="Arial" panose="020B0604020202020204" pitchFamily="34" charset="0"/>
+                  <a:cs typeface="Arial" panose="020B0604020202020204" pitchFamily="34" charset="0"/>
+                </a:rPr>
+                <a:t>|4&gt;=</a:t>
+              </a:r>
+              <a:r>
+                <a:rPr lang="en-GB" sz="3200" dirty="0" smtClean="0">
+                  <a:latin typeface="Arial" panose="020B0604020202020204" pitchFamily="34" charset="0"/>
+                  <a:cs typeface="Arial" panose="020B0604020202020204" pitchFamily="34" charset="0"/>
+                </a:rPr>
+                <a:t>|</a:t>
+              </a:r>
+              <a:r>
+                <a:rPr lang="en-GB" sz="3200" dirty="0" smtClean="0">
+                  <a:latin typeface="Symbol" panose="05050102010706020507" pitchFamily="18" charset="2"/>
+                </a:rPr>
+                <a:t>bb</a:t>
+              </a:r>
+              <a:r>
+                <a:rPr lang="en-GB" sz="3200" dirty="0" smtClean="0">
+                  <a:latin typeface="Arial" panose="020B0604020202020204" pitchFamily="34" charset="0"/>
+                  <a:cs typeface="Arial" panose="020B0604020202020204" pitchFamily="34" charset="0"/>
+                </a:rPr>
+                <a:t>&gt;</a:t>
+              </a:r>
+              <a:endParaRPr lang="en-GB" sz="3200" dirty="0">
+                <a:latin typeface="Arial" panose="020B0604020202020204" pitchFamily="34" charset="0"/>
+                <a:cs typeface="Arial" panose="020B0604020202020204" pitchFamily="34" charset="0"/>
+              </a:endParaRPr>
+            </a:p>
+          </p:txBody>
+        </p:sp>
+        <p:sp>
+          <p:nvSpPr>
+            <p:cNvPr id="21" name="TextBox 20"/>
+            <p:cNvSpPr txBox="1"/>
+            <p:nvPr/>
+          </p:nvSpPr>
+          <p:spPr>
+            <a:xfrm>
+              <a:off x="7043600" y="2379957"/>
+              <a:ext cx="1984819" cy="584775"/>
+            </a:xfrm>
+            <a:prstGeom prst="rect">
+              <a:avLst/>
+            </a:prstGeom>
+            <a:noFill/>
+          </p:spPr>
+          <p:txBody>
+            <a:bodyPr wrap="square" rtlCol="0">
+              <a:spAutoFit/>
+            </a:bodyPr>
+            <a:lstStyle/>
+            <a:p>
+              <a:r>
+                <a:rPr lang="en-GB" sz="3200" dirty="0" smtClean="0">
+                  <a:latin typeface="Arial" panose="020B0604020202020204" pitchFamily="34" charset="0"/>
+                  <a:cs typeface="Arial" panose="020B0604020202020204" pitchFamily="34" charset="0"/>
+                </a:rPr>
+                <a:t>|3&gt;=</a:t>
+              </a:r>
+              <a:r>
+                <a:rPr lang="en-GB" sz="3200" dirty="0" smtClean="0">
+                  <a:latin typeface="Arial" panose="020B0604020202020204" pitchFamily="34" charset="0"/>
+                  <a:cs typeface="Arial" panose="020B0604020202020204" pitchFamily="34" charset="0"/>
+                </a:rPr>
+                <a:t>|</a:t>
+              </a:r>
+              <a:r>
+                <a:rPr lang="en-GB" sz="3200" dirty="0" err="1" smtClean="0">
+                  <a:latin typeface="Symbol" panose="05050102010706020507" pitchFamily="18" charset="2"/>
+                </a:rPr>
+                <a:t>ba</a:t>
+              </a:r>
+              <a:r>
+                <a:rPr lang="en-GB" sz="3200" dirty="0" smtClean="0">
+                  <a:latin typeface="Arial" panose="020B0604020202020204" pitchFamily="34" charset="0"/>
+                  <a:cs typeface="Arial" panose="020B0604020202020204" pitchFamily="34" charset="0"/>
+                </a:rPr>
+                <a:t>&gt;</a:t>
+              </a:r>
+              <a:endParaRPr lang="en-GB" sz="3200" dirty="0">
+                <a:latin typeface="Arial" panose="020B0604020202020204" pitchFamily="34" charset="0"/>
+                <a:cs typeface="Arial" panose="020B0604020202020204" pitchFamily="34" charset="0"/>
+              </a:endParaRPr>
+            </a:p>
+          </p:txBody>
+        </p:sp>
+        <p:cxnSp>
+          <p:nvCxnSpPr>
+            <p:cNvPr id="23" name="Straight Arrow Connector 22"/>
+            <p:cNvCxnSpPr/>
+            <p:nvPr/>
+          </p:nvCxnSpPr>
+          <p:spPr>
+            <a:xfrm flipH="1" flipV="1">
+              <a:off x="2499885" y="3899527"/>
+              <a:ext cx="1282616" cy="2243073"/>
+            </a:xfrm>
+            <a:prstGeom prst="straightConnector1">
+              <a:avLst/>
+            </a:prstGeom>
+            <a:ln w="57150">
+              <a:headEnd type="stealth" w="med" len="lg"/>
+              <a:tailEnd type="stealth" w="med" len="lg"/>
+            </a:ln>
+          </p:spPr>
+          <p:style>
+            <a:lnRef idx="1">
+              <a:schemeClr val="accent1"/>
+            </a:lnRef>
+            <a:fillRef idx="0">
+              <a:schemeClr val="accent1"/>
+            </a:fillRef>
+            <a:effectRef idx="0">
+              <a:schemeClr val="accent1"/>
+            </a:effectRef>
+            <a:fontRef idx="minor">
+              <a:schemeClr val="tx1"/>
+            </a:fontRef>
+          </p:style>
+        </p:cxnSp>
+        <p:cxnSp>
+          <p:nvCxnSpPr>
+            <p:cNvPr id="24" name="Straight Arrow Connector 23"/>
+            <p:cNvCxnSpPr/>
+            <p:nvPr/>
+          </p:nvCxnSpPr>
+          <p:spPr>
+            <a:xfrm flipV="1">
+              <a:off x="2055043" y="731406"/>
+              <a:ext cx="1517715" cy="3074133"/>
+            </a:xfrm>
+            <a:prstGeom prst="straightConnector1">
+              <a:avLst/>
+            </a:prstGeom>
+            <a:ln w="57150">
+              <a:headEnd type="stealth" w="med" len="lg"/>
+              <a:tailEnd type="stealth" w="med" len="lg"/>
+            </a:ln>
+          </p:spPr>
+          <p:style>
+            <a:lnRef idx="1">
+              <a:schemeClr val="accent1"/>
+            </a:lnRef>
+            <a:fillRef idx="0">
+              <a:schemeClr val="accent1"/>
+            </a:fillRef>
+            <a:effectRef idx="0">
+              <a:schemeClr val="accent1"/>
+            </a:effectRef>
+            <a:fontRef idx="minor">
+              <a:schemeClr val="tx1"/>
+            </a:fontRef>
+          </p:style>
+        </p:cxnSp>
+        <p:cxnSp>
+          <p:nvCxnSpPr>
+            <p:cNvPr id="27" name="Straight Arrow Connector 26"/>
+            <p:cNvCxnSpPr/>
+            <p:nvPr/>
+          </p:nvCxnSpPr>
+          <p:spPr>
+            <a:xfrm flipV="1">
+              <a:off x="4670893" y="3068467"/>
+              <a:ext cx="1517715" cy="3074133"/>
+            </a:xfrm>
+            <a:prstGeom prst="straightConnector1">
+              <a:avLst/>
+            </a:prstGeom>
+            <a:ln w="57150">
+              <a:headEnd type="stealth" w="med" len="lg"/>
+              <a:tailEnd type="stealth" w="med" len="lg"/>
+            </a:ln>
+          </p:spPr>
+          <p:style>
+            <a:lnRef idx="1">
+              <a:schemeClr val="accent1"/>
+            </a:lnRef>
+            <a:fillRef idx="0">
+              <a:schemeClr val="accent1"/>
+            </a:fillRef>
+            <a:effectRef idx="0">
+              <a:schemeClr val="accent1"/>
+            </a:effectRef>
+            <a:fontRef idx="minor">
+              <a:schemeClr val="tx1"/>
+            </a:fontRef>
+          </p:style>
+        </p:cxnSp>
+        <p:cxnSp>
+          <p:nvCxnSpPr>
+            <p:cNvPr id="28" name="Straight Arrow Connector 27"/>
+            <p:cNvCxnSpPr/>
+            <p:nvPr/>
+          </p:nvCxnSpPr>
+          <p:spPr>
+            <a:xfrm flipV="1">
+              <a:off x="4384553" y="724028"/>
+              <a:ext cx="179901" cy="5388967"/>
+            </a:xfrm>
+            <a:prstGeom prst="straightConnector1">
+              <a:avLst/>
+            </a:prstGeom>
+            <a:ln w="57150">
+              <a:prstDash val="dash"/>
+              <a:headEnd type="stealth" w="med" len="lg"/>
+              <a:tailEnd type="stealth" w="med" len="lg"/>
+            </a:ln>
+          </p:spPr>
+          <p:style>
+            <a:lnRef idx="1">
+              <a:schemeClr val="accent1"/>
+            </a:lnRef>
+            <a:fillRef idx="0">
+              <a:schemeClr val="accent1"/>
+            </a:fillRef>
+            <a:effectRef idx="0">
+              <a:schemeClr val="accent1"/>
+            </a:effectRef>
+            <a:fontRef idx="minor">
+              <a:schemeClr val="tx1"/>
+            </a:fontRef>
+          </p:style>
+        </p:cxnSp>
+        <p:cxnSp>
+          <p:nvCxnSpPr>
+            <p:cNvPr id="30" name="Straight Arrow Connector 29"/>
+            <p:cNvCxnSpPr/>
+            <p:nvPr/>
+          </p:nvCxnSpPr>
+          <p:spPr>
+            <a:xfrm flipV="1">
+              <a:off x="3947526" y="3011740"/>
+              <a:ext cx="1090246" cy="824747"/>
+            </a:xfrm>
+            <a:prstGeom prst="straightConnector1">
+              <a:avLst/>
+            </a:prstGeom>
+            <a:ln w="57150">
+              <a:prstDash val="sysDot"/>
+              <a:headEnd type="stealth" w="med" len="lg"/>
+              <a:tailEnd type="stealth" w="med" len="lg"/>
+            </a:ln>
+          </p:spPr>
+          <p:style>
+            <a:lnRef idx="1">
+              <a:schemeClr val="accent1"/>
+            </a:lnRef>
+            <a:fillRef idx="0">
+              <a:schemeClr val="accent1"/>
+            </a:fillRef>
+            <a:effectRef idx="0">
+              <a:schemeClr val="accent1"/>
+            </a:effectRef>
+            <a:fontRef idx="minor">
+              <a:schemeClr val="tx1"/>
+            </a:fontRef>
+          </p:style>
+        </p:cxnSp>
+        <p:sp>
+          <p:nvSpPr>
+            <p:cNvPr id="33" name="TextBox 32"/>
+            <p:cNvSpPr txBox="1"/>
+            <p:nvPr/>
+          </p:nvSpPr>
+          <p:spPr>
+            <a:xfrm>
+              <a:off x="4868136" y="3082434"/>
+              <a:ext cx="877163" cy="584775"/>
+            </a:xfrm>
+            <a:prstGeom prst="rect">
+              <a:avLst/>
+            </a:prstGeom>
+            <a:noFill/>
+          </p:spPr>
+          <p:txBody>
+            <a:bodyPr wrap="none" rtlCol="0">
+              <a:spAutoFit/>
+            </a:bodyPr>
+            <a:lstStyle/>
+            <a:p>
+              <a:r>
+                <a:rPr lang="en-GB" sz="3200" i="1" dirty="0" smtClean="0">
+                  <a:latin typeface="Arial" panose="020B0604020202020204" pitchFamily="34" charset="0"/>
+                  <a:cs typeface="Arial" panose="020B0604020202020204" pitchFamily="34" charset="0"/>
+                </a:rPr>
+                <a:t>W</a:t>
+              </a:r>
+              <a:r>
+                <a:rPr lang="en-GB" sz="3200" i="1" baseline="-25000" dirty="0" smtClean="0">
+                  <a:latin typeface="Arial" panose="020B0604020202020204" pitchFamily="34" charset="0"/>
+                  <a:cs typeface="Arial" panose="020B0604020202020204" pitchFamily="34" charset="0"/>
+                </a:rPr>
+                <a:t>23</a:t>
+              </a:r>
+              <a:endParaRPr lang="en-GB" sz="3200" i="1" baseline="-25000" dirty="0">
+                <a:latin typeface="Arial" panose="020B0604020202020204" pitchFamily="34" charset="0"/>
+                <a:cs typeface="Arial" panose="020B0604020202020204" pitchFamily="34" charset="0"/>
+              </a:endParaRPr>
+            </a:p>
+          </p:txBody>
+        </p:sp>
+        <p:sp>
+          <p:nvSpPr>
+            <p:cNvPr id="34" name="TextBox 33"/>
+            <p:cNvSpPr txBox="1"/>
+            <p:nvPr/>
+          </p:nvSpPr>
+          <p:spPr>
+            <a:xfrm>
+              <a:off x="1974448" y="1702883"/>
+              <a:ext cx="877163" cy="584775"/>
+            </a:xfrm>
+            <a:prstGeom prst="rect">
+              <a:avLst/>
+            </a:prstGeom>
+            <a:noFill/>
+          </p:spPr>
+          <p:txBody>
+            <a:bodyPr wrap="none" rtlCol="0">
+              <a:spAutoFit/>
+            </a:bodyPr>
+            <a:lstStyle/>
+            <a:p>
+              <a:r>
+                <a:rPr lang="en-GB" sz="3200" i="1" dirty="0" smtClean="0">
+                  <a:latin typeface="Arial" panose="020B0604020202020204" pitchFamily="34" charset="0"/>
+                  <a:cs typeface="Arial" panose="020B0604020202020204" pitchFamily="34" charset="0"/>
+                </a:rPr>
+                <a:t>W</a:t>
+              </a:r>
+              <a:r>
+                <a:rPr lang="en-GB" sz="3200" i="1" baseline="-25000" dirty="0" smtClean="0">
+                  <a:latin typeface="Arial" panose="020B0604020202020204" pitchFamily="34" charset="0"/>
+                  <a:cs typeface="Arial" panose="020B0604020202020204" pitchFamily="34" charset="0"/>
+                </a:rPr>
+                <a:t>24</a:t>
+              </a:r>
+              <a:endParaRPr lang="en-GB" sz="3200" i="1" baseline="-25000" dirty="0">
+                <a:latin typeface="Arial" panose="020B0604020202020204" pitchFamily="34" charset="0"/>
+                <a:cs typeface="Arial" panose="020B0604020202020204" pitchFamily="34" charset="0"/>
+              </a:endParaRPr>
+            </a:p>
+          </p:txBody>
+        </p:sp>
+        <p:sp>
+          <p:nvSpPr>
+            <p:cNvPr id="35" name="TextBox 34"/>
+            <p:cNvSpPr txBox="1"/>
+            <p:nvPr/>
+          </p:nvSpPr>
+          <p:spPr>
+            <a:xfrm>
+              <a:off x="3617628" y="1737656"/>
+              <a:ext cx="877163" cy="584775"/>
+            </a:xfrm>
+            <a:prstGeom prst="rect">
+              <a:avLst/>
+            </a:prstGeom>
+            <a:noFill/>
+          </p:spPr>
+          <p:txBody>
+            <a:bodyPr wrap="none" rtlCol="0">
+              <a:spAutoFit/>
+            </a:bodyPr>
+            <a:lstStyle/>
+            <a:p>
+              <a:r>
+                <a:rPr lang="en-GB" sz="3200" i="1" dirty="0" smtClean="0">
+                  <a:latin typeface="Arial" panose="020B0604020202020204" pitchFamily="34" charset="0"/>
+                  <a:cs typeface="Arial" panose="020B0604020202020204" pitchFamily="34" charset="0"/>
+                </a:rPr>
+                <a:t>W</a:t>
+              </a:r>
+              <a:r>
+                <a:rPr lang="en-GB" sz="3200" i="1" baseline="-25000" dirty="0" smtClean="0">
+                  <a:latin typeface="Arial" panose="020B0604020202020204" pitchFamily="34" charset="0"/>
+                  <a:cs typeface="Arial" panose="020B0604020202020204" pitchFamily="34" charset="0"/>
+                </a:rPr>
+                <a:t>14</a:t>
+              </a:r>
+              <a:endParaRPr lang="en-GB" sz="3200" i="1" baseline="-25000" dirty="0">
+                <a:latin typeface="Arial" panose="020B0604020202020204" pitchFamily="34" charset="0"/>
+                <a:cs typeface="Arial" panose="020B0604020202020204" pitchFamily="34" charset="0"/>
+              </a:endParaRPr>
+            </a:p>
+          </p:txBody>
+        </p:sp>
+        <p:sp>
+          <p:nvSpPr>
+            <p:cNvPr id="36" name="TextBox 35"/>
+            <p:cNvSpPr txBox="1"/>
+            <p:nvPr/>
+          </p:nvSpPr>
+          <p:spPr>
+            <a:xfrm>
+              <a:off x="2288869" y="4816487"/>
+              <a:ext cx="877163" cy="584775"/>
+            </a:xfrm>
+            <a:prstGeom prst="rect">
+              <a:avLst/>
+            </a:prstGeom>
+            <a:noFill/>
+          </p:spPr>
+          <p:txBody>
+            <a:bodyPr wrap="none" rtlCol="0">
+              <a:spAutoFit/>
+            </a:bodyPr>
+            <a:lstStyle/>
+            <a:p>
+              <a:r>
+                <a:rPr lang="en-GB" sz="3200" i="1" dirty="0" smtClean="0">
+                  <a:latin typeface="Arial" panose="020B0604020202020204" pitchFamily="34" charset="0"/>
+                  <a:cs typeface="Arial" panose="020B0604020202020204" pitchFamily="34" charset="0"/>
+                </a:rPr>
+                <a:t>W</a:t>
+              </a:r>
+              <a:r>
+                <a:rPr lang="en-GB" sz="3200" i="1" baseline="-25000" dirty="0" smtClean="0">
+                  <a:latin typeface="Arial" panose="020B0604020202020204" pitchFamily="34" charset="0"/>
+                  <a:cs typeface="Arial" panose="020B0604020202020204" pitchFamily="34" charset="0"/>
+                </a:rPr>
+                <a:t>12</a:t>
+              </a:r>
+              <a:endParaRPr lang="en-GB" sz="3200" i="1" baseline="-25000" dirty="0">
+                <a:latin typeface="Arial" panose="020B0604020202020204" pitchFamily="34" charset="0"/>
+                <a:cs typeface="Arial" panose="020B0604020202020204" pitchFamily="34" charset="0"/>
+              </a:endParaRPr>
+            </a:p>
+          </p:txBody>
+        </p:sp>
+        <p:sp>
+          <p:nvSpPr>
+            <p:cNvPr id="37" name="TextBox 36"/>
+            <p:cNvSpPr txBox="1"/>
+            <p:nvPr/>
+          </p:nvSpPr>
+          <p:spPr>
+            <a:xfrm>
+              <a:off x="5417972" y="4401440"/>
+              <a:ext cx="877163" cy="584775"/>
+            </a:xfrm>
+            <a:prstGeom prst="rect">
+              <a:avLst/>
+            </a:prstGeom>
+            <a:noFill/>
+          </p:spPr>
+          <p:txBody>
+            <a:bodyPr wrap="none" rtlCol="0">
+              <a:spAutoFit/>
+            </a:bodyPr>
+            <a:lstStyle/>
+            <a:p>
+              <a:r>
+                <a:rPr lang="en-GB" sz="3200" i="1" dirty="0" smtClean="0">
+                  <a:latin typeface="Arial" panose="020B0604020202020204" pitchFamily="34" charset="0"/>
+                  <a:cs typeface="Arial" panose="020B0604020202020204" pitchFamily="34" charset="0"/>
+                </a:rPr>
+                <a:t>W</a:t>
+              </a:r>
+              <a:r>
+                <a:rPr lang="en-GB" sz="3200" i="1" baseline="-25000" dirty="0" smtClean="0">
+                  <a:latin typeface="Arial" panose="020B0604020202020204" pitchFamily="34" charset="0"/>
+                  <a:cs typeface="Arial" panose="020B0604020202020204" pitchFamily="34" charset="0"/>
+                </a:rPr>
+                <a:t>13</a:t>
+              </a:r>
+              <a:endParaRPr lang="en-GB" sz="3200" i="1" baseline="-25000" dirty="0">
+                <a:latin typeface="Arial" panose="020B0604020202020204" pitchFamily="34" charset="0"/>
+                <a:cs typeface="Arial" panose="020B0604020202020204" pitchFamily="34" charset="0"/>
+              </a:endParaRPr>
+            </a:p>
+          </p:txBody>
+        </p:sp>
+        <p:sp>
+          <p:nvSpPr>
+            <p:cNvPr id="38" name="TextBox 37"/>
+            <p:cNvSpPr txBox="1"/>
+            <p:nvPr/>
+          </p:nvSpPr>
+          <p:spPr>
+            <a:xfrm>
+              <a:off x="5819798" y="1152881"/>
+              <a:ext cx="877163" cy="584775"/>
+            </a:xfrm>
+            <a:prstGeom prst="rect">
+              <a:avLst/>
+            </a:prstGeom>
+            <a:noFill/>
+          </p:spPr>
+          <p:txBody>
+            <a:bodyPr wrap="none" rtlCol="0">
+              <a:spAutoFit/>
+            </a:bodyPr>
+            <a:lstStyle/>
+            <a:p>
+              <a:r>
+                <a:rPr lang="en-GB" sz="3200" i="1" dirty="0" smtClean="0">
+                  <a:latin typeface="Arial" panose="020B0604020202020204" pitchFamily="34" charset="0"/>
+                  <a:cs typeface="Arial" panose="020B0604020202020204" pitchFamily="34" charset="0"/>
+                </a:rPr>
+                <a:t>W</a:t>
+              </a:r>
+              <a:r>
+                <a:rPr lang="en-GB" sz="3200" i="1" baseline="-25000" dirty="0" smtClean="0">
+                  <a:latin typeface="Arial" panose="020B0604020202020204" pitchFamily="34" charset="0"/>
+                  <a:cs typeface="Arial" panose="020B0604020202020204" pitchFamily="34" charset="0"/>
+                </a:rPr>
+                <a:t>34</a:t>
+              </a:r>
+              <a:endParaRPr lang="en-GB" sz="3200" i="1" baseline="-25000" dirty="0">
+                <a:latin typeface="Arial" panose="020B0604020202020204" pitchFamily="34" charset="0"/>
+                <a:cs typeface="Arial" panose="020B0604020202020204" pitchFamily="34" charset="0"/>
+              </a:endParaRPr>
+            </a:p>
+          </p:txBody>
+        </p:sp>
+      </p:grpSp>
+    </p:spTree>
+    <p:extLst>
+      <p:ext uri="{BB962C8B-B14F-4D97-AF65-F5344CB8AC3E}">
+        <p14:creationId xmlns:p14="http://schemas.microsoft.com/office/powerpoint/2010/main" val="2182140166"/>
+      </p:ext>
+    </p:extLst>
+  </p:cSld>
+  <p:clrMapOvr>
+    <a:masterClrMapping/>
+  </p:clrMapOvr>
+</p:sld>
+</file>
+
+<file path=ppt/slides/slide56.xml><?xml version="1.0" encoding="utf-8"?>
+<p:sld xmlns:a="http://schemas.openxmlformats.org/drawingml/2006/main" xmlns:r="http://schemas.openxmlformats.org/officeDocument/2006/relationships" xmlns:p="http://schemas.openxmlformats.org/presentationml/2006/main">
+  <p:cSld>
+    <p:spTree>
+      <p:nvGrpSpPr>
+        <p:cNvPr id="1" name=""/>
+        <p:cNvGrpSpPr/>
+        <p:nvPr/>
+      </p:nvGrpSpPr>
+      <p:grpSpPr>
+        <a:xfrm>
+          <a:off x="0" y="0"/>
+          <a:ext cx="0" cy="0"/>
+          <a:chOff x="0" y="0"/>
+          <a:chExt cx="0" cy="0"/>
+        </a:xfrm>
+      </p:grpSpPr>
+      <p:pic>
+        <p:nvPicPr>
+          <p:cNvPr id="4" name="Picture 3"/>
+          <p:cNvPicPr>
+            <a:picLocks noChangeAspect="1"/>
+          </p:cNvPicPr>
+          <p:nvPr/>
+        </p:nvPicPr>
+        <p:blipFill>
+          <a:blip r:embed="rId2" cstate="print">
+            <a:extLst>
+              <a:ext uri="{28A0092B-C50C-407E-A947-70E740481C1C}">
+                <a14:useLocalDpi xmlns:a14="http://schemas.microsoft.com/office/drawing/2010/main" val="0"/>
+              </a:ext>
+            </a:extLst>
+          </a:blip>
+          <a:stretch>
+            <a:fillRect/>
+          </a:stretch>
+        </p:blipFill>
+        <p:spPr>
+          <a:xfrm>
+            <a:off x="3676454" y="932306"/>
+            <a:ext cx="5546076" cy="5113699"/>
+          </a:xfrm>
+          <a:prstGeom prst="rect">
+            <a:avLst/>
+          </a:prstGeom>
+        </p:spPr>
+      </p:pic>
+    </p:spTree>
+    <p:extLst>
+      <p:ext uri="{BB962C8B-B14F-4D97-AF65-F5344CB8AC3E}">
+        <p14:creationId xmlns:p14="http://schemas.microsoft.com/office/powerpoint/2010/main" val="3421472944"/>
+      </p:ext>
+    </p:extLst>
+  </p:cSld>
+  <p:clrMapOvr>
+    <a:masterClrMapping/>
+  </p:clrMapOvr>
+</p:sld>
+</file>
+
 <file path=ppt/slides/slide6.xml><?xml version="1.0" encoding="utf-8"?>
 <p:sld xmlns:a="http://schemas.openxmlformats.org/drawingml/2006/main" xmlns:r="http://schemas.openxmlformats.org/officeDocument/2006/relationships" xmlns:p="http://schemas.openxmlformats.org/presentationml/2006/main">
   <p:cSld>

--- a/figures/pics for NMR lectures.pptx
+++ b/figures/pics for NMR lectures.pptx
@@ -5,7 +5,7 @@
     <p:sldMasterId id="2147483648" r:id="rId1"/>
   </p:sldMasterIdLst>
   <p:notesMasterIdLst>
-    <p:notesMasterId r:id="rId58"/>
+    <p:notesMasterId r:id="rId59"/>
   </p:notesMasterIdLst>
   <p:sldIdLst>
     <p:sldId id="257" r:id="rId2"/>
@@ -64,6 +64,7 @@
     <p:sldId id="309" r:id="rId55"/>
     <p:sldId id="311" r:id="rId56"/>
     <p:sldId id="312" r:id="rId57"/>
+    <p:sldId id="313" r:id="rId58"/>
   </p:sldIdLst>
   <p:sldSz cx="12192000" cy="6858000"/>
   <p:notesSz cx="6858000" cy="9144000"/>
@@ -227,6 +228,7 @@
             <p14:sldId id="309"/>
             <p14:sldId id="311"/>
             <p14:sldId id="312"/>
+            <p14:sldId id="313"/>
           </p14:sldIdLst>
         </p14:section>
       </p14:sectionLst>
@@ -320,7 +322,7 @@
           <a:p>
             <a:fld id="{D98A8B21-A5DE-4FDD-84FC-FB32FCF8106F}" type="datetimeFigureOut">
               <a:rPr lang="en-GB" smtClean="0"/>
-              <a:t>09/08/2017</a:t>
+              <a:t>10/08/2017</a:t>
             </a:fld>
             <a:endParaRPr lang="en-GB"/>
           </a:p>
@@ -756,6 +758,90 @@
 </p:notes>
 </file>
 
+<file path=ppt/notesSlides/notesSlide3.xml><?xml version="1.0" encoding="utf-8"?>
+<p:notes xmlns:a="http://schemas.openxmlformats.org/drawingml/2006/main" xmlns:r="http://schemas.openxmlformats.org/officeDocument/2006/relationships" xmlns:p="http://schemas.openxmlformats.org/presentationml/2006/main">
+  <p:cSld>
+    <p:spTree>
+      <p:nvGrpSpPr>
+        <p:cNvPr id="1" name=""/>
+        <p:cNvGrpSpPr/>
+        <p:nvPr/>
+      </p:nvGrpSpPr>
+      <p:grpSpPr>
+        <a:xfrm>
+          <a:off x="0" y="0"/>
+          <a:ext cx="0" cy="0"/>
+          <a:chOff x="0" y="0"/>
+          <a:chExt cx="0" cy="0"/>
+        </a:xfrm>
+      </p:grpSpPr>
+      <p:sp>
+        <p:nvSpPr>
+          <p:cNvPr id="2" name="Slide Image Placeholder 1"/>
+          <p:cNvSpPr>
+            <a:spLocks noGrp="1" noRot="1" noChangeAspect="1"/>
+          </p:cNvSpPr>
+          <p:nvPr>
+            <p:ph type="sldImg"/>
+          </p:nvPr>
+        </p:nvSpPr>
+        <p:spPr/>
+      </p:sp>
+      <p:sp>
+        <p:nvSpPr>
+          <p:cNvPr id="3" name="Notes Placeholder 2"/>
+          <p:cNvSpPr>
+            <a:spLocks noGrp="1"/>
+          </p:cNvSpPr>
+          <p:nvPr>
+            <p:ph type="body" idx="1"/>
+          </p:nvPr>
+        </p:nvSpPr>
+        <p:spPr/>
+        <p:txBody>
+          <a:bodyPr/>
+          <a:lstStyle/>
+          <a:p>
+            <a:endParaRPr lang="en-GB" dirty="0"/>
+          </a:p>
+        </p:txBody>
+      </p:sp>
+      <p:sp>
+        <p:nvSpPr>
+          <p:cNvPr id="4" name="Slide Number Placeholder 3"/>
+          <p:cNvSpPr>
+            <a:spLocks noGrp="1"/>
+          </p:cNvSpPr>
+          <p:nvPr>
+            <p:ph type="sldNum" sz="quarter" idx="10"/>
+          </p:nvPr>
+        </p:nvSpPr>
+        <p:spPr/>
+        <p:txBody>
+          <a:bodyPr/>
+          <a:lstStyle/>
+          <a:p>
+            <a:fld id="{442B8383-3B7B-40DA-BC53-FA10C7E8F4A7}" type="slidenum">
+              <a:rPr lang="en-GB" smtClean="0"/>
+              <a:t>56</a:t>
+            </a:fld>
+            <a:endParaRPr lang="en-GB"/>
+          </a:p>
+        </p:txBody>
+      </p:sp>
+    </p:spTree>
+    <p:extLst>
+      <p:ext uri="{BB962C8B-B14F-4D97-AF65-F5344CB8AC3E}">
+        <p14:creationId xmlns:p14="http://schemas.microsoft.com/office/powerpoint/2010/main" val="266093495"/>
+      </p:ext>
+    </p:extLst>
+  </p:cSld>
+  <p:clrMapOvr>
+    <a:masterClrMapping/>
+  </p:clrMapOvr>
+</p:notes>
+</file>
+
 <file path=ppt/slideLayouts/slideLayout1.xml><?xml version="1.0" encoding="utf-8"?>
 <p:sldLayout xmlns:a="http://schemas.openxmlformats.org/drawingml/2006/main" xmlns:r="http://schemas.openxmlformats.org/officeDocument/2006/relationships" xmlns:p="http://schemas.openxmlformats.org/presentationml/2006/main" type="title" preserve="1">
   <p:cSld name="Title Slide">
@@ -887,7 +973,7 @@
           <a:p>
             <a:fld id="{D31532C7-002A-42CF-8CCE-521F7F2F004A}" type="datetimeFigureOut">
               <a:rPr lang="en-GB" smtClean="0"/>
-              <a:t>09/08/2017</a:t>
+              <a:t>10/08/2017</a:t>
             </a:fld>
             <a:endParaRPr lang="en-GB"/>
           </a:p>
@@ -1057,7 +1143,7 @@
           <a:p>
             <a:fld id="{D31532C7-002A-42CF-8CCE-521F7F2F004A}" type="datetimeFigureOut">
               <a:rPr lang="en-GB" smtClean="0"/>
-              <a:t>09/08/2017</a:t>
+              <a:t>10/08/2017</a:t>
             </a:fld>
             <a:endParaRPr lang="en-GB"/>
           </a:p>
@@ -1237,7 +1323,7 @@
           <a:p>
             <a:fld id="{D31532C7-002A-42CF-8CCE-521F7F2F004A}" type="datetimeFigureOut">
               <a:rPr lang="en-GB" smtClean="0"/>
-              <a:t>09/08/2017</a:t>
+              <a:t>10/08/2017</a:t>
             </a:fld>
             <a:endParaRPr lang="en-GB"/>
           </a:p>
@@ -1407,7 +1493,7 @@
           <a:p>
             <a:fld id="{D31532C7-002A-42CF-8CCE-521F7F2F004A}" type="datetimeFigureOut">
               <a:rPr lang="en-GB" smtClean="0"/>
-              <a:t>09/08/2017</a:t>
+              <a:t>10/08/2017</a:t>
             </a:fld>
             <a:endParaRPr lang="en-GB"/>
           </a:p>
@@ -1653,7 +1739,7 @@
           <a:p>
             <a:fld id="{D31532C7-002A-42CF-8CCE-521F7F2F004A}" type="datetimeFigureOut">
               <a:rPr lang="en-GB" smtClean="0"/>
-              <a:t>09/08/2017</a:t>
+              <a:t>10/08/2017</a:t>
             </a:fld>
             <a:endParaRPr lang="en-GB"/>
           </a:p>
@@ -1885,7 +1971,7 @@
           <a:p>
             <a:fld id="{D31532C7-002A-42CF-8CCE-521F7F2F004A}" type="datetimeFigureOut">
               <a:rPr lang="en-GB" smtClean="0"/>
-              <a:t>09/08/2017</a:t>
+              <a:t>10/08/2017</a:t>
             </a:fld>
             <a:endParaRPr lang="en-GB"/>
           </a:p>
@@ -2252,7 +2338,7 @@
           <a:p>
             <a:fld id="{D31532C7-002A-42CF-8CCE-521F7F2F004A}" type="datetimeFigureOut">
               <a:rPr lang="en-GB" smtClean="0"/>
-              <a:t>09/08/2017</a:t>
+              <a:t>10/08/2017</a:t>
             </a:fld>
             <a:endParaRPr lang="en-GB"/>
           </a:p>
@@ -2370,7 +2456,7 @@
           <a:p>
             <a:fld id="{D31532C7-002A-42CF-8CCE-521F7F2F004A}" type="datetimeFigureOut">
               <a:rPr lang="en-GB" smtClean="0"/>
-              <a:t>09/08/2017</a:t>
+              <a:t>10/08/2017</a:t>
             </a:fld>
             <a:endParaRPr lang="en-GB"/>
           </a:p>
@@ -2465,7 +2551,7 @@
           <a:p>
             <a:fld id="{D31532C7-002A-42CF-8CCE-521F7F2F004A}" type="datetimeFigureOut">
               <a:rPr lang="en-GB" smtClean="0"/>
-              <a:t>09/08/2017</a:t>
+              <a:t>10/08/2017</a:t>
             </a:fld>
             <a:endParaRPr lang="en-GB"/>
           </a:p>
@@ -2742,7 +2828,7 @@
           <a:p>
             <a:fld id="{D31532C7-002A-42CF-8CCE-521F7F2F004A}" type="datetimeFigureOut">
               <a:rPr lang="en-GB" smtClean="0"/>
-              <a:t>09/08/2017</a:t>
+              <a:t>10/08/2017</a:t>
             </a:fld>
             <a:endParaRPr lang="en-GB"/>
           </a:p>
@@ -2995,7 +3081,7 @@
           <a:p>
             <a:fld id="{D31532C7-002A-42CF-8CCE-521F7F2F004A}" type="datetimeFigureOut">
               <a:rPr lang="en-GB" smtClean="0"/>
-              <a:t>09/08/2017</a:t>
+              <a:t>10/08/2017</a:t>
             </a:fld>
             <a:endParaRPr lang="en-GB"/>
           </a:p>
@@ -3208,7 +3294,7 @@
           <a:p>
             <a:fld id="{D31532C7-002A-42CF-8CCE-521F7F2F004A}" type="datetimeFigureOut">
               <a:rPr lang="en-GB" smtClean="0"/>
-              <a:t>09/08/2017</a:t>
+              <a:t>10/08/2017</a:t>
             </a:fld>
             <a:endParaRPr lang="en-GB"/>
           </a:p>
@@ -31206,6 +31292,13 @@
   <p:clrMapOvr>
     <a:masterClrMapping/>
   </p:clrMapOvr>
+  <p:timing>
+    <p:tnLst>
+      <p:par>
+        <p:cTn id="1" dur="indefinite" restart="never" nodeType="tmRoot"/>
+      </p:par>
+    </p:tnLst>
+  </p:timing>
 </p:sld>
 </file>
 
@@ -42788,6 +42881,13 @@
   <p:clrMapOvr>
     <a:masterClrMapping/>
   </p:clrMapOvr>
+  <p:timing>
+    <p:tnLst>
+      <p:par>
+        <p:cTn id="1" dur="indefinite" restart="never" nodeType="tmRoot"/>
+      </p:par>
+    </p:tnLst>
+  </p:timing>
 </p:sld>
 </file>
 
@@ -42882,7 +42982,7 @@
               <a:graphicData uri="http://schemas.openxmlformats.org/presentationml/2006/ole">
                 <mc:AlternateContent xmlns:mc="http://schemas.openxmlformats.org/markup-compatibility/2006">
                   <mc:Choice xmlns:v="urn:schemas-microsoft-com:vml" Requires="v">
-                    <p:oleObj spid="_x0000_s2086" name="CS ChemDraw Drawing" r:id="rId4" imgW="4169232" imgH="830250" progId="ChemDraw.Document.6.0">
+                    <p:oleObj spid="_x0000_s2096" name="CS ChemDraw Drawing" r:id="rId4" imgW="4169232" imgH="830250" progId="ChemDraw.Document.6.0">
                       <p:embed/>
                     </p:oleObj>
                   </mc:Choice>
@@ -43075,7 +43175,7 @@
             <a:graphicData uri="http://schemas.openxmlformats.org/presentationml/2006/ole">
               <mc:AlternateContent xmlns:mc="http://schemas.openxmlformats.org/markup-compatibility/2006">
                 <mc:Choice xmlns:v="urn:schemas-microsoft-com:vml" Requires="v">
-                  <p:oleObj spid="_x0000_s1069" name="CS ChemDraw Drawing" r:id="rId3" imgW="4169232" imgH="830250" progId="ChemDraw.Document.6.0">
+                  <p:oleObj spid="_x0000_s1079" name="CS ChemDraw Drawing" r:id="rId3" imgW="4169232" imgH="830250" progId="ChemDraw.Document.6.0">
                     <p:embed/>
                   </p:oleObj>
                 </mc:Choice>
@@ -44441,14 +44541,7 @@
                   <a:latin typeface="Arial" panose="020B0604020202020204" pitchFamily="34" charset="0"/>
                   <a:cs typeface="Arial" panose="020B0604020202020204" pitchFamily="34" charset="0"/>
                 </a:rPr>
-                <a:t>|2&gt;=</a:t>
-              </a:r>
-              <a:r>
-                <a:rPr lang="en-GB" sz="3200" dirty="0" smtClean="0">
-                  <a:latin typeface="Arial" panose="020B0604020202020204" pitchFamily="34" charset="0"/>
-                  <a:cs typeface="Arial" panose="020B0604020202020204" pitchFamily="34" charset="0"/>
-                </a:rPr>
-                <a:t>|</a:t>
+                <a:t>|2&gt;=|</a:t>
               </a:r>
               <a:r>
                 <a:rPr lang="en-GB" sz="3200" dirty="0" smtClean="0">
@@ -44593,14 +44686,7 @@
                   <a:latin typeface="Arial" panose="020B0604020202020204" pitchFamily="34" charset="0"/>
                   <a:cs typeface="Arial" panose="020B0604020202020204" pitchFamily="34" charset="0"/>
                 </a:rPr>
-                <a:t>|1&gt;=</a:t>
-              </a:r>
-              <a:r>
-                <a:rPr lang="en-GB" sz="3200" dirty="0" smtClean="0">
-                  <a:latin typeface="Arial" panose="020B0604020202020204" pitchFamily="34" charset="0"/>
-                  <a:cs typeface="Arial" panose="020B0604020202020204" pitchFamily="34" charset="0"/>
-                </a:rPr>
-                <a:t>|</a:t>
+                <a:t>|1&gt;=|</a:t>
               </a:r>
               <a:r>
                 <a:rPr lang="en-GB" sz="3200" dirty="0" smtClean="0">
@@ -44649,14 +44735,7 @@
                   <a:latin typeface="Arial" panose="020B0604020202020204" pitchFamily="34" charset="0"/>
                   <a:cs typeface="Arial" panose="020B0604020202020204" pitchFamily="34" charset="0"/>
                 </a:rPr>
-                <a:t>|4&gt;=</a:t>
-              </a:r>
-              <a:r>
-                <a:rPr lang="en-GB" sz="3200" dirty="0" smtClean="0">
-                  <a:latin typeface="Arial" panose="020B0604020202020204" pitchFamily="34" charset="0"/>
-                  <a:cs typeface="Arial" panose="020B0604020202020204" pitchFamily="34" charset="0"/>
-                </a:rPr>
-                <a:t>|</a:t>
+                <a:t>|4&gt;=|</a:t>
               </a:r>
               <a:r>
                 <a:rPr lang="en-GB" sz="3200" dirty="0" smtClean="0">
@@ -44705,14 +44784,7 @@
                   <a:latin typeface="Arial" panose="020B0604020202020204" pitchFamily="34" charset="0"/>
                   <a:cs typeface="Arial" panose="020B0604020202020204" pitchFamily="34" charset="0"/>
                 </a:rPr>
-                <a:t>|3&gt;=</a:t>
-              </a:r>
-              <a:r>
-                <a:rPr lang="en-GB" sz="3200" dirty="0" smtClean="0">
-                  <a:latin typeface="Arial" panose="020B0604020202020204" pitchFamily="34" charset="0"/>
-                  <a:cs typeface="Arial" panose="020B0604020202020204" pitchFamily="34" charset="0"/>
-                </a:rPr>
-                <a:t>|</a:t>
+                <a:t>|3&gt;=|</a:t>
               </a:r>
               <a:r>
                 <a:rPr lang="en-GB" sz="3200" dirty="0" err="1" smtClean="0">
@@ -45175,10 +45247,1136 @@
   <p:clrMapOvr>
     <a:masterClrMapping/>
   </p:clrMapOvr>
+  <p:timing>
+    <p:tnLst>
+      <p:par>
+        <p:cTn id="1" dur="indefinite" restart="never" nodeType="tmRoot"/>
+      </p:par>
+    </p:tnLst>
+  </p:timing>
 </p:sld>
 </file>
 
 <file path=ppt/slides/slide56.xml><?xml version="1.0" encoding="utf-8"?>
+<p:sld xmlns:a="http://schemas.openxmlformats.org/drawingml/2006/main" xmlns:r="http://schemas.openxmlformats.org/officeDocument/2006/relationships" xmlns:p="http://schemas.openxmlformats.org/presentationml/2006/main">
+  <p:cSld>
+    <p:spTree>
+      <p:nvGrpSpPr>
+        <p:cNvPr id="1" name=""/>
+        <p:cNvGrpSpPr/>
+        <p:nvPr/>
+      </p:nvGrpSpPr>
+      <p:grpSpPr>
+        <a:xfrm>
+          <a:off x="0" y="0"/>
+          <a:ext cx="0" cy="0"/>
+          <a:chOff x="0" y="0"/>
+          <a:chExt cx="0" cy="0"/>
+        </a:xfrm>
+      </p:grpSpPr>
+      <p:grpSp>
+        <p:nvGrpSpPr>
+          <p:cNvPr id="29" name="Group 28"/>
+          <p:cNvGrpSpPr/>
+          <p:nvPr/>
+        </p:nvGrpSpPr>
+        <p:grpSpPr>
+          <a:xfrm>
+            <a:off x="143485" y="602619"/>
+            <a:ext cx="11719902" cy="6154709"/>
+            <a:chOff x="143485" y="602619"/>
+            <a:chExt cx="11719902" cy="6154709"/>
+          </a:xfrm>
+        </p:grpSpPr>
+        <p:grpSp>
+          <p:nvGrpSpPr>
+            <p:cNvPr id="7" name="Group 6"/>
+            <p:cNvGrpSpPr/>
+            <p:nvPr/>
+          </p:nvGrpSpPr>
+          <p:grpSpPr>
+            <a:xfrm>
+              <a:off x="143485" y="602619"/>
+              <a:ext cx="11719902" cy="6154709"/>
+              <a:chOff x="272073" y="288294"/>
+              <a:chExt cx="11719902" cy="6154709"/>
+            </a:xfrm>
+          </p:grpSpPr>
+          <p:pic>
+            <p:nvPicPr>
+              <p:cNvPr id="4" name="Picture 3"/>
+              <p:cNvPicPr>
+                <a:picLocks noChangeAspect="1"/>
+              </p:cNvPicPr>
+              <p:nvPr/>
+            </p:nvPicPr>
+            <p:blipFill>
+              <a:blip r:embed="rId3" cstate="print">
+                <a:extLst>
+                  <a:ext uri="{28A0092B-C50C-407E-A947-70E740481C1C}">
+                    <a14:useLocalDpi xmlns:a14="http://schemas.microsoft.com/office/drawing/2010/main" val="0"/>
+                  </a:ext>
+                </a:extLst>
+              </a:blip>
+              <a:stretch>
+                <a:fillRect/>
+              </a:stretch>
+            </p:blipFill>
+            <p:spPr>
+              <a:xfrm>
+                <a:off x="272073" y="288294"/>
+                <a:ext cx="6675106" cy="6154709"/>
+              </a:xfrm>
+              <a:prstGeom prst="rect">
+                <a:avLst/>
+              </a:prstGeom>
+            </p:spPr>
+          </p:pic>
+          <p:pic>
+            <p:nvPicPr>
+              <p:cNvPr id="3" name="Picture 2"/>
+              <p:cNvPicPr>
+                <a:picLocks noChangeAspect="1"/>
+              </p:cNvPicPr>
+              <p:nvPr/>
+            </p:nvPicPr>
+            <p:blipFill>
+              <a:blip r:embed="rId4">
+                <a:extLst>
+                  <a:ext uri="{28A0092B-C50C-407E-A947-70E740481C1C}">
+                    <a14:useLocalDpi xmlns:a14="http://schemas.microsoft.com/office/drawing/2010/main" val="0"/>
+                  </a:ext>
+                </a:extLst>
+              </a:blip>
+              <a:stretch>
+                <a:fillRect/>
+              </a:stretch>
+            </p:blipFill>
+            <p:spPr>
+              <a:xfrm>
+                <a:off x="7183501" y="2131255"/>
+                <a:ext cx="4808474" cy="4079631"/>
+              </a:xfrm>
+              <a:prstGeom prst="rect">
+                <a:avLst/>
+              </a:prstGeom>
+            </p:spPr>
+          </p:pic>
+          <p:sp>
+            <p:nvSpPr>
+              <p:cNvPr id="5" name="Oval 4"/>
+              <p:cNvSpPr/>
+              <p:nvPr/>
+            </p:nvSpPr>
+            <p:spPr>
+              <a:xfrm>
+                <a:off x="2321169" y="4037428"/>
+                <a:ext cx="225083" cy="267286"/>
+              </a:xfrm>
+              <a:prstGeom prst="ellipse">
+                <a:avLst/>
+              </a:prstGeom>
+              <a:noFill/>
+              <a:ln w="31750">
+                <a:solidFill>
+                  <a:srgbClr val="FF0000"/>
+                </a:solidFill>
+                <a:prstDash val="sysDot"/>
+              </a:ln>
+            </p:spPr>
+            <p:style>
+              <a:lnRef idx="2">
+                <a:schemeClr val="accent1">
+                  <a:shade val="50000"/>
+                </a:schemeClr>
+              </a:lnRef>
+              <a:fillRef idx="1">
+                <a:schemeClr val="accent1"/>
+              </a:fillRef>
+              <a:effectRef idx="0">
+                <a:schemeClr val="accent1"/>
+              </a:effectRef>
+              <a:fontRef idx="minor">
+                <a:schemeClr val="lt1"/>
+              </a:fontRef>
+            </p:style>
+            <p:txBody>
+              <a:bodyPr rtlCol="0" anchor="ctr"/>
+              <a:lstStyle/>
+              <a:p>
+                <a:pPr algn="ctr"/>
+                <a:endParaRPr lang="en-GB"/>
+              </a:p>
+            </p:txBody>
+          </p:sp>
+          <p:sp>
+            <p:nvSpPr>
+              <p:cNvPr id="6" name="Oval 5"/>
+              <p:cNvSpPr/>
+              <p:nvPr/>
+            </p:nvSpPr>
+            <p:spPr>
+              <a:xfrm>
+                <a:off x="2061920" y="1603790"/>
+                <a:ext cx="225083" cy="267286"/>
+              </a:xfrm>
+              <a:prstGeom prst="ellipse">
+                <a:avLst/>
+              </a:prstGeom>
+              <a:noFill/>
+              <a:ln w="31750">
+                <a:solidFill>
+                  <a:srgbClr val="FF0000"/>
+                </a:solidFill>
+                <a:prstDash val="sysDot"/>
+              </a:ln>
+            </p:spPr>
+            <p:style>
+              <a:lnRef idx="2">
+                <a:schemeClr val="accent1">
+                  <a:shade val="50000"/>
+                </a:schemeClr>
+              </a:lnRef>
+              <a:fillRef idx="1">
+                <a:schemeClr val="accent1"/>
+              </a:fillRef>
+              <a:effectRef idx="0">
+                <a:schemeClr val="accent1"/>
+              </a:effectRef>
+              <a:fontRef idx="minor">
+                <a:schemeClr val="lt1"/>
+              </a:fontRef>
+            </p:style>
+            <p:txBody>
+              <a:bodyPr rtlCol="0" anchor="ctr"/>
+              <a:lstStyle/>
+              <a:p>
+                <a:pPr algn="ctr"/>
+                <a:endParaRPr lang="en-GB"/>
+              </a:p>
+            </p:txBody>
+          </p:sp>
+        </p:grpSp>
+        <p:grpSp>
+          <p:nvGrpSpPr>
+            <p:cNvPr id="8" name="Group 7"/>
+            <p:cNvGrpSpPr/>
+            <p:nvPr/>
+          </p:nvGrpSpPr>
+          <p:grpSpPr>
+            <a:xfrm>
+              <a:off x="6951024" y="962393"/>
+              <a:ext cx="4750151" cy="1665921"/>
+              <a:chOff x="1676049" y="711218"/>
+              <a:chExt cx="4750151" cy="1665921"/>
+            </a:xfrm>
+          </p:grpSpPr>
+          <p:grpSp>
+            <p:nvGrpSpPr>
+              <p:cNvPr id="9" name="Group 8"/>
+              <p:cNvGrpSpPr/>
+              <p:nvPr/>
+            </p:nvGrpSpPr>
+            <p:grpSpPr>
+              <a:xfrm>
+                <a:off x="1741714" y="974681"/>
+                <a:ext cx="4684486" cy="1402458"/>
+                <a:chOff x="1741714" y="974681"/>
+                <a:chExt cx="4684486" cy="1402458"/>
+              </a:xfrm>
+            </p:grpSpPr>
+            <p:grpSp>
+              <p:nvGrpSpPr>
+                <p:cNvPr id="17" name="Group 16"/>
+                <p:cNvGrpSpPr/>
+                <p:nvPr/>
+              </p:nvGrpSpPr>
+              <p:grpSpPr>
+                <a:xfrm>
+                  <a:off x="1741714" y="1062039"/>
+                  <a:ext cx="4684486" cy="1086076"/>
+                  <a:chOff x="1741714" y="1597025"/>
+                  <a:chExt cx="3126811" cy="551089"/>
+                </a:xfrm>
+              </p:grpSpPr>
+              <p:cxnSp>
+                <p:nvCxnSpPr>
+                  <p:cNvPr id="27" name="Straight Connector 26"/>
+                  <p:cNvCxnSpPr/>
+                  <p:nvPr/>
+                </p:nvCxnSpPr>
+                <p:spPr>
+                  <a:xfrm flipV="1">
+                    <a:off x="1741714" y="2146299"/>
+                    <a:ext cx="3126811" cy="1815"/>
+                  </a:xfrm>
+                  <a:prstGeom prst="line">
+                    <a:avLst/>
+                  </a:prstGeom>
+                  <a:ln cap="rnd">
+                    <a:tailEnd type="triangle"/>
+                  </a:ln>
+                </p:spPr>
+                <p:style>
+                  <a:lnRef idx="3">
+                    <a:schemeClr val="dk1"/>
+                  </a:lnRef>
+                  <a:fillRef idx="0">
+                    <a:schemeClr val="dk1"/>
+                  </a:fillRef>
+                  <a:effectRef idx="2">
+                    <a:schemeClr val="dk1"/>
+                  </a:effectRef>
+                  <a:fontRef idx="minor">
+                    <a:schemeClr val="tx1"/>
+                  </a:fontRef>
+                </p:style>
+              </p:cxnSp>
+              <p:sp>
+                <p:nvSpPr>
+                  <p:cNvPr id="28" name="Rectangle 27"/>
+                  <p:cNvSpPr/>
+                  <p:nvPr/>
+                </p:nvSpPr>
+                <p:spPr>
+                  <a:xfrm>
+                    <a:off x="1924050" y="1597025"/>
+                    <a:ext cx="82420" cy="549275"/>
+                  </a:xfrm>
+                  <a:prstGeom prst="rect">
+                    <a:avLst/>
+                  </a:prstGeom>
+                  <a:ln>
+                    <a:solidFill>
+                      <a:schemeClr val="tx1"/>
+                    </a:solidFill>
+                  </a:ln>
+                </p:spPr>
+                <p:style>
+                  <a:lnRef idx="2">
+                    <a:schemeClr val="dk1">
+                      <a:shade val="50000"/>
+                    </a:schemeClr>
+                  </a:lnRef>
+                  <a:fillRef idx="1">
+                    <a:schemeClr val="dk1"/>
+                  </a:fillRef>
+                  <a:effectRef idx="0">
+                    <a:schemeClr val="dk1"/>
+                  </a:effectRef>
+                  <a:fontRef idx="minor">
+                    <a:schemeClr val="lt1"/>
+                  </a:fontRef>
+                </p:style>
+                <p:txBody>
+                  <a:bodyPr rtlCol="0" anchor="ctr"/>
+                  <a:lstStyle/>
+                  <a:p>
+                    <a:pPr algn="ctr"/>
+                    <a:endParaRPr lang="en-GB"/>
+                  </a:p>
+                </p:txBody>
+              </p:sp>
+            </p:grpSp>
+            <p:sp>
+              <p:nvSpPr>
+                <p:cNvPr id="18" name="Rectangle 17"/>
+                <p:cNvSpPr/>
+                <p:nvPr/>
+              </p:nvSpPr>
+              <p:spPr>
+                <a:xfrm>
+                  <a:off x="2834034" y="1062038"/>
+                  <a:ext cx="123479" cy="1082501"/>
+                </a:xfrm>
+                <a:prstGeom prst="rect">
+                  <a:avLst/>
+                </a:prstGeom>
+                <a:ln>
+                  <a:solidFill>
+                    <a:schemeClr val="tx1"/>
+                  </a:solidFill>
+                </a:ln>
+              </p:spPr>
+              <p:style>
+                <a:lnRef idx="2">
+                  <a:schemeClr val="dk1">
+                    <a:shade val="50000"/>
+                  </a:schemeClr>
+                </a:lnRef>
+                <a:fillRef idx="1">
+                  <a:schemeClr val="dk1"/>
+                </a:fillRef>
+                <a:effectRef idx="0">
+                  <a:schemeClr val="dk1"/>
+                </a:effectRef>
+                <a:fontRef idx="minor">
+                  <a:schemeClr val="lt1"/>
+                </a:fontRef>
+              </p:style>
+              <p:txBody>
+                <a:bodyPr rtlCol="0" anchor="ctr"/>
+                <a:lstStyle/>
+                <a:p>
+                  <a:pPr algn="ctr"/>
+                  <a:endParaRPr lang="en-GB"/>
+                </a:p>
+              </p:txBody>
+            </p:sp>
+            <p:sp>
+              <p:nvSpPr>
+                <p:cNvPr id="19" name="Rectangle 18"/>
+                <p:cNvSpPr/>
+                <p:nvPr/>
+              </p:nvSpPr>
+              <p:spPr>
+                <a:xfrm>
+                  <a:off x="4920009" y="1062038"/>
+                  <a:ext cx="123479" cy="1082501"/>
+                </a:xfrm>
+                <a:prstGeom prst="rect">
+                  <a:avLst/>
+                </a:prstGeom>
+                <a:ln>
+                  <a:solidFill>
+                    <a:schemeClr val="tx1"/>
+                  </a:solidFill>
+                </a:ln>
+              </p:spPr>
+              <p:style>
+                <a:lnRef idx="2">
+                  <a:schemeClr val="dk1">
+                    <a:shade val="50000"/>
+                  </a:schemeClr>
+                </a:lnRef>
+                <a:fillRef idx="1">
+                  <a:schemeClr val="dk1"/>
+                </a:fillRef>
+                <a:effectRef idx="0">
+                  <a:schemeClr val="dk1"/>
+                </a:effectRef>
+                <a:fontRef idx="minor">
+                  <a:schemeClr val="lt1"/>
+                </a:fontRef>
+              </p:style>
+              <p:txBody>
+                <a:bodyPr rtlCol="0" anchor="ctr"/>
+                <a:lstStyle/>
+                <a:p>
+                  <a:pPr algn="ctr"/>
+                  <a:endParaRPr lang="en-GB"/>
+                </a:p>
+              </p:txBody>
+            </p:sp>
+            <p:cxnSp>
+              <p:nvCxnSpPr>
+                <p:cNvPr id="20" name="Straight Arrow Connector 19"/>
+                <p:cNvCxnSpPr/>
+                <p:nvPr/>
+              </p:nvCxnSpPr>
+              <p:spPr>
+                <a:xfrm>
+                  <a:off x="2166938" y="1347790"/>
+                  <a:ext cx="655191" cy="0"/>
+                </a:xfrm>
+                <a:prstGeom prst="straightConnector1">
+                  <a:avLst/>
+                </a:prstGeom>
+                <a:ln>
+                  <a:solidFill>
+                    <a:schemeClr val="tx1"/>
+                  </a:solidFill>
+                  <a:tailEnd type="triangle"/>
+                </a:ln>
+              </p:spPr>
+              <p:style>
+                <a:lnRef idx="1">
+                  <a:schemeClr val="accent1"/>
+                </a:lnRef>
+                <a:fillRef idx="0">
+                  <a:schemeClr val="accent1"/>
+                </a:fillRef>
+                <a:effectRef idx="0">
+                  <a:schemeClr val="accent1"/>
+                </a:effectRef>
+                <a:fontRef idx="minor">
+                  <a:schemeClr val="tx1"/>
+                </a:fontRef>
+              </p:style>
+            </p:cxnSp>
+            <p:sp>
+              <p:nvSpPr>
+                <p:cNvPr id="21" name="TextBox 20"/>
+                <p:cNvSpPr txBox="1"/>
+                <p:nvPr/>
+              </p:nvSpPr>
+              <p:spPr>
+                <a:xfrm>
+                  <a:off x="3853959" y="974681"/>
+                  <a:ext cx="285656" cy="369332"/>
+                </a:xfrm>
+                <a:prstGeom prst="rect">
+                  <a:avLst/>
+                </a:prstGeom>
+                <a:noFill/>
+              </p:spPr>
+              <p:txBody>
+                <a:bodyPr wrap="none" rtlCol="0">
+                  <a:spAutoFit/>
+                </a:bodyPr>
+                <a:lstStyle/>
+                <a:p>
+                  <a:r>
+                    <a:rPr lang="en-GB" dirty="0" smtClean="0">
+                      <a:latin typeface="Symbol" panose="05050102010706020507" pitchFamily="18" charset="2"/>
+                      <a:cs typeface="Arial" panose="020B0604020202020204" pitchFamily="34" charset="0"/>
+                    </a:rPr>
+                    <a:t>t</a:t>
+                  </a:r>
+                  <a:endParaRPr lang="en-GB" baseline="-25000" dirty="0">
+                    <a:latin typeface="Symbol" panose="05050102010706020507" pitchFamily="18" charset="2"/>
+                    <a:cs typeface="Arial" panose="020B0604020202020204" pitchFamily="34" charset="0"/>
+                  </a:endParaRPr>
+                </a:p>
+              </p:txBody>
+            </p:sp>
+            <p:cxnSp>
+              <p:nvCxnSpPr>
+                <p:cNvPr id="22" name="Straight Arrow Connector 21"/>
+                <p:cNvCxnSpPr/>
+                <p:nvPr/>
+              </p:nvCxnSpPr>
+              <p:spPr>
+                <a:xfrm>
+                  <a:off x="2987573" y="1347790"/>
+                  <a:ext cx="1905896" cy="0"/>
+                </a:xfrm>
+                <a:prstGeom prst="straightConnector1">
+                  <a:avLst/>
+                </a:prstGeom>
+                <a:ln>
+                  <a:solidFill>
+                    <a:schemeClr val="tx1"/>
+                  </a:solidFill>
+                  <a:headEnd type="triangle"/>
+                  <a:tailEnd type="triangle"/>
+                </a:ln>
+              </p:spPr>
+              <p:style>
+                <a:lnRef idx="1">
+                  <a:schemeClr val="accent1"/>
+                </a:lnRef>
+                <a:fillRef idx="0">
+                  <a:schemeClr val="accent1"/>
+                </a:fillRef>
+                <a:effectRef idx="0">
+                  <a:schemeClr val="accent1"/>
+                </a:effectRef>
+                <a:fontRef idx="minor">
+                  <a:schemeClr val="tx1"/>
+                </a:fontRef>
+              </p:style>
+            </p:cxnSp>
+            <p:cxnSp>
+              <p:nvCxnSpPr>
+                <p:cNvPr id="23" name="Straight Arrow Connector 22"/>
+                <p:cNvCxnSpPr/>
+                <p:nvPr/>
+              </p:nvCxnSpPr>
+              <p:spPr>
+                <a:xfrm>
+                  <a:off x="5075426" y="1344013"/>
+                  <a:ext cx="655191" cy="0"/>
+                </a:xfrm>
+                <a:prstGeom prst="straightConnector1">
+                  <a:avLst/>
+                </a:prstGeom>
+                <a:ln>
+                  <a:solidFill>
+                    <a:schemeClr val="tx1"/>
+                  </a:solidFill>
+                  <a:tailEnd type="triangle"/>
+                </a:ln>
+              </p:spPr>
+              <p:style>
+                <a:lnRef idx="1">
+                  <a:schemeClr val="accent1"/>
+                </a:lnRef>
+                <a:fillRef idx="0">
+                  <a:schemeClr val="accent1"/>
+                </a:fillRef>
+                <a:effectRef idx="0">
+                  <a:schemeClr val="accent1"/>
+                </a:effectRef>
+                <a:fontRef idx="minor">
+                  <a:schemeClr val="tx1"/>
+                </a:fontRef>
+              </p:style>
+            </p:cxnSp>
+            <p:sp>
+              <p:nvSpPr>
+                <p:cNvPr id="24" name="TextBox 23"/>
+                <p:cNvSpPr txBox="1"/>
+                <p:nvPr/>
+              </p:nvSpPr>
+              <p:spPr>
+                <a:xfrm>
+                  <a:off x="5208402" y="974681"/>
+                  <a:ext cx="333746" cy="369332"/>
+                </a:xfrm>
+                <a:prstGeom prst="rect">
+                  <a:avLst/>
+                </a:prstGeom>
+                <a:noFill/>
+              </p:spPr>
+              <p:txBody>
+                <a:bodyPr wrap="none" rtlCol="0">
+                  <a:spAutoFit/>
+                </a:bodyPr>
+                <a:lstStyle/>
+                <a:p>
+                  <a:r>
+                    <a:rPr lang="en-GB" dirty="0" smtClean="0">
+                      <a:latin typeface="Arial" panose="020B0604020202020204" pitchFamily="34" charset="0"/>
+                      <a:cs typeface="Arial" panose="020B0604020202020204" pitchFamily="34" charset="0"/>
+                    </a:rPr>
+                    <a:t>t</a:t>
+                  </a:r>
+                  <a:r>
+                    <a:rPr lang="en-GB" baseline="-25000" dirty="0" smtClean="0">
+                      <a:latin typeface="Arial" panose="020B0604020202020204" pitchFamily="34" charset="0"/>
+                      <a:cs typeface="Arial" panose="020B0604020202020204" pitchFamily="34" charset="0"/>
+                    </a:rPr>
+                    <a:t>2</a:t>
+                  </a:r>
+                  <a:endParaRPr lang="en-GB" baseline="-25000" dirty="0">
+                    <a:latin typeface="Arial" panose="020B0604020202020204" pitchFamily="34" charset="0"/>
+                    <a:cs typeface="Arial" panose="020B0604020202020204" pitchFamily="34" charset="0"/>
+                  </a:endParaRPr>
+                </a:p>
+              </p:txBody>
+            </p:sp>
+            <p:sp>
+              <p:nvSpPr>
+                <p:cNvPr id="25" name="Freeform 24"/>
+                <p:cNvSpPr/>
+                <p:nvPr/>
+              </p:nvSpPr>
+              <p:spPr>
+                <a:xfrm>
+                  <a:off x="5016500" y="1060450"/>
+                  <a:ext cx="990600" cy="1316689"/>
+                </a:xfrm>
+                <a:custGeom>
+                  <a:avLst/>
+                  <a:gdLst>
+                    <a:gd name="connsiteX0" fmla="*/ 0 w 990600"/>
+                    <a:gd name="connsiteY0" fmla="*/ 0 h 1316689"/>
+                    <a:gd name="connsiteX1" fmla="*/ 215900 w 990600"/>
+                    <a:gd name="connsiteY1" fmla="*/ 1295400 h 1316689"/>
+                    <a:gd name="connsiteX2" fmla="*/ 298450 w 990600"/>
+                    <a:gd name="connsiteY2" fmla="*/ 831850 h 1316689"/>
+                    <a:gd name="connsiteX3" fmla="*/ 431800 w 990600"/>
+                    <a:gd name="connsiteY3" fmla="*/ 1181100 h 1316689"/>
+                    <a:gd name="connsiteX4" fmla="*/ 571500 w 990600"/>
+                    <a:gd name="connsiteY4" fmla="*/ 977900 h 1316689"/>
+                    <a:gd name="connsiteX5" fmla="*/ 635000 w 990600"/>
+                    <a:gd name="connsiteY5" fmla="*/ 1136650 h 1316689"/>
+                    <a:gd name="connsiteX6" fmla="*/ 838200 w 990600"/>
+                    <a:gd name="connsiteY6" fmla="*/ 1047750 h 1316689"/>
+                    <a:gd name="connsiteX7" fmla="*/ 990600 w 990600"/>
+                    <a:gd name="connsiteY7" fmla="*/ 1085850 h 1316689"/>
+                  </a:gdLst>
+                  <a:ahLst/>
+                  <a:cxnLst>
+                    <a:cxn ang="0">
+                      <a:pos x="connsiteX0" y="connsiteY0"/>
+                    </a:cxn>
+                    <a:cxn ang="0">
+                      <a:pos x="connsiteX1" y="connsiteY1"/>
+                    </a:cxn>
+                    <a:cxn ang="0">
+                      <a:pos x="connsiteX2" y="connsiteY2"/>
+                    </a:cxn>
+                    <a:cxn ang="0">
+                      <a:pos x="connsiteX3" y="connsiteY3"/>
+                    </a:cxn>
+                    <a:cxn ang="0">
+                      <a:pos x="connsiteX4" y="connsiteY4"/>
+                    </a:cxn>
+                    <a:cxn ang="0">
+                      <a:pos x="connsiteX5" y="connsiteY5"/>
+                    </a:cxn>
+                    <a:cxn ang="0">
+                      <a:pos x="connsiteX6" y="connsiteY6"/>
+                    </a:cxn>
+                    <a:cxn ang="0">
+                      <a:pos x="connsiteX7" y="connsiteY7"/>
+                    </a:cxn>
+                  </a:cxnLst>
+                  <a:rect l="l" t="t" r="r" b="b"/>
+                  <a:pathLst>
+                    <a:path w="990600" h="1316689">
+                      <a:moveTo>
+                        <a:pt x="0" y="0"/>
+                      </a:moveTo>
+                      <a:cubicBezTo>
+                        <a:pt x="83079" y="578379"/>
+                        <a:pt x="166158" y="1156758"/>
+                        <a:pt x="215900" y="1295400"/>
+                      </a:cubicBezTo>
+                      <a:cubicBezTo>
+                        <a:pt x="265642" y="1434042"/>
+                        <a:pt x="262467" y="850900"/>
+                        <a:pt x="298450" y="831850"/>
+                      </a:cubicBezTo>
+                      <a:cubicBezTo>
+                        <a:pt x="334433" y="812800"/>
+                        <a:pt x="386292" y="1156758"/>
+                        <a:pt x="431800" y="1181100"/>
+                      </a:cubicBezTo>
+                      <a:cubicBezTo>
+                        <a:pt x="477308" y="1205442"/>
+                        <a:pt x="537633" y="985308"/>
+                        <a:pt x="571500" y="977900"/>
+                      </a:cubicBezTo>
+                      <a:cubicBezTo>
+                        <a:pt x="605367" y="970492"/>
+                        <a:pt x="590550" y="1125008"/>
+                        <a:pt x="635000" y="1136650"/>
+                      </a:cubicBezTo>
+                      <a:cubicBezTo>
+                        <a:pt x="679450" y="1148292"/>
+                        <a:pt x="778933" y="1056217"/>
+                        <a:pt x="838200" y="1047750"/>
+                      </a:cubicBezTo>
+                      <a:cubicBezTo>
+                        <a:pt x="897467" y="1039283"/>
+                        <a:pt x="944033" y="1062566"/>
+                        <a:pt x="990600" y="1085850"/>
+                      </a:cubicBezTo>
+                    </a:path>
+                  </a:pathLst>
+                </a:custGeom>
+                <a:noFill/>
+                <a:ln>
+                  <a:solidFill>
+                    <a:schemeClr val="tx1"/>
+                  </a:solidFill>
+                </a:ln>
+              </p:spPr>
+              <p:style>
+                <a:lnRef idx="2">
+                  <a:schemeClr val="accent1">
+                    <a:shade val="50000"/>
+                  </a:schemeClr>
+                </a:lnRef>
+                <a:fillRef idx="1">
+                  <a:schemeClr val="accent1"/>
+                </a:fillRef>
+                <a:effectRef idx="0">
+                  <a:schemeClr val="accent1"/>
+                </a:effectRef>
+                <a:fontRef idx="minor">
+                  <a:schemeClr val="lt1"/>
+                </a:fontRef>
+              </p:style>
+              <p:txBody>
+                <a:bodyPr rtlCol="0" anchor="ctr"/>
+                <a:lstStyle/>
+                <a:p>
+                  <a:pPr algn="ctr"/>
+                  <a:endParaRPr lang="en-GB"/>
+                </a:p>
+              </p:txBody>
+            </p:sp>
+            <p:sp>
+              <p:nvSpPr>
+                <p:cNvPr id="26" name="TextBox 25"/>
+                <p:cNvSpPr txBox="1"/>
+                <p:nvPr/>
+              </p:nvSpPr>
+              <p:spPr>
+                <a:xfrm>
+                  <a:off x="2293072" y="974681"/>
+                  <a:ext cx="340158" cy="369332"/>
+                </a:xfrm>
+                <a:prstGeom prst="rect">
+                  <a:avLst/>
+                </a:prstGeom>
+                <a:noFill/>
+              </p:spPr>
+              <p:txBody>
+                <a:bodyPr wrap="none" rtlCol="0">
+                  <a:spAutoFit/>
+                </a:bodyPr>
+                <a:lstStyle/>
+                <a:p>
+                  <a:r>
+                    <a:rPr lang="en-GB" dirty="0" smtClean="0">
+                      <a:latin typeface="Arial" panose="020B0604020202020204" pitchFamily="34" charset="0"/>
+                      <a:cs typeface="Arial" panose="020B0604020202020204" pitchFamily="34" charset="0"/>
+                    </a:rPr>
+                    <a:t>t</a:t>
+                  </a:r>
+                  <a:r>
+                    <a:rPr lang="en-GB" baseline="-25000" dirty="0" smtClean="0">
+                      <a:latin typeface="Arial" panose="020B0604020202020204" pitchFamily="34" charset="0"/>
+                      <a:cs typeface="Arial" panose="020B0604020202020204" pitchFamily="34" charset="0"/>
+                    </a:rPr>
+                    <a:t>1</a:t>
+                  </a:r>
+                  <a:endParaRPr lang="en-GB" baseline="-25000" dirty="0">
+                    <a:latin typeface="Arial" panose="020B0604020202020204" pitchFamily="34" charset="0"/>
+                    <a:cs typeface="Arial" panose="020B0604020202020204" pitchFamily="34" charset="0"/>
+                  </a:endParaRPr>
+                </a:p>
+              </p:txBody>
+            </p:sp>
+          </p:grpSp>
+          <p:sp>
+            <p:nvSpPr>
+              <p:cNvPr id="10" name="TextBox 9"/>
+              <p:cNvSpPr txBox="1"/>
+              <p:nvPr/>
+            </p:nvSpPr>
+            <p:spPr>
+              <a:xfrm>
+                <a:off x="1676049" y="715590"/>
+                <a:ext cx="436338" cy="338554"/>
+              </a:xfrm>
+              <a:prstGeom prst="rect">
+                <a:avLst/>
+              </a:prstGeom>
+              <a:noFill/>
+            </p:spPr>
+            <p:txBody>
+              <a:bodyPr wrap="none" rtlCol="0">
+                <a:spAutoFit/>
+              </a:bodyPr>
+              <a:lstStyle/>
+              <a:p>
+                <a:r>
+                  <a:rPr lang="en-GB" sz="1600" dirty="0" smtClean="0">
+                    <a:solidFill>
+                      <a:schemeClr val="accent1">
+                        <a:lumMod val="75000"/>
+                      </a:schemeClr>
+                    </a:solidFill>
+                    <a:latin typeface="Arial" panose="020B0604020202020204" pitchFamily="34" charset="0"/>
+                    <a:cs typeface="Arial" panose="020B0604020202020204" pitchFamily="34" charset="0"/>
+                  </a:rPr>
+                  <a:t>(1)</a:t>
+                </a:r>
+                <a:endParaRPr lang="en-GB" sz="1600" dirty="0">
+                  <a:solidFill>
+                    <a:schemeClr val="accent1">
+                      <a:lumMod val="75000"/>
+                    </a:schemeClr>
+                  </a:solidFill>
+                  <a:latin typeface="Arial" panose="020B0604020202020204" pitchFamily="34" charset="0"/>
+                  <a:cs typeface="Arial" panose="020B0604020202020204" pitchFamily="34" charset="0"/>
+                </a:endParaRPr>
+              </a:p>
+            </p:txBody>
+          </p:sp>
+          <p:sp>
+            <p:nvSpPr>
+              <p:cNvPr id="11" name="TextBox 10"/>
+              <p:cNvSpPr txBox="1"/>
+              <p:nvPr/>
+            </p:nvSpPr>
+            <p:spPr>
+              <a:xfrm>
+                <a:off x="1998829" y="713907"/>
+                <a:ext cx="474810" cy="338554"/>
+              </a:xfrm>
+              <a:prstGeom prst="rect">
+                <a:avLst/>
+              </a:prstGeom>
+              <a:noFill/>
+            </p:spPr>
+            <p:txBody>
+              <a:bodyPr wrap="none" rtlCol="0">
+                <a:spAutoFit/>
+              </a:bodyPr>
+              <a:lstStyle/>
+              <a:p>
+                <a:r>
+                  <a:rPr lang="en-GB" sz="1600" dirty="0" smtClean="0">
+                    <a:solidFill>
+                      <a:schemeClr val="accent1">
+                        <a:lumMod val="75000"/>
+                      </a:schemeClr>
+                    </a:solidFill>
+                    <a:latin typeface="Arial" panose="020B0604020202020204" pitchFamily="34" charset="0"/>
+                    <a:cs typeface="Arial" panose="020B0604020202020204" pitchFamily="34" charset="0"/>
+                  </a:rPr>
+                  <a:t>(1')</a:t>
+                </a:r>
+                <a:endParaRPr lang="en-GB" sz="1600" dirty="0">
+                  <a:solidFill>
+                    <a:schemeClr val="accent1">
+                      <a:lumMod val="75000"/>
+                    </a:schemeClr>
+                  </a:solidFill>
+                  <a:latin typeface="Arial" panose="020B0604020202020204" pitchFamily="34" charset="0"/>
+                  <a:cs typeface="Arial" panose="020B0604020202020204" pitchFamily="34" charset="0"/>
+                </a:endParaRPr>
+              </a:p>
+            </p:txBody>
+          </p:sp>
+          <p:sp>
+            <p:nvSpPr>
+              <p:cNvPr id="12" name="Rectangle 11"/>
+              <p:cNvSpPr/>
+              <p:nvPr/>
+            </p:nvSpPr>
+            <p:spPr>
+              <a:xfrm>
+                <a:off x="2507373" y="714395"/>
+                <a:ext cx="436338" cy="338554"/>
+              </a:xfrm>
+              <a:prstGeom prst="rect">
+                <a:avLst/>
+              </a:prstGeom>
+            </p:spPr>
+            <p:txBody>
+              <a:bodyPr wrap="none">
+                <a:spAutoFit/>
+              </a:bodyPr>
+              <a:lstStyle/>
+              <a:p>
+                <a:r>
+                  <a:rPr lang="en-GB" sz="1600" dirty="0" smtClean="0">
+                    <a:solidFill>
+                      <a:schemeClr val="accent1">
+                        <a:lumMod val="75000"/>
+                      </a:schemeClr>
+                    </a:solidFill>
+                    <a:latin typeface="Arial" panose="020B0604020202020204" pitchFamily="34" charset="0"/>
+                    <a:cs typeface="Arial" panose="020B0604020202020204" pitchFamily="34" charset="0"/>
+                  </a:rPr>
+                  <a:t>(2)</a:t>
+                </a:r>
+                <a:endParaRPr lang="en-GB" sz="1600" dirty="0">
+                  <a:solidFill>
+                    <a:schemeClr val="accent1">
+                      <a:lumMod val="75000"/>
+                    </a:schemeClr>
+                  </a:solidFill>
+                  <a:latin typeface="Arial" panose="020B0604020202020204" pitchFamily="34" charset="0"/>
+                  <a:cs typeface="Arial" panose="020B0604020202020204" pitchFamily="34" charset="0"/>
+                </a:endParaRPr>
+              </a:p>
+            </p:txBody>
+          </p:sp>
+          <p:sp>
+            <p:nvSpPr>
+              <p:cNvPr id="13" name="TextBox 12"/>
+              <p:cNvSpPr txBox="1"/>
+              <p:nvPr/>
+            </p:nvSpPr>
+            <p:spPr>
+              <a:xfrm>
+                <a:off x="2841061" y="717084"/>
+                <a:ext cx="474810" cy="338554"/>
+              </a:xfrm>
+              <a:prstGeom prst="rect">
+                <a:avLst/>
+              </a:prstGeom>
+              <a:noFill/>
+            </p:spPr>
+            <p:txBody>
+              <a:bodyPr wrap="none" rtlCol="0">
+                <a:spAutoFit/>
+              </a:bodyPr>
+              <a:lstStyle/>
+              <a:p>
+                <a:r>
+                  <a:rPr lang="en-GB" sz="1600" dirty="0" smtClean="0">
+                    <a:solidFill>
+                      <a:schemeClr val="accent1">
+                        <a:lumMod val="75000"/>
+                      </a:schemeClr>
+                    </a:solidFill>
+                    <a:latin typeface="Arial" panose="020B0604020202020204" pitchFamily="34" charset="0"/>
+                    <a:cs typeface="Arial" panose="020B0604020202020204" pitchFamily="34" charset="0"/>
+                  </a:rPr>
+                  <a:t>(2')</a:t>
+                </a:r>
+                <a:endParaRPr lang="en-GB" sz="1600" dirty="0">
+                  <a:solidFill>
+                    <a:schemeClr val="accent1">
+                      <a:lumMod val="75000"/>
+                    </a:schemeClr>
+                  </a:solidFill>
+                  <a:latin typeface="Arial" panose="020B0604020202020204" pitchFamily="34" charset="0"/>
+                  <a:cs typeface="Arial" panose="020B0604020202020204" pitchFamily="34" charset="0"/>
+                </a:endParaRPr>
+              </a:p>
+            </p:txBody>
+          </p:sp>
+          <p:sp>
+            <p:nvSpPr>
+              <p:cNvPr id="14" name="Rectangle 13"/>
+              <p:cNvSpPr/>
+              <p:nvPr/>
+            </p:nvSpPr>
+            <p:spPr>
+              <a:xfrm>
+                <a:off x="4586321" y="711218"/>
+                <a:ext cx="436338" cy="338554"/>
+              </a:xfrm>
+              <a:prstGeom prst="rect">
+                <a:avLst/>
+              </a:prstGeom>
+            </p:spPr>
+            <p:txBody>
+              <a:bodyPr wrap="none">
+                <a:spAutoFit/>
+              </a:bodyPr>
+              <a:lstStyle/>
+              <a:p>
+                <a:r>
+                  <a:rPr lang="en-GB" sz="1600" dirty="0" smtClean="0">
+                    <a:solidFill>
+                      <a:schemeClr val="accent1">
+                        <a:lumMod val="75000"/>
+                      </a:schemeClr>
+                    </a:solidFill>
+                    <a:latin typeface="Arial" panose="020B0604020202020204" pitchFamily="34" charset="0"/>
+                    <a:cs typeface="Arial" panose="020B0604020202020204" pitchFamily="34" charset="0"/>
+                  </a:rPr>
+                  <a:t>(3)</a:t>
+                </a:r>
+                <a:endParaRPr lang="en-GB" sz="1600" dirty="0">
+                  <a:solidFill>
+                    <a:schemeClr val="accent1">
+                      <a:lumMod val="75000"/>
+                    </a:schemeClr>
+                  </a:solidFill>
+                  <a:latin typeface="Arial" panose="020B0604020202020204" pitchFamily="34" charset="0"/>
+                  <a:cs typeface="Arial" panose="020B0604020202020204" pitchFamily="34" charset="0"/>
+                </a:endParaRPr>
+              </a:p>
+            </p:txBody>
+          </p:sp>
+          <p:sp>
+            <p:nvSpPr>
+              <p:cNvPr id="15" name="TextBox 14"/>
+              <p:cNvSpPr txBox="1"/>
+              <p:nvPr/>
+            </p:nvSpPr>
+            <p:spPr>
+              <a:xfrm>
+                <a:off x="4920009" y="713907"/>
+                <a:ext cx="474810" cy="338554"/>
+              </a:xfrm>
+              <a:prstGeom prst="rect">
+                <a:avLst/>
+              </a:prstGeom>
+              <a:noFill/>
+            </p:spPr>
+            <p:txBody>
+              <a:bodyPr wrap="none" rtlCol="0">
+                <a:spAutoFit/>
+              </a:bodyPr>
+              <a:lstStyle/>
+              <a:p>
+                <a:r>
+                  <a:rPr lang="en-GB" sz="1600" dirty="0" smtClean="0">
+                    <a:solidFill>
+                      <a:schemeClr val="accent1">
+                        <a:lumMod val="75000"/>
+                      </a:schemeClr>
+                    </a:solidFill>
+                    <a:latin typeface="Arial" panose="020B0604020202020204" pitchFamily="34" charset="0"/>
+                    <a:cs typeface="Arial" panose="020B0604020202020204" pitchFamily="34" charset="0"/>
+                  </a:rPr>
+                  <a:t>(3')</a:t>
+                </a:r>
+                <a:endParaRPr lang="en-GB" sz="1600" dirty="0">
+                  <a:solidFill>
+                    <a:schemeClr val="accent1">
+                      <a:lumMod val="75000"/>
+                    </a:schemeClr>
+                  </a:solidFill>
+                  <a:latin typeface="Arial" panose="020B0604020202020204" pitchFamily="34" charset="0"/>
+                  <a:cs typeface="Arial" panose="020B0604020202020204" pitchFamily="34" charset="0"/>
+                </a:endParaRPr>
+              </a:p>
+            </p:txBody>
+          </p:sp>
+          <p:sp>
+            <p:nvSpPr>
+              <p:cNvPr id="16" name="TextBox 15"/>
+              <p:cNvSpPr txBox="1"/>
+              <p:nvPr/>
+            </p:nvSpPr>
+            <p:spPr>
+              <a:xfrm>
+                <a:off x="5617481" y="1658463"/>
+                <a:ext cx="436338" cy="338554"/>
+              </a:xfrm>
+              <a:prstGeom prst="rect">
+                <a:avLst/>
+              </a:prstGeom>
+              <a:noFill/>
+            </p:spPr>
+            <p:txBody>
+              <a:bodyPr wrap="none" rtlCol="0">
+                <a:spAutoFit/>
+              </a:bodyPr>
+              <a:lstStyle/>
+              <a:p>
+                <a:r>
+                  <a:rPr lang="en-GB" sz="1600" dirty="0" smtClean="0">
+                    <a:solidFill>
+                      <a:schemeClr val="accent1">
+                        <a:lumMod val="75000"/>
+                      </a:schemeClr>
+                    </a:solidFill>
+                    <a:latin typeface="Arial" panose="020B0604020202020204" pitchFamily="34" charset="0"/>
+                    <a:cs typeface="Arial" panose="020B0604020202020204" pitchFamily="34" charset="0"/>
+                  </a:rPr>
+                  <a:t>(4)</a:t>
+                </a:r>
+                <a:endParaRPr lang="en-GB" sz="1600" dirty="0">
+                  <a:solidFill>
+                    <a:schemeClr val="accent1">
+                      <a:lumMod val="75000"/>
+                    </a:schemeClr>
+                  </a:solidFill>
+                  <a:latin typeface="Arial" panose="020B0604020202020204" pitchFamily="34" charset="0"/>
+                  <a:cs typeface="Arial" panose="020B0604020202020204" pitchFamily="34" charset="0"/>
+                </a:endParaRPr>
+              </a:p>
+            </p:txBody>
+          </p:sp>
+        </p:grpSp>
+      </p:grpSp>
+    </p:spTree>
+    <p:extLst>
+      <p:ext uri="{BB962C8B-B14F-4D97-AF65-F5344CB8AC3E}">
+        <p14:creationId xmlns:p14="http://schemas.microsoft.com/office/powerpoint/2010/main" val="3421472944"/>
+      </p:ext>
+    </p:extLst>
+  </p:cSld>
+  <p:clrMapOvr>
+    <a:masterClrMapping/>
+  </p:clrMapOvr>
+  <p:timing>
+    <p:tnLst>
+      <p:par>
+        <p:cTn id="1" dur="indefinite" restart="never" nodeType="tmRoot"/>
+      </p:par>
+    </p:tnLst>
+  </p:timing>
+</p:sld>
+</file>
+
+<file path=ppt/slides/slide57.xml><?xml version="1.0" encoding="utf-8"?>
 <p:sld xmlns:a="http://schemas.openxmlformats.org/drawingml/2006/main" xmlns:r="http://schemas.openxmlformats.org/officeDocument/2006/relationships" xmlns:p="http://schemas.openxmlformats.org/presentationml/2006/main">
   <p:cSld>
     <p:spTree>
@@ -45204,21 +46402,15 @@
           <p:nvPr/>
         </p:nvPicPr>
         <p:blipFill>
-          <a:blip r:embed="rId2" cstate="print">
-            <a:extLst>
-              <a:ext uri="{28A0092B-C50C-407E-A947-70E740481C1C}">
-                <a14:useLocalDpi xmlns:a14="http://schemas.microsoft.com/office/drawing/2010/main" val="0"/>
-              </a:ext>
-            </a:extLst>
-          </a:blip>
+          <a:blip r:embed="rId2"/>
           <a:stretch>
             <a:fillRect/>
           </a:stretch>
         </p:blipFill>
         <p:spPr>
           <a:xfrm>
-            <a:off x="3676454" y="932306"/>
-            <a:ext cx="5546076" cy="5113699"/>
+            <a:off x="1839133" y="384337"/>
+            <a:ext cx="7113559" cy="5792626"/>
           </a:xfrm>
           <a:prstGeom prst="rect">
             <a:avLst/>
@@ -45228,13 +46420,20 @@
     </p:spTree>
     <p:extLst>
       <p:ext uri="{BB962C8B-B14F-4D97-AF65-F5344CB8AC3E}">
-        <p14:creationId xmlns:p14="http://schemas.microsoft.com/office/powerpoint/2010/main" val="3421472944"/>
+        <p14:creationId xmlns:p14="http://schemas.microsoft.com/office/powerpoint/2010/main" val="1770417098"/>
       </p:ext>
     </p:extLst>
   </p:cSld>
   <p:clrMapOvr>
     <a:masterClrMapping/>
   </p:clrMapOvr>
+  <p:timing>
+    <p:tnLst>
+      <p:par>
+        <p:cTn id="1" dur="indefinite" restart="never" nodeType="tmRoot"/>
+      </p:par>
+    </p:tnLst>
+  </p:timing>
 </p:sld>
 </file>
 

--- a/figures/pics for NMR lectures.pptx
+++ b/figures/pics for NMR lectures.pptx
@@ -5,7 +5,7 @@
     <p:sldMasterId id="2147483648" r:id="rId1"/>
   </p:sldMasterIdLst>
   <p:notesMasterIdLst>
-    <p:notesMasterId r:id="rId59"/>
+    <p:notesMasterId r:id="rId64"/>
   </p:notesMasterIdLst>
   <p:sldIdLst>
     <p:sldId id="257" r:id="rId2"/>
@@ -65,6 +65,11 @@
     <p:sldId id="311" r:id="rId56"/>
     <p:sldId id="312" r:id="rId57"/>
     <p:sldId id="313" r:id="rId58"/>
+    <p:sldId id="314" r:id="rId59"/>
+    <p:sldId id="316" r:id="rId60"/>
+    <p:sldId id="317" r:id="rId61"/>
+    <p:sldId id="315" r:id="rId62"/>
+    <p:sldId id="318" r:id="rId63"/>
   </p:sldIdLst>
   <p:sldSz cx="12192000" cy="6858000"/>
   <p:notesSz cx="6858000" cy="9144000"/>
@@ -229,6 +234,11 @@
             <p14:sldId id="311"/>
             <p14:sldId id="312"/>
             <p14:sldId id="313"/>
+            <p14:sldId id="314"/>
+            <p14:sldId id="316"/>
+            <p14:sldId id="317"/>
+            <p14:sldId id="315"/>
+            <p14:sldId id="318"/>
           </p14:sldIdLst>
         </p14:section>
       </p14:sectionLst>
@@ -42982,7 +42992,7 @@
               <a:graphicData uri="http://schemas.openxmlformats.org/presentationml/2006/ole">
                 <mc:AlternateContent xmlns:mc="http://schemas.openxmlformats.org/markup-compatibility/2006">
                   <mc:Choice xmlns:v="urn:schemas-microsoft-com:vml" Requires="v">
-                    <p:oleObj spid="_x0000_s2096" name="CS ChemDraw Drawing" r:id="rId4" imgW="4169232" imgH="830250" progId="ChemDraw.Document.6.0">
+                    <p:oleObj spid="_x0000_s2138" name="CS ChemDraw Drawing" r:id="rId4" imgW="4169232" imgH="830250" progId="ChemDraw.Document.6.0">
                       <p:embed/>
                     </p:oleObj>
                   </mc:Choice>
@@ -43175,7 +43185,7 @@
             <a:graphicData uri="http://schemas.openxmlformats.org/presentationml/2006/ole">
               <mc:AlternateContent xmlns:mc="http://schemas.openxmlformats.org/markup-compatibility/2006">
                 <mc:Choice xmlns:v="urn:schemas-microsoft-com:vml" Requires="v">
-                  <p:oleObj spid="_x0000_s1079" name="CS ChemDraw Drawing" r:id="rId3" imgW="4169232" imgH="830250" progId="ChemDraw.Document.6.0">
+                  <p:oleObj spid="_x0000_s1121" name="CS ChemDraw Drawing" r:id="rId3" imgW="4169232" imgH="830250" progId="ChemDraw.Document.6.0">
                     <p:embed/>
                   </p:oleObj>
                 </mc:Choice>
@@ -46437,6 +46447,1336 @@
 </p:sld>
 </file>
 
+<file path=ppt/slides/slide58.xml><?xml version="1.0" encoding="utf-8"?>
+<p:sld xmlns:a="http://schemas.openxmlformats.org/drawingml/2006/main" xmlns:r="http://schemas.openxmlformats.org/officeDocument/2006/relationships" xmlns:p="http://schemas.openxmlformats.org/presentationml/2006/main">
+  <p:cSld>
+    <p:spTree>
+      <p:nvGrpSpPr>
+        <p:cNvPr id="1" name=""/>
+        <p:cNvGrpSpPr/>
+        <p:nvPr/>
+      </p:nvGrpSpPr>
+      <p:grpSpPr>
+        <a:xfrm>
+          <a:off x="0" y="0"/>
+          <a:ext cx="0" cy="0"/>
+          <a:chOff x="0" y="0"/>
+          <a:chExt cx="0" cy="0"/>
+        </a:xfrm>
+      </p:grpSpPr>
+      <p:grpSp>
+        <p:nvGrpSpPr>
+          <p:cNvPr id="21" name="Group 20"/>
+          <p:cNvGrpSpPr/>
+          <p:nvPr/>
+        </p:nvGrpSpPr>
+        <p:grpSpPr>
+          <a:xfrm>
+            <a:off x="1049708" y="1076325"/>
+            <a:ext cx="2529556" cy="2900051"/>
+            <a:chOff x="1049708" y="1076325"/>
+            <a:chExt cx="2529556" cy="2900051"/>
+          </a:xfrm>
+        </p:grpSpPr>
+        <p:grpSp>
+          <p:nvGrpSpPr>
+            <p:cNvPr id="13" name="Group 12"/>
+            <p:cNvGrpSpPr/>
+            <p:nvPr/>
+          </p:nvGrpSpPr>
+          <p:grpSpPr>
+            <a:xfrm>
+              <a:off x="1049708" y="2579590"/>
+              <a:ext cx="2529556" cy="1396786"/>
+              <a:chOff x="897308" y="860639"/>
+              <a:chExt cx="2529556" cy="1396786"/>
+            </a:xfrm>
+          </p:grpSpPr>
+          <p:cxnSp>
+            <p:nvCxnSpPr>
+              <p:cNvPr id="5" name="Straight Arrow Connector 4"/>
+              <p:cNvCxnSpPr/>
+              <p:nvPr/>
+            </p:nvCxnSpPr>
+            <p:spPr>
+              <a:xfrm flipV="1">
+                <a:off x="897308" y="1777525"/>
+                <a:ext cx="2529556" cy="8546"/>
+              </a:xfrm>
+              <a:prstGeom prst="straightConnector1">
+                <a:avLst/>
+              </a:prstGeom>
+              <a:ln>
+                <a:tailEnd type="triangle"/>
+              </a:ln>
+            </p:spPr>
+            <p:style>
+              <a:lnRef idx="3">
+                <a:schemeClr val="dk1"/>
+              </a:lnRef>
+              <a:fillRef idx="0">
+                <a:schemeClr val="dk1"/>
+              </a:fillRef>
+              <a:effectRef idx="2">
+                <a:schemeClr val="dk1"/>
+              </a:effectRef>
+              <a:fontRef idx="minor">
+                <a:schemeClr val="tx1"/>
+              </a:fontRef>
+            </p:style>
+          </p:cxnSp>
+          <p:cxnSp>
+            <p:nvCxnSpPr>
+              <p:cNvPr id="6" name="Straight Arrow Connector 5"/>
+              <p:cNvCxnSpPr/>
+              <p:nvPr/>
+            </p:nvCxnSpPr>
+            <p:spPr>
+              <a:xfrm flipH="1" flipV="1">
+                <a:off x="1981200" y="923925"/>
+                <a:ext cx="9899" cy="1065376"/>
+              </a:xfrm>
+              <a:prstGeom prst="straightConnector1">
+                <a:avLst/>
+              </a:prstGeom>
+              <a:ln>
+                <a:tailEnd type="triangle"/>
+              </a:ln>
+            </p:spPr>
+            <p:style>
+              <a:lnRef idx="3">
+                <a:schemeClr val="dk1"/>
+              </a:lnRef>
+              <a:fillRef idx="0">
+                <a:schemeClr val="dk1"/>
+              </a:fillRef>
+              <a:effectRef idx="2">
+                <a:schemeClr val="dk1"/>
+              </a:effectRef>
+              <a:fontRef idx="minor">
+                <a:schemeClr val="tx1"/>
+              </a:fontRef>
+            </p:style>
+          </p:cxnSp>
+          <p:cxnSp>
+            <p:nvCxnSpPr>
+              <p:cNvPr id="9" name="Straight Connector 8"/>
+              <p:cNvCxnSpPr/>
+              <p:nvPr/>
+            </p:nvCxnSpPr>
+            <p:spPr>
+              <a:xfrm flipV="1">
+                <a:off x="1019175" y="1276350"/>
+                <a:ext cx="2038350" cy="981075"/>
+              </a:xfrm>
+              <a:prstGeom prst="line">
+                <a:avLst/>
+              </a:prstGeom>
+            </p:spPr>
+            <p:style>
+              <a:lnRef idx="1">
+                <a:schemeClr val="accent1"/>
+              </a:lnRef>
+              <a:fillRef idx="0">
+                <a:schemeClr val="accent1"/>
+              </a:fillRef>
+              <a:effectRef idx="0">
+                <a:schemeClr val="accent1"/>
+              </a:effectRef>
+              <a:fontRef idx="minor">
+                <a:schemeClr val="tx1"/>
+              </a:fontRef>
+            </p:style>
+          </p:cxnSp>
+          <p:sp>
+            <p:nvSpPr>
+              <p:cNvPr id="10" name="TextBox 9"/>
+              <p:cNvSpPr txBox="1"/>
+              <p:nvPr/>
+            </p:nvSpPr>
+            <p:spPr>
+              <a:xfrm>
+                <a:off x="1478510" y="860639"/>
+                <a:ext cx="484428" cy="369332"/>
+              </a:xfrm>
+              <a:prstGeom prst="rect">
+                <a:avLst/>
+              </a:prstGeom>
+              <a:noFill/>
+            </p:spPr>
+            <p:txBody>
+              <a:bodyPr wrap="none" rtlCol="0">
+                <a:spAutoFit/>
+              </a:bodyPr>
+              <a:lstStyle/>
+              <a:p>
+                <a:r>
+                  <a:rPr lang="en-GB" i="1" dirty="0" err="1" smtClean="0">
+                    <a:latin typeface="Symbol" panose="05050102010706020507" pitchFamily="18" charset="2"/>
+                    <a:cs typeface="Arial" panose="020B0604020202020204" pitchFamily="34" charset="0"/>
+                  </a:rPr>
+                  <a:t>Dw</a:t>
+                </a:r>
+                <a:endParaRPr lang="en-GB" i="1" baseline="-25000" dirty="0">
+                  <a:latin typeface="Symbol" panose="05050102010706020507" pitchFamily="18" charset="2"/>
+                  <a:cs typeface="Arial" panose="020B0604020202020204" pitchFamily="34" charset="0"/>
+                </a:endParaRPr>
+              </a:p>
+            </p:txBody>
+          </p:sp>
+          <p:sp>
+            <p:nvSpPr>
+              <p:cNvPr id="11" name="TextBox 10"/>
+              <p:cNvSpPr txBox="1"/>
+              <p:nvPr/>
+            </p:nvSpPr>
+            <p:spPr>
+              <a:xfrm>
+                <a:off x="3126782" y="1766887"/>
+                <a:ext cx="300082" cy="369332"/>
+              </a:xfrm>
+              <a:prstGeom prst="rect">
+                <a:avLst/>
+              </a:prstGeom>
+              <a:noFill/>
+            </p:spPr>
+            <p:txBody>
+              <a:bodyPr wrap="none" rtlCol="0">
+                <a:spAutoFit/>
+              </a:bodyPr>
+              <a:lstStyle/>
+              <a:p>
+                <a:r>
+                  <a:rPr lang="en-GB" i="1" dirty="0" smtClean="0">
+                    <a:latin typeface="Arial" panose="020B0604020202020204" pitchFamily="34" charset="0"/>
+                    <a:cs typeface="Arial" panose="020B0604020202020204" pitchFamily="34" charset="0"/>
+                  </a:rPr>
+                  <a:t>x</a:t>
+                </a:r>
+                <a:endParaRPr lang="en-GB" i="1" dirty="0">
+                  <a:latin typeface="Arial" panose="020B0604020202020204" pitchFamily="34" charset="0"/>
+                  <a:cs typeface="Arial" panose="020B0604020202020204" pitchFamily="34" charset="0"/>
+                </a:endParaRPr>
+              </a:p>
+            </p:txBody>
+          </p:sp>
+          <p:sp>
+            <p:nvSpPr>
+              <p:cNvPr id="12" name="TextBox 11"/>
+              <p:cNvSpPr txBox="1"/>
+              <p:nvPr/>
+            </p:nvSpPr>
+            <p:spPr>
+              <a:xfrm>
+                <a:off x="2547943" y="936839"/>
+                <a:ext cx="535724" cy="369332"/>
+              </a:xfrm>
+              <a:prstGeom prst="rect">
+                <a:avLst/>
+              </a:prstGeom>
+              <a:noFill/>
+            </p:spPr>
+            <p:txBody>
+              <a:bodyPr wrap="none" rtlCol="0">
+                <a:spAutoFit/>
+              </a:bodyPr>
+              <a:lstStyle/>
+              <a:p>
+                <a:r>
+                  <a:rPr lang="en-GB" i="1" dirty="0" err="1" smtClean="0">
+                    <a:latin typeface="Symbol" panose="05050102010706020507" pitchFamily="18" charset="2"/>
+                    <a:cs typeface="Arial" panose="020B0604020202020204" pitchFamily="34" charset="0"/>
+                  </a:rPr>
+                  <a:t>g</a:t>
+                </a:r>
+                <a:r>
+                  <a:rPr lang="en-GB" i="1" dirty="0" err="1" smtClean="0">
+                    <a:latin typeface="Arial" panose="020B0604020202020204" pitchFamily="34" charset="0"/>
+                    <a:cs typeface="Arial" panose="020B0604020202020204" pitchFamily="34" charset="0"/>
+                  </a:rPr>
+                  <a:t>G</a:t>
+                </a:r>
+                <a:r>
+                  <a:rPr lang="en-GB" i="1" baseline="-25000" dirty="0" err="1" smtClean="0">
+                    <a:latin typeface="Arial" panose="020B0604020202020204" pitchFamily="34" charset="0"/>
+                    <a:cs typeface="Arial" panose="020B0604020202020204" pitchFamily="34" charset="0"/>
+                  </a:rPr>
+                  <a:t>x</a:t>
+                </a:r>
+                <a:endParaRPr lang="en-GB" i="1" baseline="-25000" dirty="0">
+                  <a:latin typeface="Arial" panose="020B0604020202020204" pitchFamily="34" charset="0"/>
+                  <a:cs typeface="Arial" panose="020B0604020202020204" pitchFamily="34" charset="0"/>
+                </a:endParaRPr>
+              </a:p>
+            </p:txBody>
+          </p:sp>
+        </p:grpSp>
+        <p:grpSp>
+          <p:nvGrpSpPr>
+            <p:cNvPr id="14" name="Group 13"/>
+            <p:cNvGrpSpPr/>
+            <p:nvPr/>
+          </p:nvGrpSpPr>
+          <p:grpSpPr>
+            <a:xfrm>
+              <a:off x="1049708" y="1076325"/>
+              <a:ext cx="2529556" cy="1333500"/>
+              <a:chOff x="897308" y="923925"/>
+              <a:chExt cx="2529556" cy="1333500"/>
+            </a:xfrm>
+          </p:grpSpPr>
+          <p:cxnSp>
+            <p:nvCxnSpPr>
+              <p:cNvPr id="15" name="Straight Arrow Connector 14"/>
+              <p:cNvCxnSpPr/>
+              <p:nvPr/>
+            </p:nvCxnSpPr>
+            <p:spPr>
+              <a:xfrm flipV="1">
+                <a:off x="897308" y="1777525"/>
+                <a:ext cx="2529556" cy="8546"/>
+              </a:xfrm>
+              <a:prstGeom prst="straightConnector1">
+                <a:avLst/>
+              </a:prstGeom>
+              <a:ln>
+                <a:tailEnd type="triangle"/>
+              </a:ln>
+            </p:spPr>
+            <p:style>
+              <a:lnRef idx="3">
+                <a:schemeClr val="dk1"/>
+              </a:lnRef>
+              <a:fillRef idx="0">
+                <a:schemeClr val="dk1"/>
+              </a:fillRef>
+              <a:effectRef idx="2">
+                <a:schemeClr val="dk1"/>
+              </a:effectRef>
+              <a:fontRef idx="minor">
+                <a:schemeClr val="tx1"/>
+              </a:fontRef>
+            </p:style>
+          </p:cxnSp>
+          <p:cxnSp>
+            <p:nvCxnSpPr>
+              <p:cNvPr id="16" name="Straight Arrow Connector 15"/>
+              <p:cNvCxnSpPr/>
+              <p:nvPr/>
+            </p:nvCxnSpPr>
+            <p:spPr>
+              <a:xfrm flipH="1" flipV="1">
+                <a:off x="1981200" y="923925"/>
+                <a:ext cx="9899" cy="1065376"/>
+              </a:xfrm>
+              <a:prstGeom prst="straightConnector1">
+                <a:avLst/>
+              </a:prstGeom>
+              <a:ln>
+                <a:tailEnd type="triangle"/>
+              </a:ln>
+            </p:spPr>
+            <p:style>
+              <a:lnRef idx="3">
+                <a:schemeClr val="dk1"/>
+              </a:lnRef>
+              <a:fillRef idx="0">
+                <a:schemeClr val="dk1"/>
+              </a:fillRef>
+              <a:effectRef idx="2">
+                <a:schemeClr val="dk1"/>
+              </a:effectRef>
+              <a:fontRef idx="minor">
+                <a:schemeClr val="tx1"/>
+              </a:fontRef>
+            </p:style>
+          </p:cxnSp>
+          <p:cxnSp>
+            <p:nvCxnSpPr>
+              <p:cNvPr id="17" name="Straight Connector 16"/>
+              <p:cNvCxnSpPr/>
+              <p:nvPr/>
+            </p:nvCxnSpPr>
+            <p:spPr>
+              <a:xfrm flipV="1">
+                <a:off x="1019175" y="1276350"/>
+                <a:ext cx="2038350" cy="981075"/>
+              </a:xfrm>
+              <a:prstGeom prst="line">
+                <a:avLst/>
+              </a:prstGeom>
+            </p:spPr>
+            <p:style>
+              <a:lnRef idx="1">
+                <a:schemeClr val="accent1"/>
+              </a:lnRef>
+              <a:fillRef idx="0">
+                <a:schemeClr val="accent1"/>
+              </a:fillRef>
+              <a:effectRef idx="0">
+                <a:schemeClr val="accent1"/>
+              </a:effectRef>
+              <a:fontRef idx="minor">
+                <a:schemeClr val="tx1"/>
+              </a:fontRef>
+            </p:style>
+          </p:cxnSp>
+          <p:sp>
+            <p:nvSpPr>
+              <p:cNvPr id="18" name="TextBox 17"/>
+              <p:cNvSpPr txBox="1"/>
+              <p:nvPr/>
+            </p:nvSpPr>
+            <p:spPr>
+              <a:xfrm>
+                <a:off x="1249910" y="936839"/>
+                <a:ext cx="731290" cy="369332"/>
+              </a:xfrm>
+              <a:prstGeom prst="rect">
+                <a:avLst/>
+              </a:prstGeom>
+              <a:noFill/>
+            </p:spPr>
+            <p:txBody>
+              <a:bodyPr wrap="none" rtlCol="0">
+                <a:spAutoFit/>
+              </a:bodyPr>
+              <a:lstStyle/>
+              <a:p>
+                <a:r>
+                  <a:rPr lang="en-GB" i="1" dirty="0" smtClean="0">
+                    <a:latin typeface="Arial" panose="020B0604020202020204" pitchFamily="34" charset="0"/>
+                    <a:cs typeface="Arial" panose="020B0604020202020204" pitchFamily="34" charset="0"/>
+                  </a:rPr>
+                  <a:t>B</a:t>
+                </a:r>
+                <a:r>
+                  <a:rPr lang="en-GB" i="1" baseline="-25000" dirty="0" smtClean="0">
+                    <a:latin typeface="Arial" panose="020B0604020202020204" pitchFamily="34" charset="0"/>
+                    <a:cs typeface="Arial" panose="020B0604020202020204" pitchFamily="34" charset="0"/>
+                  </a:rPr>
+                  <a:t>z</a:t>
+                </a:r>
+                <a:r>
+                  <a:rPr lang="en-GB" i="1" dirty="0" smtClean="0">
+                    <a:latin typeface="Arial" panose="020B0604020202020204" pitchFamily="34" charset="0"/>
+                    <a:cs typeface="Arial" panose="020B0604020202020204" pitchFamily="34" charset="0"/>
+                  </a:rPr>
+                  <a:t>-B</a:t>
+                </a:r>
+                <a:r>
+                  <a:rPr lang="en-GB" i="1" baseline="-25000" dirty="0" smtClean="0">
+                    <a:latin typeface="Arial" panose="020B0604020202020204" pitchFamily="34" charset="0"/>
+                    <a:cs typeface="Arial" panose="020B0604020202020204" pitchFamily="34" charset="0"/>
+                  </a:rPr>
+                  <a:t>0</a:t>
+                </a:r>
+                <a:endParaRPr lang="en-GB" i="1" baseline="-25000" dirty="0">
+                  <a:latin typeface="Arial" panose="020B0604020202020204" pitchFamily="34" charset="0"/>
+                  <a:cs typeface="Arial" panose="020B0604020202020204" pitchFamily="34" charset="0"/>
+                </a:endParaRPr>
+              </a:p>
+            </p:txBody>
+          </p:sp>
+          <p:sp>
+            <p:nvSpPr>
+              <p:cNvPr id="19" name="TextBox 18"/>
+              <p:cNvSpPr txBox="1"/>
+              <p:nvPr/>
+            </p:nvSpPr>
+            <p:spPr>
+              <a:xfrm>
+                <a:off x="3126782" y="1766887"/>
+                <a:ext cx="300082" cy="369332"/>
+              </a:xfrm>
+              <a:prstGeom prst="rect">
+                <a:avLst/>
+              </a:prstGeom>
+              <a:noFill/>
+            </p:spPr>
+            <p:txBody>
+              <a:bodyPr wrap="none" rtlCol="0">
+                <a:spAutoFit/>
+              </a:bodyPr>
+              <a:lstStyle/>
+              <a:p>
+                <a:r>
+                  <a:rPr lang="en-GB" i="1" dirty="0" smtClean="0">
+                    <a:latin typeface="Arial" panose="020B0604020202020204" pitchFamily="34" charset="0"/>
+                    <a:cs typeface="Arial" panose="020B0604020202020204" pitchFamily="34" charset="0"/>
+                  </a:rPr>
+                  <a:t>x</a:t>
+                </a:r>
+                <a:endParaRPr lang="en-GB" i="1" dirty="0">
+                  <a:latin typeface="Arial" panose="020B0604020202020204" pitchFamily="34" charset="0"/>
+                  <a:cs typeface="Arial" panose="020B0604020202020204" pitchFamily="34" charset="0"/>
+                </a:endParaRPr>
+              </a:p>
+            </p:txBody>
+          </p:sp>
+          <p:sp>
+            <p:nvSpPr>
+              <p:cNvPr id="20" name="TextBox 19"/>
+              <p:cNvSpPr txBox="1"/>
+              <p:nvPr/>
+            </p:nvSpPr>
+            <p:spPr>
+              <a:xfrm>
+                <a:off x="2547943" y="936839"/>
+                <a:ext cx="441146" cy="369332"/>
+              </a:xfrm>
+              <a:prstGeom prst="rect">
+                <a:avLst/>
+              </a:prstGeom>
+              <a:noFill/>
+            </p:spPr>
+            <p:txBody>
+              <a:bodyPr wrap="none" rtlCol="0">
+                <a:spAutoFit/>
+              </a:bodyPr>
+              <a:lstStyle/>
+              <a:p>
+                <a:r>
+                  <a:rPr lang="en-GB" i="1" dirty="0" err="1" smtClean="0">
+                    <a:latin typeface="Arial" panose="020B0604020202020204" pitchFamily="34" charset="0"/>
+                    <a:cs typeface="Arial" panose="020B0604020202020204" pitchFamily="34" charset="0"/>
+                  </a:rPr>
+                  <a:t>G</a:t>
+                </a:r>
+                <a:r>
+                  <a:rPr lang="en-GB" i="1" baseline="-25000" dirty="0" err="1" smtClean="0">
+                    <a:latin typeface="Arial" panose="020B0604020202020204" pitchFamily="34" charset="0"/>
+                    <a:cs typeface="Arial" panose="020B0604020202020204" pitchFamily="34" charset="0"/>
+                  </a:rPr>
+                  <a:t>x</a:t>
+                </a:r>
+                <a:endParaRPr lang="en-GB" i="1" baseline="-25000" dirty="0">
+                  <a:latin typeface="Arial" panose="020B0604020202020204" pitchFamily="34" charset="0"/>
+                  <a:cs typeface="Arial" panose="020B0604020202020204" pitchFamily="34" charset="0"/>
+                </a:endParaRPr>
+              </a:p>
+            </p:txBody>
+          </p:sp>
+        </p:grpSp>
+      </p:grpSp>
+      <p:grpSp>
+        <p:nvGrpSpPr>
+          <p:cNvPr id="52" name="Group 51"/>
+          <p:cNvGrpSpPr/>
+          <p:nvPr/>
+        </p:nvGrpSpPr>
+        <p:grpSpPr>
+          <a:xfrm>
+            <a:off x="6523228" y="1103795"/>
+            <a:ext cx="3458972" cy="2755405"/>
+            <a:chOff x="5075428" y="269717"/>
+            <a:chExt cx="3458972" cy="2755405"/>
+          </a:xfrm>
+        </p:grpSpPr>
+        <p:grpSp>
+          <p:nvGrpSpPr>
+            <p:cNvPr id="47" name="Group 46"/>
+            <p:cNvGrpSpPr/>
+            <p:nvPr/>
+          </p:nvGrpSpPr>
+          <p:grpSpPr>
+            <a:xfrm>
+              <a:off x="5519292" y="269717"/>
+              <a:ext cx="3015108" cy="2755405"/>
+              <a:chOff x="5519292" y="269717"/>
+              <a:chExt cx="3015108" cy="2755405"/>
+            </a:xfrm>
+          </p:grpSpPr>
+          <p:cxnSp>
+            <p:nvCxnSpPr>
+              <p:cNvPr id="22" name="Straight Arrow Connector 21"/>
+              <p:cNvCxnSpPr/>
+              <p:nvPr/>
+            </p:nvCxnSpPr>
+            <p:spPr>
+              <a:xfrm flipV="1">
+                <a:off x="5519292" y="2640773"/>
+                <a:ext cx="3015108" cy="2103"/>
+              </a:xfrm>
+              <a:prstGeom prst="straightConnector1">
+                <a:avLst/>
+              </a:prstGeom>
+              <a:ln>
+                <a:tailEnd type="triangle"/>
+              </a:ln>
+            </p:spPr>
+            <p:style>
+              <a:lnRef idx="3">
+                <a:schemeClr val="dk1"/>
+              </a:lnRef>
+              <a:fillRef idx="0">
+                <a:schemeClr val="dk1"/>
+              </a:fillRef>
+              <a:effectRef idx="2">
+                <a:schemeClr val="dk1"/>
+              </a:effectRef>
+              <a:fontRef idx="minor">
+                <a:schemeClr val="tx1"/>
+              </a:fontRef>
+            </p:style>
+          </p:cxnSp>
+          <p:sp>
+            <p:nvSpPr>
+              <p:cNvPr id="23" name="TextBox 22"/>
+              <p:cNvSpPr txBox="1"/>
+              <p:nvPr/>
+            </p:nvSpPr>
+            <p:spPr>
+              <a:xfrm>
+                <a:off x="8043587" y="2655790"/>
+                <a:ext cx="300082" cy="369332"/>
+              </a:xfrm>
+              <a:prstGeom prst="rect">
+                <a:avLst/>
+              </a:prstGeom>
+              <a:noFill/>
+            </p:spPr>
+            <p:txBody>
+              <a:bodyPr wrap="none" rtlCol="0">
+                <a:spAutoFit/>
+              </a:bodyPr>
+              <a:lstStyle/>
+              <a:p>
+                <a:r>
+                  <a:rPr lang="en-GB" i="1" dirty="0" smtClean="0">
+                    <a:latin typeface="Arial" panose="020B0604020202020204" pitchFamily="34" charset="0"/>
+                    <a:cs typeface="Arial" panose="020B0604020202020204" pitchFamily="34" charset="0"/>
+                  </a:rPr>
+                  <a:t>x</a:t>
+                </a:r>
+                <a:endParaRPr lang="en-GB" i="1" dirty="0">
+                  <a:latin typeface="Arial" panose="020B0604020202020204" pitchFamily="34" charset="0"/>
+                  <a:cs typeface="Arial" panose="020B0604020202020204" pitchFamily="34" charset="0"/>
+                </a:endParaRPr>
+              </a:p>
+            </p:txBody>
+          </p:sp>
+          <p:sp>
+            <p:nvSpPr>
+              <p:cNvPr id="24" name="Freeform 23"/>
+              <p:cNvSpPr/>
+              <p:nvPr/>
+            </p:nvSpPr>
+            <p:spPr>
+              <a:xfrm>
+                <a:off x="5722621" y="269717"/>
+                <a:ext cx="2153326" cy="1339296"/>
+              </a:xfrm>
+              <a:custGeom>
+                <a:avLst/>
+                <a:gdLst>
+                  <a:gd name="connsiteX0" fmla="*/ 118 w 1655062"/>
+                  <a:gd name="connsiteY0" fmla="*/ 714882 h 1339296"/>
+                  <a:gd name="connsiteX1" fmla="*/ 419218 w 1655062"/>
+                  <a:gd name="connsiteY1" fmla="*/ 1286382 h 1339296"/>
+                  <a:gd name="connsiteX2" fmla="*/ 1533643 w 1655062"/>
+                  <a:gd name="connsiteY2" fmla="*/ 1248282 h 1339296"/>
+                  <a:gd name="connsiteX3" fmla="*/ 1552693 w 1655062"/>
+                  <a:gd name="connsiteY3" fmla="*/ 705357 h 1339296"/>
+                  <a:gd name="connsiteX4" fmla="*/ 885943 w 1655062"/>
+                  <a:gd name="connsiteY4" fmla="*/ 686307 h 1339296"/>
+                  <a:gd name="connsiteX5" fmla="*/ 1009768 w 1655062"/>
+                  <a:gd name="connsiteY5" fmla="*/ 410082 h 1339296"/>
+                  <a:gd name="connsiteX6" fmla="*/ 819268 w 1655062"/>
+                  <a:gd name="connsiteY6" fmla="*/ 507 h 1339296"/>
+                  <a:gd name="connsiteX7" fmla="*/ 381118 w 1655062"/>
+                  <a:gd name="connsiteY7" fmla="*/ 333882 h 1339296"/>
+                  <a:gd name="connsiteX8" fmla="*/ 118 w 1655062"/>
+                  <a:gd name="connsiteY8" fmla="*/ 714882 h 1339296"/>
+                </a:gdLst>
+                <a:ahLst/>
+                <a:cxnLst>
+                  <a:cxn ang="0">
+                    <a:pos x="connsiteX0" y="connsiteY0"/>
+                  </a:cxn>
+                  <a:cxn ang="0">
+                    <a:pos x="connsiteX1" y="connsiteY1"/>
+                  </a:cxn>
+                  <a:cxn ang="0">
+                    <a:pos x="connsiteX2" y="connsiteY2"/>
+                  </a:cxn>
+                  <a:cxn ang="0">
+                    <a:pos x="connsiteX3" y="connsiteY3"/>
+                  </a:cxn>
+                  <a:cxn ang="0">
+                    <a:pos x="connsiteX4" y="connsiteY4"/>
+                  </a:cxn>
+                  <a:cxn ang="0">
+                    <a:pos x="connsiteX5" y="connsiteY5"/>
+                  </a:cxn>
+                  <a:cxn ang="0">
+                    <a:pos x="connsiteX6" y="connsiteY6"/>
+                  </a:cxn>
+                  <a:cxn ang="0">
+                    <a:pos x="connsiteX7" y="connsiteY7"/>
+                  </a:cxn>
+                  <a:cxn ang="0">
+                    <a:pos x="connsiteX8" y="connsiteY8"/>
+                  </a:cxn>
+                </a:cxnLst>
+                <a:rect l="l" t="t" r="r" b="b"/>
+                <a:pathLst>
+                  <a:path w="1655062" h="1339296">
+                    <a:moveTo>
+                      <a:pt x="118" y="714882"/>
+                    </a:moveTo>
+                    <a:cubicBezTo>
+                      <a:pt x="6468" y="873632"/>
+                      <a:pt x="163631" y="1197482"/>
+                      <a:pt x="419218" y="1286382"/>
+                    </a:cubicBezTo>
+                    <a:cubicBezTo>
+                      <a:pt x="674806" y="1375282"/>
+                      <a:pt x="1344731" y="1345119"/>
+                      <a:pt x="1533643" y="1248282"/>
+                    </a:cubicBezTo>
+                    <a:cubicBezTo>
+                      <a:pt x="1722555" y="1151445"/>
+                      <a:pt x="1660643" y="799019"/>
+                      <a:pt x="1552693" y="705357"/>
+                    </a:cubicBezTo>
+                    <a:cubicBezTo>
+                      <a:pt x="1444743" y="611695"/>
+                      <a:pt x="976430" y="735519"/>
+                      <a:pt x="885943" y="686307"/>
+                    </a:cubicBezTo>
+                    <a:cubicBezTo>
+                      <a:pt x="795456" y="637095"/>
+                      <a:pt x="1020880" y="524382"/>
+                      <a:pt x="1009768" y="410082"/>
+                    </a:cubicBezTo>
+                    <a:cubicBezTo>
+                      <a:pt x="998656" y="295782"/>
+                      <a:pt x="924043" y="13207"/>
+                      <a:pt x="819268" y="507"/>
+                    </a:cubicBezTo>
+                    <a:cubicBezTo>
+                      <a:pt x="714493" y="-12193"/>
+                      <a:pt x="517643" y="216407"/>
+                      <a:pt x="381118" y="333882"/>
+                    </a:cubicBezTo>
+                    <a:cubicBezTo>
+                      <a:pt x="244593" y="451357"/>
+                      <a:pt x="-6232" y="556132"/>
+                      <a:pt x="118" y="714882"/>
+                    </a:cubicBezTo>
+                    <a:close/>
+                  </a:path>
+                </a:pathLst>
+              </a:custGeom>
+              <a:pattFill prst="dkUpDiag">
+                <a:fgClr>
+                  <a:schemeClr val="tx1"/>
+                </a:fgClr>
+                <a:bgClr>
+                  <a:schemeClr val="bg1"/>
+                </a:bgClr>
+              </a:pattFill>
+              <a:ln>
+                <a:solidFill>
+                  <a:schemeClr val="tx1"/>
+                </a:solidFill>
+              </a:ln>
+            </p:spPr>
+            <p:style>
+              <a:lnRef idx="2">
+                <a:schemeClr val="accent1">
+                  <a:shade val="50000"/>
+                </a:schemeClr>
+              </a:lnRef>
+              <a:fillRef idx="1">
+                <a:schemeClr val="accent1"/>
+              </a:fillRef>
+              <a:effectRef idx="0">
+                <a:schemeClr val="accent1"/>
+              </a:effectRef>
+              <a:fontRef idx="minor">
+                <a:schemeClr val="lt1"/>
+              </a:fontRef>
+            </p:style>
+            <p:txBody>
+              <a:bodyPr rtlCol="0" anchor="ctr"/>
+              <a:lstStyle/>
+              <a:p>
+                <a:pPr algn="ctr"/>
+                <a:endParaRPr lang="en-GB"/>
+              </a:p>
+            </p:txBody>
+          </p:sp>
+          <p:sp>
+            <p:nvSpPr>
+              <p:cNvPr id="30" name="Freeform 29"/>
+              <p:cNvSpPr/>
+              <p:nvPr/>
+            </p:nvSpPr>
+            <p:spPr>
+              <a:xfrm>
+                <a:off x="5836444" y="1831093"/>
+                <a:ext cx="2119680" cy="809680"/>
+              </a:xfrm>
+              <a:custGeom>
+                <a:avLst/>
+                <a:gdLst>
+                  <a:gd name="connsiteX0" fmla="*/ 0 w 2119680"/>
+                  <a:gd name="connsiteY0" fmla="*/ 800188 h 809680"/>
+                  <a:gd name="connsiteX1" fmla="*/ 76200 w 2119680"/>
+                  <a:gd name="connsiteY1" fmla="*/ 476338 h 809680"/>
+                  <a:gd name="connsiteX2" fmla="*/ 285750 w 2119680"/>
+                  <a:gd name="connsiteY2" fmla="*/ 62001 h 809680"/>
+                  <a:gd name="connsiteX3" fmla="*/ 890587 w 2119680"/>
+                  <a:gd name="connsiteY3" fmla="*/ 35807 h 809680"/>
+                  <a:gd name="connsiteX4" fmla="*/ 1183481 w 2119680"/>
+                  <a:gd name="connsiteY4" fmla="*/ 390613 h 809680"/>
+                  <a:gd name="connsiteX5" fmla="*/ 1557337 w 2119680"/>
+                  <a:gd name="connsiteY5" fmla="*/ 554920 h 809680"/>
+                  <a:gd name="connsiteX6" fmla="*/ 2019300 w 2119680"/>
+                  <a:gd name="connsiteY6" fmla="*/ 593020 h 809680"/>
+                  <a:gd name="connsiteX7" fmla="*/ 2112169 w 2119680"/>
+                  <a:gd name="connsiteY7" fmla="*/ 790663 h 809680"/>
+                  <a:gd name="connsiteX8" fmla="*/ 2107406 w 2119680"/>
+                  <a:gd name="connsiteY8" fmla="*/ 790663 h 809680"/>
+                </a:gdLst>
+                <a:ahLst/>
+                <a:cxnLst>
+                  <a:cxn ang="0">
+                    <a:pos x="connsiteX0" y="connsiteY0"/>
+                  </a:cxn>
+                  <a:cxn ang="0">
+                    <a:pos x="connsiteX1" y="connsiteY1"/>
+                  </a:cxn>
+                  <a:cxn ang="0">
+                    <a:pos x="connsiteX2" y="connsiteY2"/>
+                  </a:cxn>
+                  <a:cxn ang="0">
+                    <a:pos x="connsiteX3" y="connsiteY3"/>
+                  </a:cxn>
+                  <a:cxn ang="0">
+                    <a:pos x="connsiteX4" y="connsiteY4"/>
+                  </a:cxn>
+                  <a:cxn ang="0">
+                    <a:pos x="connsiteX5" y="connsiteY5"/>
+                  </a:cxn>
+                  <a:cxn ang="0">
+                    <a:pos x="connsiteX6" y="connsiteY6"/>
+                  </a:cxn>
+                  <a:cxn ang="0">
+                    <a:pos x="connsiteX7" y="connsiteY7"/>
+                  </a:cxn>
+                  <a:cxn ang="0">
+                    <a:pos x="connsiteX8" y="connsiteY8"/>
+                  </a:cxn>
+                </a:cxnLst>
+                <a:rect l="l" t="t" r="r" b="b"/>
+                <a:pathLst>
+                  <a:path w="2119680" h="809680">
+                    <a:moveTo>
+                      <a:pt x="0" y="800188"/>
+                    </a:moveTo>
+                    <a:cubicBezTo>
+                      <a:pt x="14287" y="699778"/>
+                      <a:pt x="28575" y="599369"/>
+                      <a:pt x="76200" y="476338"/>
+                    </a:cubicBezTo>
+                    <a:cubicBezTo>
+                      <a:pt x="123825" y="353307"/>
+                      <a:pt x="150019" y="135423"/>
+                      <a:pt x="285750" y="62001"/>
+                    </a:cubicBezTo>
+                    <a:cubicBezTo>
+                      <a:pt x="421481" y="-11421"/>
+                      <a:pt x="740965" y="-18962"/>
+                      <a:pt x="890587" y="35807"/>
+                    </a:cubicBezTo>
+                    <a:cubicBezTo>
+                      <a:pt x="1040209" y="90576"/>
+                      <a:pt x="1072356" y="304094"/>
+                      <a:pt x="1183481" y="390613"/>
+                    </a:cubicBezTo>
+                    <a:cubicBezTo>
+                      <a:pt x="1294606" y="477132"/>
+                      <a:pt x="1418034" y="521185"/>
+                      <a:pt x="1557337" y="554920"/>
+                    </a:cubicBezTo>
+                    <a:cubicBezTo>
+                      <a:pt x="1696640" y="588654"/>
+                      <a:pt x="1926828" y="553729"/>
+                      <a:pt x="2019300" y="593020"/>
+                    </a:cubicBezTo>
+                    <a:cubicBezTo>
+                      <a:pt x="2111772" y="632310"/>
+                      <a:pt x="2097485" y="757723"/>
+                      <a:pt x="2112169" y="790663"/>
+                    </a:cubicBezTo>
+                    <a:cubicBezTo>
+                      <a:pt x="2126853" y="823603"/>
+                      <a:pt x="2117129" y="807133"/>
+                      <a:pt x="2107406" y="790663"/>
+                    </a:cubicBezTo>
+                  </a:path>
+                </a:pathLst>
+              </a:custGeom>
+              <a:noFill/>
+              <a:ln>
+                <a:solidFill>
+                  <a:schemeClr val="tx1"/>
+                </a:solidFill>
+              </a:ln>
+            </p:spPr>
+            <p:style>
+              <a:lnRef idx="2">
+                <a:schemeClr val="accent1">
+                  <a:shade val="50000"/>
+                </a:schemeClr>
+              </a:lnRef>
+              <a:fillRef idx="1">
+                <a:schemeClr val="accent1"/>
+              </a:fillRef>
+              <a:effectRef idx="0">
+                <a:schemeClr val="accent1"/>
+              </a:effectRef>
+              <a:fontRef idx="minor">
+                <a:schemeClr val="lt1"/>
+              </a:fontRef>
+            </p:style>
+            <p:txBody>
+              <a:bodyPr rtlCol="0" anchor="ctr"/>
+              <a:lstStyle/>
+              <a:p>
+                <a:pPr algn="ctr"/>
+                <a:endParaRPr lang="en-GB"/>
+              </a:p>
+            </p:txBody>
+          </p:sp>
+          <p:cxnSp>
+            <p:nvCxnSpPr>
+              <p:cNvPr id="35" name="Straight Arrow Connector 34"/>
+              <p:cNvCxnSpPr/>
+              <p:nvPr/>
+            </p:nvCxnSpPr>
+            <p:spPr>
+              <a:xfrm flipH="1">
+                <a:off x="5807275" y="1374078"/>
+                <a:ext cx="4287" cy="850170"/>
+              </a:xfrm>
+              <a:prstGeom prst="straightConnector1">
+                <a:avLst/>
+              </a:prstGeom>
+              <a:ln>
+                <a:solidFill>
+                  <a:schemeClr val="tx1"/>
+                </a:solidFill>
+                <a:tailEnd type="triangle"/>
+              </a:ln>
+            </p:spPr>
+            <p:style>
+              <a:lnRef idx="1">
+                <a:schemeClr val="accent1"/>
+              </a:lnRef>
+              <a:fillRef idx="0">
+                <a:schemeClr val="accent1"/>
+              </a:fillRef>
+              <a:effectRef idx="0">
+                <a:schemeClr val="accent1"/>
+              </a:effectRef>
+              <a:fontRef idx="minor">
+                <a:schemeClr val="tx1"/>
+              </a:fontRef>
+            </p:style>
+          </p:cxnSp>
+          <p:cxnSp>
+            <p:nvCxnSpPr>
+              <p:cNvPr id="39" name="Straight Arrow Connector 38"/>
+              <p:cNvCxnSpPr/>
+              <p:nvPr/>
+            </p:nvCxnSpPr>
+            <p:spPr>
+              <a:xfrm>
+                <a:off x="7839075" y="1536700"/>
+                <a:ext cx="20721" cy="845724"/>
+              </a:xfrm>
+              <a:prstGeom prst="straightConnector1">
+                <a:avLst/>
+              </a:prstGeom>
+              <a:ln>
+                <a:solidFill>
+                  <a:schemeClr val="tx1"/>
+                </a:solidFill>
+                <a:tailEnd type="triangle"/>
+              </a:ln>
+            </p:spPr>
+            <p:style>
+              <a:lnRef idx="1">
+                <a:schemeClr val="accent1"/>
+              </a:lnRef>
+              <a:fillRef idx="0">
+                <a:schemeClr val="accent1"/>
+              </a:fillRef>
+              <a:effectRef idx="0">
+                <a:schemeClr val="accent1"/>
+              </a:effectRef>
+              <a:fontRef idx="minor">
+                <a:schemeClr val="tx1"/>
+              </a:fontRef>
+            </p:style>
+          </p:cxnSp>
+          <p:cxnSp>
+            <p:nvCxnSpPr>
+              <p:cNvPr id="40" name="Straight Arrow Connector 39"/>
+              <p:cNvCxnSpPr/>
+              <p:nvPr/>
+            </p:nvCxnSpPr>
+            <p:spPr>
+              <a:xfrm>
+                <a:off x="7148513" y="1643063"/>
+                <a:ext cx="2382" cy="584150"/>
+              </a:xfrm>
+              <a:prstGeom prst="straightConnector1">
+                <a:avLst/>
+              </a:prstGeom>
+              <a:ln>
+                <a:solidFill>
+                  <a:schemeClr val="tx1"/>
+                </a:solidFill>
+                <a:tailEnd type="triangle"/>
+              </a:ln>
+            </p:spPr>
+            <p:style>
+              <a:lnRef idx="1">
+                <a:schemeClr val="accent1"/>
+              </a:lnRef>
+              <a:fillRef idx="0">
+                <a:schemeClr val="accent1"/>
+              </a:fillRef>
+              <a:effectRef idx="0">
+                <a:schemeClr val="accent1"/>
+              </a:effectRef>
+              <a:fontRef idx="minor">
+                <a:schemeClr val="tx1"/>
+              </a:fontRef>
+            </p:style>
+          </p:cxnSp>
+          <p:cxnSp>
+            <p:nvCxnSpPr>
+              <p:cNvPr id="42" name="Straight Arrow Connector 41"/>
+              <p:cNvCxnSpPr/>
+              <p:nvPr/>
+            </p:nvCxnSpPr>
+            <p:spPr>
+              <a:xfrm>
+                <a:off x="6372225" y="1627090"/>
+                <a:ext cx="2" cy="180469"/>
+              </a:xfrm>
+              <a:prstGeom prst="straightConnector1">
+                <a:avLst/>
+              </a:prstGeom>
+              <a:ln>
+                <a:solidFill>
+                  <a:schemeClr val="tx1"/>
+                </a:solidFill>
+                <a:tailEnd type="triangle"/>
+              </a:ln>
+            </p:spPr>
+            <p:style>
+              <a:lnRef idx="1">
+                <a:schemeClr val="accent1"/>
+              </a:lnRef>
+              <a:fillRef idx="0">
+                <a:schemeClr val="accent1"/>
+              </a:fillRef>
+              <a:effectRef idx="0">
+                <a:schemeClr val="accent1"/>
+              </a:effectRef>
+              <a:fontRef idx="minor">
+                <a:schemeClr val="tx1"/>
+              </a:fontRef>
+            </p:style>
+          </p:cxnSp>
+        </p:grpSp>
+        <p:cxnSp>
+          <p:nvCxnSpPr>
+            <p:cNvPr id="48" name="Straight Arrow Connector 47"/>
+            <p:cNvCxnSpPr/>
+            <p:nvPr/>
+          </p:nvCxnSpPr>
+          <p:spPr>
+            <a:xfrm flipV="1">
+              <a:off x="5618352" y="1848416"/>
+              <a:ext cx="0" cy="880406"/>
+            </a:xfrm>
+            <a:prstGeom prst="straightConnector1">
+              <a:avLst/>
+            </a:prstGeom>
+            <a:ln>
+              <a:tailEnd type="triangle"/>
+            </a:ln>
+          </p:spPr>
+          <p:style>
+            <a:lnRef idx="3">
+              <a:schemeClr val="dk1"/>
+            </a:lnRef>
+            <a:fillRef idx="0">
+              <a:schemeClr val="dk1"/>
+            </a:fillRef>
+            <a:effectRef idx="2">
+              <a:schemeClr val="dk1"/>
+            </a:effectRef>
+            <a:fontRef idx="minor">
+              <a:schemeClr val="tx1"/>
+            </a:fontRef>
+          </p:style>
+        </p:cxnSp>
+        <p:sp>
+          <p:nvSpPr>
+            <p:cNvPr id="50" name="TextBox 49"/>
+            <p:cNvSpPr txBox="1"/>
+            <p:nvPr/>
+          </p:nvSpPr>
+          <p:spPr>
+            <a:xfrm>
+              <a:off x="7195980" y="504940"/>
+              <a:ext cx="760144" cy="369332"/>
+            </a:xfrm>
+            <a:prstGeom prst="rect">
+              <a:avLst/>
+            </a:prstGeom>
+            <a:noFill/>
+          </p:spPr>
+          <p:txBody>
+            <a:bodyPr wrap="none" rtlCol="0">
+              <a:spAutoFit/>
+            </a:bodyPr>
+            <a:lstStyle/>
+            <a:p>
+              <a:r>
+                <a:rPr lang="en-GB" i="1" dirty="0" smtClean="0">
+                  <a:latin typeface="Symbol" panose="05050102010706020507" pitchFamily="18" charset="2"/>
+                  <a:cs typeface="Arial" panose="020B0604020202020204" pitchFamily="34" charset="0"/>
+                </a:rPr>
+                <a:t>r</a:t>
+              </a:r>
+              <a:r>
+                <a:rPr lang="en-GB" i="1" dirty="0" smtClean="0">
+                  <a:latin typeface="Arial" panose="020B0604020202020204" pitchFamily="34" charset="0"/>
+                  <a:cs typeface="Arial" panose="020B0604020202020204" pitchFamily="34" charset="0"/>
+                </a:rPr>
+                <a:t>(</a:t>
+              </a:r>
+              <a:r>
+                <a:rPr lang="en-GB" i="1" dirty="0" err="1" smtClean="0">
+                  <a:latin typeface="Arial" panose="020B0604020202020204" pitchFamily="34" charset="0"/>
+                  <a:cs typeface="Arial" panose="020B0604020202020204" pitchFamily="34" charset="0"/>
+                </a:rPr>
+                <a:t>x,y</a:t>
+              </a:r>
+              <a:r>
+                <a:rPr lang="en-GB" i="1" dirty="0" smtClean="0">
+                  <a:latin typeface="Arial" panose="020B0604020202020204" pitchFamily="34" charset="0"/>
+                  <a:cs typeface="Arial" panose="020B0604020202020204" pitchFamily="34" charset="0"/>
+                </a:rPr>
+                <a:t>)</a:t>
+              </a:r>
+              <a:endParaRPr lang="en-GB" i="1" dirty="0">
+                <a:latin typeface="Arial" panose="020B0604020202020204" pitchFamily="34" charset="0"/>
+                <a:cs typeface="Arial" panose="020B0604020202020204" pitchFamily="34" charset="0"/>
+              </a:endParaRPr>
+            </a:p>
+          </p:txBody>
+        </p:sp>
+        <p:sp>
+          <p:nvSpPr>
+            <p:cNvPr id="51" name="TextBox 50"/>
+            <p:cNvSpPr txBox="1"/>
+            <p:nvPr/>
+          </p:nvSpPr>
+          <p:spPr>
+            <a:xfrm>
+              <a:off x="5075428" y="1576130"/>
+              <a:ext cx="607859" cy="369332"/>
+            </a:xfrm>
+            <a:prstGeom prst="rect">
+              <a:avLst/>
+            </a:prstGeom>
+            <a:noFill/>
+          </p:spPr>
+          <p:txBody>
+            <a:bodyPr wrap="none" rtlCol="0">
+              <a:spAutoFit/>
+            </a:bodyPr>
+            <a:lstStyle/>
+            <a:p>
+              <a:r>
+                <a:rPr lang="en-GB" i="1" dirty="0" smtClean="0">
+                  <a:latin typeface="Arial" panose="020B0604020202020204" pitchFamily="34" charset="0"/>
+                  <a:cs typeface="Arial" panose="020B0604020202020204" pitchFamily="34" charset="0"/>
+                </a:rPr>
+                <a:t>P(x)</a:t>
+              </a:r>
+              <a:endParaRPr lang="en-GB" i="1" dirty="0">
+                <a:latin typeface="Arial" panose="020B0604020202020204" pitchFamily="34" charset="0"/>
+                <a:cs typeface="Arial" panose="020B0604020202020204" pitchFamily="34" charset="0"/>
+              </a:endParaRPr>
+            </a:p>
+          </p:txBody>
+        </p:sp>
+      </p:grpSp>
+    </p:spTree>
+    <p:extLst>
+      <p:ext uri="{BB962C8B-B14F-4D97-AF65-F5344CB8AC3E}">
+        <p14:creationId xmlns:p14="http://schemas.microsoft.com/office/powerpoint/2010/main" val="1980475387"/>
+      </p:ext>
+    </p:extLst>
+  </p:cSld>
+  <p:clrMapOvr>
+    <a:masterClrMapping/>
+  </p:clrMapOvr>
+</p:sld>
+</file>
+
+<file path=ppt/slides/slide59.xml><?xml version="1.0" encoding="utf-8"?>
+<p:sld xmlns:a="http://schemas.openxmlformats.org/drawingml/2006/main" xmlns:r="http://schemas.openxmlformats.org/officeDocument/2006/relationships" xmlns:p="http://schemas.openxmlformats.org/presentationml/2006/main">
+  <p:cSld>
+    <p:spTree>
+      <p:nvGrpSpPr>
+        <p:cNvPr id="1" name=""/>
+        <p:cNvGrpSpPr/>
+        <p:nvPr/>
+      </p:nvGrpSpPr>
+      <p:grpSpPr>
+        <a:xfrm>
+          <a:off x="0" y="0"/>
+          <a:ext cx="0" cy="0"/>
+          <a:chOff x="0" y="0"/>
+          <a:chExt cx="0" cy="0"/>
+        </a:xfrm>
+      </p:grpSpPr>
+      <p:grpSp>
+        <p:nvGrpSpPr>
+          <p:cNvPr id="6" name="Group 5"/>
+          <p:cNvGrpSpPr/>
+          <p:nvPr/>
+        </p:nvGrpSpPr>
+        <p:grpSpPr>
+          <a:xfrm>
+            <a:off x="935364" y="354313"/>
+            <a:ext cx="8216838" cy="3925457"/>
+            <a:chOff x="935364" y="354313"/>
+            <a:chExt cx="8216838" cy="3925457"/>
+          </a:xfrm>
+        </p:grpSpPr>
+        <p:pic>
+          <p:nvPicPr>
+            <p:cNvPr id="5" name="Picture 3"/>
+            <p:cNvPicPr>
+              <a:picLocks noChangeAspect="1" noChangeArrowheads="1"/>
+            </p:cNvPicPr>
+            <p:nvPr/>
+          </p:nvPicPr>
+          <p:blipFill>
+            <a:blip r:embed="rId2">
+              <a:extLst>
+                <a:ext uri="{28A0092B-C50C-407E-A947-70E740481C1C}">
+                  <a14:useLocalDpi xmlns:a14="http://schemas.microsoft.com/office/drawing/2010/main" val="0"/>
+                </a:ext>
+              </a:extLst>
+            </a:blip>
+            <a:srcRect/>
+            <a:stretch>
+              <a:fillRect/>
+            </a:stretch>
+          </p:blipFill>
+          <p:spPr bwMode="auto">
+            <a:xfrm>
+              <a:off x="4918835" y="599411"/>
+              <a:ext cx="4233367" cy="3680359"/>
+            </a:xfrm>
+            <a:prstGeom prst="rect">
+              <a:avLst/>
+            </a:prstGeom>
+            <a:noFill/>
+            <a:ln>
+              <a:noFill/>
+            </a:ln>
+            <a:extLst>
+              <a:ext uri="{909E8E84-426E-40DD-AFC4-6F175D3DCCD1}">
+                <a14:hiddenFill xmlns:a14="http://schemas.microsoft.com/office/drawing/2010/main">
+                  <a:solidFill>
+                    <a:schemeClr val="accent1"/>
+                  </a:solidFill>
+                </a14:hiddenFill>
+              </a:ext>
+              <a:ext uri="{91240B29-F687-4F45-9708-019B960494DF}">
+                <a14:hiddenLine xmlns:a14="http://schemas.microsoft.com/office/drawing/2010/main" w="9525">
+                  <a:solidFill>
+                    <a:schemeClr val="tx1"/>
+                  </a:solidFill>
+                  <a:miter lim="800000"/>
+                  <a:headEnd/>
+                  <a:tailEnd/>
+                </a14:hiddenLine>
+              </a:ext>
+            </a:extLst>
+          </p:spPr>
+        </p:pic>
+        <p:pic>
+          <p:nvPicPr>
+            <p:cNvPr id="4" name="Picture 2" descr="D:\home\Lectures\MRI.png"/>
+            <p:cNvPicPr>
+              <a:picLocks noChangeAspect="1" noChangeArrowheads="1"/>
+            </p:cNvPicPr>
+            <p:nvPr/>
+          </p:nvPicPr>
+          <p:blipFill>
+            <a:blip r:embed="rId3">
+              <a:extLst>
+                <a:ext uri="{28A0092B-C50C-407E-A947-70E740481C1C}">
+                  <a14:useLocalDpi xmlns:a14="http://schemas.microsoft.com/office/drawing/2010/main" val="0"/>
+                </a:ext>
+              </a:extLst>
+            </a:blip>
+            <a:srcRect/>
+            <a:stretch>
+              <a:fillRect/>
+            </a:stretch>
+          </p:blipFill>
+          <p:spPr bwMode="auto">
+            <a:xfrm>
+              <a:off x="935364" y="354313"/>
+              <a:ext cx="4087663" cy="3517901"/>
+            </a:xfrm>
+            <a:prstGeom prst="rect">
+              <a:avLst/>
+            </a:prstGeom>
+            <a:noFill/>
+            <a:extLst>
+              <a:ext uri="{909E8E84-426E-40DD-AFC4-6F175D3DCCD1}">
+                <a14:hiddenFill xmlns:a14="http://schemas.microsoft.com/office/drawing/2010/main">
+                  <a:solidFill>
+                    <a:srgbClr val="FFFFFF"/>
+                  </a:solidFill>
+                </a14:hiddenFill>
+              </a:ext>
+            </a:extLst>
+          </p:spPr>
+        </p:pic>
+      </p:grpSp>
+    </p:spTree>
+    <p:extLst>
+      <p:ext uri="{BB962C8B-B14F-4D97-AF65-F5344CB8AC3E}">
+        <p14:creationId xmlns:p14="http://schemas.microsoft.com/office/powerpoint/2010/main" val="2795540859"/>
+      </p:ext>
+    </p:extLst>
+  </p:cSld>
+  <p:clrMapOvr>
+    <a:masterClrMapping/>
+  </p:clrMapOvr>
+</p:sld>
+</file>
+
 <file path=ppt/slides/slide6.xml><?xml version="1.0" encoding="utf-8"?>
 <p:sld xmlns:a="http://schemas.openxmlformats.org/drawingml/2006/main" xmlns:r="http://schemas.openxmlformats.org/officeDocument/2006/relationships" xmlns:p="http://schemas.openxmlformats.org/presentationml/2006/main">
   <p:cSld>
@@ -46577,6 +47917,2791 @@
       </p:par>
     </p:tnLst>
   </p:timing>
+</p:sld>
+</file>
+
+<file path=ppt/slides/slide60.xml><?xml version="1.0" encoding="utf-8"?>
+<p:sld xmlns:a="http://schemas.openxmlformats.org/drawingml/2006/main" xmlns:r="http://schemas.openxmlformats.org/officeDocument/2006/relationships" xmlns:p="http://schemas.openxmlformats.org/presentationml/2006/main">
+  <p:cSld>
+    <p:spTree>
+      <p:nvGrpSpPr>
+        <p:cNvPr id="1" name=""/>
+        <p:cNvGrpSpPr/>
+        <p:nvPr/>
+      </p:nvGrpSpPr>
+      <p:grpSpPr>
+        <a:xfrm>
+          <a:off x="0" y="0"/>
+          <a:ext cx="0" cy="0"/>
+          <a:chOff x="0" y="0"/>
+          <a:chExt cx="0" cy="0"/>
+        </a:xfrm>
+      </p:grpSpPr>
+      <p:grpSp>
+        <p:nvGrpSpPr>
+          <p:cNvPr id="43" name="Group 42"/>
+          <p:cNvGrpSpPr/>
+          <p:nvPr/>
+        </p:nvGrpSpPr>
+        <p:grpSpPr>
+          <a:xfrm>
+            <a:off x="316475" y="831848"/>
+            <a:ext cx="5108263" cy="2595051"/>
+            <a:chOff x="1192775" y="1162048"/>
+            <a:chExt cx="5108263" cy="2595051"/>
+          </a:xfrm>
+        </p:grpSpPr>
+        <p:sp>
+          <p:nvSpPr>
+            <p:cNvPr id="32" name="Rectangle 31"/>
+            <p:cNvSpPr/>
+            <p:nvPr/>
+          </p:nvSpPr>
+          <p:spPr>
+            <a:xfrm>
+              <a:off x="2040999" y="2087850"/>
+              <a:ext cx="2062992" cy="521071"/>
+            </a:xfrm>
+            <a:prstGeom prst="rect">
+              <a:avLst/>
+            </a:prstGeom>
+            <a:solidFill>
+              <a:schemeClr val="bg2">
+                <a:lumMod val="75000"/>
+                <a:alpha val="49000"/>
+              </a:schemeClr>
+            </a:solidFill>
+            <a:ln>
+              <a:solidFill>
+                <a:schemeClr val="bg2">
+                  <a:lumMod val="75000"/>
+                </a:schemeClr>
+              </a:solidFill>
+            </a:ln>
+          </p:spPr>
+          <p:style>
+            <a:lnRef idx="2">
+              <a:schemeClr val="accent1">
+                <a:shade val="50000"/>
+              </a:schemeClr>
+            </a:lnRef>
+            <a:fillRef idx="1">
+              <a:schemeClr val="accent1"/>
+            </a:fillRef>
+            <a:effectRef idx="0">
+              <a:schemeClr val="accent1"/>
+            </a:effectRef>
+            <a:fontRef idx="minor">
+              <a:schemeClr val="lt1"/>
+            </a:fontRef>
+          </p:style>
+          <p:txBody>
+            <a:bodyPr rtlCol="0" anchor="ctr"/>
+            <a:lstStyle/>
+            <a:p>
+              <a:pPr algn="ctr"/>
+              <a:endParaRPr lang="en-GB"/>
+            </a:p>
+          </p:txBody>
+        </p:sp>
+        <p:sp>
+          <p:nvSpPr>
+            <p:cNvPr id="35" name="Rectangle 34"/>
+            <p:cNvSpPr/>
+            <p:nvPr/>
+          </p:nvSpPr>
+          <p:spPr>
+            <a:xfrm>
+              <a:off x="2040999" y="2237276"/>
+              <a:ext cx="2062992" cy="373514"/>
+            </a:xfrm>
+            <a:prstGeom prst="rect">
+              <a:avLst/>
+            </a:prstGeom>
+            <a:solidFill>
+              <a:schemeClr val="bg2">
+                <a:lumMod val="75000"/>
+                <a:alpha val="49000"/>
+              </a:schemeClr>
+            </a:solidFill>
+            <a:ln>
+              <a:solidFill>
+                <a:schemeClr val="bg2">
+                  <a:lumMod val="75000"/>
+                </a:schemeClr>
+              </a:solidFill>
+            </a:ln>
+          </p:spPr>
+          <p:style>
+            <a:lnRef idx="2">
+              <a:schemeClr val="accent1">
+                <a:shade val="50000"/>
+              </a:schemeClr>
+            </a:lnRef>
+            <a:fillRef idx="1">
+              <a:schemeClr val="accent1"/>
+            </a:fillRef>
+            <a:effectRef idx="0">
+              <a:schemeClr val="accent1"/>
+            </a:effectRef>
+            <a:fontRef idx="minor">
+              <a:schemeClr val="lt1"/>
+            </a:fontRef>
+          </p:style>
+          <p:txBody>
+            <a:bodyPr rtlCol="0" anchor="ctr"/>
+            <a:lstStyle/>
+            <a:p>
+              <a:pPr algn="ctr"/>
+              <a:endParaRPr lang="en-GB"/>
+            </a:p>
+          </p:txBody>
+        </p:sp>
+        <p:grpSp>
+          <p:nvGrpSpPr>
+            <p:cNvPr id="5" name="Group 4"/>
+            <p:cNvGrpSpPr/>
+            <p:nvPr/>
+          </p:nvGrpSpPr>
+          <p:grpSpPr>
+            <a:xfrm>
+              <a:off x="1605556" y="1162048"/>
+              <a:ext cx="4684486" cy="1892446"/>
+              <a:chOff x="1741714" y="1410771"/>
+              <a:chExt cx="4684486" cy="1892446"/>
+            </a:xfrm>
+          </p:grpSpPr>
+          <p:grpSp>
+            <p:nvGrpSpPr>
+              <p:cNvPr id="13" name="Group 12"/>
+              <p:cNvGrpSpPr/>
+              <p:nvPr/>
+            </p:nvGrpSpPr>
+            <p:grpSpPr>
+              <a:xfrm>
+                <a:off x="1741714" y="1410771"/>
+                <a:ext cx="4684486" cy="737342"/>
+                <a:chOff x="1741714" y="1773977"/>
+                <a:chExt cx="3126811" cy="374137"/>
+              </a:xfrm>
+            </p:grpSpPr>
+            <p:cxnSp>
+              <p:nvCxnSpPr>
+                <p:cNvPr id="23" name="Straight Connector 22"/>
+                <p:cNvCxnSpPr/>
+                <p:nvPr/>
+              </p:nvCxnSpPr>
+              <p:spPr>
+                <a:xfrm flipV="1">
+                  <a:off x="1741714" y="2146299"/>
+                  <a:ext cx="3126811" cy="1815"/>
+                </a:xfrm>
+                <a:prstGeom prst="line">
+                  <a:avLst/>
+                </a:prstGeom>
+                <a:ln cap="rnd">
+                  <a:tailEnd type="triangle"/>
+                </a:ln>
+              </p:spPr>
+              <p:style>
+                <a:lnRef idx="3">
+                  <a:schemeClr val="dk1"/>
+                </a:lnRef>
+                <a:fillRef idx="0">
+                  <a:schemeClr val="dk1"/>
+                </a:fillRef>
+                <a:effectRef idx="2">
+                  <a:schemeClr val="dk1"/>
+                </a:effectRef>
+                <a:fontRef idx="minor">
+                  <a:schemeClr val="tx1"/>
+                </a:fontRef>
+              </p:style>
+            </p:cxnSp>
+            <p:sp>
+              <p:nvSpPr>
+                <p:cNvPr id="24" name="Rectangle 23"/>
+                <p:cNvSpPr/>
+                <p:nvPr/>
+              </p:nvSpPr>
+              <p:spPr>
+                <a:xfrm>
+                  <a:off x="1924050" y="1773977"/>
+                  <a:ext cx="82420" cy="372323"/>
+                </a:xfrm>
+                <a:prstGeom prst="rect">
+                  <a:avLst/>
+                </a:prstGeom>
+                <a:ln>
+                  <a:solidFill>
+                    <a:schemeClr val="tx1"/>
+                  </a:solidFill>
+                </a:ln>
+              </p:spPr>
+              <p:style>
+                <a:lnRef idx="2">
+                  <a:schemeClr val="dk1">
+                    <a:shade val="50000"/>
+                  </a:schemeClr>
+                </a:lnRef>
+                <a:fillRef idx="1">
+                  <a:schemeClr val="dk1"/>
+                </a:fillRef>
+                <a:effectRef idx="0">
+                  <a:schemeClr val="dk1"/>
+                </a:effectRef>
+                <a:fontRef idx="minor">
+                  <a:schemeClr val="lt1"/>
+                </a:fontRef>
+              </p:style>
+              <p:txBody>
+                <a:bodyPr rtlCol="0" anchor="ctr"/>
+                <a:lstStyle/>
+                <a:p>
+                  <a:pPr algn="ctr"/>
+                  <a:endParaRPr lang="en-GB"/>
+                </a:p>
+              </p:txBody>
+            </p:sp>
+          </p:grpSp>
+          <p:cxnSp>
+            <p:nvCxnSpPr>
+              <p:cNvPr id="18" name="Straight Arrow Connector 17"/>
+              <p:cNvCxnSpPr/>
+              <p:nvPr/>
+            </p:nvCxnSpPr>
+            <p:spPr>
+              <a:xfrm>
+                <a:off x="2189057" y="2937363"/>
+                <a:ext cx="1905896" cy="0"/>
+              </a:xfrm>
+              <a:prstGeom prst="straightConnector1">
+                <a:avLst/>
+              </a:prstGeom>
+              <a:ln>
+                <a:solidFill>
+                  <a:schemeClr val="tx1"/>
+                </a:solidFill>
+                <a:headEnd type="triangle"/>
+                <a:tailEnd type="triangle"/>
+              </a:ln>
+            </p:spPr>
+            <p:style>
+              <a:lnRef idx="1">
+                <a:schemeClr val="accent1"/>
+              </a:lnRef>
+              <a:fillRef idx="0">
+                <a:schemeClr val="accent1"/>
+              </a:fillRef>
+              <a:effectRef idx="0">
+                <a:schemeClr val="accent1"/>
+              </a:effectRef>
+              <a:fontRef idx="minor">
+                <a:schemeClr val="tx1"/>
+              </a:fontRef>
+            </p:style>
+          </p:cxnSp>
+          <p:sp>
+            <p:nvSpPr>
+              <p:cNvPr id="20" name="TextBox 19"/>
+              <p:cNvSpPr txBox="1"/>
+              <p:nvPr/>
+            </p:nvSpPr>
+            <p:spPr>
+              <a:xfrm>
+                <a:off x="3046183" y="2933885"/>
+                <a:ext cx="325730" cy="369332"/>
+              </a:xfrm>
+              <a:prstGeom prst="rect">
+                <a:avLst/>
+              </a:prstGeom>
+              <a:noFill/>
+            </p:spPr>
+            <p:txBody>
+              <a:bodyPr wrap="none" rtlCol="0">
+                <a:spAutoFit/>
+              </a:bodyPr>
+              <a:lstStyle/>
+              <a:p>
+                <a:r>
+                  <a:rPr lang="en-GB" i="1" dirty="0" smtClean="0">
+                    <a:latin typeface="Arial" panose="020B0604020202020204" pitchFamily="34" charset="0"/>
+                    <a:cs typeface="Arial" panose="020B0604020202020204" pitchFamily="34" charset="0"/>
+                  </a:rPr>
+                  <a:t>t</a:t>
+                </a:r>
+                <a:r>
+                  <a:rPr lang="en-GB" i="1" baseline="-25000" dirty="0" smtClean="0">
+                    <a:latin typeface="Arial" panose="020B0604020202020204" pitchFamily="34" charset="0"/>
+                    <a:cs typeface="Arial" panose="020B0604020202020204" pitchFamily="34" charset="0"/>
+                  </a:rPr>
+                  <a:t>y</a:t>
+                </a:r>
+                <a:endParaRPr lang="en-GB" i="1" baseline="-25000" dirty="0">
+                  <a:latin typeface="Arial" panose="020B0604020202020204" pitchFamily="34" charset="0"/>
+                  <a:cs typeface="Arial" panose="020B0604020202020204" pitchFamily="34" charset="0"/>
+                </a:endParaRPr>
+              </a:p>
+            </p:txBody>
+          </p:sp>
+        </p:grpSp>
+        <p:cxnSp>
+          <p:nvCxnSpPr>
+            <p:cNvPr id="25" name="Straight Connector 24"/>
+            <p:cNvCxnSpPr/>
+            <p:nvPr/>
+          </p:nvCxnSpPr>
+          <p:spPr>
+            <a:xfrm flipV="1">
+              <a:off x="1616552" y="2604395"/>
+              <a:ext cx="4684486" cy="3577"/>
+            </a:xfrm>
+            <a:prstGeom prst="line">
+              <a:avLst/>
+            </a:prstGeom>
+            <a:ln cap="rnd">
+              <a:tailEnd type="triangle"/>
+            </a:ln>
+          </p:spPr>
+          <p:style>
+            <a:lnRef idx="3">
+              <a:schemeClr val="dk1"/>
+            </a:lnRef>
+            <a:fillRef idx="0">
+              <a:schemeClr val="dk1"/>
+            </a:fillRef>
+            <a:effectRef idx="2">
+              <a:schemeClr val="dk1"/>
+            </a:effectRef>
+            <a:fontRef idx="minor">
+              <a:schemeClr val="tx1"/>
+            </a:fontRef>
+          </p:style>
+        </p:cxnSp>
+        <p:sp>
+          <p:nvSpPr>
+            <p:cNvPr id="26" name="Rectangle 25"/>
+            <p:cNvSpPr/>
+            <p:nvPr/>
+          </p:nvSpPr>
+          <p:spPr>
+            <a:xfrm>
+              <a:off x="4326903" y="1187777"/>
+              <a:ext cx="1740522" cy="708038"/>
+            </a:xfrm>
+            <a:prstGeom prst="rect">
+              <a:avLst/>
+            </a:prstGeom>
+            <a:noFill/>
+            <a:ln w="28575">
+              <a:solidFill>
+                <a:schemeClr val="tx1"/>
+              </a:solidFill>
+              <a:prstDash val="dash"/>
+            </a:ln>
+          </p:spPr>
+          <p:style>
+            <a:lnRef idx="2">
+              <a:schemeClr val="accent1">
+                <a:shade val="50000"/>
+              </a:schemeClr>
+            </a:lnRef>
+            <a:fillRef idx="1">
+              <a:schemeClr val="accent1"/>
+            </a:fillRef>
+            <a:effectRef idx="0">
+              <a:schemeClr val="accent1"/>
+            </a:effectRef>
+            <a:fontRef idx="minor">
+              <a:schemeClr val="lt1"/>
+            </a:fontRef>
+          </p:style>
+          <p:txBody>
+            <a:bodyPr rtlCol="0" anchor="ctr"/>
+            <a:lstStyle/>
+            <a:p>
+              <a:pPr algn="ctr"/>
+              <a:endParaRPr lang="en-GB"/>
+            </a:p>
+          </p:txBody>
+        </p:sp>
+        <p:sp>
+          <p:nvSpPr>
+            <p:cNvPr id="27" name="TextBox 26"/>
+            <p:cNvSpPr txBox="1"/>
+            <p:nvPr/>
+          </p:nvSpPr>
+          <p:spPr>
+            <a:xfrm>
+              <a:off x="4576985" y="1354565"/>
+              <a:ext cx="1300356" cy="369332"/>
+            </a:xfrm>
+            <a:prstGeom prst="rect">
+              <a:avLst/>
+            </a:prstGeom>
+            <a:noFill/>
+          </p:spPr>
+          <p:txBody>
+            <a:bodyPr wrap="none" rtlCol="0">
+              <a:spAutoFit/>
+            </a:bodyPr>
+            <a:lstStyle/>
+            <a:p>
+              <a:r>
+                <a:rPr lang="en-GB" dirty="0" smtClean="0">
+                  <a:latin typeface="Arial" panose="020B0604020202020204" pitchFamily="34" charset="0"/>
+                  <a:cs typeface="Arial" panose="020B0604020202020204" pitchFamily="34" charset="0"/>
+                </a:rPr>
+                <a:t>Acquisition</a:t>
+              </a:r>
+              <a:endParaRPr lang="en-GB" dirty="0">
+                <a:latin typeface="Arial" panose="020B0604020202020204" pitchFamily="34" charset="0"/>
+                <a:cs typeface="Arial" panose="020B0604020202020204" pitchFamily="34" charset="0"/>
+              </a:endParaRPr>
+            </a:p>
+          </p:txBody>
+        </p:sp>
+        <p:sp>
+          <p:nvSpPr>
+            <p:cNvPr id="28" name="TextBox 27"/>
+            <p:cNvSpPr txBox="1"/>
+            <p:nvPr/>
+          </p:nvSpPr>
+          <p:spPr>
+            <a:xfrm>
+              <a:off x="1192775" y="1422305"/>
+              <a:ext cx="595035" cy="461665"/>
+            </a:xfrm>
+            <a:prstGeom prst="rect">
+              <a:avLst/>
+            </a:prstGeom>
+            <a:noFill/>
+          </p:spPr>
+          <p:txBody>
+            <a:bodyPr wrap="none" rtlCol="0">
+              <a:spAutoFit/>
+            </a:bodyPr>
+            <a:lstStyle/>
+            <a:p>
+              <a:r>
+                <a:rPr lang="en-GB" sz="2400" dirty="0" smtClean="0">
+                  <a:latin typeface="Arial" panose="020B0604020202020204" pitchFamily="34" charset="0"/>
+                  <a:cs typeface="Arial" panose="020B0604020202020204" pitchFamily="34" charset="0"/>
+                </a:rPr>
+                <a:t>RF</a:t>
+              </a:r>
+              <a:endParaRPr lang="en-GB" sz="2400" dirty="0">
+                <a:latin typeface="Arial" panose="020B0604020202020204" pitchFamily="34" charset="0"/>
+                <a:cs typeface="Arial" panose="020B0604020202020204" pitchFamily="34" charset="0"/>
+              </a:endParaRPr>
+            </a:p>
+          </p:txBody>
+        </p:sp>
+        <p:sp>
+          <p:nvSpPr>
+            <p:cNvPr id="29" name="TextBox 28"/>
+            <p:cNvSpPr txBox="1"/>
+            <p:nvPr/>
+          </p:nvSpPr>
+          <p:spPr>
+            <a:xfrm>
+              <a:off x="1232053" y="2149738"/>
+              <a:ext cx="526106" cy="461665"/>
+            </a:xfrm>
+            <a:prstGeom prst="rect">
+              <a:avLst/>
+            </a:prstGeom>
+            <a:noFill/>
+            <a:ln>
+              <a:noFill/>
+            </a:ln>
+          </p:spPr>
+          <p:txBody>
+            <a:bodyPr wrap="none" rtlCol="0">
+              <a:spAutoFit/>
+            </a:bodyPr>
+            <a:lstStyle/>
+            <a:p>
+              <a:r>
+                <a:rPr lang="en-GB" sz="2400" dirty="0" err="1" smtClean="0">
+                  <a:latin typeface="Arial" panose="020B0604020202020204" pitchFamily="34" charset="0"/>
+                  <a:cs typeface="Arial" panose="020B0604020202020204" pitchFamily="34" charset="0"/>
+                </a:rPr>
+                <a:t>G</a:t>
+              </a:r>
+              <a:r>
+                <a:rPr lang="en-GB" sz="2400" baseline="-25000" dirty="0" err="1" smtClean="0">
+                  <a:latin typeface="Arial" panose="020B0604020202020204" pitchFamily="34" charset="0"/>
+                  <a:cs typeface="Arial" panose="020B0604020202020204" pitchFamily="34" charset="0"/>
+                </a:rPr>
+                <a:t>y</a:t>
+              </a:r>
+              <a:endParaRPr lang="en-GB" sz="2400" baseline="-25000" dirty="0">
+                <a:latin typeface="Arial" panose="020B0604020202020204" pitchFamily="34" charset="0"/>
+                <a:cs typeface="Arial" panose="020B0604020202020204" pitchFamily="34" charset="0"/>
+              </a:endParaRPr>
+            </a:p>
+          </p:txBody>
+        </p:sp>
+        <p:cxnSp>
+          <p:nvCxnSpPr>
+            <p:cNvPr id="30" name="Straight Connector 29"/>
+            <p:cNvCxnSpPr/>
+            <p:nvPr/>
+          </p:nvCxnSpPr>
+          <p:spPr>
+            <a:xfrm flipV="1">
+              <a:off x="1608695" y="3284699"/>
+              <a:ext cx="4684486" cy="3577"/>
+            </a:xfrm>
+            <a:prstGeom prst="line">
+              <a:avLst/>
+            </a:prstGeom>
+            <a:ln cap="rnd">
+              <a:tailEnd type="triangle"/>
+            </a:ln>
+          </p:spPr>
+          <p:style>
+            <a:lnRef idx="3">
+              <a:schemeClr val="dk1"/>
+            </a:lnRef>
+            <a:fillRef idx="0">
+              <a:schemeClr val="dk1"/>
+            </a:fillRef>
+            <a:effectRef idx="2">
+              <a:schemeClr val="dk1"/>
+            </a:effectRef>
+            <a:fontRef idx="minor">
+              <a:schemeClr val="tx1"/>
+            </a:fontRef>
+          </p:style>
+        </p:cxnSp>
+        <p:sp>
+          <p:nvSpPr>
+            <p:cNvPr id="31" name="TextBox 30"/>
+            <p:cNvSpPr txBox="1"/>
+            <p:nvPr/>
+          </p:nvSpPr>
+          <p:spPr>
+            <a:xfrm>
+              <a:off x="1224196" y="2830042"/>
+              <a:ext cx="526106" cy="461665"/>
+            </a:xfrm>
+            <a:prstGeom prst="rect">
+              <a:avLst/>
+            </a:prstGeom>
+            <a:noFill/>
+          </p:spPr>
+          <p:txBody>
+            <a:bodyPr wrap="none" rtlCol="0">
+              <a:spAutoFit/>
+            </a:bodyPr>
+            <a:lstStyle/>
+            <a:p>
+              <a:r>
+                <a:rPr lang="en-GB" sz="2400" dirty="0" err="1" smtClean="0">
+                  <a:latin typeface="Arial" panose="020B0604020202020204" pitchFamily="34" charset="0"/>
+                  <a:cs typeface="Arial" panose="020B0604020202020204" pitchFamily="34" charset="0"/>
+                </a:rPr>
+                <a:t>G</a:t>
+              </a:r>
+              <a:r>
+                <a:rPr lang="en-GB" sz="2400" baseline="-25000" dirty="0" err="1" smtClean="0">
+                  <a:latin typeface="Arial" panose="020B0604020202020204" pitchFamily="34" charset="0"/>
+                  <a:cs typeface="Arial" panose="020B0604020202020204" pitchFamily="34" charset="0"/>
+                </a:rPr>
+                <a:t>x</a:t>
+              </a:r>
+              <a:endParaRPr lang="en-GB" sz="2400" baseline="-25000" dirty="0">
+                <a:latin typeface="Arial" panose="020B0604020202020204" pitchFamily="34" charset="0"/>
+                <a:cs typeface="Arial" panose="020B0604020202020204" pitchFamily="34" charset="0"/>
+              </a:endParaRPr>
+            </a:p>
+          </p:txBody>
+        </p:sp>
+        <p:sp>
+          <p:nvSpPr>
+            <p:cNvPr id="34" name="Rectangle 33"/>
+            <p:cNvSpPr/>
+            <p:nvPr/>
+          </p:nvSpPr>
+          <p:spPr>
+            <a:xfrm>
+              <a:off x="2044139" y="2354049"/>
+              <a:ext cx="2062992" cy="239062"/>
+            </a:xfrm>
+            <a:prstGeom prst="rect">
+              <a:avLst/>
+            </a:prstGeom>
+            <a:solidFill>
+              <a:schemeClr val="bg2">
+                <a:lumMod val="50000"/>
+                <a:alpha val="49000"/>
+              </a:schemeClr>
+            </a:solidFill>
+            <a:ln>
+              <a:solidFill>
+                <a:schemeClr val="bg2">
+                  <a:lumMod val="50000"/>
+                </a:schemeClr>
+              </a:solidFill>
+            </a:ln>
+          </p:spPr>
+          <p:style>
+            <a:lnRef idx="2">
+              <a:schemeClr val="accent1">
+                <a:shade val="50000"/>
+              </a:schemeClr>
+            </a:lnRef>
+            <a:fillRef idx="1">
+              <a:schemeClr val="accent1"/>
+            </a:fillRef>
+            <a:effectRef idx="0">
+              <a:schemeClr val="accent1"/>
+            </a:effectRef>
+            <a:fontRef idx="minor">
+              <a:schemeClr val="lt1"/>
+            </a:fontRef>
+          </p:style>
+          <p:txBody>
+            <a:bodyPr rtlCol="0" anchor="ctr"/>
+            <a:lstStyle/>
+            <a:p>
+              <a:pPr algn="ctr"/>
+              <a:endParaRPr lang="en-GB"/>
+            </a:p>
+          </p:txBody>
+        </p:sp>
+        <p:sp>
+          <p:nvSpPr>
+            <p:cNvPr id="36" name="Rectangle 35"/>
+            <p:cNvSpPr/>
+            <p:nvPr/>
+          </p:nvSpPr>
+          <p:spPr>
+            <a:xfrm>
+              <a:off x="4227050" y="2895706"/>
+              <a:ext cx="1900373" cy="388993"/>
+            </a:xfrm>
+            <a:prstGeom prst="rect">
+              <a:avLst/>
+            </a:prstGeom>
+            <a:solidFill>
+              <a:schemeClr val="bg2">
+                <a:lumMod val="50000"/>
+                <a:alpha val="49000"/>
+              </a:schemeClr>
+            </a:solidFill>
+            <a:ln>
+              <a:solidFill>
+                <a:schemeClr val="bg2">
+                  <a:lumMod val="50000"/>
+                </a:schemeClr>
+              </a:solidFill>
+            </a:ln>
+          </p:spPr>
+          <p:style>
+            <a:lnRef idx="2">
+              <a:schemeClr val="accent1">
+                <a:shade val="50000"/>
+              </a:schemeClr>
+            </a:lnRef>
+            <a:fillRef idx="1">
+              <a:schemeClr val="accent1"/>
+            </a:fillRef>
+            <a:effectRef idx="0">
+              <a:schemeClr val="accent1"/>
+            </a:effectRef>
+            <a:fontRef idx="minor">
+              <a:schemeClr val="lt1"/>
+            </a:fontRef>
+          </p:style>
+          <p:txBody>
+            <a:bodyPr rtlCol="0" anchor="ctr"/>
+            <a:lstStyle/>
+            <a:p>
+              <a:pPr algn="ctr"/>
+              <a:endParaRPr lang="en-GB"/>
+            </a:p>
+          </p:txBody>
+        </p:sp>
+        <p:cxnSp>
+          <p:nvCxnSpPr>
+            <p:cNvPr id="37" name="Straight Arrow Connector 36"/>
+            <p:cNvCxnSpPr/>
+            <p:nvPr/>
+          </p:nvCxnSpPr>
+          <p:spPr>
+            <a:xfrm>
+              <a:off x="4274215" y="3431590"/>
+              <a:ext cx="1164560" cy="2173"/>
+            </a:xfrm>
+            <a:prstGeom prst="straightConnector1">
+              <a:avLst/>
+            </a:prstGeom>
+            <a:ln>
+              <a:solidFill>
+                <a:schemeClr val="tx1"/>
+              </a:solidFill>
+              <a:headEnd type="triangle"/>
+              <a:tailEnd type="triangle"/>
+            </a:ln>
+          </p:spPr>
+          <p:style>
+            <a:lnRef idx="1">
+              <a:schemeClr val="accent1"/>
+            </a:lnRef>
+            <a:fillRef idx="0">
+              <a:schemeClr val="accent1"/>
+            </a:fillRef>
+            <a:effectRef idx="0">
+              <a:schemeClr val="accent1"/>
+            </a:effectRef>
+            <a:fontRef idx="minor">
+              <a:schemeClr val="tx1"/>
+            </a:fontRef>
+          </p:style>
+        </p:cxnSp>
+        <p:sp>
+          <p:nvSpPr>
+            <p:cNvPr id="39" name="TextBox 38"/>
+            <p:cNvSpPr txBox="1"/>
+            <p:nvPr/>
+          </p:nvSpPr>
+          <p:spPr>
+            <a:xfrm>
+              <a:off x="4688440" y="3387767"/>
+              <a:ext cx="325730" cy="369332"/>
+            </a:xfrm>
+            <a:prstGeom prst="rect">
+              <a:avLst/>
+            </a:prstGeom>
+            <a:noFill/>
+          </p:spPr>
+          <p:txBody>
+            <a:bodyPr wrap="none" rtlCol="0">
+              <a:spAutoFit/>
+            </a:bodyPr>
+            <a:lstStyle/>
+            <a:p>
+              <a:r>
+                <a:rPr lang="en-GB" i="1" dirty="0" err="1" smtClean="0">
+                  <a:latin typeface="Arial" panose="020B0604020202020204" pitchFamily="34" charset="0"/>
+                  <a:cs typeface="Arial" panose="020B0604020202020204" pitchFamily="34" charset="0"/>
+                </a:rPr>
+                <a:t>t</a:t>
+              </a:r>
+              <a:r>
+                <a:rPr lang="en-GB" i="1" baseline="-25000" dirty="0" err="1" smtClean="0">
+                  <a:latin typeface="Arial" panose="020B0604020202020204" pitchFamily="34" charset="0"/>
+                  <a:cs typeface="Arial" panose="020B0604020202020204" pitchFamily="34" charset="0"/>
+                </a:rPr>
+                <a:t>x</a:t>
+              </a:r>
+              <a:endParaRPr lang="en-GB" i="1" baseline="-25000" dirty="0">
+                <a:latin typeface="Arial" panose="020B0604020202020204" pitchFamily="34" charset="0"/>
+                <a:cs typeface="Arial" panose="020B0604020202020204" pitchFamily="34" charset="0"/>
+              </a:endParaRPr>
+            </a:p>
+          </p:txBody>
+        </p:sp>
+        <p:sp>
+          <p:nvSpPr>
+            <p:cNvPr id="40" name="TextBox 39"/>
+            <p:cNvSpPr txBox="1"/>
+            <p:nvPr/>
+          </p:nvSpPr>
+          <p:spPr>
+            <a:xfrm>
+              <a:off x="4123617" y="2329723"/>
+              <a:ext cx="263214" cy="261610"/>
+            </a:xfrm>
+            <a:prstGeom prst="rect">
+              <a:avLst/>
+            </a:prstGeom>
+            <a:noFill/>
+          </p:spPr>
+          <p:txBody>
+            <a:bodyPr wrap="none" rtlCol="0">
+              <a:spAutoFit/>
+            </a:bodyPr>
+            <a:lstStyle/>
+            <a:p>
+              <a:r>
+                <a:rPr lang="en-GB" sz="1050" dirty="0" smtClean="0">
+                  <a:latin typeface="Arial" panose="020B0604020202020204" pitchFamily="34" charset="0"/>
+                  <a:cs typeface="Arial" panose="020B0604020202020204" pitchFamily="34" charset="0"/>
+                </a:rPr>
+                <a:t>3</a:t>
+              </a:r>
+              <a:endParaRPr lang="en-GB" sz="1050" dirty="0">
+                <a:latin typeface="Arial" panose="020B0604020202020204" pitchFamily="34" charset="0"/>
+                <a:cs typeface="Arial" panose="020B0604020202020204" pitchFamily="34" charset="0"/>
+              </a:endParaRPr>
+            </a:p>
+          </p:txBody>
+        </p:sp>
+        <p:sp>
+          <p:nvSpPr>
+            <p:cNvPr id="41" name="TextBox 40"/>
+            <p:cNvSpPr txBox="1"/>
+            <p:nvPr/>
+          </p:nvSpPr>
+          <p:spPr>
+            <a:xfrm>
+              <a:off x="4118849" y="2158273"/>
+              <a:ext cx="263214" cy="261610"/>
+            </a:xfrm>
+            <a:prstGeom prst="rect">
+              <a:avLst/>
+            </a:prstGeom>
+            <a:noFill/>
+          </p:spPr>
+          <p:txBody>
+            <a:bodyPr wrap="none" rtlCol="0">
+              <a:spAutoFit/>
+            </a:bodyPr>
+            <a:lstStyle/>
+            <a:p>
+              <a:r>
+                <a:rPr lang="en-GB" sz="1050" dirty="0" smtClean="0">
+                  <a:latin typeface="Arial" panose="020B0604020202020204" pitchFamily="34" charset="0"/>
+                  <a:cs typeface="Arial" panose="020B0604020202020204" pitchFamily="34" charset="0"/>
+                </a:rPr>
+                <a:t>2</a:t>
+              </a:r>
+              <a:endParaRPr lang="en-GB" sz="1050" dirty="0">
+                <a:latin typeface="Arial" panose="020B0604020202020204" pitchFamily="34" charset="0"/>
+                <a:cs typeface="Arial" panose="020B0604020202020204" pitchFamily="34" charset="0"/>
+              </a:endParaRPr>
+            </a:p>
+          </p:txBody>
+        </p:sp>
+        <p:sp>
+          <p:nvSpPr>
+            <p:cNvPr id="42" name="TextBox 41"/>
+            <p:cNvSpPr txBox="1"/>
+            <p:nvPr/>
+          </p:nvSpPr>
+          <p:spPr>
+            <a:xfrm>
+              <a:off x="4111059" y="1975666"/>
+              <a:ext cx="263214" cy="261610"/>
+            </a:xfrm>
+            <a:prstGeom prst="rect">
+              <a:avLst/>
+            </a:prstGeom>
+            <a:noFill/>
+          </p:spPr>
+          <p:txBody>
+            <a:bodyPr wrap="none" rtlCol="0">
+              <a:spAutoFit/>
+            </a:bodyPr>
+            <a:lstStyle/>
+            <a:p>
+              <a:r>
+                <a:rPr lang="en-GB" sz="1050" dirty="0" smtClean="0">
+                  <a:latin typeface="Arial" panose="020B0604020202020204" pitchFamily="34" charset="0"/>
+                  <a:cs typeface="Arial" panose="020B0604020202020204" pitchFamily="34" charset="0"/>
+                </a:rPr>
+                <a:t>1</a:t>
+              </a:r>
+              <a:endParaRPr lang="en-GB" sz="1050" dirty="0">
+                <a:latin typeface="Arial" panose="020B0604020202020204" pitchFamily="34" charset="0"/>
+                <a:cs typeface="Arial" panose="020B0604020202020204" pitchFamily="34" charset="0"/>
+              </a:endParaRPr>
+            </a:p>
+          </p:txBody>
+        </p:sp>
+      </p:grpSp>
+      <p:grpSp>
+        <p:nvGrpSpPr>
+          <p:cNvPr id="69" name="Group 68"/>
+          <p:cNvGrpSpPr/>
+          <p:nvPr/>
+        </p:nvGrpSpPr>
+        <p:grpSpPr>
+          <a:xfrm>
+            <a:off x="5942619" y="1205984"/>
+            <a:ext cx="5032019" cy="4204216"/>
+            <a:chOff x="5942619" y="1205984"/>
+            <a:chExt cx="5032019" cy="4204216"/>
+          </a:xfrm>
+        </p:grpSpPr>
+        <p:grpSp>
+          <p:nvGrpSpPr>
+            <p:cNvPr id="65" name="Group 64"/>
+            <p:cNvGrpSpPr/>
+            <p:nvPr/>
+          </p:nvGrpSpPr>
+          <p:grpSpPr>
+            <a:xfrm>
+              <a:off x="5942619" y="1386502"/>
+              <a:ext cx="5032019" cy="4023698"/>
+              <a:chOff x="5942619" y="1386502"/>
+              <a:chExt cx="5032019" cy="4023698"/>
+            </a:xfrm>
+          </p:grpSpPr>
+          <p:cxnSp>
+            <p:nvCxnSpPr>
+              <p:cNvPr id="44" name="Straight Connector 43"/>
+              <p:cNvCxnSpPr/>
+              <p:nvPr/>
+            </p:nvCxnSpPr>
+            <p:spPr>
+              <a:xfrm flipV="1">
+                <a:off x="6290152" y="2123074"/>
+                <a:ext cx="4684486" cy="3577"/>
+              </a:xfrm>
+              <a:prstGeom prst="line">
+                <a:avLst/>
+              </a:prstGeom>
+              <a:ln cap="rnd">
+                <a:tailEnd type="triangle"/>
+              </a:ln>
+            </p:spPr>
+            <p:style>
+              <a:lnRef idx="3">
+                <a:schemeClr val="dk1"/>
+              </a:lnRef>
+              <a:fillRef idx="0">
+                <a:schemeClr val="dk1"/>
+              </a:fillRef>
+              <a:effectRef idx="2">
+                <a:schemeClr val="dk1"/>
+              </a:effectRef>
+              <a:fontRef idx="minor">
+                <a:schemeClr val="tx1"/>
+              </a:fontRef>
+            </p:style>
+          </p:cxnSp>
+          <p:cxnSp>
+            <p:nvCxnSpPr>
+              <p:cNvPr id="45" name="Straight Connector 44"/>
+              <p:cNvCxnSpPr/>
+              <p:nvPr/>
+            </p:nvCxnSpPr>
+            <p:spPr>
+              <a:xfrm flipV="1">
+                <a:off x="6285384" y="1515359"/>
+                <a:ext cx="9048" cy="1070021"/>
+              </a:xfrm>
+              <a:prstGeom prst="line">
+                <a:avLst/>
+              </a:prstGeom>
+              <a:ln cap="rnd">
+                <a:tailEnd type="triangle"/>
+              </a:ln>
+            </p:spPr>
+            <p:style>
+              <a:lnRef idx="3">
+                <a:schemeClr val="dk1"/>
+              </a:lnRef>
+              <a:fillRef idx="0">
+                <a:schemeClr val="dk1"/>
+              </a:fillRef>
+              <a:effectRef idx="2">
+                <a:schemeClr val="dk1"/>
+              </a:effectRef>
+              <a:fontRef idx="minor">
+                <a:schemeClr val="tx1"/>
+              </a:fontRef>
+            </p:style>
+          </p:cxnSp>
+          <p:cxnSp>
+            <p:nvCxnSpPr>
+              <p:cNvPr id="47" name="Straight Connector 46"/>
+              <p:cNvCxnSpPr/>
+              <p:nvPr/>
+            </p:nvCxnSpPr>
+            <p:spPr>
+              <a:xfrm flipV="1">
+                <a:off x="6285384" y="3423322"/>
+                <a:ext cx="4684486" cy="3577"/>
+              </a:xfrm>
+              <a:prstGeom prst="line">
+                <a:avLst/>
+              </a:prstGeom>
+              <a:ln cap="rnd">
+                <a:tailEnd type="triangle"/>
+              </a:ln>
+            </p:spPr>
+            <p:style>
+              <a:lnRef idx="3">
+                <a:schemeClr val="dk1"/>
+              </a:lnRef>
+              <a:fillRef idx="0">
+                <a:schemeClr val="dk1"/>
+              </a:fillRef>
+              <a:effectRef idx="2">
+                <a:schemeClr val="dk1"/>
+              </a:effectRef>
+              <a:fontRef idx="minor">
+                <a:schemeClr val="tx1"/>
+              </a:fontRef>
+            </p:style>
+          </p:cxnSp>
+          <p:cxnSp>
+            <p:nvCxnSpPr>
+              <p:cNvPr id="48" name="Straight Connector 47"/>
+              <p:cNvCxnSpPr/>
+              <p:nvPr/>
+            </p:nvCxnSpPr>
+            <p:spPr>
+              <a:xfrm flipV="1">
+                <a:off x="6280616" y="2815607"/>
+                <a:ext cx="9048" cy="1070021"/>
+              </a:xfrm>
+              <a:prstGeom prst="line">
+                <a:avLst/>
+              </a:prstGeom>
+              <a:ln cap="rnd">
+                <a:tailEnd type="triangle"/>
+              </a:ln>
+            </p:spPr>
+            <p:style>
+              <a:lnRef idx="3">
+                <a:schemeClr val="dk1"/>
+              </a:lnRef>
+              <a:fillRef idx="0">
+                <a:schemeClr val="dk1"/>
+              </a:fillRef>
+              <a:effectRef idx="2">
+                <a:schemeClr val="dk1"/>
+              </a:effectRef>
+              <a:fontRef idx="minor">
+                <a:schemeClr val="tx1"/>
+              </a:fontRef>
+            </p:style>
+          </p:cxnSp>
+          <p:cxnSp>
+            <p:nvCxnSpPr>
+              <p:cNvPr id="49" name="Straight Connector 48"/>
+              <p:cNvCxnSpPr/>
+              <p:nvPr/>
+            </p:nvCxnSpPr>
+            <p:spPr>
+              <a:xfrm flipV="1">
+                <a:off x="6289664" y="4714583"/>
+                <a:ext cx="4684486" cy="3577"/>
+              </a:xfrm>
+              <a:prstGeom prst="line">
+                <a:avLst/>
+              </a:prstGeom>
+              <a:ln cap="rnd">
+                <a:tailEnd type="triangle"/>
+              </a:ln>
+            </p:spPr>
+            <p:style>
+              <a:lnRef idx="3">
+                <a:schemeClr val="dk1"/>
+              </a:lnRef>
+              <a:fillRef idx="0">
+                <a:schemeClr val="dk1"/>
+              </a:fillRef>
+              <a:effectRef idx="2">
+                <a:schemeClr val="dk1"/>
+              </a:effectRef>
+              <a:fontRef idx="minor">
+                <a:schemeClr val="tx1"/>
+              </a:fontRef>
+            </p:style>
+          </p:cxnSp>
+          <p:cxnSp>
+            <p:nvCxnSpPr>
+              <p:cNvPr id="50" name="Straight Connector 49"/>
+              <p:cNvCxnSpPr/>
+              <p:nvPr/>
+            </p:nvCxnSpPr>
+            <p:spPr>
+              <a:xfrm flipV="1">
+                <a:off x="6284896" y="4106868"/>
+                <a:ext cx="9048" cy="1070021"/>
+              </a:xfrm>
+              <a:prstGeom prst="line">
+                <a:avLst/>
+              </a:prstGeom>
+              <a:ln cap="rnd">
+                <a:tailEnd type="triangle"/>
+              </a:ln>
+            </p:spPr>
+            <p:style>
+              <a:lnRef idx="3">
+                <a:schemeClr val="dk1"/>
+              </a:lnRef>
+              <a:fillRef idx="0">
+                <a:schemeClr val="dk1"/>
+              </a:fillRef>
+              <a:effectRef idx="2">
+                <a:schemeClr val="dk1"/>
+              </a:effectRef>
+              <a:fontRef idx="minor">
+                <a:schemeClr val="tx1"/>
+              </a:fontRef>
+            </p:style>
+          </p:cxnSp>
+          <p:sp>
+            <p:nvSpPr>
+              <p:cNvPr id="51" name="Freeform 50"/>
+              <p:cNvSpPr/>
+              <p:nvPr/>
+            </p:nvSpPr>
+            <p:spPr>
+              <a:xfrm>
+                <a:off x="6311900" y="1689084"/>
+                <a:ext cx="2311400" cy="838216"/>
+              </a:xfrm>
+              <a:custGeom>
+                <a:avLst/>
+                <a:gdLst>
+                  <a:gd name="connsiteX0" fmla="*/ 0 w 2311400"/>
+                  <a:gd name="connsiteY0" fmla="*/ 12716 h 838216"/>
+                  <a:gd name="connsiteX1" fmla="*/ 330200 w 2311400"/>
+                  <a:gd name="connsiteY1" fmla="*/ 838216 h 838216"/>
+                  <a:gd name="connsiteX2" fmla="*/ 647700 w 2311400"/>
+                  <a:gd name="connsiteY2" fmla="*/ 12716 h 838216"/>
+                  <a:gd name="connsiteX3" fmla="*/ 990600 w 2311400"/>
+                  <a:gd name="connsiteY3" fmla="*/ 825516 h 838216"/>
+                  <a:gd name="connsiteX4" fmla="*/ 1295400 w 2311400"/>
+                  <a:gd name="connsiteY4" fmla="*/ 16 h 838216"/>
+                  <a:gd name="connsiteX5" fmla="*/ 1651000 w 2311400"/>
+                  <a:gd name="connsiteY5" fmla="*/ 800116 h 838216"/>
+                  <a:gd name="connsiteX6" fmla="*/ 1955800 w 2311400"/>
+                  <a:gd name="connsiteY6" fmla="*/ 12716 h 838216"/>
+                  <a:gd name="connsiteX7" fmla="*/ 2311400 w 2311400"/>
+                  <a:gd name="connsiteY7" fmla="*/ 825516 h 838216"/>
+                </a:gdLst>
+                <a:ahLst/>
+                <a:cxnLst>
+                  <a:cxn ang="0">
+                    <a:pos x="connsiteX0" y="connsiteY0"/>
+                  </a:cxn>
+                  <a:cxn ang="0">
+                    <a:pos x="connsiteX1" y="connsiteY1"/>
+                  </a:cxn>
+                  <a:cxn ang="0">
+                    <a:pos x="connsiteX2" y="connsiteY2"/>
+                  </a:cxn>
+                  <a:cxn ang="0">
+                    <a:pos x="connsiteX3" y="connsiteY3"/>
+                  </a:cxn>
+                  <a:cxn ang="0">
+                    <a:pos x="connsiteX4" y="connsiteY4"/>
+                  </a:cxn>
+                  <a:cxn ang="0">
+                    <a:pos x="connsiteX5" y="connsiteY5"/>
+                  </a:cxn>
+                  <a:cxn ang="0">
+                    <a:pos x="connsiteX6" y="connsiteY6"/>
+                  </a:cxn>
+                  <a:cxn ang="0">
+                    <a:pos x="connsiteX7" y="connsiteY7"/>
+                  </a:cxn>
+                </a:cxnLst>
+                <a:rect l="l" t="t" r="r" b="b"/>
+                <a:pathLst>
+                  <a:path w="2311400" h="838216">
+                    <a:moveTo>
+                      <a:pt x="0" y="12716"/>
+                    </a:moveTo>
+                    <a:cubicBezTo>
+                      <a:pt x="111125" y="425466"/>
+                      <a:pt x="222250" y="838216"/>
+                      <a:pt x="330200" y="838216"/>
+                    </a:cubicBezTo>
+                    <a:cubicBezTo>
+                      <a:pt x="438150" y="838216"/>
+                      <a:pt x="537633" y="14833"/>
+                      <a:pt x="647700" y="12716"/>
+                    </a:cubicBezTo>
+                    <a:cubicBezTo>
+                      <a:pt x="757767" y="10599"/>
+                      <a:pt x="882650" y="827633"/>
+                      <a:pt x="990600" y="825516"/>
+                    </a:cubicBezTo>
+                    <a:cubicBezTo>
+                      <a:pt x="1098550" y="823399"/>
+                      <a:pt x="1185333" y="4249"/>
+                      <a:pt x="1295400" y="16"/>
+                    </a:cubicBezTo>
+                    <a:cubicBezTo>
+                      <a:pt x="1405467" y="-4217"/>
+                      <a:pt x="1540933" y="797999"/>
+                      <a:pt x="1651000" y="800116"/>
+                    </a:cubicBezTo>
+                    <a:cubicBezTo>
+                      <a:pt x="1761067" y="802233"/>
+                      <a:pt x="1845733" y="8483"/>
+                      <a:pt x="1955800" y="12716"/>
+                    </a:cubicBezTo>
+                    <a:cubicBezTo>
+                      <a:pt x="2065867" y="16949"/>
+                      <a:pt x="2188633" y="421232"/>
+                      <a:pt x="2311400" y="825516"/>
+                    </a:cubicBezTo>
+                  </a:path>
+                </a:pathLst>
+              </a:custGeom>
+              <a:noFill/>
+              <a:ln w="38100" cap="rnd">
+                <a:solidFill>
+                  <a:schemeClr val="tx1"/>
+                </a:solidFill>
+              </a:ln>
+            </p:spPr>
+            <p:style>
+              <a:lnRef idx="2">
+                <a:schemeClr val="accent1">
+                  <a:shade val="50000"/>
+                </a:schemeClr>
+              </a:lnRef>
+              <a:fillRef idx="1">
+                <a:schemeClr val="accent1"/>
+              </a:fillRef>
+              <a:effectRef idx="0">
+                <a:schemeClr val="accent1"/>
+              </a:effectRef>
+              <a:fontRef idx="minor">
+                <a:schemeClr val="lt1"/>
+              </a:fontRef>
+            </p:style>
+            <p:txBody>
+              <a:bodyPr rtlCol="0" anchor="ctr"/>
+              <a:lstStyle/>
+              <a:p>
+                <a:pPr algn="ctr"/>
+                <a:endParaRPr lang="en-GB"/>
+              </a:p>
+            </p:txBody>
+          </p:sp>
+          <p:sp>
+            <p:nvSpPr>
+              <p:cNvPr id="52" name="Freeform 51"/>
+              <p:cNvSpPr/>
+              <p:nvPr/>
+            </p:nvSpPr>
+            <p:spPr>
+              <a:xfrm>
+                <a:off x="8616950" y="1689070"/>
+                <a:ext cx="2279650" cy="830108"/>
+              </a:xfrm>
+              <a:custGeom>
+                <a:avLst/>
+                <a:gdLst>
+                  <a:gd name="connsiteX0" fmla="*/ 0 w 2279650"/>
+                  <a:gd name="connsiteY0" fmla="*/ 825530 h 830108"/>
+                  <a:gd name="connsiteX1" fmla="*/ 869950 w 2279650"/>
+                  <a:gd name="connsiteY1" fmla="*/ 30 h 830108"/>
+                  <a:gd name="connsiteX2" fmla="*/ 1847850 w 2279650"/>
+                  <a:gd name="connsiteY2" fmla="*/ 793780 h 830108"/>
+                  <a:gd name="connsiteX3" fmla="*/ 2279650 w 2279650"/>
+                  <a:gd name="connsiteY3" fmla="*/ 622330 h 830108"/>
+                </a:gdLst>
+                <a:ahLst/>
+                <a:cxnLst>
+                  <a:cxn ang="0">
+                    <a:pos x="connsiteX0" y="connsiteY0"/>
+                  </a:cxn>
+                  <a:cxn ang="0">
+                    <a:pos x="connsiteX1" y="connsiteY1"/>
+                  </a:cxn>
+                  <a:cxn ang="0">
+                    <a:pos x="connsiteX2" y="connsiteY2"/>
+                  </a:cxn>
+                  <a:cxn ang="0">
+                    <a:pos x="connsiteX3" y="connsiteY3"/>
+                  </a:cxn>
+                </a:cxnLst>
+                <a:rect l="l" t="t" r="r" b="b"/>
+                <a:pathLst>
+                  <a:path w="2279650" h="830108">
+                    <a:moveTo>
+                      <a:pt x="0" y="825530"/>
+                    </a:moveTo>
+                    <a:cubicBezTo>
+                      <a:pt x="280987" y="415426"/>
+                      <a:pt x="561975" y="5322"/>
+                      <a:pt x="869950" y="30"/>
+                    </a:cubicBezTo>
+                    <a:cubicBezTo>
+                      <a:pt x="1177925" y="-5262"/>
+                      <a:pt x="1612900" y="690063"/>
+                      <a:pt x="1847850" y="793780"/>
+                    </a:cubicBezTo>
+                    <a:cubicBezTo>
+                      <a:pt x="2082800" y="897497"/>
+                      <a:pt x="2181225" y="759913"/>
+                      <a:pt x="2279650" y="622330"/>
+                    </a:cubicBezTo>
+                  </a:path>
+                </a:pathLst>
+              </a:custGeom>
+              <a:noFill/>
+              <a:ln w="38100" cap="rnd">
+                <a:solidFill>
+                  <a:srgbClr val="FF0000"/>
+                </a:solidFill>
+              </a:ln>
+            </p:spPr>
+            <p:style>
+              <a:lnRef idx="2">
+                <a:schemeClr val="accent1">
+                  <a:shade val="50000"/>
+                </a:schemeClr>
+              </a:lnRef>
+              <a:fillRef idx="1">
+                <a:schemeClr val="accent1"/>
+              </a:fillRef>
+              <a:effectRef idx="0">
+                <a:schemeClr val="accent1"/>
+              </a:effectRef>
+              <a:fontRef idx="minor">
+                <a:schemeClr val="lt1"/>
+              </a:fontRef>
+            </p:style>
+            <p:txBody>
+              <a:bodyPr rtlCol="0" anchor="ctr"/>
+              <a:lstStyle/>
+              <a:p>
+                <a:pPr algn="ctr"/>
+                <a:endParaRPr lang="en-GB"/>
+              </a:p>
+            </p:txBody>
+          </p:sp>
+          <p:sp>
+            <p:nvSpPr>
+              <p:cNvPr id="53" name="Freeform 52"/>
+              <p:cNvSpPr/>
+              <p:nvPr/>
+            </p:nvSpPr>
+            <p:spPr>
+              <a:xfrm>
+                <a:off x="6292850" y="2959100"/>
+                <a:ext cx="2347918" cy="1016650"/>
+              </a:xfrm>
+              <a:custGeom>
+                <a:avLst/>
+                <a:gdLst>
+                  <a:gd name="connsiteX0" fmla="*/ 0 w 2393950"/>
+                  <a:gd name="connsiteY0" fmla="*/ 0 h 1016650"/>
+                  <a:gd name="connsiteX1" fmla="*/ 527050 w 2393950"/>
+                  <a:gd name="connsiteY1" fmla="*/ 908050 h 1016650"/>
+                  <a:gd name="connsiteX2" fmla="*/ 1174750 w 2393950"/>
+                  <a:gd name="connsiteY2" fmla="*/ 31750 h 1016650"/>
+                  <a:gd name="connsiteX3" fmla="*/ 1905000 w 2393950"/>
+                  <a:gd name="connsiteY3" fmla="*/ 971550 h 1016650"/>
+                  <a:gd name="connsiteX4" fmla="*/ 2393950 w 2393950"/>
+                  <a:gd name="connsiteY4" fmla="*/ 781050 h 1016650"/>
+                </a:gdLst>
+                <a:ahLst/>
+                <a:cxnLst>
+                  <a:cxn ang="0">
+                    <a:pos x="connsiteX0" y="connsiteY0"/>
+                  </a:cxn>
+                  <a:cxn ang="0">
+                    <a:pos x="connsiteX1" y="connsiteY1"/>
+                  </a:cxn>
+                  <a:cxn ang="0">
+                    <a:pos x="connsiteX2" y="connsiteY2"/>
+                  </a:cxn>
+                  <a:cxn ang="0">
+                    <a:pos x="connsiteX3" y="connsiteY3"/>
+                  </a:cxn>
+                  <a:cxn ang="0">
+                    <a:pos x="connsiteX4" y="connsiteY4"/>
+                  </a:cxn>
+                </a:cxnLst>
+                <a:rect l="l" t="t" r="r" b="b"/>
+                <a:pathLst>
+                  <a:path w="2393950" h="1016650">
+                    <a:moveTo>
+                      <a:pt x="0" y="0"/>
+                    </a:moveTo>
+                    <a:cubicBezTo>
+                      <a:pt x="165629" y="451379"/>
+                      <a:pt x="331258" y="902758"/>
+                      <a:pt x="527050" y="908050"/>
+                    </a:cubicBezTo>
+                    <a:cubicBezTo>
+                      <a:pt x="722842" y="913342"/>
+                      <a:pt x="945092" y="21167"/>
+                      <a:pt x="1174750" y="31750"/>
+                    </a:cubicBezTo>
+                    <a:cubicBezTo>
+                      <a:pt x="1404408" y="42333"/>
+                      <a:pt x="1701800" y="846667"/>
+                      <a:pt x="1905000" y="971550"/>
+                    </a:cubicBezTo>
+                    <a:cubicBezTo>
+                      <a:pt x="2108200" y="1096433"/>
+                      <a:pt x="2251075" y="938741"/>
+                      <a:pt x="2393950" y="781050"/>
+                    </a:cubicBezTo>
+                  </a:path>
+                </a:pathLst>
+              </a:custGeom>
+              <a:noFill/>
+              <a:ln w="38100" cap="rnd">
+                <a:solidFill>
+                  <a:schemeClr val="tx1"/>
+                </a:solidFill>
+              </a:ln>
+            </p:spPr>
+            <p:style>
+              <a:lnRef idx="2">
+                <a:schemeClr val="accent1">
+                  <a:shade val="50000"/>
+                </a:schemeClr>
+              </a:lnRef>
+              <a:fillRef idx="1">
+                <a:schemeClr val="accent1"/>
+              </a:fillRef>
+              <a:effectRef idx="0">
+                <a:schemeClr val="accent1"/>
+              </a:effectRef>
+              <a:fontRef idx="minor">
+                <a:schemeClr val="lt1"/>
+              </a:fontRef>
+            </p:style>
+            <p:txBody>
+              <a:bodyPr rtlCol="0" anchor="ctr"/>
+              <a:lstStyle/>
+              <a:p>
+                <a:pPr algn="ctr"/>
+                <a:endParaRPr lang="en-GB"/>
+              </a:p>
+            </p:txBody>
+          </p:sp>
+          <p:sp>
+            <p:nvSpPr>
+              <p:cNvPr id="55" name="Freeform 54"/>
+              <p:cNvSpPr/>
+              <p:nvPr/>
+            </p:nvSpPr>
+            <p:spPr>
+              <a:xfrm>
+                <a:off x="8636006" y="3017801"/>
+                <a:ext cx="2166932" cy="1038978"/>
+              </a:xfrm>
+              <a:custGeom>
+                <a:avLst/>
+                <a:gdLst>
+                  <a:gd name="connsiteX0" fmla="*/ 0 w 2139950"/>
+                  <a:gd name="connsiteY0" fmla="*/ 727113 h 1038978"/>
+                  <a:gd name="connsiteX1" fmla="*/ 673100 w 2139950"/>
+                  <a:gd name="connsiteY1" fmla="*/ 3213 h 1038978"/>
+                  <a:gd name="connsiteX2" fmla="*/ 1670050 w 2139950"/>
+                  <a:gd name="connsiteY2" fmla="*/ 981113 h 1038978"/>
+                  <a:gd name="connsiteX3" fmla="*/ 2139950 w 2139950"/>
+                  <a:gd name="connsiteY3" fmla="*/ 841413 h 1038978"/>
+                </a:gdLst>
+                <a:ahLst/>
+                <a:cxnLst>
+                  <a:cxn ang="0">
+                    <a:pos x="connsiteX0" y="connsiteY0"/>
+                  </a:cxn>
+                  <a:cxn ang="0">
+                    <a:pos x="connsiteX1" y="connsiteY1"/>
+                  </a:cxn>
+                  <a:cxn ang="0">
+                    <a:pos x="connsiteX2" y="connsiteY2"/>
+                  </a:cxn>
+                  <a:cxn ang="0">
+                    <a:pos x="connsiteX3" y="connsiteY3"/>
+                  </a:cxn>
+                </a:cxnLst>
+                <a:rect l="l" t="t" r="r" b="b"/>
+                <a:pathLst>
+                  <a:path w="2139950" h="1038978">
+                    <a:moveTo>
+                      <a:pt x="0" y="727113"/>
+                    </a:moveTo>
+                    <a:cubicBezTo>
+                      <a:pt x="197379" y="343996"/>
+                      <a:pt x="394758" y="-39120"/>
+                      <a:pt x="673100" y="3213"/>
+                    </a:cubicBezTo>
+                    <a:cubicBezTo>
+                      <a:pt x="951442" y="45546"/>
+                      <a:pt x="1425575" y="841413"/>
+                      <a:pt x="1670050" y="981113"/>
+                    </a:cubicBezTo>
+                    <a:cubicBezTo>
+                      <a:pt x="1914525" y="1120813"/>
+                      <a:pt x="2027237" y="981113"/>
+                      <a:pt x="2139950" y="841413"/>
+                    </a:cubicBezTo>
+                  </a:path>
+                </a:pathLst>
+              </a:custGeom>
+              <a:noFill/>
+              <a:ln w="38100" cap="rnd">
+                <a:solidFill>
+                  <a:srgbClr val="FF0000"/>
+                </a:solidFill>
+              </a:ln>
+            </p:spPr>
+            <p:style>
+              <a:lnRef idx="2">
+                <a:schemeClr val="accent1">
+                  <a:shade val="50000"/>
+                </a:schemeClr>
+              </a:lnRef>
+              <a:fillRef idx="1">
+                <a:schemeClr val="accent1"/>
+              </a:fillRef>
+              <a:effectRef idx="0">
+                <a:schemeClr val="accent1"/>
+              </a:effectRef>
+              <a:fontRef idx="minor">
+                <a:schemeClr val="lt1"/>
+              </a:fontRef>
+            </p:style>
+            <p:txBody>
+              <a:bodyPr rtlCol="0" anchor="ctr"/>
+              <a:lstStyle/>
+              <a:p>
+                <a:pPr algn="ctr"/>
+                <a:endParaRPr lang="en-GB"/>
+              </a:p>
+            </p:txBody>
+          </p:sp>
+          <p:sp>
+            <p:nvSpPr>
+              <p:cNvPr id="57" name="Freeform 56"/>
+              <p:cNvSpPr/>
+              <p:nvPr/>
+            </p:nvSpPr>
+            <p:spPr>
+              <a:xfrm>
+                <a:off x="6287679" y="4242062"/>
+                <a:ext cx="2348327" cy="1002902"/>
+              </a:xfrm>
+              <a:custGeom>
+                <a:avLst/>
+                <a:gdLst>
+                  <a:gd name="connsiteX0" fmla="*/ 0 w 2469823"/>
+                  <a:gd name="connsiteY0" fmla="*/ 0 h 1002902"/>
+                  <a:gd name="connsiteX1" fmla="*/ 1065229 w 2469823"/>
+                  <a:gd name="connsiteY1" fmla="*/ 320511 h 1002902"/>
+                  <a:gd name="connsiteX2" fmla="*/ 1951349 w 2469823"/>
+                  <a:gd name="connsiteY2" fmla="*/ 961534 h 1002902"/>
+                  <a:gd name="connsiteX3" fmla="*/ 2469823 w 2469823"/>
+                  <a:gd name="connsiteY3" fmla="*/ 886119 h 1002902"/>
+                </a:gdLst>
+                <a:ahLst/>
+                <a:cxnLst>
+                  <a:cxn ang="0">
+                    <a:pos x="connsiteX0" y="connsiteY0"/>
+                  </a:cxn>
+                  <a:cxn ang="0">
+                    <a:pos x="connsiteX1" y="connsiteY1"/>
+                  </a:cxn>
+                  <a:cxn ang="0">
+                    <a:pos x="connsiteX2" y="connsiteY2"/>
+                  </a:cxn>
+                  <a:cxn ang="0">
+                    <a:pos x="connsiteX3" y="connsiteY3"/>
+                  </a:cxn>
+                </a:cxnLst>
+                <a:rect l="l" t="t" r="r" b="b"/>
+                <a:pathLst>
+                  <a:path w="2469823" h="1002902">
+                    <a:moveTo>
+                      <a:pt x="0" y="0"/>
+                    </a:moveTo>
+                    <a:cubicBezTo>
+                      <a:pt x="370002" y="80127"/>
+                      <a:pt x="740004" y="160255"/>
+                      <a:pt x="1065229" y="320511"/>
+                    </a:cubicBezTo>
+                    <a:cubicBezTo>
+                      <a:pt x="1390454" y="480767"/>
+                      <a:pt x="1717250" y="867266"/>
+                      <a:pt x="1951349" y="961534"/>
+                    </a:cubicBezTo>
+                    <a:cubicBezTo>
+                      <a:pt x="2185448" y="1055802"/>
+                      <a:pt x="2327635" y="970960"/>
+                      <a:pt x="2469823" y="886119"/>
+                    </a:cubicBezTo>
+                  </a:path>
+                </a:pathLst>
+              </a:custGeom>
+              <a:noFill/>
+              <a:ln w="38100" cap="rnd">
+                <a:solidFill>
+                  <a:schemeClr val="tx1"/>
+                </a:solidFill>
+              </a:ln>
+            </p:spPr>
+            <p:style>
+              <a:lnRef idx="2">
+                <a:schemeClr val="accent1">
+                  <a:shade val="50000"/>
+                </a:schemeClr>
+              </a:lnRef>
+              <a:fillRef idx="1">
+                <a:schemeClr val="accent1"/>
+              </a:fillRef>
+              <a:effectRef idx="0">
+                <a:schemeClr val="accent1"/>
+              </a:effectRef>
+              <a:fontRef idx="minor">
+                <a:schemeClr val="lt1"/>
+              </a:fontRef>
+            </p:style>
+            <p:txBody>
+              <a:bodyPr rtlCol="0" anchor="ctr"/>
+              <a:lstStyle/>
+              <a:p>
+                <a:pPr algn="ctr"/>
+                <a:endParaRPr lang="en-GB"/>
+              </a:p>
+            </p:txBody>
+          </p:sp>
+          <p:sp>
+            <p:nvSpPr>
+              <p:cNvPr id="59" name="Freeform 58"/>
+              <p:cNvSpPr/>
+              <p:nvPr/>
+            </p:nvSpPr>
+            <p:spPr>
+              <a:xfrm>
+                <a:off x="8636006" y="4343989"/>
+                <a:ext cx="2195392" cy="774766"/>
+              </a:xfrm>
+              <a:custGeom>
+                <a:avLst/>
+                <a:gdLst>
+                  <a:gd name="connsiteX0" fmla="*/ 0 w 2064470"/>
+                  <a:gd name="connsiteY0" fmla="*/ 774766 h 774766"/>
+                  <a:gd name="connsiteX1" fmla="*/ 895546 w 2064470"/>
+                  <a:gd name="connsiteY1" fmla="*/ 1768 h 774766"/>
+                  <a:gd name="connsiteX2" fmla="*/ 2064470 w 2064470"/>
+                  <a:gd name="connsiteY2" fmla="*/ 605083 h 774766"/>
+                </a:gdLst>
+                <a:ahLst/>
+                <a:cxnLst>
+                  <a:cxn ang="0">
+                    <a:pos x="connsiteX0" y="connsiteY0"/>
+                  </a:cxn>
+                  <a:cxn ang="0">
+                    <a:pos x="connsiteX1" y="connsiteY1"/>
+                  </a:cxn>
+                  <a:cxn ang="0">
+                    <a:pos x="connsiteX2" y="connsiteY2"/>
+                  </a:cxn>
+                </a:cxnLst>
+                <a:rect l="l" t="t" r="r" b="b"/>
+                <a:pathLst>
+                  <a:path w="2064470" h="774766">
+                    <a:moveTo>
+                      <a:pt x="0" y="774766"/>
+                    </a:moveTo>
+                    <a:cubicBezTo>
+                      <a:pt x="275734" y="402407"/>
+                      <a:pt x="551468" y="30048"/>
+                      <a:pt x="895546" y="1768"/>
+                    </a:cubicBezTo>
+                    <a:cubicBezTo>
+                      <a:pt x="1239624" y="-26513"/>
+                      <a:pt x="1652047" y="289285"/>
+                      <a:pt x="2064470" y="605083"/>
+                    </a:cubicBezTo>
+                  </a:path>
+                </a:pathLst>
+              </a:custGeom>
+              <a:noFill/>
+              <a:ln w="38100" cap="rnd">
+                <a:solidFill>
+                  <a:srgbClr val="FF0000"/>
+                </a:solidFill>
+              </a:ln>
+            </p:spPr>
+            <p:style>
+              <a:lnRef idx="2">
+                <a:schemeClr val="accent1">
+                  <a:shade val="50000"/>
+                </a:schemeClr>
+              </a:lnRef>
+              <a:fillRef idx="1">
+                <a:schemeClr val="accent1"/>
+              </a:fillRef>
+              <a:effectRef idx="0">
+                <a:schemeClr val="accent1"/>
+              </a:effectRef>
+              <a:fontRef idx="minor">
+                <a:schemeClr val="lt1"/>
+              </a:fontRef>
+            </p:style>
+            <p:txBody>
+              <a:bodyPr rtlCol="0" anchor="ctr"/>
+              <a:lstStyle/>
+              <a:p>
+                <a:pPr algn="ctr"/>
+                <a:endParaRPr lang="en-GB"/>
+              </a:p>
+            </p:txBody>
+          </p:sp>
+          <p:cxnSp>
+            <p:nvCxnSpPr>
+              <p:cNvPr id="61" name="Straight Connector 60"/>
+              <p:cNvCxnSpPr/>
+              <p:nvPr/>
+            </p:nvCxnSpPr>
+            <p:spPr>
+              <a:xfrm>
+                <a:off x="8616950" y="1386502"/>
+                <a:ext cx="23818" cy="4023698"/>
+              </a:xfrm>
+              <a:prstGeom prst="line">
+                <a:avLst/>
+              </a:prstGeom>
+              <a:ln>
+                <a:solidFill>
+                  <a:schemeClr val="tx1"/>
+                </a:solidFill>
+                <a:prstDash val="dash"/>
+              </a:ln>
+            </p:spPr>
+            <p:style>
+              <a:lnRef idx="1">
+                <a:schemeClr val="accent1"/>
+              </a:lnRef>
+              <a:fillRef idx="0">
+                <a:schemeClr val="accent1"/>
+              </a:fillRef>
+              <a:effectRef idx="0">
+                <a:schemeClr val="accent1"/>
+              </a:effectRef>
+              <a:fontRef idx="minor">
+                <a:schemeClr val="tx1"/>
+              </a:fontRef>
+            </p:style>
+          </p:cxnSp>
+          <p:sp>
+            <p:nvSpPr>
+              <p:cNvPr id="62" name="TextBox 61"/>
+              <p:cNvSpPr txBox="1"/>
+              <p:nvPr/>
+            </p:nvSpPr>
+            <p:spPr>
+              <a:xfrm>
+                <a:off x="5958731" y="1543640"/>
+                <a:ext cx="327334" cy="400110"/>
+              </a:xfrm>
+              <a:prstGeom prst="rect">
+                <a:avLst/>
+              </a:prstGeom>
+              <a:noFill/>
+            </p:spPr>
+            <p:txBody>
+              <a:bodyPr wrap="none" rtlCol="0">
+                <a:spAutoFit/>
+              </a:bodyPr>
+              <a:lstStyle/>
+              <a:p>
+                <a:r>
+                  <a:rPr lang="en-GB" sz="2000" dirty="0" smtClean="0">
+                    <a:latin typeface="Arial" panose="020B0604020202020204" pitchFamily="34" charset="0"/>
+                    <a:cs typeface="Arial" panose="020B0604020202020204" pitchFamily="34" charset="0"/>
+                  </a:rPr>
+                  <a:t>1</a:t>
+                </a:r>
+                <a:endParaRPr lang="en-GB" sz="2000" dirty="0">
+                  <a:latin typeface="Arial" panose="020B0604020202020204" pitchFamily="34" charset="0"/>
+                  <a:cs typeface="Arial" panose="020B0604020202020204" pitchFamily="34" charset="0"/>
+                </a:endParaRPr>
+              </a:p>
+            </p:txBody>
+          </p:sp>
+          <p:sp>
+            <p:nvSpPr>
+              <p:cNvPr id="63" name="TextBox 62"/>
+              <p:cNvSpPr txBox="1"/>
+              <p:nvPr/>
+            </p:nvSpPr>
+            <p:spPr>
+              <a:xfrm>
+                <a:off x="5942619" y="2844773"/>
+                <a:ext cx="327334" cy="400110"/>
+              </a:xfrm>
+              <a:prstGeom prst="rect">
+                <a:avLst/>
+              </a:prstGeom>
+              <a:noFill/>
+            </p:spPr>
+            <p:txBody>
+              <a:bodyPr wrap="none" rtlCol="0">
+                <a:spAutoFit/>
+              </a:bodyPr>
+              <a:lstStyle/>
+              <a:p>
+                <a:r>
+                  <a:rPr lang="en-GB" sz="2000" dirty="0" smtClean="0">
+                    <a:latin typeface="Arial" panose="020B0604020202020204" pitchFamily="34" charset="0"/>
+                    <a:cs typeface="Arial" panose="020B0604020202020204" pitchFamily="34" charset="0"/>
+                  </a:rPr>
+                  <a:t>2</a:t>
+                </a:r>
+                <a:endParaRPr lang="en-GB" sz="2000" dirty="0">
+                  <a:latin typeface="Arial" panose="020B0604020202020204" pitchFamily="34" charset="0"/>
+                  <a:cs typeface="Arial" panose="020B0604020202020204" pitchFamily="34" charset="0"/>
+                </a:endParaRPr>
+              </a:p>
+            </p:txBody>
+          </p:sp>
+          <p:sp>
+            <p:nvSpPr>
+              <p:cNvPr id="64" name="TextBox 63"/>
+              <p:cNvSpPr txBox="1"/>
+              <p:nvPr/>
+            </p:nvSpPr>
+            <p:spPr>
+              <a:xfrm>
+                <a:off x="5960301" y="4156431"/>
+                <a:ext cx="327334" cy="400110"/>
+              </a:xfrm>
+              <a:prstGeom prst="rect">
+                <a:avLst/>
+              </a:prstGeom>
+              <a:noFill/>
+            </p:spPr>
+            <p:txBody>
+              <a:bodyPr wrap="none" rtlCol="0">
+                <a:spAutoFit/>
+              </a:bodyPr>
+              <a:lstStyle/>
+              <a:p>
+                <a:r>
+                  <a:rPr lang="en-GB" sz="2000" dirty="0" smtClean="0">
+                    <a:latin typeface="Arial" panose="020B0604020202020204" pitchFamily="34" charset="0"/>
+                    <a:cs typeface="Arial" panose="020B0604020202020204" pitchFamily="34" charset="0"/>
+                  </a:rPr>
+                  <a:t>3</a:t>
+                </a:r>
+                <a:endParaRPr lang="en-GB" sz="2000" dirty="0">
+                  <a:latin typeface="Arial" panose="020B0604020202020204" pitchFamily="34" charset="0"/>
+                  <a:cs typeface="Arial" panose="020B0604020202020204" pitchFamily="34" charset="0"/>
+                </a:endParaRPr>
+              </a:p>
+            </p:txBody>
+          </p:sp>
+        </p:grpSp>
+        <p:sp>
+          <p:nvSpPr>
+            <p:cNvPr id="67" name="TextBox 66"/>
+            <p:cNvSpPr txBox="1"/>
+            <p:nvPr/>
+          </p:nvSpPr>
+          <p:spPr>
+            <a:xfrm>
+              <a:off x="7006166" y="1212272"/>
+              <a:ext cx="1197764" cy="461665"/>
+            </a:xfrm>
+            <a:prstGeom prst="rect">
+              <a:avLst/>
+            </a:prstGeom>
+            <a:noFill/>
+          </p:spPr>
+          <p:txBody>
+            <a:bodyPr wrap="none" rtlCol="0">
+              <a:spAutoFit/>
+            </a:bodyPr>
+            <a:lstStyle/>
+            <a:p>
+              <a:r>
+                <a:rPr lang="en-GB" sz="2400" i="1" dirty="0" smtClean="0">
+                  <a:latin typeface="Symbol" panose="05050102010706020507" pitchFamily="18" charset="2"/>
+                  <a:cs typeface="Arial" panose="020B0604020202020204" pitchFamily="34" charset="0"/>
+                </a:rPr>
+                <a:t>w</a:t>
+              </a:r>
+              <a:r>
+                <a:rPr lang="en-GB" sz="2400" i="1" dirty="0" smtClean="0">
+                  <a:latin typeface="Arial" panose="020B0604020202020204" pitchFamily="34" charset="0"/>
+                  <a:cs typeface="Arial" panose="020B0604020202020204" pitchFamily="34" charset="0"/>
+                </a:rPr>
+                <a:t>=</a:t>
+              </a:r>
+              <a:r>
+                <a:rPr lang="en-GB" sz="2400" i="1" dirty="0" err="1" smtClean="0">
+                  <a:latin typeface="Symbol" panose="05050102010706020507" pitchFamily="18" charset="2"/>
+                  <a:cs typeface="Arial" panose="020B0604020202020204" pitchFamily="34" charset="0"/>
+                </a:rPr>
+                <a:t>g</a:t>
+              </a:r>
+              <a:r>
+                <a:rPr lang="en-GB" sz="2400" i="1" dirty="0" err="1" smtClean="0">
+                  <a:latin typeface="Arial" panose="020B0604020202020204" pitchFamily="34" charset="0"/>
+                  <a:cs typeface="Arial" panose="020B0604020202020204" pitchFamily="34" charset="0"/>
+                </a:rPr>
+                <a:t>G</a:t>
+              </a:r>
+              <a:r>
+                <a:rPr lang="en-GB" sz="2400" i="1" baseline="-25000" dirty="0" err="1" smtClean="0">
+                  <a:latin typeface="Arial" panose="020B0604020202020204" pitchFamily="34" charset="0"/>
+                  <a:cs typeface="Arial" panose="020B0604020202020204" pitchFamily="34" charset="0"/>
+                </a:rPr>
+                <a:t>y</a:t>
+              </a:r>
+              <a:r>
+                <a:rPr lang="en-GB" sz="2400" i="1" dirty="0" err="1" smtClean="0">
+                  <a:latin typeface="Arial" panose="020B0604020202020204" pitchFamily="34" charset="0"/>
+                  <a:cs typeface="Arial" panose="020B0604020202020204" pitchFamily="34" charset="0"/>
+                </a:rPr>
+                <a:t>y</a:t>
+              </a:r>
+              <a:endParaRPr lang="en-GB" sz="2400" i="1" dirty="0">
+                <a:latin typeface="Arial" panose="020B0604020202020204" pitchFamily="34" charset="0"/>
+                <a:cs typeface="Arial" panose="020B0604020202020204" pitchFamily="34" charset="0"/>
+              </a:endParaRPr>
+            </a:p>
+          </p:txBody>
+        </p:sp>
+        <p:sp>
+          <p:nvSpPr>
+            <p:cNvPr id="68" name="TextBox 67"/>
+            <p:cNvSpPr txBox="1"/>
+            <p:nvPr/>
+          </p:nvSpPr>
+          <p:spPr>
+            <a:xfrm>
+              <a:off x="9420089" y="1205984"/>
+              <a:ext cx="1197764" cy="461665"/>
+            </a:xfrm>
+            <a:prstGeom prst="rect">
+              <a:avLst/>
+            </a:prstGeom>
+            <a:noFill/>
+          </p:spPr>
+          <p:txBody>
+            <a:bodyPr wrap="none" rtlCol="0">
+              <a:spAutoFit/>
+            </a:bodyPr>
+            <a:lstStyle/>
+            <a:p>
+              <a:r>
+                <a:rPr lang="en-GB" sz="2400" i="1" dirty="0" smtClean="0">
+                  <a:latin typeface="Symbol" panose="05050102010706020507" pitchFamily="18" charset="2"/>
+                  <a:cs typeface="Arial" panose="020B0604020202020204" pitchFamily="34" charset="0"/>
+                </a:rPr>
+                <a:t>w</a:t>
+              </a:r>
+              <a:r>
+                <a:rPr lang="en-GB" sz="2400" i="1" dirty="0" smtClean="0">
+                  <a:latin typeface="Arial" panose="020B0604020202020204" pitchFamily="34" charset="0"/>
+                  <a:cs typeface="Arial" panose="020B0604020202020204" pitchFamily="34" charset="0"/>
+                </a:rPr>
+                <a:t>=</a:t>
+              </a:r>
+              <a:r>
+                <a:rPr lang="en-GB" sz="2400" i="1" dirty="0" err="1" smtClean="0">
+                  <a:latin typeface="Symbol" panose="05050102010706020507" pitchFamily="18" charset="2"/>
+                  <a:cs typeface="Arial" panose="020B0604020202020204" pitchFamily="34" charset="0"/>
+                </a:rPr>
+                <a:t>g</a:t>
+              </a:r>
+              <a:r>
+                <a:rPr lang="en-GB" sz="2400" i="1" dirty="0" err="1" smtClean="0">
+                  <a:latin typeface="Arial" panose="020B0604020202020204" pitchFamily="34" charset="0"/>
+                  <a:cs typeface="Arial" panose="020B0604020202020204" pitchFamily="34" charset="0"/>
+                </a:rPr>
+                <a:t>G</a:t>
+              </a:r>
+              <a:r>
+                <a:rPr lang="en-GB" sz="2400" i="1" baseline="-25000" dirty="0" err="1" smtClean="0">
+                  <a:latin typeface="Arial" panose="020B0604020202020204" pitchFamily="34" charset="0"/>
+                  <a:cs typeface="Arial" panose="020B0604020202020204" pitchFamily="34" charset="0"/>
+                </a:rPr>
+                <a:t>x</a:t>
+              </a:r>
+              <a:r>
+                <a:rPr lang="en-GB" sz="2400" i="1" dirty="0" err="1" smtClean="0">
+                  <a:latin typeface="Arial" panose="020B0604020202020204" pitchFamily="34" charset="0"/>
+                  <a:cs typeface="Arial" panose="020B0604020202020204" pitchFamily="34" charset="0"/>
+                </a:rPr>
+                <a:t>x</a:t>
+              </a:r>
+              <a:endParaRPr lang="en-GB" sz="2400" i="1" dirty="0">
+                <a:latin typeface="Arial" panose="020B0604020202020204" pitchFamily="34" charset="0"/>
+                <a:cs typeface="Arial" panose="020B0604020202020204" pitchFamily="34" charset="0"/>
+              </a:endParaRPr>
+            </a:p>
+          </p:txBody>
+        </p:sp>
+      </p:grpSp>
+    </p:spTree>
+    <p:extLst>
+      <p:ext uri="{BB962C8B-B14F-4D97-AF65-F5344CB8AC3E}">
+        <p14:creationId xmlns:p14="http://schemas.microsoft.com/office/powerpoint/2010/main" val="3211709702"/>
+      </p:ext>
+    </p:extLst>
+  </p:cSld>
+  <p:clrMapOvr>
+    <a:masterClrMapping/>
+  </p:clrMapOvr>
+</p:sld>
+</file>
+
+<file path=ppt/slides/slide61.xml><?xml version="1.0" encoding="utf-8"?>
+<p:sld xmlns:a="http://schemas.openxmlformats.org/drawingml/2006/main" xmlns:r="http://schemas.openxmlformats.org/officeDocument/2006/relationships" xmlns:p="http://schemas.openxmlformats.org/presentationml/2006/main">
+  <p:cSld>
+    <p:spTree>
+      <p:nvGrpSpPr>
+        <p:cNvPr id="1" name=""/>
+        <p:cNvGrpSpPr/>
+        <p:nvPr/>
+      </p:nvGrpSpPr>
+      <p:grpSpPr>
+        <a:xfrm>
+          <a:off x="0" y="0"/>
+          <a:ext cx="0" cy="0"/>
+          <a:chOff x="0" y="0"/>
+          <a:chExt cx="0" cy="0"/>
+        </a:xfrm>
+      </p:grpSpPr>
+      <p:grpSp>
+        <p:nvGrpSpPr>
+          <p:cNvPr id="19" name="Group 18"/>
+          <p:cNvGrpSpPr/>
+          <p:nvPr/>
+        </p:nvGrpSpPr>
+        <p:grpSpPr>
+          <a:xfrm>
+            <a:off x="1981200" y="1633103"/>
+            <a:ext cx="8779675" cy="2876446"/>
+            <a:chOff x="1981200" y="1633103"/>
+            <a:chExt cx="8779675" cy="2876446"/>
+          </a:xfrm>
+        </p:grpSpPr>
+        <p:grpSp>
+          <p:nvGrpSpPr>
+            <p:cNvPr id="2" name="Group 1"/>
+            <p:cNvGrpSpPr/>
+            <p:nvPr/>
+          </p:nvGrpSpPr>
+          <p:grpSpPr>
+            <a:xfrm>
+              <a:off x="1981200" y="1633103"/>
+              <a:ext cx="8779675" cy="2876446"/>
+              <a:chOff x="1981200" y="1633103"/>
+              <a:chExt cx="8779675" cy="2876446"/>
+            </a:xfrm>
+          </p:grpSpPr>
+          <p:pic>
+            <p:nvPicPr>
+              <p:cNvPr id="10" name="Picture 9"/>
+              <p:cNvPicPr>
+                <a:picLocks noChangeAspect="1"/>
+              </p:cNvPicPr>
+              <p:nvPr/>
+            </p:nvPicPr>
+            <p:blipFill>
+              <a:blip r:embed="rId2"/>
+              <a:stretch>
+                <a:fillRect/>
+              </a:stretch>
+            </p:blipFill>
+            <p:spPr>
+              <a:xfrm>
+                <a:off x="2295681" y="1948446"/>
+                <a:ext cx="5047384" cy="1831479"/>
+              </a:xfrm>
+              <a:prstGeom prst="rect">
+                <a:avLst/>
+              </a:prstGeom>
+            </p:spPr>
+          </p:pic>
+          <p:cxnSp>
+            <p:nvCxnSpPr>
+              <p:cNvPr id="12" name="Straight Arrow Connector 11"/>
+              <p:cNvCxnSpPr/>
+              <p:nvPr/>
+            </p:nvCxnSpPr>
+            <p:spPr>
+              <a:xfrm flipV="1">
+                <a:off x="1981200" y="1633103"/>
+                <a:ext cx="0" cy="2321170"/>
+              </a:xfrm>
+              <a:prstGeom prst="straightConnector1">
+                <a:avLst/>
+              </a:prstGeom>
+              <a:ln w="60325">
+                <a:tailEnd type="triangle"/>
+              </a:ln>
+            </p:spPr>
+            <p:style>
+              <a:lnRef idx="1">
+                <a:schemeClr val="accent1"/>
+              </a:lnRef>
+              <a:fillRef idx="0">
+                <a:schemeClr val="accent1"/>
+              </a:fillRef>
+              <a:effectRef idx="0">
+                <a:schemeClr val="accent1"/>
+              </a:effectRef>
+              <a:fontRef idx="minor">
+                <a:schemeClr val="tx1"/>
+              </a:fontRef>
+            </p:style>
+          </p:cxnSp>
+          <p:sp>
+            <p:nvSpPr>
+              <p:cNvPr id="13" name="TextBox 12"/>
+              <p:cNvSpPr txBox="1"/>
+              <p:nvPr/>
+            </p:nvSpPr>
+            <p:spPr>
+              <a:xfrm>
+                <a:off x="2110116" y="3924774"/>
+                <a:ext cx="2776722" cy="584775"/>
+              </a:xfrm>
+              <a:prstGeom prst="rect">
+                <a:avLst/>
+              </a:prstGeom>
+              <a:noFill/>
+            </p:spPr>
+            <p:txBody>
+              <a:bodyPr wrap="none" rtlCol="0">
+                <a:spAutoFit/>
+              </a:bodyPr>
+              <a:lstStyle/>
+              <a:p>
+                <a:r>
+                  <a:rPr lang="en-US" sz="3200" b="1" i="1" dirty="0" smtClean="0">
+                    <a:latin typeface="Arial" panose="020B0604020202020204" pitchFamily="34" charset="0"/>
+                    <a:cs typeface="Arial" panose="020B0604020202020204" pitchFamily="34" charset="0"/>
+                  </a:rPr>
+                  <a:t>B(z)= </a:t>
+                </a:r>
+                <a:r>
+                  <a:rPr lang="en-US" sz="3200" b="1" i="1" dirty="0">
+                    <a:latin typeface="Arial" panose="020B0604020202020204" pitchFamily="34" charset="0"/>
+                    <a:cs typeface="Arial" panose="020B0604020202020204" pitchFamily="34" charset="0"/>
+                  </a:rPr>
+                  <a:t>B</a:t>
+                </a:r>
+                <a:r>
+                  <a:rPr lang="en-US" sz="3200" b="1" i="1" baseline="-25000" dirty="0">
+                    <a:latin typeface="Arial" panose="020B0604020202020204" pitchFamily="34" charset="0"/>
+                    <a:cs typeface="Arial" panose="020B0604020202020204" pitchFamily="34" charset="0"/>
+                  </a:rPr>
+                  <a:t>0</a:t>
+                </a:r>
+                <a:r>
+                  <a:rPr lang="en-US" sz="3200" b="1" i="1" dirty="0">
+                    <a:latin typeface="Arial" panose="020B0604020202020204" pitchFamily="34" charset="0"/>
+                    <a:cs typeface="Arial" panose="020B0604020202020204" pitchFamily="34" charset="0"/>
+                  </a:rPr>
+                  <a:t>+ </a:t>
+                </a:r>
+                <a:r>
+                  <a:rPr lang="en-US" sz="3200" b="1" i="1" dirty="0" err="1">
+                    <a:latin typeface="Arial" panose="020B0604020202020204" pitchFamily="34" charset="0"/>
+                    <a:cs typeface="Arial" panose="020B0604020202020204" pitchFamily="34" charset="0"/>
+                  </a:rPr>
+                  <a:t>G</a:t>
+                </a:r>
+                <a:r>
+                  <a:rPr lang="en-US" sz="3200" b="1" i="1" baseline="-25000" dirty="0" err="1">
+                    <a:latin typeface="Arial" panose="020B0604020202020204" pitchFamily="34" charset="0"/>
+                    <a:cs typeface="Arial" panose="020B0604020202020204" pitchFamily="34" charset="0"/>
+                  </a:rPr>
+                  <a:t>z</a:t>
+                </a:r>
+                <a:r>
+                  <a:rPr lang="en-US" sz="3200" b="1" i="1" dirty="0" err="1">
+                    <a:latin typeface="Arial" panose="020B0604020202020204" pitchFamily="34" charset="0"/>
+                    <a:cs typeface="Arial" panose="020B0604020202020204" pitchFamily="34" charset="0"/>
+                  </a:rPr>
+                  <a:t>z</a:t>
+                </a:r>
+                <a:endParaRPr lang="en-US" sz="3200" b="1" i="1" dirty="0">
+                  <a:latin typeface="Arial" panose="020B0604020202020204" pitchFamily="34" charset="0"/>
+                  <a:cs typeface="Arial" panose="020B0604020202020204" pitchFamily="34" charset="0"/>
+                </a:endParaRPr>
+              </a:p>
+            </p:txBody>
+          </p:sp>
+          <p:cxnSp>
+            <p:nvCxnSpPr>
+              <p:cNvPr id="17" name="Straight Arrow Connector 16"/>
+              <p:cNvCxnSpPr/>
+              <p:nvPr/>
+            </p:nvCxnSpPr>
+            <p:spPr>
+              <a:xfrm rot="5400000" flipH="1" flipV="1">
+                <a:off x="9200320" y="2897218"/>
+                <a:ext cx="2096765" cy="0"/>
+              </a:xfrm>
+              <a:prstGeom prst="straightConnector1">
+                <a:avLst/>
+              </a:prstGeom>
+              <a:ln w="31750">
+                <a:solidFill>
+                  <a:schemeClr val="tx1"/>
+                </a:solidFill>
+                <a:tailEnd type="triangle"/>
+              </a:ln>
+            </p:spPr>
+            <p:style>
+              <a:lnRef idx="1">
+                <a:schemeClr val="accent1"/>
+              </a:lnRef>
+              <a:fillRef idx="0">
+                <a:schemeClr val="accent1"/>
+              </a:fillRef>
+              <a:effectRef idx="0">
+                <a:schemeClr val="accent1"/>
+              </a:effectRef>
+              <a:fontRef idx="minor">
+                <a:schemeClr val="tx1"/>
+              </a:fontRef>
+            </p:style>
+          </p:cxnSp>
+          <p:cxnSp>
+            <p:nvCxnSpPr>
+              <p:cNvPr id="23" name="Straight Connector 22"/>
+              <p:cNvCxnSpPr/>
+              <p:nvPr/>
+            </p:nvCxnSpPr>
+            <p:spPr>
+              <a:xfrm rot="5400000" flipH="1" flipV="1">
+                <a:off x="10146215" y="2828639"/>
+                <a:ext cx="0" cy="182880"/>
+              </a:xfrm>
+              <a:prstGeom prst="line">
+                <a:avLst/>
+              </a:prstGeom>
+              <a:ln w="25400">
+                <a:solidFill>
+                  <a:schemeClr val="tx1"/>
+                </a:solidFill>
+              </a:ln>
+            </p:spPr>
+            <p:style>
+              <a:lnRef idx="1">
+                <a:schemeClr val="accent1"/>
+              </a:lnRef>
+              <a:fillRef idx="0">
+                <a:schemeClr val="accent1"/>
+              </a:fillRef>
+              <a:effectRef idx="0">
+                <a:schemeClr val="accent1"/>
+              </a:effectRef>
+              <a:fontRef idx="minor">
+                <a:schemeClr val="tx1"/>
+              </a:fontRef>
+            </p:style>
+          </p:cxnSp>
+          <p:sp>
+            <p:nvSpPr>
+              <p:cNvPr id="24" name="TextBox 23"/>
+              <p:cNvSpPr txBox="1"/>
+              <p:nvPr/>
+            </p:nvSpPr>
+            <p:spPr>
+              <a:xfrm rot="5400000" flipH="1" flipV="1">
+                <a:off x="10223388" y="2635609"/>
+                <a:ext cx="551754" cy="523220"/>
+              </a:xfrm>
+              <a:prstGeom prst="rect">
+                <a:avLst/>
+              </a:prstGeom>
+              <a:noFill/>
+            </p:spPr>
+            <p:txBody>
+              <a:bodyPr wrap="none" rtlCol="0">
+                <a:spAutoFit/>
+              </a:bodyPr>
+              <a:lstStyle/>
+              <a:p>
+                <a:r>
+                  <a:rPr lang="en-US" sz="2800" dirty="0">
+                    <a:latin typeface="Symbol" panose="05050102010706020507" pitchFamily="18" charset="2"/>
+                  </a:rPr>
+                  <a:t>w</a:t>
+                </a:r>
+                <a:r>
+                  <a:rPr lang="en-US" sz="2800" baseline="-25000" dirty="0">
+                    <a:latin typeface="Symbol" panose="05050102010706020507" pitchFamily="18" charset="2"/>
+                  </a:rPr>
+                  <a:t>0</a:t>
+                </a:r>
+                <a:endParaRPr lang="en-US" sz="2800" baseline="-25000" dirty="0">
+                  <a:latin typeface="Symbol" panose="05050102010706020507" pitchFamily="18" charset="2"/>
+                </a:endParaRPr>
+              </a:p>
+            </p:txBody>
+          </p:sp>
+          <p:sp>
+            <p:nvSpPr>
+              <p:cNvPr id="33" name="Freeform 32"/>
+              <p:cNvSpPr/>
+              <p:nvPr/>
+            </p:nvSpPr>
+            <p:spPr>
+              <a:xfrm rot="5400000" flipH="1" flipV="1">
+                <a:off x="9367583" y="2934173"/>
+                <a:ext cx="851755" cy="888388"/>
+              </a:xfrm>
+              <a:custGeom>
+                <a:avLst/>
+                <a:gdLst>
+                  <a:gd name="connsiteX0" fmla="*/ 0 w 1012873"/>
+                  <a:gd name="connsiteY0" fmla="*/ 1056324 h 1056324"/>
+                  <a:gd name="connsiteX1" fmla="*/ 56270 w 1012873"/>
+                  <a:gd name="connsiteY1" fmla="*/ 521752 h 1056324"/>
+                  <a:gd name="connsiteX2" fmla="*/ 337624 w 1012873"/>
+                  <a:gd name="connsiteY2" fmla="*/ 184127 h 1056324"/>
+                  <a:gd name="connsiteX3" fmla="*/ 618978 w 1012873"/>
+                  <a:gd name="connsiteY3" fmla="*/ 43450 h 1056324"/>
+                  <a:gd name="connsiteX4" fmla="*/ 914400 w 1012873"/>
+                  <a:gd name="connsiteY4" fmla="*/ 1247 h 1056324"/>
+                  <a:gd name="connsiteX5" fmla="*/ 1012873 w 1012873"/>
+                  <a:gd name="connsiteY5" fmla="*/ 15315 h 1056324"/>
+                </a:gdLst>
+                <a:ahLst/>
+                <a:cxnLst>
+                  <a:cxn ang="0">
+                    <a:pos x="connsiteX0" y="connsiteY0"/>
+                  </a:cxn>
+                  <a:cxn ang="0">
+                    <a:pos x="connsiteX1" y="connsiteY1"/>
+                  </a:cxn>
+                  <a:cxn ang="0">
+                    <a:pos x="connsiteX2" y="connsiteY2"/>
+                  </a:cxn>
+                  <a:cxn ang="0">
+                    <a:pos x="connsiteX3" y="connsiteY3"/>
+                  </a:cxn>
+                  <a:cxn ang="0">
+                    <a:pos x="connsiteX4" y="connsiteY4"/>
+                  </a:cxn>
+                  <a:cxn ang="0">
+                    <a:pos x="connsiteX5" y="connsiteY5"/>
+                  </a:cxn>
+                </a:cxnLst>
+                <a:rect l="l" t="t" r="r" b="b"/>
+                <a:pathLst>
+                  <a:path w="1012873" h="1056324">
+                    <a:moveTo>
+                      <a:pt x="0" y="1056324"/>
+                    </a:moveTo>
+                    <a:cubicBezTo>
+                      <a:pt x="-1" y="861721"/>
+                      <a:pt x="-1" y="667118"/>
+                      <a:pt x="56270" y="521752"/>
+                    </a:cubicBezTo>
+                    <a:cubicBezTo>
+                      <a:pt x="112541" y="376386"/>
+                      <a:pt x="243839" y="263844"/>
+                      <a:pt x="337624" y="184127"/>
+                    </a:cubicBezTo>
+                    <a:cubicBezTo>
+                      <a:pt x="431409" y="104410"/>
+                      <a:pt x="522849" y="73930"/>
+                      <a:pt x="618978" y="43450"/>
+                    </a:cubicBezTo>
+                    <a:cubicBezTo>
+                      <a:pt x="715107" y="12970"/>
+                      <a:pt x="848751" y="5936"/>
+                      <a:pt x="914400" y="1247"/>
+                    </a:cubicBezTo>
+                    <a:cubicBezTo>
+                      <a:pt x="980049" y="-3442"/>
+                      <a:pt x="996461" y="5936"/>
+                      <a:pt x="1012873" y="15315"/>
+                    </a:cubicBezTo>
+                  </a:path>
+                </a:pathLst>
+              </a:custGeom>
+              <a:noFill/>
+              <a:ln w="69850">
+                <a:solidFill>
+                  <a:schemeClr val="tx1"/>
+                </a:solidFill>
+              </a:ln>
+            </p:spPr>
+            <p:style>
+              <a:lnRef idx="2">
+                <a:schemeClr val="accent1">
+                  <a:shade val="50000"/>
+                </a:schemeClr>
+              </a:lnRef>
+              <a:fillRef idx="1">
+                <a:schemeClr val="accent1"/>
+              </a:fillRef>
+              <a:effectRef idx="0">
+                <a:schemeClr val="accent1"/>
+              </a:effectRef>
+              <a:fontRef idx="minor">
+                <a:schemeClr val="lt1"/>
+              </a:fontRef>
+            </p:style>
+            <p:txBody>
+              <a:bodyPr rtlCol="0" anchor="ctr"/>
+              <a:lstStyle/>
+              <a:p>
+                <a:pPr algn="ctr"/>
+                <a:endParaRPr lang="en-US"/>
+              </a:p>
+            </p:txBody>
+          </p:sp>
+          <p:sp>
+            <p:nvSpPr>
+              <p:cNvPr id="35" name="Freeform 34"/>
+              <p:cNvSpPr/>
+              <p:nvPr/>
+            </p:nvSpPr>
+            <p:spPr>
+              <a:xfrm rot="5400000" flipV="1">
+                <a:off x="9367583" y="2139907"/>
+                <a:ext cx="851755" cy="888388"/>
+              </a:xfrm>
+              <a:custGeom>
+                <a:avLst/>
+                <a:gdLst>
+                  <a:gd name="connsiteX0" fmla="*/ 0 w 1012873"/>
+                  <a:gd name="connsiteY0" fmla="*/ 1056324 h 1056324"/>
+                  <a:gd name="connsiteX1" fmla="*/ 56270 w 1012873"/>
+                  <a:gd name="connsiteY1" fmla="*/ 521752 h 1056324"/>
+                  <a:gd name="connsiteX2" fmla="*/ 337624 w 1012873"/>
+                  <a:gd name="connsiteY2" fmla="*/ 184127 h 1056324"/>
+                  <a:gd name="connsiteX3" fmla="*/ 618978 w 1012873"/>
+                  <a:gd name="connsiteY3" fmla="*/ 43450 h 1056324"/>
+                  <a:gd name="connsiteX4" fmla="*/ 914400 w 1012873"/>
+                  <a:gd name="connsiteY4" fmla="*/ 1247 h 1056324"/>
+                  <a:gd name="connsiteX5" fmla="*/ 1012873 w 1012873"/>
+                  <a:gd name="connsiteY5" fmla="*/ 15315 h 1056324"/>
+                </a:gdLst>
+                <a:ahLst/>
+                <a:cxnLst>
+                  <a:cxn ang="0">
+                    <a:pos x="connsiteX0" y="connsiteY0"/>
+                  </a:cxn>
+                  <a:cxn ang="0">
+                    <a:pos x="connsiteX1" y="connsiteY1"/>
+                  </a:cxn>
+                  <a:cxn ang="0">
+                    <a:pos x="connsiteX2" y="connsiteY2"/>
+                  </a:cxn>
+                  <a:cxn ang="0">
+                    <a:pos x="connsiteX3" y="connsiteY3"/>
+                  </a:cxn>
+                  <a:cxn ang="0">
+                    <a:pos x="connsiteX4" y="connsiteY4"/>
+                  </a:cxn>
+                  <a:cxn ang="0">
+                    <a:pos x="connsiteX5" y="connsiteY5"/>
+                  </a:cxn>
+                </a:cxnLst>
+                <a:rect l="l" t="t" r="r" b="b"/>
+                <a:pathLst>
+                  <a:path w="1012873" h="1056324">
+                    <a:moveTo>
+                      <a:pt x="0" y="1056324"/>
+                    </a:moveTo>
+                    <a:cubicBezTo>
+                      <a:pt x="-1" y="861721"/>
+                      <a:pt x="-1" y="667118"/>
+                      <a:pt x="56270" y="521752"/>
+                    </a:cubicBezTo>
+                    <a:cubicBezTo>
+                      <a:pt x="112541" y="376386"/>
+                      <a:pt x="243839" y="263844"/>
+                      <a:pt x="337624" y="184127"/>
+                    </a:cubicBezTo>
+                    <a:cubicBezTo>
+                      <a:pt x="431409" y="104410"/>
+                      <a:pt x="522849" y="73930"/>
+                      <a:pt x="618978" y="43450"/>
+                    </a:cubicBezTo>
+                    <a:cubicBezTo>
+                      <a:pt x="715107" y="12970"/>
+                      <a:pt x="848751" y="5936"/>
+                      <a:pt x="914400" y="1247"/>
+                    </a:cubicBezTo>
+                    <a:cubicBezTo>
+                      <a:pt x="980049" y="-3442"/>
+                      <a:pt x="996461" y="5936"/>
+                      <a:pt x="1012873" y="15315"/>
+                    </a:cubicBezTo>
+                  </a:path>
+                </a:pathLst>
+              </a:custGeom>
+              <a:noFill/>
+              <a:ln w="69850">
+                <a:solidFill>
+                  <a:schemeClr val="tx1"/>
+                </a:solidFill>
+              </a:ln>
+            </p:spPr>
+            <p:style>
+              <a:lnRef idx="2">
+                <a:schemeClr val="accent1">
+                  <a:shade val="50000"/>
+                </a:schemeClr>
+              </a:lnRef>
+              <a:fillRef idx="1">
+                <a:schemeClr val="accent1"/>
+              </a:fillRef>
+              <a:effectRef idx="0">
+                <a:schemeClr val="accent1"/>
+              </a:effectRef>
+              <a:fontRef idx="minor">
+                <a:schemeClr val="lt1"/>
+              </a:fontRef>
+            </p:style>
+            <p:txBody>
+              <a:bodyPr rtlCol="0" anchor="ctr"/>
+              <a:lstStyle/>
+              <a:p>
+                <a:pPr algn="ctr"/>
+                <a:endParaRPr lang="en-US"/>
+              </a:p>
+            </p:txBody>
+          </p:sp>
+          <p:cxnSp>
+            <p:nvCxnSpPr>
+              <p:cNvPr id="46" name="Straight Arrow Connector 45"/>
+              <p:cNvCxnSpPr/>
+              <p:nvPr/>
+            </p:nvCxnSpPr>
+            <p:spPr>
+              <a:xfrm>
+                <a:off x="7111711" y="2209053"/>
+                <a:ext cx="2374755" cy="10781"/>
+              </a:xfrm>
+              <a:prstGeom prst="straightConnector1">
+                <a:avLst/>
+              </a:prstGeom>
+              <a:ln>
+                <a:tailEnd type="triangle"/>
+              </a:ln>
+            </p:spPr>
+            <p:style>
+              <a:lnRef idx="1">
+                <a:schemeClr val="accent1"/>
+              </a:lnRef>
+              <a:fillRef idx="0">
+                <a:schemeClr val="accent1"/>
+              </a:fillRef>
+              <a:effectRef idx="0">
+                <a:schemeClr val="accent1"/>
+              </a:effectRef>
+              <a:fontRef idx="minor">
+                <a:schemeClr val="tx1"/>
+              </a:fontRef>
+            </p:style>
+          </p:cxnSp>
+        </p:grpSp>
+        <p:cxnSp>
+          <p:nvCxnSpPr>
+            <p:cNvPr id="27" name="Straight Arrow Connector 26"/>
+            <p:cNvCxnSpPr/>
+            <p:nvPr/>
+          </p:nvCxnSpPr>
+          <p:spPr>
+            <a:xfrm>
+              <a:off x="7301572" y="2469661"/>
+              <a:ext cx="1961491" cy="10780"/>
+            </a:xfrm>
+            <a:prstGeom prst="straightConnector1">
+              <a:avLst/>
+            </a:prstGeom>
+            <a:ln>
+              <a:tailEnd type="triangle"/>
+            </a:ln>
+          </p:spPr>
+          <p:style>
+            <a:lnRef idx="1">
+              <a:schemeClr val="accent1"/>
+            </a:lnRef>
+            <a:fillRef idx="0">
+              <a:schemeClr val="accent1"/>
+            </a:fillRef>
+            <a:effectRef idx="0">
+              <a:schemeClr val="accent1"/>
+            </a:effectRef>
+            <a:fontRef idx="minor">
+              <a:schemeClr val="tx1"/>
+            </a:fontRef>
+          </p:style>
+        </p:cxnSp>
+        <p:cxnSp>
+          <p:nvCxnSpPr>
+            <p:cNvPr id="28" name="Straight Arrow Connector 27"/>
+            <p:cNvCxnSpPr/>
+            <p:nvPr/>
+          </p:nvCxnSpPr>
+          <p:spPr>
+            <a:xfrm flipV="1">
+              <a:off x="7438771" y="2832759"/>
+              <a:ext cx="1824292" cy="2243"/>
+            </a:xfrm>
+            <a:prstGeom prst="straightConnector1">
+              <a:avLst/>
+            </a:prstGeom>
+            <a:ln>
+              <a:tailEnd type="triangle"/>
+            </a:ln>
+          </p:spPr>
+          <p:style>
+            <a:lnRef idx="1">
+              <a:schemeClr val="accent1"/>
+            </a:lnRef>
+            <a:fillRef idx="0">
+              <a:schemeClr val="accent1"/>
+            </a:fillRef>
+            <a:effectRef idx="0">
+              <a:schemeClr val="accent1"/>
+            </a:effectRef>
+            <a:fontRef idx="minor">
+              <a:schemeClr val="tx1"/>
+            </a:fontRef>
+          </p:style>
+        </p:cxnSp>
+        <p:cxnSp>
+          <p:nvCxnSpPr>
+            <p:cNvPr id="30" name="Straight Arrow Connector 29"/>
+            <p:cNvCxnSpPr/>
+            <p:nvPr/>
+          </p:nvCxnSpPr>
+          <p:spPr>
+            <a:xfrm>
+              <a:off x="7275240" y="3239413"/>
+              <a:ext cx="1987823" cy="10649"/>
+            </a:xfrm>
+            <a:prstGeom prst="straightConnector1">
+              <a:avLst/>
+            </a:prstGeom>
+            <a:ln>
+              <a:tailEnd type="triangle"/>
+            </a:ln>
+          </p:spPr>
+          <p:style>
+            <a:lnRef idx="1">
+              <a:schemeClr val="accent1"/>
+            </a:lnRef>
+            <a:fillRef idx="0">
+              <a:schemeClr val="accent1"/>
+            </a:fillRef>
+            <a:effectRef idx="0">
+              <a:schemeClr val="accent1"/>
+            </a:effectRef>
+            <a:fontRef idx="minor">
+              <a:schemeClr val="tx1"/>
+            </a:fontRef>
+          </p:style>
+        </p:cxnSp>
+        <p:cxnSp>
+          <p:nvCxnSpPr>
+            <p:cNvPr id="31" name="Straight Arrow Connector 30"/>
+            <p:cNvCxnSpPr/>
+            <p:nvPr/>
+          </p:nvCxnSpPr>
+          <p:spPr>
+            <a:xfrm>
+              <a:off x="7005976" y="3576195"/>
+              <a:ext cx="2343290" cy="0"/>
+            </a:xfrm>
+            <a:prstGeom prst="straightConnector1">
+              <a:avLst/>
+            </a:prstGeom>
+            <a:ln>
+              <a:tailEnd type="triangle"/>
+            </a:ln>
+          </p:spPr>
+          <p:style>
+            <a:lnRef idx="1">
+              <a:schemeClr val="accent1"/>
+            </a:lnRef>
+            <a:fillRef idx="0">
+              <a:schemeClr val="accent1"/>
+            </a:fillRef>
+            <a:effectRef idx="0">
+              <a:schemeClr val="accent1"/>
+            </a:effectRef>
+            <a:fontRef idx="minor">
+              <a:schemeClr val="tx1"/>
+            </a:fontRef>
+          </p:style>
+        </p:cxnSp>
+      </p:grpSp>
+    </p:spTree>
+    <p:extLst>
+      <p:ext uri="{BB962C8B-B14F-4D97-AF65-F5344CB8AC3E}">
+        <p14:creationId xmlns:p14="http://schemas.microsoft.com/office/powerpoint/2010/main" val="222917947"/>
+      </p:ext>
+    </p:extLst>
+  </p:cSld>
+  <p:clrMapOvr>
+    <a:masterClrMapping/>
+  </p:clrMapOvr>
+  <p:timing>
+    <p:tnLst>
+      <p:par>
+        <p:cTn id="1" dur="indefinite" restart="never" nodeType="tmRoot"/>
+      </p:par>
+    </p:tnLst>
+  </p:timing>
+</p:sld>
+</file>
+
+<file path=ppt/slides/slide62.xml><?xml version="1.0" encoding="utf-8"?>
+<p:sld xmlns:a="http://schemas.openxmlformats.org/drawingml/2006/main" xmlns:r="http://schemas.openxmlformats.org/officeDocument/2006/relationships" xmlns:p="http://schemas.openxmlformats.org/presentationml/2006/main">
+  <p:cSld>
+    <p:spTree>
+      <p:nvGrpSpPr>
+        <p:cNvPr id="1" name=""/>
+        <p:cNvGrpSpPr/>
+        <p:nvPr/>
+      </p:nvGrpSpPr>
+      <p:grpSpPr>
+        <a:xfrm>
+          <a:off x="0" y="0"/>
+          <a:ext cx="0" cy="0"/>
+          <a:chOff x="0" y="0"/>
+          <a:chExt cx="0" cy="0"/>
+        </a:xfrm>
+      </p:grpSpPr>
+      <p:pic>
+        <p:nvPicPr>
+          <p:cNvPr id="4" name="Picture 3"/>
+          <p:cNvPicPr>
+            <a:picLocks noChangeAspect="1"/>
+          </p:cNvPicPr>
+          <p:nvPr/>
+        </p:nvPicPr>
+        <p:blipFill>
+          <a:blip r:embed="rId2"/>
+          <a:stretch>
+            <a:fillRect/>
+          </a:stretch>
+        </p:blipFill>
+        <p:spPr>
+          <a:xfrm>
+            <a:off x="1175656" y="1349829"/>
+            <a:ext cx="9600341" cy="4911271"/>
+          </a:xfrm>
+          <a:prstGeom prst="rect">
+            <a:avLst/>
+          </a:prstGeom>
+        </p:spPr>
+      </p:pic>
+    </p:spTree>
+    <p:extLst>
+      <p:ext uri="{BB962C8B-B14F-4D97-AF65-F5344CB8AC3E}">
+        <p14:creationId xmlns:p14="http://schemas.microsoft.com/office/powerpoint/2010/main" val="2235330253"/>
+      </p:ext>
+    </p:extLst>
+  </p:cSld>
+  <p:clrMapOvr>
+    <a:masterClrMapping/>
+  </p:clrMapOvr>
 </p:sld>
 </file>
 
